--- a/1/1.pptx
+++ b/1/1.pptx
@@ -20,42 +20,39 @@
     <p:sldId id="264" r:id="rId14"/>
     <p:sldId id="263" r:id="rId15"/>
     <p:sldId id="266" r:id="rId16"/>
-    <p:sldId id="270" r:id="rId17"/>
-    <p:sldId id="272" r:id="rId18"/>
-    <p:sldId id="273" r:id="rId19"/>
-    <p:sldId id="274" r:id="rId20"/>
-    <p:sldId id="275" r:id="rId21"/>
-    <p:sldId id="276" r:id="rId22"/>
-    <p:sldId id="277" r:id="rId23"/>
-    <p:sldId id="278" r:id="rId24"/>
-    <p:sldId id="279" r:id="rId25"/>
-    <p:sldId id="280" r:id="rId26"/>
-    <p:sldId id="281" r:id="rId27"/>
-    <p:sldId id="282" r:id="rId28"/>
-    <p:sldId id="283" r:id="rId29"/>
-    <p:sldId id="284" r:id="rId30"/>
-    <p:sldId id="285" r:id="rId31"/>
-    <p:sldId id="286" r:id="rId32"/>
-    <p:sldId id="287" r:id="rId33"/>
-    <p:sldId id="288" r:id="rId34"/>
-    <p:sldId id="289" r:id="rId35"/>
-    <p:sldId id="290" r:id="rId36"/>
-    <p:sldId id="291" r:id="rId37"/>
-    <p:sldId id="292" r:id="rId38"/>
-    <p:sldId id="293" r:id="rId39"/>
-    <p:sldId id="294" r:id="rId40"/>
-    <p:sldId id="295" r:id="rId41"/>
-    <p:sldId id="296" r:id="rId42"/>
-    <p:sldId id="297" r:id="rId43"/>
-    <p:sldId id="308" r:id="rId44"/>
-    <p:sldId id="298" r:id="rId45"/>
-    <p:sldId id="307" r:id="rId46"/>
-    <p:sldId id="301" r:id="rId47"/>
-    <p:sldId id="302" r:id="rId48"/>
-    <p:sldId id="303" r:id="rId49"/>
-    <p:sldId id="304" r:id="rId50"/>
-    <p:sldId id="305" r:id="rId51"/>
-    <p:sldId id="306" r:id="rId52"/>
+    <p:sldId id="274" r:id="rId17"/>
+    <p:sldId id="275" r:id="rId18"/>
+    <p:sldId id="276" r:id="rId19"/>
+    <p:sldId id="277" r:id="rId20"/>
+    <p:sldId id="278" r:id="rId21"/>
+    <p:sldId id="279" r:id="rId22"/>
+    <p:sldId id="280" r:id="rId23"/>
+    <p:sldId id="281" r:id="rId24"/>
+    <p:sldId id="282" r:id="rId25"/>
+    <p:sldId id="283" r:id="rId26"/>
+    <p:sldId id="284" r:id="rId27"/>
+    <p:sldId id="285" r:id="rId28"/>
+    <p:sldId id="286" r:id="rId29"/>
+    <p:sldId id="287" r:id="rId30"/>
+    <p:sldId id="288" r:id="rId31"/>
+    <p:sldId id="289" r:id="rId32"/>
+    <p:sldId id="290" r:id="rId33"/>
+    <p:sldId id="291" r:id="rId34"/>
+    <p:sldId id="292" r:id="rId35"/>
+    <p:sldId id="293" r:id="rId36"/>
+    <p:sldId id="294" r:id="rId37"/>
+    <p:sldId id="295" r:id="rId38"/>
+    <p:sldId id="296" r:id="rId39"/>
+    <p:sldId id="297" r:id="rId40"/>
+    <p:sldId id="308" r:id="rId41"/>
+    <p:sldId id="298" r:id="rId42"/>
+    <p:sldId id="307" r:id="rId43"/>
+    <p:sldId id="301" r:id="rId44"/>
+    <p:sldId id="302" r:id="rId45"/>
+    <p:sldId id="303" r:id="rId46"/>
+    <p:sldId id="304" r:id="rId47"/>
+    <p:sldId id="305" r:id="rId48"/>
+    <p:sldId id="306" r:id="rId49"/>
   </p:sldIdLst>
   <p:sldSz cx="12192000" cy="6858000"/>
   <p:notesSz cx="6858000" cy="9144000"/>
@@ -678,7 +675,7 @@
           <a:p>
             <a:fld id="{530820CF-B880-4189-942D-D702A7CBA730}" type="datetimeFigureOut">
               <a:rPr lang="zh-CN" altLang="en-US" smtClean="0"/>
-              <a:t>2021/7/4</a:t>
+              <a:t>2021/7/8</a:t>
             </a:fld>
             <a:endParaRPr lang="zh-CN" altLang="en-US"/>
           </a:p>
@@ -1077,7 +1074,7 @@
           <a:p>
             <a:fld id="{530820CF-B880-4189-942D-D702A7CBA730}" type="datetimeFigureOut">
               <a:rPr lang="zh-CN" altLang="en-US" smtClean="0"/>
-              <a:t>2021/7/4</a:t>
+              <a:t>2021/7/8</a:t>
             </a:fld>
             <a:endParaRPr lang="zh-CN" altLang="en-US"/>
           </a:p>
@@ -1337,7 +1334,7 @@
           <a:p>
             <a:fld id="{530820CF-B880-4189-942D-D702A7CBA730}" type="datetimeFigureOut">
               <a:rPr lang="zh-CN" altLang="en-US" smtClean="0"/>
-              <a:t>2021/7/4</a:t>
+              <a:t>2021/7/8</a:t>
             </a:fld>
             <a:endParaRPr lang="zh-CN" altLang="en-US"/>
           </a:p>
@@ -1889,7 +1886,7 @@
           <a:p>
             <a:fld id="{530820CF-B880-4189-942D-D702A7CBA730}" type="datetimeFigureOut">
               <a:rPr lang="zh-CN" altLang="en-US" smtClean="0"/>
-              <a:t>2021/7/4</a:t>
+              <a:t>2021/7/8</a:t>
             </a:fld>
             <a:endParaRPr lang="zh-CN" altLang="en-US"/>
           </a:p>
@@ -2149,7 +2146,7 @@
           <a:p>
             <a:fld id="{530820CF-B880-4189-942D-D702A7CBA730}" type="datetimeFigureOut">
               <a:rPr lang="zh-CN" altLang="en-US" smtClean="0"/>
-              <a:t>2021/7/4</a:t>
+              <a:t>2021/7/8</a:t>
             </a:fld>
             <a:endParaRPr lang="zh-CN" altLang="en-US"/>
           </a:p>
@@ -2693,7 +2690,7 @@
           <a:p>
             <a:fld id="{530820CF-B880-4189-942D-D702A7CBA730}" type="datetimeFigureOut">
               <a:rPr lang="zh-CN" altLang="en-US" smtClean="0"/>
-              <a:t>2021/7/4</a:t>
+              <a:t>2021/7/8</a:t>
             </a:fld>
             <a:endParaRPr lang="zh-CN" altLang="en-US"/>
           </a:p>
@@ -3002,7 +2999,7 @@
           <a:p>
             <a:fld id="{530820CF-B880-4189-942D-D702A7CBA730}" type="datetimeFigureOut">
               <a:rPr lang="zh-CN" altLang="en-US" smtClean="0"/>
-              <a:t>2021/7/4</a:t>
+              <a:t>2021/7/8</a:t>
             </a:fld>
             <a:endParaRPr lang="zh-CN" altLang="en-US"/>
           </a:p>
@@ -3188,7 +3185,7 @@
           <a:p>
             <a:fld id="{530820CF-B880-4189-942D-D702A7CBA730}" type="datetimeFigureOut">
               <a:rPr lang="zh-CN" altLang="en-US" smtClean="0"/>
-              <a:t>2021/7/4</a:t>
+              <a:t>2021/7/8</a:t>
             </a:fld>
             <a:endParaRPr lang="zh-CN" altLang="en-US"/>
           </a:p>
@@ -3380,7 +3377,7 @@
           <a:p>
             <a:fld id="{530820CF-B880-4189-942D-D702A7CBA730}" type="datetimeFigureOut">
               <a:rPr lang="zh-CN" altLang="en-US" smtClean="0"/>
-              <a:t>2021/7/4</a:t>
+              <a:t>2021/7/8</a:t>
             </a:fld>
             <a:endParaRPr lang="zh-CN" altLang="en-US"/>
           </a:p>
@@ -3577,7 +3574,7 @@
           <a:p>
             <a:fld id="{530820CF-B880-4189-942D-D702A7CBA730}" type="datetimeFigureOut">
               <a:rPr lang="zh-CN" altLang="en-US" smtClean="0"/>
-              <a:t>2021/7/4</a:t>
+              <a:t>2021/7/8</a:t>
             </a:fld>
             <a:endParaRPr lang="zh-CN" altLang="en-US"/>
           </a:p>
@@ -3845,7 +3842,7 @@
           <a:p>
             <a:fld id="{530820CF-B880-4189-942D-D702A7CBA730}" type="datetimeFigureOut">
               <a:rPr lang="zh-CN" altLang="en-US" smtClean="0"/>
-              <a:t>2021/7/4</a:t>
+              <a:t>2021/7/8</a:t>
             </a:fld>
             <a:endParaRPr lang="zh-CN" altLang="en-US"/>
           </a:p>
@@ -4159,7 +4156,7 @@
           <a:p>
             <a:fld id="{530820CF-B880-4189-942D-D702A7CBA730}" type="datetimeFigureOut">
               <a:rPr lang="zh-CN" altLang="en-US" smtClean="0"/>
-              <a:t>2021/7/4</a:t>
+              <a:t>2021/7/8</a:t>
             </a:fld>
             <a:endParaRPr lang="zh-CN" altLang="en-US"/>
           </a:p>
@@ -4613,7 +4610,7 @@
           <a:p>
             <a:fld id="{530820CF-B880-4189-942D-D702A7CBA730}" type="datetimeFigureOut">
               <a:rPr lang="zh-CN" altLang="en-US" smtClean="0"/>
-              <a:t>2021/7/4</a:t>
+              <a:t>2021/7/8</a:t>
             </a:fld>
             <a:endParaRPr lang="zh-CN" altLang="en-US"/>
           </a:p>
@@ -4743,7 +4740,7 @@
           <a:p>
             <a:fld id="{530820CF-B880-4189-942D-D702A7CBA730}" type="datetimeFigureOut">
               <a:rPr lang="zh-CN" altLang="en-US" smtClean="0"/>
-              <a:t>2021/7/4</a:t>
+              <a:t>2021/7/8</a:t>
             </a:fld>
             <a:endParaRPr lang="zh-CN" altLang="en-US"/>
           </a:p>
@@ -4850,7 +4847,7 @@
           <a:p>
             <a:fld id="{530820CF-B880-4189-942D-D702A7CBA730}" type="datetimeFigureOut">
               <a:rPr lang="zh-CN" altLang="en-US" smtClean="0"/>
-              <a:t>2021/7/4</a:t>
+              <a:t>2021/7/8</a:t>
             </a:fld>
             <a:endParaRPr lang="zh-CN" altLang="en-US"/>
           </a:p>
@@ -5145,7 +5142,7 @@
           <a:p>
             <a:fld id="{530820CF-B880-4189-942D-D702A7CBA730}" type="datetimeFigureOut">
               <a:rPr lang="zh-CN" altLang="en-US" smtClean="0"/>
-              <a:t>2021/7/4</a:t>
+              <a:t>2021/7/8</a:t>
             </a:fld>
             <a:endParaRPr lang="zh-CN" altLang="en-US"/>
           </a:p>
@@ -5448,7 +5445,7 @@
           <a:p>
             <a:fld id="{530820CF-B880-4189-942D-D702A7CBA730}" type="datetimeFigureOut">
               <a:rPr lang="zh-CN" altLang="en-US" smtClean="0"/>
-              <a:t>2021/7/4</a:t>
+              <a:t>2021/7/8</a:t>
             </a:fld>
             <a:endParaRPr lang="zh-CN" altLang="en-US"/>
           </a:p>
@@ -5984,7 +5981,7 @@
           <a:p>
             <a:fld id="{530820CF-B880-4189-942D-D702A7CBA730}" type="datetimeFigureOut">
               <a:rPr lang="zh-CN" altLang="en-US" smtClean="0"/>
-              <a:t>2021/7/4</a:t>
+              <a:t>2021/7/8</a:t>
             </a:fld>
             <a:endParaRPr lang="zh-CN" altLang="en-US"/>
           </a:p>
@@ -7492,7 +7489,7 @@
             </a:r>
             <a:r>
               <a:rPr lang="zh-CN" altLang="en-US" dirty="0"/>
-              <a:t>扩展了一系列控制接口</a:t>
+              <a:t>扩展了一系列控制接口。</a:t>
             </a:r>
             <a:endParaRPr lang="en-US" altLang="zh-CN" dirty="0"/>
           </a:p>
@@ -7562,11 +7559,8 @@
             </a:r>
             <a:r>
               <a:rPr lang="zh-CN" altLang="en-US" dirty="0"/>
-              <a:t>开发环境</a:t>
-            </a:r>
-            <a:endParaRPr lang="en-US" altLang="zh-CN" dirty="0"/>
-          </a:p>
-          <a:p>
+              <a:t>开发环境。</a:t>
+            </a:r>
             <a:endParaRPr lang="en-US" altLang="zh-CN" dirty="0"/>
           </a:p>
         </p:txBody>
@@ -7641,29 +7635,60 @@
             </a:r>
             <a:r>
               <a:rPr lang="zh-CN" altLang="en-US" dirty="0"/>
-              <a:t>（续）</a:t>
-            </a:r>
+              <a:t>和</a:t>
+            </a:r>
+            <a:r>
+              <a:rPr lang="en-US" altLang="zh-CN" dirty="0" err="1"/>
+              <a:t>NodeMCU</a:t>
+            </a:r>
+            <a:endParaRPr lang="zh-CN" altLang="en-US" dirty="0"/>
           </a:p>
         </p:txBody>
       </p:sp>
       <p:pic>
         <p:nvPicPr>
-          <p:cNvPr id="4" name="内容占位符 3" descr="https://img-blog.csdn.net/20160612155802584">
+          <p:cNvPr id="3" name="图片 2">
             <a:extLst>
               <a:ext uri="{FF2B5EF4-FFF2-40B4-BE49-F238E27FC236}">
-                <a16:creationId xmlns:a16="http://schemas.microsoft.com/office/drawing/2014/main" id="{38B41653-B7D5-4B68-B9A5-9FF5A68D1790}"/>
+                <a16:creationId xmlns:a16="http://schemas.microsoft.com/office/drawing/2014/main" id="{322125F4-0110-4A78-AAFF-26CD2DC659F4}"/>
               </a:ext>
             </a:extLst>
           </p:cNvPr>
           <p:cNvPicPr>
-            <a:picLocks noGrp="1"/>
+            <a:picLocks noChangeAspect="1"/>
           </p:cNvPicPr>
-          <p:nvPr>
-            <p:ph idx="4294967295"/>
-          </p:nvPr>
+          <p:nvPr/>
         </p:nvPicPr>
         <p:blipFill>
-          <a:blip r:embed="rId2">
+          <a:blip r:embed="rId2"/>
+          <a:stretch>
+            <a:fillRect/>
+          </a:stretch>
+        </p:blipFill>
+        <p:spPr>
+          <a:xfrm>
+            <a:off x="7761056" y="2895136"/>
+            <a:ext cx="3645724" cy="2670279"/>
+          </a:xfrm>
+          <a:prstGeom prst="rect">
+            <a:avLst/>
+          </a:prstGeom>
+        </p:spPr>
+      </p:pic>
+      <p:pic>
+        <p:nvPicPr>
+          <p:cNvPr id="5" name="图片 4">
+            <a:extLst>
+              <a:ext uri="{FF2B5EF4-FFF2-40B4-BE49-F238E27FC236}">
+                <a16:creationId xmlns:a16="http://schemas.microsoft.com/office/drawing/2014/main" id="{944C0AA3-87FF-48B4-A24F-6E49B8899CB4}"/>
+              </a:ext>
+            </a:extLst>
+          </p:cNvPr>
+          <p:cNvPicPr/>
+          <p:nvPr/>
+        </p:nvPicPr>
+        <p:blipFill>
+          <a:blip r:embed="rId3">
             <a:extLst>
               <a:ext uri="{28A0092B-C50C-407E-A947-70E740481C1C}">
                 <a14:useLocalDpi xmlns:a14="http://schemas.microsoft.com/office/drawing/2010/main" val="0"/>
@@ -7677,8 +7702,8 @@
         </p:blipFill>
         <p:spPr bwMode="auto">
           <a:xfrm>
-            <a:off x="3998031" y="2049461"/>
-            <a:ext cx="4895850" cy="4351338"/>
+            <a:off x="1309512" y="2687544"/>
+            <a:ext cx="5516880" cy="3085465"/>
           </a:xfrm>
           <a:prstGeom prst="rect">
             <a:avLst/>
@@ -7689,6 +7714,82 @@
           </a:ln>
         </p:spPr>
       </p:pic>
+      <p:sp>
+        <p:nvSpPr>
+          <p:cNvPr id="6" name="文本框 5">
+            <a:extLst>
+              <a:ext uri="{FF2B5EF4-FFF2-40B4-BE49-F238E27FC236}">
+                <a16:creationId xmlns:a16="http://schemas.microsoft.com/office/drawing/2014/main" id="{0EAA7F0C-49D2-4E65-AFE7-2EEF4CE59E2D}"/>
+              </a:ext>
+            </a:extLst>
+          </p:cNvPr>
+          <p:cNvSpPr txBox="1"/>
+          <p:nvPr/>
+        </p:nvSpPr>
+        <p:spPr>
+          <a:xfrm>
+            <a:off x="3545629" y="6031467"/>
+            <a:ext cx="1044645" cy="369332"/>
+          </a:xfrm>
+          <a:prstGeom prst="rect">
+            <a:avLst/>
+          </a:prstGeom>
+          <a:noFill/>
+        </p:spPr>
+        <p:txBody>
+          <a:bodyPr wrap="none" rtlCol="0">
+            <a:spAutoFit/>
+          </a:bodyPr>
+          <a:lstStyle/>
+          <a:p>
+            <a:r>
+              <a:rPr lang="en-US" altLang="zh-CN" dirty="0"/>
+              <a:t>ESP8266</a:t>
+            </a:r>
+            <a:endParaRPr lang="zh-CN" altLang="en-US" dirty="0"/>
+          </a:p>
+        </p:txBody>
+      </p:sp>
+      <p:sp>
+        <p:nvSpPr>
+          <p:cNvPr id="7" name="文本框 6">
+            <a:extLst>
+              <a:ext uri="{FF2B5EF4-FFF2-40B4-BE49-F238E27FC236}">
+                <a16:creationId xmlns:a16="http://schemas.microsoft.com/office/drawing/2014/main" id="{97696603-C24B-4AC3-95A9-147250455517}"/>
+              </a:ext>
+            </a:extLst>
+          </p:cNvPr>
+          <p:cNvSpPr txBox="1"/>
+          <p:nvPr/>
+        </p:nvSpPr>
+        <p:spPr>
+          <a:xfrm>
+            <a:off x="8561041" y="6022150"/>
+            <a:ext cx="2045753" cy="369332"/>
+          </a:xfrm>
+          <a:prstGeom prst="rect">
+            <a:avLst/>
+          </a:prstGeom>
+          <a:noFill/>
+        </p:spPr>
+        <p:txBody>
+          <a:bodyPr wrap="none" rtlCol="0">
+            <a:spAutoFit/>
+          </a:bodyPr>
+          <a:lstStyle/>
+          <a:p>
+            <a:r>
+              <a:rPr lang="en-US" altLang="zh-CN" dirty="0" err="1"/>
+              <a:t>NodeMCU</a:t>
+            </a:r>
+            <a:r>
+              <a:rPr lang="en-US" altLang="zh-CN" dirty="0"/>
+              <a:t> ESP-12E</a:t>
+            </a:r>
+            <a:endParaRPr lang="zh-CN" altLang="en-US" dirty="0"/>
+          </a:p>
+        </p:txBody>
+      </p:sp>
     </p:spTree>
     <p:extLst>
       <p:ext uri="{BB962C8B-B14F-4D97-AF65-F5344CB8AC3E}">
@@ -7736,7 +7837,7 @@
           <p:cNvPr id="2" name="标题 1">
             <a:extLst>
               <a:ext uri="{FF2B5EF4-FFF2-40B4-BE49-F238E27FC236}">
-                <a16:creationId xmlns:a16="http://schemas.microsoft.com/office/drawing/2014/main" id="{24848684-43DE-4872-BB1E-8059E6A57BDE}"/>
+                <a16:creationId xmlns:a16="http://schemas.microsoft.com/office/drawing/2014/main" id="{47F59CA3-5196-4481-94D4-13C92300F247}"/>
               </a:ext>
             </a:extLst>
           </p:cNvPr>
@@ -7755,11 +7856,11 @@
             <a:pPr algn="ctr"/>
             <a:r>
               <a:rPr lang="en-US" altLang="zh-CN" dirty="0"/>
-              <a:t>Win10</a:t>
+              <a:t>Arduino</a:t>
             </a:r>
             <a:r>
               <a:rPr lang="zh-CN" altLang="en-US" dirty="0"/>
-              <a:t>开发环境搭建</a:t>
+              <a:t>编程语言</a:t>
             </a:r>
           </a:p>
         </p:txBody>
@@ -7769,7 +7870,7 @@
           <p:cNvPr id="3" name="内容占位符 2">
             <a:extLst>
               <a:ext uri="{FF2B5EF4-FFF2-40B4-BE49-F238E27FC236}">
-                <a16:creationId xmlns:a16="http://schemas.microsoft.com/office/drawing/2014/main" id="{44721EDE-1A0B-4B4F-AF8C-2D15A6C837F9}"/>
+                <a16:creationId xmlns:a16="http://schemas.microsoft.com/office/drawing/2014/main" id="{A7C63383-A032-4434-A64C-B8F71DBB91B6}"/>
               </a:ext>
             </a:extLst>
           </p:cNvPr>
@@ -7777,93 +7878,121 @@
             <a:spLocks noGrp="1"/>
           </p:cNvSpPr>
           <p:nvPr>
-            <p:ph type="body" sz="half" idx="4294967295"/>
-          </p:nvPr>
-        </p:nvSpPr>
-        <p:spPr>
-          <a:xfrm>
-            <a:off x="668337" y="2590799"/>
-            <a:ext cx="5427663" cy="1828800"/>
-          </a:xfrm>
-        </p:spPr>
+            <p:ph idx="1"/>
+          </p:nvPr>
+        </p:nvSpPr>
+        <p:spPr/>
         <p:txBody>
           <a:bodyPr/>
           <a:lstStyle/>
           <a:p>
-            <a:pPr lvl="1"/>
+            <a:r>
+              <a:rPr lang="en-US" altLang="zh-CN" dirty="0"/>
+              <a:t>Arduino</a:t>
+            </a:r>
+            <a:r>
+              <a:rPr lang="zh-CN" altLang="en-US" dirty="0"/>
+              <a:t>编程</a:t>
+            </a:r>
             <a:r>
               <a:rPr lang="zh-CN" altLang="zh-CN" dirty="0"/>
-              <a:t>右击</a:t>
+              <a:t>语言是建立在</a:t>
             </a:r>
             <a:r>
               <a:rPr lang="en-US" altLang="zh-CN" dirty="0"/>
-              <a:t>“</a:t>
+              <a:t>C/C++</a:t>
             </a:r>
             <a:r>
               <a:rPr lang="zh-CN" altLang="zh-CN" dirty="0"/>
-              <a:t>此电脑</a:t>
+              <a:t>基础上的，</a:t>
+            </a:r>
+            <a:r>
+              <a:rPr lang="zh-CN" altLang="en-US" dirty="0"/>
+              <a:t>基础</a:t>
+            </a:r>
+            <a:r>
+              <a:rPr lang="zh-CN" altLang="zh-CN" dirty="0"/>
+              <a:t>是</a:t>
             </a:r>
             <a:r>
               <a:rPr lang="en-US" altLang="zh-CN" dirty="0"/>
-              <a:t>”-&gt;“</a:t>
+              <a:t>C</a:t>
             </a:r>
             <a:r>
               <a:rPr lang="zh-CN" altLang="zh-CN" dirty="0"/>
-              <a:t>属性</a:t>
-            </a:r>
+              <a:t>语言</a:t>
+            </a:r>
+            <a:r>
+              <a:rPr lang="zh-CN" altLang="en-US" dirty="0"/>
+              <a:t>。</a:t>
+            </a:r>
+            <a:endParaRPr lang="en-US" altLang="zh-CN" dirty="0"/>
+          </a:p>
+          <a:p>
             <a:r>
               <a:rPr lang="en-US" altLang="zh-CN" dirty="0"/>
-              <a:t>”-&gt; “</a:t>
+              <a:t>Arduino</a:t>
+            </a:r>
+            <a:r>
+              <a:rPr lang="zh-CN" altLang="en-US" dirty="0"/>
+              <a:t>编程语言把</a:t>
+            </a:r>
+            <a:r>
+              <a:rPr lang="en-US" altLang="zh-CN" dirty="0"/>
+              <a:t>AVR</a:t>
             </a:r>
             <a:r>
               <a:rPr lang="zh-CN" altLang="zh-CN" dirty="0"/>
-              <a:t>设备管理器</a:t>
-            </a:r>
-            <a:r>
-              <a:rPr lang="en-US" altLang="zh-CN" dirty="0"/>
-              <a:t>”</a:t>
-            </a:r>
-            <a:endParaRPr lang="zh-CN" altLang="zh-CN" dirty="0"/>
-          </a:p>
-          <a:p>
+              <a:t>单片机（微控制器）相关的一些参数</a:t>
+            </a:r>
+            <a:r>
+              <a:rPr lang="zh-CN" altLang="en-US" dirty="0"/>
+              <a:t>封装好</a:t>
+            </a:r>
+            <a:r>
+              <a:rPr lang="zh-CN" altLang="zh-CN" dirty="0"/>
+              <a:t>，</a:t>
+            </a:r>
+            <a:r>
+              <a:rPr lang="zh-CN" altLang="en-US" dirty="0"/>
+              <a:t>无需</a:t>
+            </a:r>
+            <a:r>
+              <a:rPr lang="zh-CN" altLang="zh-CN" dirty="0"/>
+              <a:t>了解他的底层，</a:t>
+            </a:r>
+            <a:r>
+              <a:rPr lang="zh-CN" altLang="en-US" dirty="0"/>
+              <a:t>即使不</a:t>
+            </a:r>
+            <a:r>
+              <a:rPr lang="zh-CN" altLang="zh-CN" dirty="0"/>
+              <a:t>了解</a:t>
+            </a:r>
+            <a:r>
+              <a:rPr lang="zh-CN" altLang="en-US" dirty="0"/>
+              <a:t>细节</a:t>
+            </a:r>
+            <a:r>
+              <a:rPr lang="zh-CN" altLang="zh-CN" dirty="0"/>
+              <a:t>也</a:t>
+            </a:r>
+            <a:r>
+              <a:rPr lang="zh-CN" altLang="en-US" dirty="0"/>
+              <a:t>可以</a:t>
+            </a:r>
+            <a:r>
+              <a:rPr lang="zh-CN" altLang="zh-CN" dirty="0"/>
+              <a:t>轻松上手 </a:t>
+            </a:r>
             <a:endParaRPr lang="zh-CN" altLang="en-US" dirty="0"/>
           </a:p>
         </p:txBody>
       </p:sp>
-      <p:pic>
-        <p:nvPicPr>
-          <p:cNvPr id="4" name="图片 3">
-            <a:extLst>
-              <a:ext uri="{FF2B5EF4-FFF2-40B4-BE49-F238E27FC236}">
-                <a16:creationId xmlns:a16="http://schemas.microsoft.com/office/drawing/2014/main" id="{08180FB7-4F8F-4400-8B4C-CCD8C53CA10D}"/>
-              </a:ext>
-            </a:extLst>
-          </p:cNvPr>
-          <p:cNvPicPr>
-            <a:picLocks noChangeAspect="1"/>
-          </p:cNvPicPr>
-          <p:nvPr/>
-        </p:nvPicPr>
-        <p:blipFill>
-          <a:blip r:embed="rId2"/>
-          <a:stretch>
-            <a:fillRect/>
-          </a:stretch>
-        </p:blipFill>
-        <p:spPr>
-          <a:xfrm>
-            <a:off x="6096000" y="2578448"/>
-            <a:ext cx="5273497" cy="3682303"/>
-          </a:xfrm>
-          <a:prstGeom prst="rect">
-            <a:avLst/>
-          </a:prstGeom>
-        </p:spPr>
-      </p:pic>
     </p:spTree>
     <p:extLst>
       <p:ext uri="{BB962C8B-B14F-4D97-AF65-F5344CB8AC3E}">
-        <p14:creationId xmlns:p14="http://schemas.microsoft.com/office/powerpoint/2010/main" val="3515554721"/>
+        <p14:creationId xmlns:p14="http://schemas.microsoft.com/office/powerpoint/2010/main" val="2777019494"/>
       </p:ext>
     </p:extLst>
   </p:cSld>
@@ -7902,42 +8031,292 @@
           <a:chExt cx="0" cy="0"/>
         </a:xfrm>
       </p:grpSpPr>
-      <p:pic>
-        <p:nvPicPr>
-          <p:cNvPr id="4" name="内容占位符 3">
+      <p:sp>
+        <p:nvSpPr>
+          <p:cNvPr id="2" name="标题 1">
             <a:extLst>
               <a:ext uri="{FF2B5EF4-FFF2-40B4-BE49-F238E27FC236}">
-                <a16:creationId xmlns:a16="http://schemas.microsoft.com/office/drawing/2014/main" id="{2F4BEC4D-673A-4E3E-8E5A-9D62A0FC726C}"/>
+                <a16:creationId xmlns:a16="http://schemas.microsoft.com/office/drawing/2014/main" id="{16772192-51F1-497D-B335-590941741FF5}"/>
               </a:ext>
             </a:extLst>
           </p:cNvPr>
-          <p:cNvPicPr>
-            <a:picLocks noGrp="1"/>
-          </p:cNvPicPr>
-          <p:nvPr>
-            <p:ph idx="4294967295"/>
-          </p:nvPr>
-        </p:nvPicPr>
-        <p:blipFill>
-          <a:blip r:embed="rId2"/>
-          <a:stretch>
-            <a:fillRect/>
-          </a:stretch>
-        </p:blipFill>
-        <p:spPr>
-          <a:xfrm>
-            <a:off x="3276600" y="1253331"/>
-            <a:ext cx="5638800" cy="4351338"/>
-          </a:xfrm>
-          <a:prstGeom prst="rect">
-            <a:avLst/>
-          </a:prstGeom>
-        </p:spPr>
-      </p:pic>
+          <p:cNvSpPr>
+            <a:spLocks noGrp="1"/>
+          </p:cNvSpPr>
+          <p:nvPr>
+            <p:ph type="title"/>
+          </p:nvPr>
+        </p:nvSpPr>
+        <p:spPr/>
+        <p:txBody>
+          <a:bodyPr>
+            <a:normAutofit/>
+          </a:bodyPr>
+          <a:lstStyle/>
+          <a:p>
+            <a:r>
+              <a:rPr lang="zh-CN" altLang="en-US" sz="2800" dirty="0"/>
+              <a:t>关键字</a:t>
+            </a:r>
+          </a:p>
+        </p:txBody>
+      </p:sp>
+      <p:sp>
+        <p:nvSpPr>
+          <p:cNvPr id="3" name="内容占位符 2">
+            <a:extLst>
+              <a:ext uri="{FF2B5EF4-FFF2-40B4-BE49-F238E27FC236}">
+                <a16:creationId xmlns:a16="http://schemas.microsoft.com/office/drawing/2014/main" id="{00195A91-8449-4B52-B5CA-BC4713678AC9}"/>
+              </a:ext>
+            </a:extLst>
+          </p:cNvPr>
+          <p:cNvSpPr>
+            <a:spLocks noGrp="1"/>
+          </p:cNvSpPr>
+          <p:nvPr>
+            <p:ph idx="1"/>
+          </p:nvPr>
+        </p:nvSpPr>
+        <p:spPr/>
+        <p:txBody>
+          <a:bodyPr>
+            <a:normAutofit fontScale="77500" lnSpcReduction="20000"/>
+          </a:bodyPr>
+          <a:lstStyle/>
+          <a:p>
+            <a:pPr lvl="0"/>
+            <a:r>
+              <a:rPr lang="en-US" altLang="zh-CN" b="1" u="sng" dirty="0">
+                <a:latin typeface="+mj-lt"/>
+                <a:hlinkClick r:id="rId2">
+                  <a:extLst>
+                    <a:ext uri="{A12FA001-AC4F-418D-AE19-62706E023703}">
+                      <ahyp:hlinkClr xmlns:ahyp="http://schemas.microsoft.com/office/drawing/2018/hyperlinkcolor" val="tx"/>
+                    </a:ext>
+                  </a:extLst>
+                </a:hlinkClick>
+              </a:rPr>
+              <a:t>if</a:t>
+            </a:r>
+            <a:r>
+              <a:rPr lang="en-US" altLang="zh-CN" b="1" dirty="0">
+                <a:latin typeface="+mj-lt"/>
+              </a:rPr>
+              <a:t> </a:t>
+            </a:r>
+            <a:endParaRPr lang="zh-CN" altLang="zh-CN" dirty="0">
+              <a:latin typeface="+mj-lt"/>
+            </a:endParaRPr>
+          </a:p>
+          <a:p>
+            <a:pPr lvl="0"/>
+            <a:r>
+              <a:rPr lang="en-US" altLang="zh-CN" b="1" u="sng" dirty="0">
+                <a:latin typeface="+mj-lt"/>
+                <a:hlinkClick r:id="rId3">
+                  <a:extLst>
+                    <a:ext uri="{A12FA001-AC4F-418D-AE19-62706E023703}">
+                      <ahyp:hlinkClr xmlns:ahyp="http://schemas.microsoft.com/office/drawing/2018/hyperlinkcolor" val="tx"/>
+                    </a:ext>
+                  </a:extLst>
+                </a:hlinkClick>
+              </a:rPr>
+              <a:t>if...else</a:t>
+            </a:r>
+            <a:r>
+              <a:rPr lang="en-US" altLang="zh-CN" b="1" dirty="0">
+                <a:latin typeface="+mj-lt"/>
+              </a:rPr>
+              <a:t> </a:t>
+            </a:r>
+            <a:endParaRPr lang="zh-CN" altLang="zh-CN" dirty="0">
+              <a:latin typeface="+mj-lt"/>
+            </a:endParaRPr>
+          </a:p>
+          <a:p>
+            <a:pPr lvl="0"/>
+            <a:r>
+              <a:rPr lang="en-US" altLang="zh-CN" b="1" u="sng" dirty="0">
+                <a:latin typeface="+mj-lt"/>
+                <a:hlinkClick r:id="rId4">
+                  <a:extLst>
+                    <a:ext uri="{A12FA001-AC4F-418D-AE19-62706E023703}">
+                      <ahyp:hlinkClr xmlns:ahyp="http://schemas.microsoft.com/office/drawing/2018/hyperlinkcolor" val="tx"/>
+                    </a:ext>
+                  </a:extLst>
+                </a:hlinkClick>
+              </a:rPr>
+              <a:t>for</a:t>
+            </a:r>
+            <a:r>
+              <a:rPr lang="en-US" altLang="zh-CN" b="1" dirty="0">
+                <a:latin typeface="+mj-lt"/>
+              </a:rPr>
+              <a:t> </a:t>
+            </a:r>
+            <a:endParaRPr lang="zh-CN" altLang="zh-CN" dirty="0">
+              <a:latin typeface="+mj-lt"/>
+            </a:endParaRPr>
+          </a:p>
+          <a:p>
+            <a:pPr lvl="0"/>
+            <a:r>
+              <a:rPr lang="en-US" altLang="zh-CN" b="1" u="sng" dirty="0">
+                <a:latin typeface="+mj-lt"/>
+                <a:hlinkClick r:id="rId5">
+                  <a:extLst>
+                    <a:ext uri="{A12FA001-AC4F-418D-AE19-62706E023703}">
+                      <ahyp:hlinkClr xmlns:ahyp="http://schemas.microsoft.com/office/drawing/2018/hyperlinkcolor" val="tx"/>
+                    </a:ext>
+                  </a:extLst>
+                </a:hlinkClick>
+              </a:rPr>
+              <a:t>switch case</a:t>
+            </a:r>
+            <a:r>
+              <a:rPr lang="en-US" altLang="zh-CN" b="1" dirty="0">
+                <a:latin typeface="+mj-lt"/>
+              </a:rPr>
+              <a:t> </a:t>
+            </a:r>
+            <a:endParaRPr lang="zh-CN" altLang="zh-CN" dirty="0">
+              <a:latin typeface="+mj-lt"/>
+            </a:endParaRPr>
+          </a:p>
+          <a:p>
+            <a:pPr lvl="0"/>
+            <a:r>
+              <a:rPr lang="en-US" altLang="zh-CN" b="1" u="sng" dirty="0">
+                <a:latin typeface="+mj-lt"/>
+                <a:hlinkClick r:id="rId6">
+                  <a:extLst>
+                    <a:ext uri="{A12FA001-AC4F-418D-AE19-62706E023703}">
+                      <ahyp:hlinkClr xmlns:ahyp="http://schemas.microsoft.com/office/drawing/2018/hyperlinkcolor" val="tx"/>
+                    </a:ext>
+                  </a:extLst>
+                </a:hlinkClick>
+              </a:rPr>
+              <a:t>while</a:t>
+            </a:r>
+            <a:r>
+              <a:rPr lang="en-US" altLang="zh-CN" b="1" dirty="0">
+                <a:latin typeface="+mj-lt"/>
+              </a:rPr>
+              <a:t> </a:t>
+            </a:r>
+            <a:endParaRPr lang="zh-CN" altLang="zh-CN" dirty="0">
+              <a:latin typeface="+mj-lt"/>
+            </a:endParaRPr>
+          </a:p>
+          <a:p>
+            <a:pPr lvl="0"/>
+            <a:r>
+              <a:rPr lang="en-US" altLang="zh-CN" b="1" u="sng" dirty="0">
+                <a:latin typeface="+mj-lt"/>
+                <a:hlinkClick r:id="rId7">
+                  <a:extLst>
+                    <a:ext uri="{A12FA001-AC4F-418D-AE19-62706E023703}">
+                      <ahyp:hlinkClr xmlns:ahyp="http://schemas.microsoft.com/office/drawing/2018/hyperlinkcolor" val="tx"/>
+                    </a:ext>
+                  </a:extLst>
+                </a:hlinkClick>
+              </a:rPr>
+              <a:t>do... while</a:t>
+            </a:r>
+            <a:r>
+              <a:rPr lang="en-US" altLang="zh-CN" b="1" dirty="0">
+                <a:latin typeface="+mj-lt"/>
+              </a:rPr>
+              <a:t> </a:t>
+            </a:r>
+            <a:endParaRPr lang="zh-CN" altLang="zh-CN" dirty="0">
+              <a:latin typeface="+mj-lt"/>
+            </a:endParaRPr>
+          </a:p>
+          <a:p>
+            <a:pPr lvl="0"/>
+            <a:r>
+              <a:rPr lang="en-US" altLang="zh-CN" b="1" u="sng" dirty="0">
+                <a:latin typeface="+mj-lt"/>
+                <a:hlinkClick r:id="rId8">
+                  <a:extLst>
+                    <a:ext uri="{A12FA001-AC4F-418D-AE19-62706E023703}">
+                      <ahyp:hlinkClr xmlns:ahyp="http://schemas.microsoft.com/office/drawing/2018/hyperlinkcolor" val="tx"/>
+                    </a:ext>
+                  </a:extLst>
+                </a:hlinkClick>
+              </a:rPr>
+              <a:t>break</a:t>
+            </a:r>
+            <a:r>
+              <a:rPr lang="en-US" altLang="zh-CN" b="1" dirty="0">
+                <a:latin typeface="+mj-lt"/>
+              </a:rPr>
+              <a:t> </a:t>
+            </a:r>
+            <a:endParaRPr lang="zh-CN" altLang="zh-CN" dirty="0">
+              <a:latin typeface="+mj-lt"/>
+            </a:endParaRPr>
+          </a:p>
+          <a:p>
+            <a:pPr lvl="0"/>
+            <a:r>
+              <a:rPr lang="en-US" altLang="zh-CN" b="1" u="sng" dirty="0">
+                <a:latin typeface="+mj-lt"/>
+                <a:hlinkClick r:id="rId9">
+                  <a:extLst>
+                    <a:ext uri="{A12FA001-AC4F-418D-AE19-62706E023703}">
+                      <ahyp:hlinkClr xmlns:ahyp="http://schemas.microsoft.com/office/drawing/2018/hyperlinkcolor" val="tx"/>
+                    </a:ext>
+                  </a:extLst>
+                </a:hlinkClick>
+              </a:rPr>
+              <a:t>continue</a:t>
+            </a:r>
+            <a:r>
+              <a:rPr lang="en-US" altLang="zh-CN" b="1" dirty="0">
+                <a:latin typeface="+mj-lt"/>
+              </a:rPr>
+              <a:t> </a:t>
+            </a:r>
+            <a:endParaRPr lang="zh-CN" altLang="zh-CN" dirty="0">
+              <a:latin typeface="+mj-lt"/>
+            </a:endParaRPr>
+          </a:p>
+          <a:p>
+            <a:pPr lvl="0"/>
+            <a:r>
+              <a:rPr lang="en-US" altLang="zh-CN" b="1" u="sng" dirty="0">
+                <a:latin typeface="+mj-lt"/>
+                <a:hlinkClick r:id="rId10">
+                  <a:extLst>
+                    <a:ext uri="{A12FA001-AC4F-418D-AE19-62706E023703}">
+                      <ahyp:hlinkClr xmlns:ahyp="http://schemas.microsoft.com/office/drawing/2018/hyperlinkcolor" val="tx"/>
+                    </a:ext>
+                  </a:extLst>
+                </a:hlinkClick>
+              </a:rPr>
+              <a:t>return</a:t>
+            </a:r>
+            <a:r>
+              <a:rPr lang="en-US" altLang="zh-CN" b="1" dirty="0">
+                <a:latin typeface="+mj-lt"/>
+              </a:rPr>
+              <a:t> </a:t>
+            </a:r>
+            <a:endParaRPr lang="zh-CN" altLang="zh-CN" dirty="0">
+              <a:latin typeface="+mj-lt"/>
+            </a:endParaRPr>
+          </a:p>
+          <a:p>
+            <a:endParaRPr lang="zh-CN" altLang="en-US" dirty="0"/>
+          </a:p>
+        </p:txBody>
+      </p:sp>
     </p:spTree>
     <p:extLst>
       <p:ext uri="{BB962C8B-B14F-4D97-AF65-F5344CB8AC3E}">
-        <p14:creationId xmlns:p14="http://schemas.microsoft.com/office/powerpoint/2010/main" val="3292930859"/>
+        <p14:creationId xmlns:p14="http://schemas.microsoft.com/office/powerpoint/2010/main" val="654952829"/>
       </p:ext>
     </p:extLst>
   </p:cSld>
@@ -7981,7 +8360,7 @@
           <p:cNvPr id="2" name="标题 1">
             <a:extLst>
               <a:ext uri="{FF2B5EF4-FFF2-40B4-BE49-F238E27FC236}">
-                <a16:creationId xmlns:a16="http://schemas.microsoft.com/office/drawing/2014/main" id="{5723D37D-C1D2-4F42-B43C-776048EB4E3F}"/>
+                <a16:creationId xmlns:a16="http://schemas.microsoft.com/office/drawing/2014/main" id="{FBE4A579-A89D-433E-9E59-6001FA14249C}"/>
               </a:ext>
             </a:extLst>
           </p:cNvPr>
@@ -7997,7 +8376,10 @@
           <a:bodyPr/>
           <a:lstStyle/>
           <a:p>
-            <a:endParaRPr lang="zh-CN" altLang="en-US"/>
+            <a:r>
+              <a:rPr lang="zh-CN" altLang="en-US" sz="2800" dirty="0"/>
+              <a:t>语法符号</a:t>
+            </a:r>
           </a:p>
         </p:txBody>
       </p:sp>
@@ -8006,7 +8388,7 @@
           <p:cNvPr id="3" name="内容占位符 2">
             <a:extLst>
               <a:ext uri="{FF2B5EF4-FFF2-40B4-BE49-F238E27FC236}">
-                <a16:creationId xmlns:a16="http://schemas.microsoft.com/office/drawing/2014/main" id="{683D1953-60A8-483A-9A75-3B3A663F0352}"/>
+                <a16:creationId xmlns:a16="http://schemas.microsoft.com/office/drawing/2014/main" id="{8257ADA1-0B10-43C0-AB3A-664F7E08910D}"/>
               </a:ext>
             </a:extLst>
           </p:cNvPr>
@@ -8023,50 +8405,75 @@
           <a:lstStyle/>
           <a:p>
             <a:r>
-              <a:rPr lang="zh-CN" altLang="en-US" dirty="0"/>
-              <a:t>安装后</a:t>
-            </a:r>
-            <a:endParaRPr lang="en-US" altLang="zh-CN" dirty="0"/>
-          </a:p>
-          <a:p>
-            <a:endParaRPr lang="zh-CN" altLang="en-US" dirty="0"/>
-          </a:p>
-        </p:txBody>
-      </p:sp>
-      <p:pic>
-        <p:nvPicPr>
-          <p:cNvPr id="5" name="图片 4">
-            <a:extLst>
-              <a:ext uri="{FF2B5EF4-FFF2-40B4-BE49-F238E27FC236}">
-                <a16:creationId xmlns:a16="http://schemas.microsoft.com/office/drawing/2014/main" id="{1F8EEE8C-ECF9-4C12-B157-6A51D5493E8E}"/>
-              </a:ext>
-            </a:extLst>
-          </p:cNvPr>
-          <p:cNvPicPr>
-            <a:picLocks noChangeAspect="1"/>
-          </p:cNvPicPr>
-          <p:nvPr/>
-        </p:nvPicPr>
-        <p:blipFill>
-          <a:blip r:embed="rId2"/>
-          <a:stretch>
-            <a:fillRect/>
-          </a:stretch>
-        </p:blipFill>
-        <p:spPr>
-          <a:xfrm>
-            <a:off x="3861622" y="2665390"/>
-            <a:ext cx="4468755" cy="3054361"/>
-          </a:xfrm>
-          <a:prstGeom prst="rect">
-            <a:avLst/>
-          </a:prstGeom>
-        </p:spPr>
-      </p:pic>
+              <a:rPr lang="en-US" altLang="zh-CN" dirty="0">
+                <a:latin typeface="+mj-lt"/>
+              </a:rPr>
+              <a:t>;		// </a:t>
+            </a:r>
+            <a:r>
+              <a:rPr lang="zh-CN" altLang="en-US" dirty="0">
+                <a:latin typeface="+mj-lt"/>
+              </a:rPr>
+              <a:t>切记编程时注意分号，以免造成不必要的调试麻烦</a:t>
+            </a:r>
+            <a:endParaRPr lang="zh-CN" altLang="zh-CN" dirty="0">
+              <a:latin typeface="+mj-lt"/>
+            </a:endParaRPr>
+          </a:p>
+          <a:p>
+            <a:r>
+              <a:rPr lang="en-US" altLang="zh-CN" dirty="0">
+                <a:latin typeface="+mj-lt"/>
+              </a:rPr>
+              <a:t>{}		// </a:t>
+            </a:r>
+            <a:r>
+              <a:rPr lang="zh-CN" altLang="en-US" dirty="0">
+                <a:latin typeface="+mj-lt"/>
+              </a:rPr>
+              <a:t>块符号</a:t>
+            </a:r>
+            <a:endParaRPr lang="zh-CN" altLang="zh-CN" dirty="0">
+              <a:latin typeface="+mj-lt"/>
+            </a:endParaRPr>
+          </a:p>
+          <a:p>
+            <a:r>
+              <a:rPr lang="en-US" altLang="zh-CN" dirty="0">
+                <a:latin typeface="+mj-lt"/>
+              </a:rPr>
+              <a:t>//		//</a:t>
+            </a:r>
+            <a:r>
+              <a:rPr lang="zh-CN" altLang="en-US" dirty="0">
+                <a:latin typeface="+mj-lt"/>
+              </a:rPr>
+              <a:t> 行注释</a:t>
+            </a:r>
+            <a:endParaRPr lang="zh-CN" altLang="zh-CN" dirty="0">
+              <a:latin typeface="+mj-lt"/>
+            </a:endParaRPr>
+          </a:p>
+          <a:p>
+            <a:r>
+              <a:rPr lang="en-US" altLang="zh-CN" dirty="0">
+                <a:latin typeface="+mj-lt"/>
+              </a:rPr>
+              <a:t>/* */		// </a:t>
+            </a:r>
+            <a:r>
+              <a:rPr lang="zh-CN" altLang="en-US" dirty="0">
+                <a:latin typeface="+mj-lt"/>
+              </a:rPr>
+              <a:t>块注释</a:t>
+            </a:r>
+          </a:p>
+        </p:txBody>
+      </p:sp>
     </p:spTree>
     <p:extLst>
       <p:ext uri="{BB962C8B-B14F-4D97-AF65-F5344CB8AC3E}">
-        <p14:creationId xmlns:p14="http://schemas.microsoft.com/office/powerpoint/2010/main" val="3065398302"/>
+        <p14:creationId xmlns:p14="http://schemas.microsoft.com/office/powerpoint/2010/main" val="2170030214"/>
       </p:ext>
     </p:extLst>
   </p:cSld>
@@ -8110,7 +8517,7 @@
           <p:cNvPr id="2" name="标题 1">
             <a:extLst>
               <a:ext uri="{FF2B5EF4-FFF2-40B4-BE49-F238E27FC236}">
-                <a16:creationId xmlns:a16="http://schemas.microsoft.com/office/drawing/2014/main" id="{47F59CA3-5196-4481-94D4-13C92300F247}"/>
+                <a16:creationId xmlns:a16="http://schemas.microsoft.com/office/drawing/2014/main" id="{9BA24990-E5CF-4190-9A39-8997EA38C7A8}"/>
               </a:ext>
             </a:extLst>
           </p:cNvPr>
@@ -8126,15 +8533,11 @@
           <a:bodyPr/>
           <a:lstStyle/>
           <a:p>
-            <a:pPr algn="ctr"/>
-            <a:r>
-              <a:rPr lang="en-US" altLang="zh-CN" dirty="0"/>
-              <a:t>Arduino</a:t>
-            </a:r>
-            <a:r>
-              <a:rPr lang="zh-CN" altLang="en-US" dirty="0"/>
-              <a:t>编程语言</a:t>
-            </a:r>
+            <a:r>
+              <a:rPr lang="zh-CN" altLang="zh-CN" sz="2800" dirty="0"/>
+              <a:t>运算符</a:t>
+            </a:r>
+            <a:endParaRPr lang="zh-CN" altLang="en-US" sz="2800" dirty="0"/>
           </a:p>
         </p:txBody>
       </p:sp>
@@ -8143,7 +8546,7 @@
           <p:cNvPr id="3" name="内容占位符 2">
             <a:extLst>
               <a:ext uri="{FF2B5EF4-FFF2-40B4-BE49-F238E27FC236}">
-                <a16:creationId xmlns:a16="http://schemas.microsoft.com/office/drawing/2014/main" id="{A7C63383-A032-4434-A64C-B8F71DBB91B6}"/>
+                <a16:creationId xmlns:a16="http://schemas.microsoft.com/office/drawing/2014/main" id="{59FF80A0-BC9C-447C-8416-B4419B52CD00}"/>
               </a:ext>
             </a:extLst>
           </p:cNvPr>
@@ -8156,108 +8559,80 @@
         </p:nvSpPr>
         <p:spPr/>
         <p:txBody>
-          <a:bodyPr/>
+          <a:bodyPr>
+            <a:normAutofit/>
+          </a:bodyPr>
           <a:lstStyle/>
           <a:p>
-            <a:r>
-              <a:rPr lang="en-US" altLang="zh-CN" dirty="0"/>
-              <a:t>Arduino</a:t>
-            </a:r>
-            <a:r>
-              <a:rPr lang="zh-CN" altLang="en-US" dirty="0"/>
-              <a:t>编程</a:t>
-            </a:r>
-            <a:r>
-              <a:rPr lang="zh-CN" altLang="zh-CN" dirty="0"/>
-              <a:t>语言是建立在</a:t>
-            </a:r>
-            <a:r>
-              <a:rPr lang="en-US" altLang="zh-CN" dirty="0"/>
-              <a:t>C/C++</a:t>
-            </a:r>
-            <a:r>
-              <a:rPr lang="zh-CN" altLang="zh-CN" dirty="0"/>
-              <a:t>基础上的，</a:t>
-            </a:r>
-            <a:r>
-              <a:rPr lang="zh-CN" altLang="en-US" dirty="0"/>
-              <a:t>基础</a:t>
-            </a:r>
-            <a:r>
-              <a:rPr lang="zh-CN" altLang="zh-CN" dirty="0"/>
-              <a:t>是</a:t>
-            </a:r>
-            <a:r>
-              <a:rPr lang="en-US" altLang="zh-CN" dirty="0"/>
-              <a:t>C</a:t>
-            </a:r>
-            <a:r>
-              <a:rPr lang="zh-CN" altLang="zh-CN" dirty="0"/>
-              <a:t>语言</a:t>
-            </a:r>
-            <a:r>
-              <a:rPr lang="zh-CN" altLang="en-US" dirty="0"/>
-              <a:t>。</a:t>
-            </a:r>
-            <a:endParaRPr lang="en-US" altLang="zh-CN" dirty="0"/>
-          </a:p>
-          <a:p>
-            <a:r>
-              <a:rPr lang="en-US" altLang="zh-CN" dirty="0"/>
-              <a:t>Arduino</a:t>
-            </a:r>
-            <a:r>
-              <a:rPr lang="zh-CN" altLang="en-US" dirty="0"/>
-              <a:t>编程语言把</a:t>
-            </a:r>
-            <a:r>
-              <a:rPr lang="en-US" altLang="zh-CN" dirty="0"/>
-              <a:t>AVR</a:t>
-            </a:r>
-            <a:r>
-              <a:rPr lang="zh-CN" altLang="zh-CN" dirty="0"/>
-              <a:t>单片机（微控制器）相关的一些参数</a:t>
-            </a:r>
-            <a:r>
-              <a:rPr lang="zh-CN" altLang="en-US" dirty="0"/>
-              <a:t>封装好</a:t>
-            </a:r>
-            <a:r>
-              <a:rPr lang="zh-CN" altLang="zh-CN" dirty="0"/>
-              <a:t>，</a:t>
-            </a:r>
-            <a:r>
-              <a:rPr lang="zh-CN" altLang="en-US" dirty="0"/>
-              <a:t>无需</a:t>
-            </a:r>
-            <a:r>
-              <a:rPr lang="zh-CN" altLang="zh-CN" dirty="0"/>
-              <a:t>了解他的底层，</a:t>
-            </a:r>
-            <a:r>
-              <a:rPr lang="zh-CN" altLang="en-US" dirty="0"/>
-              <a:t>即使不</a:t>
-            </a:r>
-            <a:r>
-              <a:rPr lang="zh-CN" altLang="zh-CN" dirty="0"/>
-              <a:t>了解</a:t>
-            </a:r>
-            <a:r>
-              <a:rPr lang="zh-CN" altLang="en-US" dirty="0"/>
-              <a:t>细节</a:t>
-            </a:r>
-            <a:r>
-              <a:rPr lang="zh-CN" altLang="zh-CN" dirty="0"/>
-              <a:t>也</a:t>
-            </a:r>
-            <a:r>
-              <a:rPr lang="zh-CN" altLang="en-US" dirty="0"/>
-              <a:t>可以</a:t>
-            </a:r>
-            <a:r>
-              <a:rPr lang="zh-CN" altLang="zh-CN" dirty="0"/>
-              <a:t>轻松上手 </a:t>
-            </a:r>
+            <a:pPr lvl="0"/>
+            <a:r>
+              <a:rPr lang="en-US" altLang="zh-CN" dirty="0">
+                <a:latin typeface="+mj-lt"/>
+              </a:rPr>
+              <a:t>= 	+ 	- 	* </a:t>
+            </a:r>
+            <a:endParaRPr lang="zh-CN" altLang="zh-CN" dirty="0">
+              <a:latin typeface="+mj-lt"/>
+            </a:endParaRPr>
+          </a:p>
+          <a:p>
+            <a:pPr lvl="0"/>
+            <a:r>
+              <a:rPr lang="en-US" altLang="zh-CN" dirty="0">
+                <a:latin typeface="+mj-lt"/>
+              </a:rPr>
+              <a:t>/ 	% 	==	!=</a:t>
+            </a:r>
+          </a:p>
+          <a:p>
+            <a:pPr lvl="0"/>
+            <a:r>
+              <a:rPr lang="en-US" altLang="zh-CN" dirty="0">
+                <a:latin typeface="+mj-lt"/>
+              </a:rPr>
+              <a:t>&lt;	&gt;	&lt;=	&gt;=</a:t>
+            </a:r>
+            <a:endParaRPr lang="zh-CN" altLang="zh-CN" dirty="0">
+              <a:latin typeface="+mj-lt"/>
+            </a:endParaRPr>
+          </a:p>
+          <a:p>
+            <a:pPr lvl="0"/>
+            <a:r>
+              <a:rPr lang="en-US" altLang="zh-CN" dirty="0">
+                <a:latin typeface="+mj-lt"/>
+              </a:rPr>
+              <a:t>&amp;&amp;	||	!	++</a:t>
+            </a:r>
+            <a:endParaRPr lang="zh-CN" altLang="zh-CN" dirty="0">
+              <a:latin typeface="+mj-lt"/>
+            </a:endParaRPr>
+          </a:p>
+          <a:p>
+            <a:pPr lvl="0"/>
+            <a:r>
+              <a:rPr lang="en-US" altLang="zh-CN" dirty="0">
+                <a:latin typeface="+mj-lt"/>
+              </a:rPr>
+              <a:t>--	+=	-=	*=</a:t>
+            </a:r>
+            <a:endParaRPr lang="zh-CN" altLang="zh-CN" dirty="0">
+              <a:latin typeface="+mj-lt"/>
+            </a:endParaRPr>
+          </a:p>
+          <a:p>
+            <a:pPr lvl="0"/>
+            <a:r>
+              <a:rPr lang="en-US" altLang="zh-CN" dirty="0">
+                <a:latin typeface="+mj-lt"/>
+              </a:rPr>
+              <a:t>/=</a:t>
+            </a:r>
+            <a:endParaRPr lang="zh-CN" altLang="zh-CN" dirty="0">
+              <a:latin typeface="+mj-lt"/>
+            </a:endParaRPr>
+          </a:p>
+          <a:p>
             <a:endParaRPr lang="zh-CN" altLang="en-US" dirty="0"/>
           </a:p>
         </p:txBody>
@@ -8265,7 +8640,7 @@
     </p:spTree>
     <p:extLst>
       <p:ext uri="{BB962C8B-B14F-4D97-AF65-F5344CB8AC3E}">
-        <p14:creationId xmlns:p14="http://schemas.microsoft.com/office/powerpoint/2010/main" val="2777019494"/>
+        <p14:creationId xmlns:p14="http://schemas.microsoft.com/office/powerpoint/2010/main" val="3309769249"/>
       </p:ext>
     </p:extLst>
   </p:cSld>
@@ -8463,7 +8838,7 @@
           <p:cNvPr id="2" name="标题 1">
             <a:extLst>
               <a:ext uri="{FF2B5EF4-FFF2-40B4-BE49-F238E27FC236}">
-                <a16:creationId xmlns:a16="http://schemas.microsoft.com/office/drawing/2014/main" id="{16772192-51F1-497D-B335-590941741FF5}"/>
+                <a16:creationId xmlns:a16="http://schemas.microsoft.com/office/drawing/2014/main" id="{45BCB36B-E3B0-47A7-8DB5-94D96C521929}"/>
               </a:ext>
             </a:extLst>
           </p:cNvPr>
@@ -8476,15 +8851,14 @@
         </p:nvSpPr>
         <p:spPr/>
         <p:txBody>
-          <a:bodyPr>
-            <a:normAutofit/>
-          </a:bodyPr>
+          <a:bodyPr/>
           <a:lstStyle/>
           <a:p>
             <a:r>
-              <a:rPr lang="zh-CN" altLang="en-US" sz="2800" dirty="0"/>
-              <a:t>关键字</a:t>
-            </a:r>
+              <a:rPr lang="zh-CN" altLang="zh-CN" sz="2800" dirty="0"/>
+              <a:t>数据类型</a:t>
+            </a:r>
+            <a:endParaRPr lang="zh-CN" altLang="en-US" sz="2800" dirty="0"/>
           </a:p>
         </p:txBody>
       </p:sp>
@@ -8493,7 +8867,7 @@
           <p:cNvPr id="3" name="内容占位符 2">
             <a:extLst>
               <a:ext uri="{FF2B5EF4-FFF2-40B4-BE49-F238E27FC236}">
-                <a16:creationId xmlns:a16="http://schemas.microsoft.com/office/drawing/2014/main" id="{00195A91-8449-4B52-B5CA-BC4713678AC9}"/>
+                <a16:creationId xmlns:a16="http://schemas.microsoft.com/office/drawing/2014/main" id="{9317045C-2305-4AF3-B1DF-2C3B5EB82D0C}"/>
               </a:ext>
             </a:extLst>
           </p:cNvPr>
@@ -8511,227 +8885,137 @@
           </a:bodyPr>
           <a:lstStyle/>
           <a:p>
-            <a:pPr lvl="0"/>
-            <a:r>
-              <a:rPr lang="en-US" altLang="zh-CN" b="1" u="sng" dirty="0">
-                <a:latin typeface="+mj-lt"/>
-                <a:hlinkClick r:id="rId2">
-                  <a:extLst>
-                    <a:ext uri="{A12FA001-AC4F-418D-AE19-62706E023703}">
-                      <ahyp:hlinkClr xmlns:ahyp="http://schemas.microsoft.com/office/drawing/2018/hyperlinkcolor" val="tx"/>
-                    </a:ext>
-                  </a:extLst>
-                </a:hlinkClick>
-              </a:rPr>
-              <a:t>if</a:t>
-            </a:r>
-            <a:r>
-              <a:rPr lang="en-US" altLang="zh-CN" b="1" dirty="0">
-                <a:latin typeface="+mj-lt"/>
-              </a:rPr>
-              <a:t> </a:t>
-            </a:r>
-            <a:endParaRPr lang="zh-CN" altLang="zh-CN" dirty="0">
+            <a:pPr>
+              <a:lnSpc>
+                <a:spcPct val="110000"/>
+              </a:lnSpc>
+            </a:pPr>
+            <a:r>
+              <a:rPr lang="en-US" altLang="zh-CN" sz="3600" dirty="0" err="1">
+                <a:solidFill>
+                  <a:srgbClr val="FF0000"/>
+                </a:solidFill>
+                <a:latin typeface="+mj-lt"/>
+              </a:rPr>
+              <a:t>boolean</a:t>
+            </a:r>
+            <a:r>
+              <a:rPr lang="en-US" altLang="zh-CN" sz="3600" dirty="0">
+                <a:latin typeface="+mj-lt"/>
+              </a:rPr>
+              <a:t>			char </a:t>
+            </a:r>
+            <a:endParaRPr lang="zh-CN" altLang="zh-CN" sz="3600" dirty="0">
               <a:latin typeface="+mj-lt"/>
             </a:endParaRPr>
           </a:p>
           <a:p>
-            <a:pPr lvl="0"/>
-            <a:r>
-              <a:rPr lang="en-US" altLang="zh-CN" b="1" u="sng" dirty="0">
-                <a:latin typeface="+mj-lt"/>
-                <a:hlinkClick r:id="rId3">
-                  <a:extLst>
-                    <a:ext uri="{A12FA001-AC4F-418D-AE19-62706E023703}">
-                      <ahyp:hlinkClr xmlns:ahyp="http://schemas.microsoft.com/office/drawing/2018/hyperlinkcolor" val="tx"/>
-                    </a:ext>
-                  </a:extLst>
-                </a:hlinkClick>
-              </a:rPr>
-              <a:t>if...else</a:t>
-            </a:r>
-            <a:r>
-              <a:rPr lang="en-US" altLang="zh-CN" b="1" dirty="0">
-                <a:latin typeface="+mj-lt"/>
-              </a:rPr>
-              <a:t> </a:t>
-            </a:r>
-            <a:endParaRPr lang="zh-CN" altLang="zh-CN" dirty="0">
+            <a:pPr>
+              <a:lnSpc>
+                <a:spcPct val="110000"/>
+              </a:lnSpc>
+            </a:pPr>
+            <a:r>
+              <a:rPr lang="en-US" altLang="zh-CN" sz="3600" dirty="0">
+                <a:solidFill>
+                  <a:srgbClr val="FF0000"/>
+                </a:solidFill>
+                <a:latin typeface="+mj-lt"/>
+              </a:rPr>
+              <a:t>byte</a:t>
+            </a:r>
+            <a:r>
+              <a:rPr lang="en-US" altLang="zh-CN" sz="3600" dirty="0">
+                <a:latin typeface="+mj-lt"/>
+              </a:rPr>
+              <a:t>			int</a:t>
+            </a:r>
+            <a:endParaRPr lang="zh-CN" altLang="zh-CN" sz="3600" dirty="0">
               <a:latin typeface="+mj-lt"/>
             </a:endParaRPr>
           </a:p>
           <a:p>
-            <a:pPr lvl="0"/>
-            <a:r>
-              <a:rPr lang="en-US" altLang="zh-CN" b="1" u="sng" dirty="0">
-                <a:latin typeface="+mj-lt"/>
-                <a:hlinkClick r:id="rId4">
-                  <a:extLst>
-                    <a:ext uri="{A12FA001-AC4F-418D-AE19-62706E023703}">
-                      <ahyp:hlinkClr xmlns:ahyp="http://schemas.microsoft.com/office/drawing/2018/hyperlinkcolor" val="tx"/>
-                    </a:ext>
-                  </a:extLst>
-                </a:hlinkClick>
-              </a:rPr>
-              <a:t>for</a:t>
-            </a:r>
-            <a:r>
-              <a:rPr lang="en-US" altLang="zh-CN" b="1" dirty="0">
-                <a:latin typeface="+mj-lt"/>
-              </a:rPr>
-              <a:t> </a:t>
-            </a:r>
-            <a:endParaRPr lang="zh-CN" altLang="zh-CN" dirty="0">
+            <a:pPr>
+              <a:lnSpc>
+                <a:spcPct val="110000"/>
+              </a:lnSpc>
+            </a:pPr>
+            <a:r>
+              <a:rPr lang="en-US" altLang="zh-CN" sz="3600" dirty="0">
+                <a:latin typeface="+mj-lt"/>
+              </a:rPr>
+              <a:t>unsigned int		long</a:t>
+            </a:r>
+            <a:endParaRPr lang="zh-CN" altLang="zh-CN" sz="3600" dirty="0">
               <a:latin typeface="+mj-lt"/>
             </a:endParaRPr>
           </a:p>
           <a:p>
-            <a:pPr lvl="0"/>
-            <a:r>
-              <a:rPr lang="en-US" altLang="zh-CN" b="1" u="sng" dirty="0">
-                <a:latin typeface="+mj-lt"/>
-                <a:hlinkClick r:id="rId5">
-                  <a:extLst>
-                    <a:ext uri="{A12FA001-AC4F-418D-AE19-62706E023703}">
-                      <ahyp:hlinkClr xmlns:ahyp="http://schemas.microsoft.com/office/drawing/2018/hyperlinkcolor" val="tx"/>
-                    </a:ext>
-                  </a:extLst>
-                </a:hlinkClick>
-              </a:rPr>
-              <a:t>switch case</a:t>
-            </a:r>
-            <a:r>
-              <a:rPr lang="en-US" altLang="zh-CN" b="1" dirty="0">
-                <a:latin typeface="+mj-lt"/>
-              </a:rPr>
-              <a:t> </a:t>
-            </a:r>
-            <a:endParaRPr lang="zh-CN" altLang="zh-CN" dirty="0">
+            <a:pPr>
+              <a:lnSpc>
+                <a:spcPct val="110000"/>
+              </a:lnSpc>
+            </a:pPr>
+            <a:r>
+              <a:rPr lang="en-US" altLang="zh-CN" sz="3600" dirty="0">
+                <a:latin typeface="+mj-lt"/>
+              </a:rPr>
+              <a:t>unsigned long	float</a:t>
+            </a:r>
+            <a:endParaRPr lang="zh-CN" altLang="zh-CN" sz="3600" dirty="0">
               <a:latin typeface="+mj-lt"/>
             </a:endParaRPr>
           </a:p>
           <a:p>
-            <a:pPr lvl="0"/>
-            <a:r>
-              <a:rPr lang="en-US" altLang="zh-CN" b="1" u="sng" dirty="0">
-                <a:latin typeface="+mj-lt"/>
-                <a:hlinkClick r:id="rId6">
-                  <a:extLst>
-                    <a:ext uri="{A12FA001-AC4F-418D-AE19-62706E023703}">
-                      <ahyp:hlinkClr xmlns:ahyp="http://schemas.microsoft.com/office/drawing/2018/hyperlinkcolor" val="tx"/>
-                    </a:ext>
-                  </a:extLst>
-                </a:hlinkClick>
-              </a:rPr>
-              <a:t>while</a:t>
-            </a:r>
-            <a:r>
-              <a:rPr lang="en-US" altLang="zh-CN" b="1" dirty="0">
-                <a:latin typeface="+mj-lt"/>
-              </a:rPr>
-              <a:t> </a:t>
-            </a:r>
-            <a:endParaRPr lang="zh-CN" altLang="zh-CN" dirty="0">
+            <a:pPr>
+              <a:lnSpc>
+                <a:spcPct val="110000"/>
+              </a:lnSpc>
+            </a:pPr>
+            <a:r>
+              <a:rPr lang="en-US" altLang="zh-CN" sz="3600" dirty="0">
+                <a:latin typeface="+mj-lt"/>
+              </a:rPr>
+              <a:t>double			</a:t>
+            </a:r>
+            <a:r>
+              <a:rPr lang="en-US" altLang="zh-CN" sz="3600" dirty="0">
+                <a:solidFill>
+                  <a:srgbClr val="FF0000"/>
+                </a:solidFill>
+                <a:latin typeface="+mj-lt"/>
+              </a:rPr>
+              <a:t>string</a:t>
+            </a:r>
+            <a:endParaRPr lang="zh-CN" altLang="zh-CN" sz="3600" dirty="0">
+              <a:solidFill>
+                <a:srgbClr val="FF0000"/>
+              </a:solidFill>
               <a:latin typeface="+mj-lt"/>
             </a:endParaRPr>
           </a:p>
           <a:p>
-            <a:pPr lvl="0"/>
-            <a:r>
-              <a:rPr lang="en-US" altLang="zh-CN" b="1" u="sng" dirty="0">
-                <a:latin typeface="+mj-lt"/>
-                <a:hlinkClick r:id="rId7">
-                  <a:extLst>
-                    <a:ext uri="{A12FA001-AC4F-418D-AE19-62706E023703}">
-                      <ahyp:hlinkClr xmlns:ahyp="http://schemas.microsoft.com/office/drawing/2018/hyperlinkcolor" val="tx"/>
-                    </a:ext>
-                  </a:extLst>
-                </a:hlinkClick>
-              </a:rPr>
-              <a:t>do... while</a:t>
-            </a:r>
-            <a:r>
-              <a:rPr lang="en-US" altLang="zh-CN" b="1" dirty="0">
-                <a:latin typeface="+mj-lt"/>
-              </a:rPr>
-              <a:t> </a:t>
-            </a:r>
-            <a:endParaRPr lang="zh-CN" altLang="zh-CN" dirty="0">
-              <a:latin typeface="+mj-lt"/>
-            </a:endParaRPr>
-          </a:p>
-          <a:p>
-            <a:pPr lvl="0"/>
-            <a:r>
-              <a:rPr lang="en-US" altLang="zh-CN" b="1" u="sng" dirty="0">
-                <a:latin typeface="+mj-lt"/>
-                <a:hlinkClick r:id="rId8">
-                  <a:extLst>
-                    <a:ext uri="{A12FA001-AC4F-418D-AE19-62706E023703}">
-                      <ahyp:hlinkClr xmlns:ahyp="http://schemas.microsoft.com/office/drawing/2018/hyperlinkcolor" val="tx"/>
-                    </a:ext>
-                  </a:extLst>
-                </a:hlinkClick>
-              </a:rPr>
-              <a:t>break</a:t>
-            </a:r>
-            <a:r>
-              <a:rPr lang="en-US" altLang="zh-CN" b="1" dirty="0">
-                <a:latin typeface="+mj-lt"/>
-              </a:rPr>
-              <a:t> </a:t>
-            </a:r>
-            <a:endParaRPr lang="zh-CN" altLang="zh-CN" dirty="0">
-              <a:latin typeface="+mj-lt"/>
-            </a:endParaRPr>
-          </a:p>
-          <a:p>
-            <a:pPr lvl="0"/>
-            <a:r>
-              <a:rPr lang="en-US" altLang="zh-CN" b="1" u="sng" dirty="0">
-                <a:latin typeface="+mj-lt"/>
-                <a:hlinkClick r:id="rId9">
-                  <a:extLst>
-                    <a:ext uri="{A12FA001-AC4F-418D-AE19-62706E023703}">
-                      <ahyp:hlinkClr xmlns:ahyp="http://schemas.microsoft.com/office/drawing/2018/hyperlinkcolor" val="tx"/>
-                    </a:ext>
-                  </a:extLst>
-                </a:hlinkClick>
-              </a:rPr>
-              <a:t>continue</a:t>
-            </a:r>
-            <a:r>
-              <a:rPr lang="en-US" altLang="zh-CN" b="1" dirty="0">
-                <a:latin typeface="+mj-lt"/>
-              </a:rPr>
-              <a:t> </a:t>
-            </a:r>
-            <a:endParaRPr lang="zh-CN" altLang="zh-CN" dirty="0">
-              <a:latin typeface="+mj-lt"/>
-            </a:endParaRPr>
-          </a:p>
-          <a:p>
-            <a:pPr lvl="0"/>
-            <a:r>
-              <a:rPr lang="en-US" altLang="zh-CN" b="1" u="sng" dirty="0">
-                <a:latin typeface="+mj-lt"/>
-                <a:hlinkClick r:id="rId10">
-                  <a:extLst>
-                    <a:ext uri="{A12FA001-AC4F-418D-AE19-62706E023703}">
-                      <ahyp:hlinkClr xmlns:ahyp="http://schemas.microsoft.com/office/drawing/2018/hyperlinkcolor" val="tx"/>
-                    </a:ext>
-                  </a:extLst>
-                </a:hlinkClick>
-              </a:rPr>
-              <a:t>return</a:t>
-            </a:r>
-            <a:r>
-              <a:rPr lang="en-US" altLang="zh-CN" b="1" dirty="0">
-                <a:latin typeface="+mj-lt"/>
-              </a:rPr>
-              <a:t> </a:t>
-            </a:r>
-            <a:endParaRPr lang="zh-CN" altLang="zh-CN" dirty="0">
+            <a:pPr>
+              <a:lnSpc>
+                <a:spcPct val="110000"/>
+              </a:lnSpc>
+            </a:pPr>
+            <a:r>
+              <a:rPr lang="en-US" altLang="zh-CN" sz="3600" dirty="0">
+                <a:solidFill>
+                  <a:srgbClr val="FF0000"/>
+                </a:solidFill>
+                <a:latin typeface="+mj-lt"/>
+              </a:rPr>
+              <a:t>array</a:t>
+            </a:r>
+            <a:r>
+              <a:rPr lang="en-US" altLang="zh-CN" sz="3600" dirty="0">
+                <a:latin typeface="+mj-lt"/>
+              </a:rPr>
+              <a:t>			void</a:t>
+            </a:r>
+            <a:endParaRPr lang="zh-CN" altLang="zh-CN" sz="3600" dirty="0">
               <a:latin typeface="+mj-lt"/>
             </a:endParaRPr>
           </a:p>
@@ -8743,7 +9027,7 @@
     </p:spTree>
     <p:extLst>
       <p:ext uri="{BB962C8B-B14F-4D97-AF65-F5344CB8AC3E}">
-        <p14:creationId xmlns:p14="http://schemas.microsoft.com/office/powerpoint/2010/main" val="654952829"/>
+        <p14:creationId xmlns:p14="http://schemas.microsoft.com/office/powerpoint/2010/main" val="2069145524"/>
       </p:ext>
     </p:extLst>
   </p:cSld>
@@ -8787,7 +9071,7 @@
           <p:cNvPr id="2" name="标题 1">
             <a:extLst>
               <a:ext uri="{FF2B5EF4-FFF2-40B4-BE49-F238E27FC236}">
-                <a16:creationId xmlns:a16="http://schemas.microsoft.com/office/drawing/2014/main" id="{FBE4A579-A89D-433E-9E59-6001FA14249C}"/>
+                <a16:creationId xmlns:a16="http://schemas.microsoft.com/office/drawing/2014/main" id="{5BBC694A-7F46-4ED8-ACAC-8DD165248884}"/>
               </a:ext>
             </a:extLst>
           </p:cNvPr>
@@ -8804,9 +9088,10 @@
           <a:lstStyle/>
           <a:p>
             <a:r>
-              <a:rPr lang="zh-CN" altLang="en-US" sz="2800" dirty="0"/>
-              <a:t>语法符号</a:t>
-            </a:r>
+              <a:rPr lang="zh-CN" altLang="zh-CN" sz="2800" dirty="0"/>
+              <a:t>常量</a:t>
+            </a:r>
+            <a:endParaRPr lang="zh-CN" altLang="en-US" sz="2800" dirty="0"/>
           </a:p>
         </p:txBody>
       </p:sp>
@@ -8815,7 +9100,7 @@
           <p:cNvPr id="3" name="内容占位符 2">
             <a:extLst>
               <a:ext uri="{FF2B5EF4-FFF2-40B4-BE49-F238E27FC236}">
-                <a16:creationId xmlns:a16="http://schemas.microsoft.com/office/drawing/2014/main" id="{8257ADA1-0B10-43C0-AB3A-664F7E08910D}"/>
+                <a16:creationId xmlns:a16="http://schemas.microsoft.com/office/drawing/2014/main" id="{AD7AA2ED-D7DE-4789-9597-32F8AA056059}"/>
               </a:ext>
             </a:extLst>
           </p:cNvPr>
@@ -8828,71 +9113,421 @@
         </p:nvSpPr>
         <p:spPr/>
         <p:txBody>
-          <a:bodyPr/>
+          <a:bodyPr>
+            <a:normAutofit/>
+          </a:bodyPr>
           <a:lstStyle/>
           <a:p>
+            <a:pPr lvl="0"/>
             <a:r>
               <a:rPr lang="en-US" altLang="zh-CN" dirty="0">
                 <a:latin typeface="+mj-lt"/>
-              </a:rPr>
-              <a:t>;		// </a:t>
-            </a:r>
-            <a:r>
-              <a:rPr lang="zh-CN" altLang="en-US" dirty="0">
-                <a:latin typeface="+mj-lt"/>
-              </a:rPr>
-              <a:t>切记编程时注意分号，以免造成不必要的调试麻烦</a:t>
-            </a:r>
-            <a:endParaRPr lang="zh-CN" altLang="zh-CN" dirty="0">
-              <a:latin typeface="+mj-lt"/>
-            </a:endParaRPr>
-          </a:p>
-          <a:p>
+                <a:hlinkClick r:id="rId2">
+                  <a:extLst>
+                    <a:ext uri="{A12FA001-AC4F-418D-AE19-62706E023703}">
+                      <ahyp:hlinkClr xmlns:ahyp="http://schemas.microsoft.com/office/drawing/2018/hyperlinkcolor" val="tx"/>
+                    </a:ext>
+                  </a:extLst>
+                </a:hlinkClick>
+              </a:rPr>
+              <a:t>HIGH</a:t>
+            </a:r>
             <a:r>
               <a:rPr lang="en-US" altLang="zh-CN" dirty="0">
                 <a:latin typeface="+mj-lt"/>
               </a:rPr>
-              <a:t>{}		// </a:t>
-            </a:r>
-            <a:r>
-              <a:rPr lang="zh-CN" altLang="en-US" dirty="0">
-                <a:latin typeface="+mj-lt"/>
-              </a:rPr>
-              <a:t>块符号</a:t>
-            </a:r>
-            <a:endParaRPr lang="zh-CN" altLang="zh-CN" dirty="0">
-              <a:latin typeface="+mj-lt"/>
-            </a:endParaRPr>
-          </a:p>
-          <a:p>
+              <a:t> | </a:t>
+            </a:r>
             <a:r>
               <a:rPr lang="en-US" altLang="zh-CN" dirty="0">
                 <a:latin typeface="+mj-lt"/>
-              </a:rPr>
-              <a:t>//		//</a:t>
-            </a:r>
-            <a:r>
-              <a:rPr lang="zh-CN" altLang="en-US" dirty="0">
-                <a:latin typeface="+mj-lt"/>
-              </a:rPr>
-              <a:t> 行注释</a:t>
-            </a:r>
-            <a:endParaRPr lang="zh-CN" altLang="zh-CN" dirty="0">
-              <a:latin typeface="+mj-lt"/>
-            </a:endParaRPr>
-          </a:p>
-          <a:p>
+                <a:hlinkClick r:id="rId2">
+                  <a:extLst>
+                    <a:ext uri="{A12FA001-AC4F-418D-AE19-62706E023703}">
+                      <ahyp:hlinkClr xmlns:ahyp="http://schemas.microsoft.com/office/drawing/2018/hyperlinkcolor" val="tx"/>
+                    </a:ext>
+                  </a:extLst>
+                </a:hlinkClick>
+              </a:rPr>
+              <a:t>LOW</a:t>
+            </a:r>
             <a:r>
               <a:rPr lang="en-US" altLang="zh-CN" dirty="0">
                 <a:latin typeface="+mj-lt"/>
               </a:rPr>
-              <a:t>/* */		// </a:t>
-            </a:r>
-            <a:r>
-              <a:rPr lang="zh-CN" altLang="en-US" dirty="0">
-                <a:latin typeface="+mj-lt"/>
-              </a:rPr>
-              <a:t>块注释</a:t>
+              <a:t>     </a:t>
+            </a:r>
+          </a:p>
+          <a:p>
+            <a:pPr marL="0" lvl="0" indent="0">
+              <a:buNone/>
+            </a:pPr>
+            <a:r>
+              <a:rPr lang="en-US" altLang="zh-CN" sz="2000" dirty="0">
+                <a:latin typeface="+mj-lt"/>
+              </a:rPr>
+              <a:t>	</a:t>
+            </a:r>
+            <a:r>
+              <a:rPr lang="zh-CN" altLang="zh-CN" sz="2000" dirty="0">
+                <a:latin typeface="+mj-lt"/>
+              </a:rPr>
+              <a:t>表示数字</a:t>
+            </a:r>
+            <a:r>
+              <a:rPr lang="en-US" altLang="zh-CN" sz="2000" dirty="0">
+                <a:latin typeface="+mj-lt"/>
+              </a:rPr>
+              <a:t>IO</a:t>
+            </a:r>
+            <a:r>
+              <a:rPr lang="zh-CN" altLang="zh-CN" sz="2000" dirty="0">
+                <a:latin typeface="+mj-lt"/>
+              </a:rPr>
+              <a:t>口的电平，</a:t>
+            </a:r>
+            <a:r>
+              <a:rPr lang="en-US" altLang="zh-CN" sz="2000" dirty="0">
+                <a:latin typeface="+mj-lt"/>
+                <a:hlinkClick r:id="rId2">
+                  <a:extLst>
+                    <a:ext uri="{A12FA001-AC4F-418D-AE19-62706E023703}">
+                      <ahyp:hlinkClr xmlns:ahyp="http://schemas.microsoft.com/office/drawing/2018/hyperlinkcolor" val="tx"/>
+                    </a:ext>
+                  </a:extLst>
+                </a:hlinkClick>
+              </a:rPr>
+              <a:t>HIGH</a:t>
+            </a:r>
+            <a:r>
+              <a:rPr lang="en-US" altLang="zh-CN" sz="2000" dirty="0">
+                <a:latin typeface="+mj-lt"/>
+              </a:rPr>
+              <a:t> </a:t>
+            </a:r>
+            <a:r>
+              <a:rPr lang="zh-CN" altLang="zh-CN" sz="2000" dirty="0">
+                <a:latin typeface="+mj-lt"/>
+              </a:rPr>
+              <a:t>表示高电平（</a:t>
+            </a:r>
+            <a:r>
+              <a:rPr lang="en-US" altLang="zh-CN" sz="2000" dirty="0">
+                <a:latin typeface="+mj-lt"/>
+              </a:rPr>
+              <a:t>1</a:t>
+            </a:r>
+            <a:r>
+              <a:rPr lang="zh-CN" altLang="zh-CN" sz="2000" dirty="0">
+                <a:latin typeface="+mj-lt"/>
+              </a:rPr>
+              <a:t>），</a:t>
+            </a:r>
+            <a:r>
+              <a:rPr lang="en-US" altLang="zh-CN" sz="2000" dirty="0">
+                <a:latin typeface="+mj-lt"/>
+                <a:hlinkClick r:id="rId2">
+                  <a:extLst>
+                    <a:ext uri="{A12FA001-AC4F-418D-AE19-62706E023703}">
+                      <ahyp:hlinkClr xmlns:ahyp="http://schemas.microsoft.com/office/drawing/2018/hyperlinkcolor" val="tx"/>
+                    </a:ext>
+                  </a:extLst>
+                </a:hlinkClick>
+              </a:rPr>
+              <a:t>LOW</a:t>
+            </a:r>
+            <a:r>
+              <a:rPr lang="en-US" altLang="zh-CN" sz="2000" dirty="0">
+                <a:latin typeface="+mj-lt"/>
+              </a:rPr>
+              <a:t> </a:t>
+            </a:r>
+            <a:r>
+              <a:rPr lang="zh-CN" altLang="zh-CN" sz="2000" dirty="0">
+                <a:latin typeface="+mj-lt"/>
+              </a:rPr>
+              <a:t>表示低电平（</a:t>
+            </a:r>
+            <a:r>
+              <a:rPr lang="en-US" altLang="zh-CN" sz="2000" dirty="0">
+                <a:latin typeface="+mj-lt"/>
+              </a:rPr>
+              <a:t>0</a:t>
+            </a:r>
+            <a:r>
+              <a:rPr lang="zh-CN" altLang="zh-CN" sz="2000" dirty="0">
+                <a:latin typeface="+mj-lt"/>
+              </a:rPr>
+              <a:t>）</a:t>
+            </a:r>
+            <a:r>
+              <a:rPr lang="zh-CN" altLang="zh-CN" dirty="0">
+                <a:latin typeface="+mj-lt"/>
+              </a:rPr>
+              <a:t> </a:t>
+            </a:r>
+          </a:p>
+          <a:p>
+            <a:pPr lvl="0"/>
+            <a:r>
+              <a:rPr lang="en-US" altLang="zh-CN" dirty="0">
+                <a:latin typeface="+mj-lt"/>
+                <a:hlinkClick r:id="rId2">
+                  <a:extLst>
+                    <a:ext uri="{A12FA001-AC4F-418D-AE19-62706E023703}">
+                      <ahyp:hlinkClr xmlns:ahyp="http://schemas.microsoft.com/office/drawing/2018/hyperlinkcolor" val="tx"/>
+                    </a:ext>
+                  </a:extLst>
+                </a:hlinkClick>
+              </a:rPr>
+              <a:t>INPUT</a:t>
+            </a:r>
+            <a:r>
+              <a:rPr lang="en-US" altLang="zh-CN" dirty="0">
+                <a:latin typeface="+mj-lt"/>
+              </a:rPr>
+              <a:t> | </a:t>
+            </a:r>
+            <a:r>
+              <a:rPr lang="en-US" altLang="zh-CN" dirty="0">
+                <a:latin typeface="+mj-lt"/>
+                <a:hlinkClick r:id="rId2">
+                  <a:extLst>
+                    <a:ext uri="{A12FA001-AC4F-418D-AE19-62706E023703}">
+                      <ahyp:hlinkClr xmlns:ahyp="http://schemas.microsoft.com/office/drawing/2018/hyperlinkcolor" val="tx"/>
+                    </a:ext>
+                  </a:extLst>
+                </a:hlinkClick>
+              </a:rPr>
+              <a:t>OUTPUT</a:t>
+            </a:r>
+            <a:r>
+              <a:rPr lang="en-US" altLang="zh-CN" dirty="0">
+                <a:latin typeface="+mj-lt"/>
+              </a:rPr>
+              <a:t> </a:t>
+            </a:r>
+          </a:p>
+          <a:p>
+            <a:pPr marL="457200" lvl="1" indent="0">
+              <a:buNone/>
+            </a:pPr>
+            <a:r>
+              <a:rPr lang="zh-CN" altLang="zh-CN" sz="2000" dirty="0">
+                <a:latin typeface="+mj-lt"/>
+              </a:rPr>
+              <a:t>表示数字</a:t>
+            </a:r>
+            <a:r>
+              <a:rPr lang="en-US" altLang="zh-CN" sz="2000" dirty="0">
+                <a:latin typeface="+mj-lt"/>
+              </a:rPr>
+              <a:t>IO</a:t>
+            </a:r>
+            <a:r>
+              <a:rPr lang="zh-CN" altLang="zh-CN" sz="2000" dirty="0">
+                <a:latin typeface="+mj-lt"/>
+              </a:rPr>
+              <a:t>口的方向，</a:t>
+            </a:r>
+            <a:r>
+              <a:rPr lang="en-US" altLang="zh-CN" sz="2000" dirty="0">
+                <a:latin typeface="+mj-lt"/>
+                <a:hlinkClick r:id="rId2">
+                  <a:extLst>
+                    <a:ext uri="{A12FA001-AC4F-418D-AE19-62706E023703}">
+                      <ahyp:hlinkClr xmlns:ahyp="http://schemas.microsoft.com/office/drawing/2018/hyperlinkcolor" val="tx"/>
+                    </a:ext>
+                  </a:extLst>
+                </a:hlinkClick>
+              </a:rPr>
+              <a:t>INPUT</a:t>
+            </a:r>
+            <a:r>
+              <a:rPr lang="en-US" altLang="zh-CN" sz="2000" dirty="0">
+                <a:latin typeface="+mj-lt"/>
+              </a:rPr>
+              <a:t> </a:t>
+            </a:r>
+            <a:r>
+              <a:rPr lang="zh-CN" altLang="zh-CN" sz="2000" dirty="0">
+                <a:latin typeface="+mj-lt"/>
+              </a:rPr>
+              <a:t>表示输入（高阻态），</a:t>
+            </a:r>
+            <a:r>
+              <a:rPr lang="en-US" altLang="zh-CN" sz="2000" dirty="0">
+                <a:latin typeface="+mj-lt"/>
+                <a:hlinkClick r:id="rId2">
+                  <a:extLst>
+                    <a:ext uri="{A12FA001-AC4F-418D-AE19-62706E023703}">
+                      <ahyp:hlinkClr xmlns:ahyp="http://schemas.microsoft.com/office/drawing/2018/hyperlinkcolor" val="tx"/>
+                    </a:ext>
+                  </a:extLst>
+                </a:hlinkClick>
+              </a:rPr>
+              <a:t>OUTPUT</a:t>
+            </a:r>
+            <a:r>
+              <a:rPr lang="en-US" altLang="zh-CN" sz="2000" dirty="0">
+                <a:latin typeface="+mj-lt"/>
+              </a:rPr>
+              <a:t>   </a:t>
+            </a:r>
+            <a:r>
+              <a:rPr lang="zh-CN" altLang="zh-CN" sz="2000" dirty="0">
+                <a:latin typeface="+mj-lt"/>
+              </a:rPr>
+              <a:t>表示输出（</a:t>
+            </a:r>
+            <a:r>
+              <a:rPr lang="en-US" altLang="zh-CN" sz="2000" dirty="0">
+                <a:latin typeface="+mj-lt"/>
+              </a:rPr>
+              <a:t>AVR</a:t>
+            </a:r>
+            <a:r>
+              <a:rPr lang="zh-CN" altLang="zh-CN" sz="2000" dirty="0">
+                <a:latin typeface="+mj-lt"/>
+              </a:rPr>
+              <a:t>能提供</a:t>
+            </a:r>
+            <a:r>
+              <a:rPr lang="en-US" altLang="zh-CN" sz="2000" dirty="0">
+                <a:latin typeface="+mj-lt"/>
+              </a:rPr>
+              <a:t>5V</a:t>
+            </a:r>
+            <a:r>
+              <a:rPr lang="zh-CN" altLang="zh-CN" sz="2000" dirty="0">
+                <a:latin typeface="+mj-lt"/>
+              </a:rPr>
+              <a:t>电压</a:t>
+            </a:r>
+            <a:r>
+              <a:rPr lang="en-US" altLang="zh-CN" sz="2000" dirty="0">
+                <a:latin typeface="+mj-lt"/>
+              </a:rPr>
+              <a:t> 40mA</a:t>
+            </a:r>
+            <a:r>
+              <a:rPr lang="zh-CN" altLang="zh-CN" sz="2000" dirty="0">
+                <a:latin typeface="+mj-lt"/>
+              </a:rPr>
+              <a:t>电流）</a:t>
+            </a:r>
+          </a:p>
+          <a:p>
+            <a:r>
+              <a:rPr lang="en-US" altLang="zh-CN" dirty="0">
+                <a:latin typeface="+mj-lt"/>
+                <a:hlinkClick r:id="rId2">
+                  <a:extLst>
+                    <a:ext uri="{A12FA001-AC4F-418D-AE19-62706E023703}">
+                      <ahyp:hlinkClr xmlns:ahyp="http://schemas.microsoft.com/office/drawing/2018/hyperlinkcolor" val="tx"/>
+                    </a:ext>
+                  </a:extLst>
+                </a:hlinkClick>
+              </a:rPr>
+              <a:t>true</a:t>
+            </a:r>
+            <a:r>
+              <a:rPr lang="en-US" altLang="zh-CN" dirty="0">
+                <a:latin typeface="+mj-lt"/>
+              </a:rPr>
+              <a:t> | </a:t>
+            </a:r>
+            <a:r>
+              <a:rPr lang="en-US" altLang="zh-CN" dirty="0">
+                <a:latin typeface="+mj-lt"/>
+                <a:hlinkClick r:id="rId2">
+                  <a:extLst>
+                    <a:ext uri="{A12FA001-AC4F-418D-AE19-62706E023703}">
+                      <ahyp:hlinkClr xmlns:ahyp="http://schemas.microsoft.com/office/drawing/2018/hyperlinkcolor" val="tx"/>
+                    </a:ext>
+                  </a:extLst>
+                </a:hlinkClick>
+              </a:rPr>
+              <a:t>false</a:t>
+            </a:r>
+            <a:r>
+              <a:rPr lang="en-US" altLang="zh-CN" dirty="0">
+                <a:latin typeface="+mj-lt"/>
+              </a:rPr>
+              <a:t>   </a:t>
+            </a:r>
+          </a:p>
+          <a:p>
+            <a:pPr marL="457200" lvl="1" indent="0">
+              <a:buNone/>
+            </a:pPr>
+            <a:r>
+              <a:rPr lang="en-US" altLang="zh-CN" sz="2000" dirty="0">
+                <a:latin typeface="+mj-lt"/>
+                <a:hlinkClick r:id="rId2">
+                  <a:extLst>
+                    <a:ext uri="{A12FA001-AC4F-418D-AE19-62706E023703}">
+                      <ahyp:hlinkClr xmlns:ahyp="http://schemas.microsoft.com/office/drawing/2018/hyperlinkcolor" val="tx"/>
+                    </a:ext>
+                  </a:extLst>
+                </a:hlinkClick>
+              </a:rPr>
+              <a:t>true</a:t>
+            </a:r>
+            <a:r>
+              <a:rPr lang="en-US" altLang="zh-CN" sz="2000" dirty="0">
+                <a:latin typeface="+mj-lt"/>
+              </a:rPr>
+              <a:t> </a:t>
+            </a:r>
+            <a:r>
+              <a:rPr lang="zh-CN" altLang="zh-CN" sz="2000" dirty="0">
+                <a:latin typeface="+mj-lt"/>
+              </a:rPr>
+              <a:t>表示真（</a:t>
+            </a:r>
+            <a:r>
+              <a:rPr lang="en-US" altLang="zh-CN" sz="2000" dirty="0">
+                <a:latin typeface="+mj-lt"/>
+              </a:rPr>
+              <a:t>1</a:t>
+            </a:r>
+            <a:r>
+              <a:rPr lang="zh-CN" altLang="zh-CN" sz="2000" dirty="0">
+                <a:latin typeface="+mj-lt"/>
+              </a:rPr>
+              <a:t>），</a:t>
+            </a:r>
+            <a:r>
+              <a:rPr lang="en-US" altLang="zh-CN" sz="2000" dirty="0">
+                <a:latin typeface="+mj-lt"/>
+                <a:hlinkClick r:id="rId2">
+                  <a:extLst>
+                    <a:ext uri="{A12FA001-AC4F-418D-AE19-62706E023703}">
+                      <ahyp:hlinkClr xmlns:ahyp="http://schemas.microsoft.com/office/drawing/2018/hyperlinkcolor" val="tx"/>
+                    </a:ext>
+                  </a:extLst>
+                </a:hlinkClick>
+              </a:rPr>
+              <a:t>false</a:t>
+            </a:r>
+            <a:r>
+              <a:rPr lang="zh-CN" altLang="zh-CN" sz="2000" dirty="0">
+                <a:latin typeface="+mj-lt"/>
+              </a:rPr>
+              <a:t>表示假（</a:t>
+            </a:r>
+            <a:r>
+              <a:rPr lang="en-US" altLang="zh-CN" sz="2000" dirty="0">
+                <a:latin typeface="+mj-lt"/>
+              </a:rPr>
+              <a:t>0</a:t>
+            </a:r>
+            <a:r>
+              <a:rPr lang="zh-CN" altLang="en-US" sz="2000" dirty="0">
+                <a:latin typeface="+mj-lt"/>
+              </a:rPr>
+              <a:t>）</a:t>
             </a:r>
           </a:p>
         </p:txBody>
@@ -8900,7 +9535,7 @@
     </p:spTree>
     <p:extLst>
       <p:ext uri="{BB962C8B-B14F-4D97-AF65-F5344CB8AC3E}">
-        <p14:creationId xmlns:p14="http://schemas.microsoft.com/office/powerpoint/2010/main" val="2170030214"/>
+        <p14:creationId xmlns:p14="http://schemas.microsoft.com/office/powerpoint/2010/main" val="930598995"/>
       </p:ext>
     </p:extLst>
   </p:cSld>
@@ -8944,7 +9579,7 @@
           <p:cNvPr id="2" name="标题 1">
             <a:extLst>
               <a:ext uri="{FF2B5EF4-FFF2-40B4-BE49-F238E27FC236}">
-                <a16:creationId xmlns:a16="http://schemas.microsoft.com/office/drawing/2014/main" id="{9BA24990-E5CF-4190-9A39-8997EA38C7A8}"/>
+                <a16:creationId xmlns:a16="http://schemas.microsoft.com/office/drawing/2014/main" id="{5145D385-0B7E-46EF-BF21-8478D4F3D71B}"/>
               </a:ext>
             </a:extLst>
           </p:cNvPr>
@@ -8962,7 +9597,7 @@
           <a:p>
             <a:r>
               <a:rPr lang="zh-CN" altLang="zh-CN" sz="2800" dirty="0"/>
-              <a:t>运算符</a:t>
+              <a:t>结构</a:t>
             </a:r>
             <a:endParaRPr lang="zh-CN" altLang="en-US" sz="2800" dirty="0"/>
           </a:p>
@@ -8973,7 +9608,7 @@
           <p:cNvPr id="3" name="内容占位符 2">
             <a:extLst>
               <a:ext uri="{FF2B5EF4-FFF2-40B4-BE49-F238E27FC236}">
-                <a16:creationId xmlns:a16="http://schemas.microsoft.com/office/drawing/2014/main" id="{59FF80A0-BC9C-447C-8416-B4419B52CD00}"/>
+                <a16:creationId xmlns:a16="http://schemas.microsoft.com/office/drawing/2014/main" id="{68DDA2BA-A91E-441A-A94D-0463AD47761E}"/>
               </a:ext>
             </a:extLst>
           </p:cNvPr>
@@ -8986,9 +9621,7 @@
         </p:nvSpPr>
         <p:spPr/>
         <p:txBody>
-          <a:bodyPr>
-            <a:normAutofit/>
-          </a:bodyPr>
+          <a:bodyPr/>
           <a:lstStyle/>
           <a:p>
             <a:pPr lvl="0"/>
@@ -8996,9 +9629,40 @@
               <a:rPr lang="en-US" altLang="zh-CN" dirty="0">
                 <a:latin typeface="+mj-lt"/>
               </a:rPr>
-              <a:t>= 	+ 	- 	* </a:t>
-            </a:r>
-            <a:endParaRPr lang="zh-CN" altLang="zh-CN" dirty="0">
+              <a:t>void </a:t>
+            </a:r>
+            <a:r>
+              <a:rPr lang="en-US" altLang="zh-CN" dirty="0">
+                <a:latin typeface="+mj-lt"/>
+                <a:hlinkClick r:id="rId2">
+                  <a:extLst>
+                    <a:ext uri="{A12FA001-AC4F-418D-AE19-62706E023703}">
+                      <ahyp:hlinkClr xmlns:ahyp="http://schemas.microsoft.com/office/drawing/2018/hyperlinkcolor" val="tx"/>
+                    </a:ext>
+                  </a:extLst>
+                </a:hlinkClick>
+              </a:rPr>
+              <a:t>setup</a:t>
+            </a:r>
+            <a:r>
+              <a:rPr lang="en-US" altLang="zh-CN" dirty="0">
+                <a:latin typeface="+mj-lt"/>
+              </a:rPr>
+              <a:t>()   </a:t>
+            </a:r>
+          </a:p>
+          <a:p>
+            <a:pPr marL="457200" lvl="1" indent="0">
+              <a:buFont typeface="Arial" panose="020B0604020202020204" pitchFamily="34" charset="0"/>
+              <a:buNone/>
+            </a:pPr>
+            <a:r>
+              <a:rPr lang="zh-CN" altLang="zh-CN" sz="2000" dirty="0">
+                <a:latin typeface="+mj-lt"/>
+              </a:rPr>
+              <a:t>初始化变量，管脚模式，调用库函数等 </a:t>
+            </a:r>
+            <a:endParaRPr lang="zh-CN" altLang="zh-CN" sz="2800" dirty="0">
               <a:latin typeface="+mj-lt"/>
             </a:endParaRPr>
           </a:p>
@@ -9008,66 +9672,45 @@
               <a:rPr lang="en-US" altLang="zh-CN" dirty="0">
                 <a:latin typeface="+mj-lt"/>
               </a:rPr>
-              <a:t>/ 	% 	==	!=</a:t>
-            </a:r>
-          </a:p>
-          <a:p>
-            <a:pPr lvl="0"/>
+              <a:t>void </a:t>
+            </a:r>
             <a:r>
               <a:rPr lang="en-US" altLang="zh-CN" dirty="0">
                 <a:latin typeface="+mj-lt"/>
-              </a:rPr>
-              <a:t>&lt;	&gt;	&lt;=	&gt;=</a:t>
-            </a:r>
-            <a:endParaRPr lang="zh-CN" altLang="zh-CN" dirty="0">
-              <a:latin typeface="+mj-lt"/>
-            </a:endParaRPr>
-          </a:p>
-          <a:p>
-            <a:pPr lvl="0"/>
+                <a:hlinkClick r:id="rId3">
+                  <a:extLst>
+                    <a:ext uri="{A12FA001-AC4F-418D-AE19-62706E023703}">
+                      <ahyp:hlinkClr xmlns:ahyp="http://schemas.microsoft.com/office/drawing/2018/hyperlinkcolor" val="tx"/>
+                    </a:ext>
+                  </a:extLst>
+                </a:hlinkClick>
+              </a:rPr>
+              <a:t>loop</a:t>
+            </a:r>
             <a:r>
               <a:rPr lang="en-US" altLang="zh-CN" dirty="0">
                 <a:latin typeface="+mj-lt"/>
               </a:rPr>
-              <a:t>&amp;&amp;	||	!	++</a:t>
-            </a:r>
-            <a:endParaRPr lang="zh-CN" altLang="zh-CN" dirty="0">
-              <a:latin typeface="+mj-lt"/>
-            </a:endParaRPr>
-          </a:p>
-          <a:p>
-            <a:pPr lvl="0"/>
-            <a:r>
-              <a:rPr lang="en-US" altLang="zh-CN" dirty="0">
-                <a:latin typeface="+mj-lt"/>
-              </a:rPr>
-              <a:t>--	+=	-=	*=</a:t>
-            </a:r>
-            <a:endParaRPr lang="zh-CN" altLang="zh-CN" dirty="0">
-              <a:latin typeface="+mj-lt"/>
-            </a:endParaRPr>
-          </a:p>
-          <a:p>
-            <a:pPr lvl="0"/>
-            <a:r>
-              <a:rPr lang="en-US" altLang="zh-CN" dirty="0">
-                <a:latin typeface="+mj-lt"/>
-              </a:rPr>
-              <a:t>/=</a:t>
-            </a:r>
-            <a:endParaRPr lang="zh-CN" altLang="zh-CN" dirty="0">
-              <a:latin typeface="+mj-lt"/>
-            </a:endParaRPr>
-          </a:p>
-          <a:p>
-            <a:endParaRPr lang="zh-CN" altLang="en-US" dirty="0"/>
+              <a:t>() </a:t>
+            </a:r>
+          </a:p>
+          <a:p>
+            <a:pPr marL="457200" lvl="1" indent="0">
+              <a:buNone/>
+            </a:pPr>
+            <a:r>
+              <a:rPr lang="zh-CN" altLang="zh-CN" sz="2000" dirty="0">
+                <a:latin typeface="+mj-lt"/>
+              </a:rPr>
+              <a:t>连续执行函数内的语句 </a:t>
+            </a:r>
           </a:p>
         </p:txBody>
       </p:sp>
     </p:spTree>
     <p:extLst>
       <p:ext uri="{BB962C8B-B14F-4D97-AF65-F5344CB8AC3E}">
-        <p14:creationId xmlns:p14="http://schemas.microsoft.com/office/powerpoint/2010/main" val="3309769249"/>
+        <p14:creationId xmlns:p14="http://schemas.microsoft.com/office/powerpoint/2010/main" val="4024225348"/>
       </p:ext>
     </p:extLst>
   </p:cSld>
@@ -9111,7 +9754,7 @@
           <p:cNvPr id="2" name="标题 1">
             <a:extLst>
               <a:ext uri="{FF2B5EF4-FFF2-40B4-BE49-F238E27FC236}">
-                <a16:creationId xmlns:a16="http://schemas.microsoft.com/office/drawing/2014/main" id="{45BCB36B-E3B0-47A7-8DB5-94D96C521929}"/>
+                <a16:creationId xmlns:a16="http://schemas.microsoft.com/office/drawing/2014/main" id="{6E20D14D-8D55-4A61-B8EC-8BDC34D14ADF}"/>
               </a:ext>
             </a:extLst>
           </p:cNvPr>
@@ -9129,7 +9772,11 @@
           <a:p>
             <a:r>
               <a:rPr lang="zh-CN" altLang="zh-CN" sz="2800" dirty="0"/>
-              <a:t>数据类型</a:t>
+              <a:t>数字</a:t>
+            </a:r>
+            <a:r>
+              <a:rPr lang="en-US" altLang="zh-CN" sz="2800" dirty="0"/>
+              <a:t> I/O</a:t>
             </a:r>
             <a:endParaRPr lang="zh-CN" altLang="en-US" sz="2800" dirty="0"/>
           </a:p>
@@ -9140,7 +9787,7 @@
           <p:cNvPr id="3" name="内容占位符 2">
             <a:extLst>
               <a:ext uri="{FF2B5EF4-FFF2-40B4-BE49-F238E27FC236}">
-                <a16:creationId xmlns:a16="http://schemas.microsoft.com/office/drawing/2014/main" id="{9317045C-2305-4AF3-B1DF-2C3B5EB82D0C}"/>
+                <a16:creationId xmlns:a16="http://schemas.microsoft.com/office/drawing/2014/main" id="{6A79D2DB-E510-41BF-A2DB-07A73FF1C9DA}"/>
               </a:ext>
             </a:extLst>
           </p:cNvPr>
@@ -9154,141 +9801,555 @@
         <p:spPr/>
         <p:txBody>
           <a:bodyPr>
-            <a:normAutofit fontScale="77500" lnSpcReduction="20000"/>
+            <a:normAutofit fontScale="55000" lnSpcReduction="20000"/>
           </a:bodyPr>
           <a:lstStyle/>
           <a:p>
-            <a:pPr>
+            <a:pPr lvl="0">
               <a:lnSpc>
                 <a:spcPct val="110000"/>
               </a:lnSpc>
             </a:pPr>
             <a:r>
-              <a:rPr lang="en-US" altLang="zh-CN" sz="3600" dirty="0" err="1">
-                <a:solidFill>
-                  <a:srgbClr val="FF0000"/>
-                </a:solidFill>
-                <a:latin typeface="+mj-lt"/>
-              </a:rPr>
-              <a:t>boolean</a:t>
-            </a:r>
-            <a:r>
-              <a:rPr lang="en-US" altLang="zh-CN" sz="3600" dirty="0">
-                <a:latin typeface="+mj-lt"/>
-              </a:rPr>
-              <a:t>			char </a:t>
-            </a:r>
-            <a:endParaRPr lang="zh-CN" altLang="zh-CN" sz="3600" dirty="0">
-              <a:latin typeface="+mj-lt"/>
-            </a:endParaRPr>
-          </a:p>
-          <a:p>
-            <a:pPr>
+              <a:rPr lang="en-US" altLang="zh-CN" sz="3300" dirty="0" err="1">
+                <a:latin typeface="+mj-lt"/>
+                <a:hlinkClick r:id="rId2">
+                  <a:extLst>
+                    <a:ext uri="{A12FA001-AC4F-418D-AE19-62706E023703}">
+                      <ahyp:hlinkClr xmlns:ahyp="http://schemas.microsoft.com/office/drawing/2018/hyperlinkcolor" val="tx"/>
+                    </a:ext>
+                  </a:extLst>
+                </a:hlinkClick>
+              </a:rPr>
+              <a:t>pinMode</a:t>
+            </a:r>
+            <a:r>
+              <a:rPr lang="en-US" altLang="zh-CN" sz="3300" dirty="0">
+                <a:latin typeface="+mj-lt"/>
+              </a:rPr>
+              <a:t>(pin, mode)    </a:t>
+            </a:r>
+          </a:p>
+          <a:p>
+            <a:pPr marL="971550" lvl="1" indent="-514350">
+              <a:lnSpc>
+                <a:spcPct val="110000"/>
+              </a:lnSpc>
+              <a:buFont typeface="+mj-lt"/>
+              <a:buAutoNum type="arabicPeriod"/>
+            </a:pPr>
+            <a:r>
+              <a:rPr lang="zh-CN" altLang="zh-CN" sz="2900" dirty="0">
+                <a:latin typeface="+mj-lt"/>
+              </a:rPr>
+              <a:t>数字</a:t>
+            </a:r>
+            <a:r>
+              <a:rPr lang="en-US" altLang="zh-CN" sz="2900" dirty="0">
+                <a:latin typeface="+mj-lt"/>
+              </a:rPr>
+              <a:t>IO</a:t>
+            </a:r>
+            <a:r>
+              <a:rPr lang="zh-CN" altLang="zh-CN" sz="2900" dirty="0">
+                <a:latin typeface="+mj-lt"/>
+              </a:rPr>
+              <a:t>口输入输出模式定义函数，</a:t>
+            </a:r>
+            <a:r>
+              <a:rPr lang="en-US" altLang="zh-CN" sz="2900" dirty="0">
+                <a:latin typeface="+mj-lt"/>
+              </a:rPr>
+              <a:t>pin</a:t>
+            </a:r>
+            <a:r>
+              <a:rPr lang="zh-CN" altLang="zh-CN" sz="2900" dirty="0">
+                <a:latin typeface="+mj-lt"/>
+              </a:rPr>
+              <a:t>表示为</a:t>
+            </a:r>
+            <a:r>
+              <a:rPr lang="en-US" altLang="zh-CN" sz="2900" dirty="0">
+                <a:latin typeface="+mj-lt"/>
+              </a:rPr>
+              <a:t>0</a:t>
+            </a:r>
+            <a:r>
+              <a:rPr lang="zh-CN" altLang="zh-CN" sz="2900" dirty="0">
+                <a:latin typeface="+mj-lt"/>
+              </a:rPr>
+              <a:t>～</a:t>
+            </a:r>
+            <a:r>
+              <a:rPr lang="en-US" altLang="zh-CN" sz="2900" dirty="0">
+                <a:latin typeface="+mj-lt"/>
+              </a:rPr>
+              <a:t>13</a:t>
+            </a:r>
+            <a:r>
+              <a:rPr lang="zh-CN" altLang="zh-CN" sz="2900" dirty="0">
+                <a:latin typeface="+mj-lt"/>
+              </a:rPr>
+              <a:t>，</a:t>
+            </a:r>
+            <a:r>
+              <a:rPr lang="en-US" altLang="zh-CN" sz="2900" dirty="0">
+                <a:latin typeface="+mj-lt"/>
+              </a:rPr>
+              <a:t> mode</a:t>
+            </a:r>
+            <a:r>
+              <a:rPr lang="zh-CN" altLang="zh-CN" sz="2900" dirty="0">
+                <a:latin typeface="+mj-lt"/>
+              </a:rPr>
+              <a:t>表示为</a:t>
+            </a:r>
+            <a:r>
+              <a:rPr lang="en-US" altLang="zh-CN" sz="2900" dirty="0">
+                <a:latin typeface="+mj-lt"/>
+              </a:rPr>
+              <a:t>INPUT</a:t>
+            </a:r>
+            <a:r>
+              <a:rPr lang="zh-CN" altLang="zh-CN" sz="2900" dirty="0">
+                <a:latin typeface="+mj-lt"/>
+              </a:rPr>
+              <a:t>或</a:t>
+            </a:r>
+            <a:r>
+              <a:rPr lang="en-US" altLang="zh-CN" sz="2900" dirty="0">
+                <a:latin typeface="+mj-lt"/>
+              </a:rPr>
+              <a:t>OUTPUT</a:t>
+            </a:r>
+            <a:r>
+              <a:rPr lang="zh-CN" altLang="zh-CN" sz="2900" dirty="0">
+                <a:latin typeface="+mj-lt"/>
+              </a:rPr>
+              <a:t>。 </a:t>
+            </a:r>
+          </a:p>
+          <a:p>
+            <a:pPr marL="971550" lvl="1" indent="-514350">
+              <a:lnSpc>
+                <a:spcPct val="110000"/>
+              </a:lnSpc>
+              <a:buFont typeface="+mj-lt"/>
+              <a:buAutoNum type="arabicPeriod"/>
+            </a:pPr>
+            <a:r>
+              <a:rPr lang="en-US" altLang="zh-CN" sz="2900" dirty="0" err="1">
+                <a:latin typeface="+mj-lt"/>
+              </a:rPr>
+              <a:t>pinMode</a:t>
+            </a:r>
+            <a:r>
+              <a:rPr lang="en-US" altLang="zh-CN" sz="2900" dirty="0">
+                <a:latin typeface="+mj-lt"/>
+              </a:rPr>
+              <a:t>(7,INPUT); 	// </a:t>
+            </a:r>
+            <a:r>
+              <a:rPr lang="zh-CN" altLang="zh-CN" sz="2900" dirty="0">
+                <a:latin typeface="+mj-lt"/>
+              </a:rPr>
+              <a:t>将脚位</a:t>
+            </a:r>
+            <a:r>
+              <a:rPr lang="en-US" altLang="zh-CN" sz="2900" dirty="0">
+                <a:latin typeface="+mj-lt"/>
+              </a:rPr>
+              <a:t> 7 </a:t>
+            </a:r>
+            <a:r>
+              <a:rPr lang="zh-CN" altLang="zh-CN" sz="2900" dirty="0">
+                <a:latin typeface="+mj-lt"/>
+              </a:rPr>
+              <a:t>设定为输入模式</a:t>
+            </a:r>
+          </a:p>
+          <a:p>
+            <a:pPr lvl="0">
               <a:lnSpc>
                 <a:spcPct val="110000"/>
               </a:lnSpc>
             </a:pPr>
             <a:r>
-              <a:rPr lang="en-US" altLang="zh-CN" sz="3600" dirty="0">
-                <a:solidFill>
-                  <a:srgbClr val="FF0000"/>
-                </a:solidFill>
-                <a:latin typeface="+mj-lt"/>
-              </a:rPr>
-              <a:t>byte</a:t>
-            </a:r>
-            <a:r>
-              <a:rPr lang="en-US" altLang="zh-CN" sz="3600" dirty="0">
-                <a:latin typeface="+mj-lt"/>
-              </a:rPr>
-              <a:t>			int</a:t>
-            </a:r>
-            <a:endParaRPr lang="zh-CN" altLang="zh-CN" sz="3600" dirty="0">
-              <a:latin typeface="+mj-lt"/>
-            </a:endParaRPr>
-          </a:p>
-          <a:p>
-            <a:pPr>
+              <a:rPr lang="en-US" altLang="zh-CN" sz="3300" dirty="0" err="1">
+                <a:latin typeface="+mj-lt"/>
+                <a:hlinkClick r:id="rId3">
+                  <a:extLst>
+                    <a:ext uri="{A12FA001-AC4F-418D-AE19-62706E023703}">
+                      <ahyp:hlinkClr xmlns:ahyp="http://schemas.microsoft.com/office/drawing/2018/hyperlinkcolor" val="tx"/>
+                    </a:ext>
+                  </a:extLst>
+                </a:hlinkClick>
+              </a:rPr>
+              <a:t>digitalWrite</a:t>
+            </a:r>
+            <a:r>
+              <a:rPr lang="en-US" altLang="zh-CN" sz="3300" dirty="0">
+                <a:latin typeface="+mj-lt"/>
+              </a:rPr>
+              <a:t>(pin, value)   </a:t>
+            </a:r>
+          </a:p>
+          <a:p>
+            <a:pPr marL="971550" lvl="1" indent="-514350">
+              <a:lnSpc>
+                <a:spcPct val="110000"/>
+              </a:lnSpc>
+              <a:buFont typeface="+mj-lt"/>
+              <a:buAutoNum type="arabicPeriod"/>
+            </a:pPr>
+            <a:r>
+              <a:rPr lang="zh-CN" altLang="zh-CN" sz="2900" dirty="0">
+                <a:latin typeface="+mj-lt"/>
+              </a:rPr>
+              <a:t>数字</a:t>
+            </a:r>
+            <a:r>
+              <a:rPr lang="en-US" altLang="zh-CN" sz="2900" dirty="0">
+                <a:latin typeface="+mj-lt"/>
+              </a:rPr>
+              <a:t>IO</a:t>
+            </a:r>
+            <a:r>
+              <a:rPr lang="zh-CN" altLang="zh-CN" sz="2900" dirty="0">
+                <a:latin typeface="+mj-lt"/>
+              </a:rPr>
+              <a:t>口输出电平定义函数，</a:t>
+            </a:r>
+            <a:r>
+              <a:rPr lang="en-US" altLang="zh-CN" sz="2900" dirty="0">
+                <a:latin typeface="+mj-lt"/>
+              </a:rPr>
+              <a:t>pin</a:t>
+            </a:r>
+            <a:r>
+              <a:rPr lang="zh-CN" altLang="zh-CN" sz="2900" dirty="0">
+                <a:latin typeface="+mj-lt"/>
+              </a:rPr>
+              <a:t>表示为</a:t>
+            </a:r>
+            <a:r>
+              <a:rPr lang="en-US" altLang="zh-CN" sz="2900" dirty="0">
+                <a:latin typeface="+mj-lt"/>
+              </a:rPr>
+              <a:t>0</a:t>
+            </a:r>
+            <a:r>
+              <a:rPr lang="zh-CN" altLang="zh-CN" sz="2900" dirty="0">
+                <a:latin typeface="+mj-lt"/>
+              </a:rPr>
+              <a:t>～</a:t>
+            </a:r>
+            <a:r>
+              <a:rPr lang="en-US" altLang="zh-CN" sz="2900" dirty="0">
+                <a:latin typeface="+mj-lt"/>
+              </a:rPr>
+              <a:t>13</a:t>
+            </a:r>
+            <a:r>
+              <a:rPr lang="zh-CN" altLang="zh-CN" sz="2900" dirty="0">
+                <a:latin typeface="+mj-lt"/>
+              </a:rPr>
+              <a:t>，</a:t>
+            </a:r>
+            <a:r>
+              <a:rPr lang="en-US" altLang="zh-CN" sz="2900" dirty="0">
+                <a:latin typeface="+mj-lt"/>
+              </a:rPr>
+              <a:t>value</a:t>
+            </a:r>
+            <a:r>
+              <a:rPr lang="zh-CN" altLang="zh-CN" sz="2900" dirty="0">
+                <a:latin typeface="+mj-lt"/>
+              </a:rPr>
+              <a:t>表示为</a:t>
+            </a:r>
+            <a:r>
+              <a:rPr lang="en-US" altLang="zh-CN" sz="2900" dirty="0">
+                <a:latin typeface="+mj-lt"/>
+              </a:rPr>
+              <a:t>HIGH</a:t>
+            </a:r>
+            <a:r>
+              <a:rPr lang="zh-CN" altLang="zh-CN" sz="2900" dirty="0">
+                <a:latin typeface="+mj-lt"/>
+              </a:rPr>
+              <a:t>或</a:t>
+            </a:r>
+            <a:r>
+              <a:rPr lang="en-US" altLang="zh-CN" sz="2900" dirty="0">
+                <a:latin typeface="+mj-lt"/>
+              </a:rPr>
+              <a:t>LOW</a:t>
+            </a:r>
+            <a:r>
+              <a:rPr lang="zh-CN" altLang="zh-CN" sz="2900" dirty="0">
+                <a:latin typeface="+mj-lt"/>
+              </a:rPr>
+              <a:t>。比如定义</a:t>
+            </a:r>
+            <a:r>
+              <a:rPr lang="en-US" altLang="zh-CN" sz="2900" dirty="0">
+                <a:latin typeface="+mj-lt"/>
+              </a:rPr>
+              <a:t>HIGH</a:t>
+            </a:r>
+            <a:r>
+              <a:rPr lang="zh-CN" altLang="zh-CN" sz="2900" dirty="0">
+                <a:latin typeface="+mj-lt"/>
+              </a:rPr>
+              <a:t>可以驱动</a:t>
+            </a:r>
+            <a:r>
+              <a:rPr lang="en-US" altLang="zh-CN" sz="2900" dirty="0">
+                <a:latin typeface="+mj-lt"/>
+              </a:rPr>
+              <a:t>LED</a:t>
+            </a:r>
+            <a:r>
+              <a:rPr lang="zh-CN" altLang="zh-CN" sz="2900" dirty="0">
+                <a:latin typeface="+mj-lt"/>
+              </a:rPr>
+              <a:t>。 </a:t>
+            </a:r>
+          </a:p>
+          <a:p>
+            <a:pPr marL="971550" lvl="1" indent="-514350">
+              <a:lnSpc>
+                <a:spcPct val="110000"/>
+              </a:lnSpc>
+              <a:buFont typeface="+mj-lt"/>
+              <a:buAutoNum type="arabicPeriod"/>
+            </a:pPr>
+            <a:r>
+              <a:rPr lang="en-US" altLang="zh-CN" sz="2900" dirty="0" err="1">
+                <a:latin typeface="+mj-lt"/>
+              </a:rPr>
+              <a:t>digitalWrite</a:t>
+            </a:r>
+            <a:r>
+              <a:rPr lang="en-US" altLang="zh-CN" sz="2900" dirty="0">
+                <a:latin typeface="+mj-lt"/>
+              </a:rPr>
+              <a:t>(8,HIGH); 	//</a:t>
+            </a:r>
+            <a:r>
+              <a:rPr lang="zh-CN" altLang="zh-CN" sz="2900" dirty="0">
+                <a:latin typeface="+mj-lt"/>
+              </a:rPr>
+              <a:t>将脚位</a:t>
+            </a:r>
+            <a:r>
+              <a:rPr lang="en-US" altLang="zh-CN" sz="2900" dirty="0">
+                <a:latin typeface="+mj-lt"/>
+              </a:rPr>
+              <a:t> 8</a:t>
+            </a:r>
+            <a:r>
+              <a:rPr lang="zh-CN" altLang="zh-CN" sz="2900" dirty="0">
+                <a:latin typeface="+mj-lt"/>
+              </a:rPr>
+              <a:t>设定输出高电位</a:t>
+            </a:r>
+          </a:p>
+          <a:p>
+            <a:pPr lvl="0">
               <a:lnSpc>
                 <a:spcPct val="110000"/>
               </a:lnSpc>
             </a:pPr>
             <a:r>
-              <a:rPr lang="en-US" altLang="zh-CN" sz="3600" dirty="0">
-                <a:latin typeface="+mj-lt"/>
-              </a:rPr>
-              <a:t>unsigned int		long</a:t>
-            </a:r>
-            <a:endParaRPr lang="zh-CN" altLang="zh-CN" sz="3600" dirty="0">
-              <a:latin typeface="+mj-lt"/>
-            </a:endParaRPr>
-          </a:p>
-          <a:p>
-            <a:pPr>
+              <a:rPr lang="en-US" altLang="zh-CN" sz="3300" dirty="0">
+                <a:latin typeface="+mj-lt"/>
+              </a:rPr>
+              <a:t>int </a:t>
+            </a:r>
+            <a:r>
+              <a:rPr lang="en-US" altLang="zh-CN" sz="3300" dirty="0" err="1">
+                <a:latin typeface="+mj-lt"/>
+                <a:hlinkClick r:id="rId4">
+                  <a:extLst>
+                    <a:ext uri="{A12FA001-AC4F-418D-AE19-62706E023703}">
+                      <ahyp:hlinkClr xmlns:ahyp="http://schemas.microsoft.com/office/drawing/2018/hyperlinkcolor" val="tx"/>
+                    </a:ext>
+                  </a:extLst>
+                </a:hlinkClick>
+              </a:rPr>
+              <a:t>digitalRead</a:t>
+            </a:r>
+            <a:r>
+              <a:rPr lang="en-US" altLang="zh-CN" sz="3300" dirty="0">
+                <a:latin typeface="+mj-lt"/>
+              </a:rPr>
+              <a:t>(pin)    </a:t>
+            </a:r>
+          </a:p>
+          <a:p>
+            <a:pPr marL="971550" lvl="1" indent="-514350">
               <a:lnSpc>
                 <a:spcPct val="110000"/>
               </a:lnSpc>
+              <a:buFont typeface="+mj-lt"/>
+              <a:buAutoNum type="arabicPeriod"/>
             </a:pPr>
             <a:r>
-              <a:rPr lang="en-US" altLang="zh-CN" sz="3600" dirty="0">
-                <a:latin typeface="+mj-lt"/>
-              </a:rPr>
-              <a:t>unsigned long	float</a:t>
-            </a:r>
-            <a:endParaRPr lang="zh-CN" altLang="zh-CN" sz="3600" dirty="0">
-              <a:latin typeface="+mj-lt"/>
-            </a:endParaRPr>
-          </a:p>
-          <a:p>
-            <a:pPr>
+              <a:rPr lang="zh-CN" altLang="zh-CN" sz="2900" dirty="0">
+                <a:latin typeface="+mj-lt"/>
+              </a:rPr>
+              <a:t>数字</a:t>
+            </a:r>
+            <a:r>
+              <a:rPr lang="en-US" altLang="zh-CN" sz="2900" dirty="0">
+                <a:latin typeface="+mj-lt"/>
+              </a:rPr>
+              <a:t>IO</a:t>
+            </a:r>
+            <a:r>
+              <a:rPr lang="zh-CN" altLang="zh-CN" sz="2900" dirty="0">
+                <a:latin typeface="+mj-lt"/>
+              </a:rPr>
+              <a:t>口读输入电平函数，</a:t>
+            </a:r>
+            <a:r>
+              <a:rPr lang="en-US" altLang="zh-CN" sz="2900" dirty="0">
+                <a:latin typeface="+mj-lt"/>
+              </a:rPr>
+              <a:t>pin</a:t>
+            </a:r>
+            <a:r>
+              <a:rPr lang="zh-CN" altLang="zh-CN" sz="2900" dirty="0">
+                <a:latin typeface="+mj-lt"/>
+              </a:rPr>
+              <a:t>表示为</a:t>
+            </a:r>
+            <a:r>
+              <a:rPr lang="en-US" altLang="zh-CN" sz="2900" dirty="0">
+                <a:latin typeface="+mj-lt"/>
+              </a:rPr>
+              <a:t>0</a:t>
+            </a:r>
+            <a:r>
+              <a:rPr lang="zh-CN" altLang="zh-CN" sz="2900" dirty="0">
+                <a:latin typeface="+mj-lt"/>
+              </a:rPr>
+              <a:t>～</a:t>
+            </a:r>
+            <a:r>
+              <a:rPr lang="en-US" altLang="zh-CN" sz="2900" dirty="0">
+                <a:latin typeface="+mj-lt"/>
+              </a:rPr>
+              <a:t>13</a:t>
+            </a:r>
+            <a:r>
+              <a:rPr lang="zh-CN" altLang="zh-CN" sz="2900" dirty="0">
+                <a:latin typeface="+mj-lt"/>
+              </a:rPr>
+              <a:t>，</a:t>
+            </a:r>
+            <a:r>
+              <a:rPr lang="en-US" altLang="zh-CN" sz="2900" dirty="0">
+                <a:latin typeface="+mj-lt"/>
+              </a:rPr>
+              <a:t>value</a:t>
+            </a:r>
+            <a:r>
+              <a:rPr lang="zh-CN" altLang="zh-CN" sz="2900" dirty="0">
+                <a:latin typeface="+mj-lt"/>
+              </a:rPr>
+              <a:t>表示为</a:t>
+            </a:r>
+            <a:r>
+              <a:rPr lang="en-US" altLang="zh-CN" sz="2900" dirty="0">
+                <a:latin typeface="+mj-lt"/>
+              </a:rPr>
+              <a:t>HIGH</a:t>
+            </a:r>
+            <a:r>
+              <a:rPr lang="zh-CN" altLang="zh-CN" sz="2900" dirty="0">
+                <a:latin typeface="+mj-lt"/>
+              </a:rPr>
+              <a:t>或</a:t>
+            </a:r>
+            <a:r>
+              <a:rPr lang="en-US" altLang="zh-CN" sz="2900" dirty="0">
+                <a:latin typeface="+mj-lt"/>
+              </a:rPr>
+              <a:t>LOW</a:t>
+            </a:r>
+            <a:r>
+              <a:rPr lang="zh-CN" altLang="zh-CN" sz="2900" dirty="0">
+                <a:latin typeface="+mj-lt"/>
+              </a:rPr>
+              <a:t>。比如可以读数字传感器。 </a:t>
+            </a:r>
+          </a:p>
+          <a:p>
+            <a:pPr marL="971550" lvl="1" indent="-514350">
               <a:lnSpc>
                 <a:spcPct val="110000"/>
               </a:lnSpc>
+              <a:buFont typeface="+mj-lt"/>
+              <a:buAutoNum type="arabicPeriod"/>
             </a:pPr>
             <a:r>
-              <a:rPr lang="en-US" altLang="zh-CN" sz="3600" dirty="0">
-                <a:latin typeface="+mj-lt"/>
-              </a:rPr>
-              <a:t>double			</a:t>
-            </a:r>
-            <a:r>
-              <a:rPr lang="en-US" altLang="zh-CN" sz="3600" dirty="0">
-                <a:solidFill>
-                  <a:srgbClr val="FF0000"/>
-                </a:solidFill>
-                <a:latin typeface="+mj-lt"/>
-              </a:rPr>
-              <a:t>string</a:t>
-            </a:r>
-            <a:endParaRPr lang="zh-CN" altLang="zh-CN" sz="3600" dirty="0">
-              <a:solidFill>
-                <a:srgbClr val="FF0000"/>
-              </a:solidFill>
-              <a:latin typeface="+mj-lt"/>
-            </a:endParaRPr>
-          </a:p>
-          <a:p>
-            <a:pPr>
-              <a:lnSpc>
-                <a:spcPct val="110000"/>
-              </a:lnSpc>
-            </a:pPr>
-            <a:r>
-              <a:rPr lang="en-US" altLang="zh-CN" sz="3600" dirty="0">
-                <a:solidFill>
-                  <a:srgbClr val="FF0000"/>
-                </a:solidFill>
-                <a:latin typeface="+mj-lt"/>
-              </a:rPr>
-              <a:t>array</a:t>
-            </a:r>
-            <a:r>
-              <a:rPr lang="en-US" altLang="zh-CN" sz="3600" dirty="0">
-                <a:latin typeface="+mj-lt"/>
-              </a:rPr>
-              <a:t>			void</a:t>
-            </a:r>
-            <a:endParaRPr lang="zh-CN" altLang="zh-CN" sz="3600" dirty="0">
+              <a:rPr lang="en-US" altLang="zh-CN" sz="2900" dirty="0" err="1">
+                <a:latin typeface="+mj-lt"/>
+              </a:rPr>
+              <a:t>val</a:t>
+            </a:r>
+            <a:r>
+              <a:rPr lang="en-US" altLang="zh-CN" sz="2900" dirty="0">
+                <a:latin typeface="+mj-lt"/>
+              </a:rPr>
+              <a:t> = </a:t>
+            </a:r>
+            <a:r>
+              <a:rPr lang="en-US" altLang="zh-CN" sz="2900" dirty="0" err="1">
+                <a:latin typeface="+mj-lt"/>
+              </a:rPr>
+              <a:t>digitalRead</a:t>
+            </a:r>
+            <a:r>
+              <a:rPr lang="en-US" altLang="zh-CN" sz="2900" dirty="0">
+                <a:latin typeface="+mj-lt"/>
+              </a:rPr>
+              <a:t>(7); // </a:t>
+            </a:r>
+            <a:r>
+              <a:rPr lang="zh-CN" altLang="zh-CN" sz="2900" dirty="0">
+                <a:latin typeface="+mj-lt"/>
+              </a:rPr>
+              <a:t>读出脚位</a:t>
+            </a:r>
+            <a:r>
+              <a:rPr lang="en-US" altLang="zh-CN" sz="2900" dirty="0">
+                <a:latin typeface="+mj-lt"/>
+              </a:rPr>
+              <a:t> 7 </a:t>
+            </a:r>
+            <a:r>
+              <a:rPr lang="zh-CN" altLang="zh-CN" sz="2900" dirty="0">
+                <a:latin typeface="+mj-lt"/>
+              </a:rPr>
+              <a:t>的值并指定给</a:t>
+            </a:r>
+            <a:r>
+              <a:rPr lang="en-US" altLang="zh-CN" sz="2900" dirty="0">
+                <a:latin typeface="+mj-lt"/>
+              </a:rPr>
+              <a:t> </a:t>
+            </a:r>
+            <a:r>
+              <a:rPr lang="en-US" altLang="zh-CN" sz="2900" dirty="0" err="1">
+                <a:latin typeface="+mj-lt"/>
+              </a:rPr>
+              <a:t>val</a:t>
+            </a:r>
+            <a:endParaRPr lang="zh-CN" altLang="zh-CN" sz="2900" dirty="0">
               <a:latin typeface="+mj-lt"/>
             </a:endParaRPr>
           </a:p>
@@ -9300,7 +10361,7 @@
     </p:spTree>
     <p:extLst>
       <p:ext uri="{BB962C8B-B14F-4D97-AF65-F5344CB8AC3E}">
-        <p14:creationId xmlns:p14="http://schemas.microsoft.com/office/powerpoint/2010/main" val="2069145524"/>
+        <p14:creationId xmlns:p14="http://schemas.microsoft.com/office/powerpoint/2010/main" val="1913106520"/>
       </p:ext>
     </p:extLst>
   </p:cSld>
@@ -9344,7 +10405,7 @@
           <p:cNvPr id="2" name="标题 1">
             <a:extLst>
               <a:ext uri="{FF2B5EF4-FFF2-40B4-BE49-F238E27FC236}">
-                <a16:creationId xmlns:a16="http://schemas.microsoft.com/office/drawing/2014/main" id="{5BBC694A-7F46-4ED8-ACAC-8DD165248884}"/>
+                <a16:creationId xmlns:a16="http://schemas.microsoft.com/office/drawing/2014/main" id="{6616A84F-954B-4471-B2B0-B9BFD8D2869E}"/>
               </a:ext>
             </a:extLst>
           </p:cNvPr>
@@ -9362,7 +10423,11 @@
           <a:p>
             <a:r>
               <a:rPr lang="zh-CN" altLang="zh-CN" sz="2800" dirty="0"/>
-              <a:t>常量</a:t>
+              <a:t>模拟</a:t>
+            </a:r>
+            <a:r>
+              <a:rPr lang="en-US" altLang="zh-CN" sz="2800" dirty="0"/>
+              <a:t> I/O</a:t>
             </a:r>
             <a:endParaRPr lang="zh-CN" altLang="en-US" sz="2800" dirty="0"/>
           </a:p>
@@ -9373,7 +10438,7 @@
           <p:cNvPr id="3" name="内容占位符 2">
             <a:extLst>
               <a:ext uri="{FF2B5EF4-FFF2-40B4-BE49-F238E27FC236}">
-                <a16:creationId xmlns:a16="http://schemas.microsoft.com/office/drawing/2014/main" id="{AD7AA2ED-D7DE-4789-9597-32F8AA056059}"/>
+                <a16:creationId xmlns:a16="http://schemas.microsoft.com/office/drawing/2014/main" id="{2D52323D-0E4E-4B68-B470-A0E3C24A3AC3}"/>
               </a:ext>
             </a:extLst>
           </p:cNvPr>
@@ -9384,7 +10449,12 @@
             <p:ph idx="1"/>
           </p:nvPr>
         </p:nvSpPr>
-        <p:spPr/>
+        <p:spPr>
+          <a:xfrm>
+            <a:off x="1309512" y="2062264"/>
+            <a:ext cx="10272889" cy="3937552"/>
+          </a:xfrm>
+        </p:spPr>
         <p:txBody>
           <a:bodyPr>
             <a:normAutofit/>
@@ -9393,7 +10463,13 @@
           <a:p>
             <a:pPr lvl="0"/>
             <a:r>
-              <a:rPr lang="en-US" altLang="zh-CN" dirty="0">
+              <a:rPr lang="en-US" altLang="zh-CN" sz="2100" dirty="0">
+                <a:latin typeface="+mj-lt"/>
+              </a:rPr>
+              <a:t>int </a:t>
+            </a:r>
+            <a:r>
+              <a:rPr lang="en-US" altLang="zh-CN" sz="2100" dirty="0" err="1">
                 <a:latin typeface="+mj-lt"/>
                 <a:hlinkClick r:id="rId2">
                   <a:extLst>
@@ -9403,18 +10479,303 @@
                   </a:extLst>
                 </a:hlinkClick>
               </a:rPr>
-              <a:t>HIGH</a:t>
-            </a:r>
-            <a:r>
-              <a:rPr lang="en-US" altLang="zh-CN" dirty="0">
-                <a:latin typeface="+mj-lt"/>
-              </a:rPr>
-              <a:t> | </a:t>
-            </a:r>
-            <a:r>
-              <a:rPr lang="en-US" altLang="zh-CN" dirty="0">
-                <a:latin typeface="+mj-lt"/>
-                <a:hlinkClick r:id="rId2">
+              <a:t>analogRead</a:t>
+            </a:r>
+            <a:r>
+              <a:rPr lang="en-US" altLang="zh-CN" sz="2100" dirty="0">
+                <a:latin typeface="+mj-lt"/>
+              </a:rPr>
+              <a:t>(pin)    </a:t>
+            </a:r>
+          </a:p>
+          <a:p>
+            <a:pPr marL="914400" lvl="1" indent="-457200">
+              <a:buFont typeface="+mj-lt"/>
+              <a:buAutoNum type="arabicPeriod"/>
+            </a:pPr>
+            <a:r>
+              <a:rPr lang="zh-CN" altLang="zh-CN" sz="2100" dirty="0">
+                <a:latin typeface="+mj-lt"/>
+              </a:rPr>
+              <a:t>模拟</a:t>
+            </a:r>
+            <a:r>
+              <a:rPr lang="en-US" altLang="zh-CN" sz="2100" dirty="0">
+                <a:latin typeface="+mj-lt"/>
+              </a:rPr>
+              <a:t>IO</a:t>
+            </a:r>
+            <a:r>
+              <a:rPr lang="zh-CN" altLang="zh-CN" sz="2100" dirty="0">
+                <a:latin typeface="+mj-lt"/>
+              </a:rPr>
+              <a:t>口读函数，</a:t>
+            </a:r>
+            <a:r>
+              <a:rPr lang="en-US" altLang="zh-CN" sz="2100" dirty="0">
+                <a:latin typeface="+mj-lt"/>
+              </a:rPr>
+              <a:t>pin</a:t>
+            </a:r>
+            <a:r>
+              <a:rPr lang="zh-CN" altLang="zh-CN" sz="2100" dirty="0">
+                <a:latin typeface="+mj-lt"/>
+              </a:rPr>
+              <a:t>表示为</a:t>
+            </a:r>
+            <a:r>
+              <a:rPr lang="en-US" altLang="zh-CN" sz="2100" dirty="0">
+                <a:latin typeface="+mj-lt"/>
+              </a:rPr>
+              <a:t>0</a:t>
+            </a:r>
+            <a:r>
+              <a:rPr lang="zh-CN" altLang="zh-CN" sz="2100" dirty="0">
+                <a:latin typeface="+mj-lt"/>
+              </a:rPr>
+              <a:t>～</a:t>
+            </a:r>
+            <a:r>
+              <a:rPr lang="en-US" altLang="zh-CN" sz="2100" dirty="0">
+                <a:latin typeface="+mj-lt"/>
+              </a:rPr>
+              <a:t>5</a:t>
+            </a:r>
+            <a:r>
+              <a:rPr lang="zh-CN" altLang="zh-CN" sz="2100" dirty="0">
+                <a:latin typeface="+mj-lt"/>
+              </a:rPr>
+              <a:t>（</a:t>
+            </a:r>
+            <a:r>
+              <a:rPr lang="en-US" altLang="zh-CN" sz="2100" dirty="0">
+                <a:latin typeface="+mj-lt"/>
+              </a:rPr>
+              <a:t>Arduino </a:t>
+            </a:r>
+            <a:r>
+              <a:rPr lang="en-US" altLang="zh-CN" sz="2100" dirty="0" err="1">
+                <a:latin typeface="+mj-lt"/>
+              </a:rPr>
+              <a:t>Diecimila</a:t>
+            </a:r>
+            <a:r>
+              <a:rPr lang="zh-CN" altLang="zh-CN" sz="2100" dirty="0">
+                <a:latin typeface="+mj-lt"/>
+              </a:rPr>
+              <a:t>为</a:t>
+            </a:r>
+            <a:r>
+              <a:rPr lang="en-US" altLang="zh-CN" sz="2100" dirty="0">
+                <a:latin typeface="+mj-lt"/>
+              </a:rPr>
+              <a:t>0</a:t>
+            </a:r>
+            <a:r>
+              <a:rPr lang="zh-CN" altLang="zh-CN" sz="2100" dirty="0">
+                <a:latin typeface="+mj-lt"/>
+              </a:rPr>
+              <a:t>～</a:t>
+            </a:r>
+            <a:r>
+              <a:rPr lang="en-US" altLang="zh-CN" sz="2100" dirty="0">
+                <a:latin typeface="+mj-lt"/>
+              </a:rPr>
+              <a:t>5</a:t>
+            </a:r>
+            <a:r>
+              <a:rPr lang="zh-CN" altLang="zh-CN" sz="2100" dirty="0">
+                <a:latin typeface="+mj-lt"/>
+              </a:rPr>
+              <a:t>，</a:t>
+            </a:r>
+            <a:r>
+              <a:rPr lang="en-US" altLang="zh-CN" sz="2100" dirty="0">
+                <a:latin typeface="+mj-lt"/>
+              </a:rPr>
+              <a:t>Arduino </a:t>
+            </a:r>
+            <a:r>
+              <a:rPr lang="en-US" altLang="zh-CN" sz="2100" dirty="0" err="1">
+                <a:latin typeface="+mj-lt"/>
+              </a:rPr>
+              <a:t>nano</a:t>
+            </a:r>
+            <a:r>
+              <a:rPr lang="zh-CN" altLang="zh-CN" sz="2100" dirty="0">
+                <a:latin typeface="+mj-lt"/>
+              </a:rPr>
+              <a:t>为</a:t>
+            </a:r>
+            <a:r>
+              <a:rPr lang="en-US" altLang="zh-CN" sz="2100" dirty="0">
+                <a:latin typeface="+mj-lt"/>
+              </a:rPr>
+              <a:t>0</a:t>
+            </a:r>
+            <a:r>
+              <a:rPr lang="zh-CN" altLang="zh-CN" sz="2100" dirty="0">
+                <a:latin typeface="+mj-lt"/>
+              </a:rPr>
+              <a:t>～</a:t>
+            </a:r>
+            <a:r>
+              <a:rPr lang="en-US" altLang="zh-CN" sz="2100" dirty="0">
+                <a:latin typeface="+mj-lt"/>
+              </a:rPr>
+              <a:t>7</a:t>
+            </a:r>
+            <a:r>
+              <a:rPr lang="zh-CN" altLang="zh-CN" sz="2100" dirty="0">
+                <a:latin typeface="+mj-lt"/>
+              </a:rPr>
+              <a:t>）。比如可以读模拟传感器（</a:t>
+            </a:r>
+            <a:r>
+              <a:rPr lang="en-US" altLang="zh-CN" sz="2100" dirty="0">
+                <a:latin typeface="+mj-lt"/>
+              </a:rPr>
+              <a:t>10</a:t>
+            </a:r>
+            <a:r>
+              <a:rPr lang="zh-CN" altLang="zh-CN" sz="2100" dirty="0">
+                <a:latin typeface="+mj-lt"/>
+              </a:rPr>
+              <a:t>位</a:t>
+            </a:r>
+            <a:r>
+              <a:rPr lang="en-US" altLang="zh-CN" sz="2100" dirty="0">
+                <a:latin typeface="+mj-lt"/>
+              </a:rPr>
+              <a:t>AD</a:t>
+            </a:r>
+            <a:r>
+              <a:rPr lang="zh-CN" altLang="zh-CN" sz="2100" dirty="0">
+                <a:latin typeface="+mj-lt"/>
+              </a:rPr>
+              <a:t>，</a:t>
+            </a:r>
+            <a:r>
+              <a:rPr lang="en-US" altLang="zh-CN" sz="2100" dirty="0">
+                <a:latin typeface="+mj-lt"/>
+              </a:rPr>
+              <a:t>0</a:t>
+            </a:r>
+            <a:r>
+              <a:rPr lang="zh-CN" altLang="zh-CN" sz="2100" dirty="0">
+                <a:latin typeface="+mj-lt"/>
+              </a:rPr>
+              <a:t>～</a:t>
+            </a:r>
+            <a:r>
+              <a:rPr lang="en-US" altLang="zh-CN" sz="2100" dirty="0">
+                <a:latin typeface="+mj-lt"/>
+              </a:rPr>
+              <a:t>5V</a:t>
+            </a:r>
+            <a:r>
+              <a:rPr lang="zh-CN" altLang="zh-CN" sz="2100" dirty="0">
+                <a:latin typeface="+mj-lt"/>
+              </a:rPr>
+              <a:t>表示为</a:t>
+            </a:r>
+            <a:r>
+              <a:rPr lang="en-US" altLang="zh-CN" sz="2100" dirty="0">
+                <a:latin typeface="+mj-lt"/>
+              </a:rPr>
+              <a:t>0</a:t>
+            </a:r>
+            <a:r>
+              <a:rPr lang="zh-CN" altLang="zh-CN" sz="2100" dirty="0">
+                <a:latin typeface="+mj-lt"/>
+              </a:rPr>
+              <a:t>～</a:t>
+            </a:r>
+            <a:r>
+              <a:rPr lang="en-US" altLang="zh-CN" sz="2100" dirty="0">
+                <a:latin typeface="+mj-lt"/>
+              </a:rPr>
+              <a:t>1023</a:t>
+            </a:r>
+            <a:r>
+              <a:rPr lang="zh-CN" altLang="zh-CN" sz="2100" dirty="0">
+                <a:latin typeface="+mj-lt"/>
+              </a:rPr>
+              <a:t>）。 </a:t>
+            </a:r>
+          </a:p>
+          <a:p>
+            <a:pPr marL="914400" lvl="1" indent="-457200">
+              <a:buFont typeface="+mj-lt"/>
+              <a:buAutoNum type="arabicPeriod"/>
+            </a:pPr>
+            <a:r>
+              <a:rPr lang="en-US" altLang="zh-CN" sz="2100" dirty="0" err="1">
+                <a:latin typeface="+mj-lt"/>
+              </a:rPr>
+              <a:t>val</a:t>
+            </a:r>
+            <a:r>
+              <a:rPr lang="en-US" altLang="zh-CN" sz="2100" dirty="0">
+                <a:latin typeface="+mj-lt"/>
+              </a:rPr>
+              <a:t> = </a:t>
+            </a:r>
+            <a:r>
+              <a:rPr lang="en-US" altLang="zh-CN" sz="2100" dirty="0" err="1">
+                <a:latin typeface="+mj-lt"/>
+              </a:rPr>
+              <a:t>analogRead</a:t>
+            </a:r>
+            <a:r>
+              <a:rPr lang="en-US" altLang="zh-CN" sz="2100" dirty="0">
+                <a:latin typeface="+mj-lt"/>
+              </a:rPr>
+              <a:t>(0); //</a:t>
+            </a:r>
+            <a:r>
+              <a:rPr lang="zh-CN" altLang="zh-CN" sz="2100" dirty="0">
+                <a:latin typeface="+mj-lt"/>
+              </a:rPr>
+              <a:t>读出模拟引脚位</a:t>
+            </a:r>
+            <a:r>
+              <a:rPr lang="en-US" altLang="zh-CN" sz="2100" dirty="0">
+                <a:latin typeface="+mj-lt"/>
+              </a:rPr>
+              <a:t> 0 </a:t>
+            </a:r>
+            <a:r>
+              <a:rPr lang="zh-CN" altLang="zh-CN" sz="2100" dirty="0">
+                <a:latin typeface="+mj-lt"/>
+              </a:rPr>
+              <a:t>的值并指定给</a:t>
+            </a:r>
+            <a:r>
+              <a:rPr lang="en-US" altLang="zh-CN" sz="2100" dirty="0">
+                <a:latin typeface="+mj-lt"/>
+              </a:rPr>
+              <a:t> </a:t>
+            </a:r>
+            <a:r>
+              <a:rPr lang="en-US" altLang="zh-CN" sz="2100" dirty="0" err="1">
+                <a:latin typeface="+mj-lt"/>
+              </a:rPr>
+              <a:t>val</a:t>
+            </a:r>
+            <a:r>
+              <a:rPr lang="zh-CN" altLang="zh-CN" sz="2100" dirty="0">
+                <a:latin typeface="+mj-lt"/>
+              </a:rPr>
+              <a:t>变数</a:t>
+            </a:r>
+          </a:p>
+          <a:p>
+            <a:pPr lvl="0"/>
+            <a:r>
+              <a:rPr lang="en-US" altLang="zh-CN" sz="2100" dirty="0" err="1">
+                <a:latin typeface="+mj-lt"/>
+                <a:hlinkClick r:id="rId3">
                   <a:extLst>
                     <a:ext uri="{A12FA001-AC4F-418D-AE19-62706E023703}">
                       <ahyp:hlinkClr xmlns:ahyp="http://schemas.microsoft.com/office/drawing/2018/hyperlinkcolor" val="tx"/>
@@ -9422,382 +10783,226 @@
                   </a:extLst>
                 </a:hlinkClick>
               </a:rPr>
-              <a:t>LOW</a:t>
-            </a:r>
-            <a:r>
-              <a:rPr lang="en-US" altLang="zh-CN" dirty="0">
-                <a:latin typeface="+mj-lt"/>
-              </a:rPr>
-              <a:t>     </a:t>
-            </a:r>
-          </a:p>
-          <a:p>
-            <a:pPr marL="0" lvl="0" indent="0">
-              <a:buNone/>
+              <a:t>analogWrite</a:t>
+            </a:r>
+            <a:r>
+              <a:rPr lang="en-US" altLang="zh-CN" sz="2100" dirty="0">
+                <a:latin typeface="+mj-lt"/>
+              </a:rPr>
+              <a:t>(pin, value) - PWM     </a:t>
+            </a:r>
+          </a:p>
+          <a:p>
+            <a:pPr marL="914400" lvl="1" indent="-457200">
+              <a:buFont typeface="+mj-lt"/>
+              <a:buAutoNum type="arabicPeriod"/>
             </a:pPr>
             <a:r>
-              <a:rPr lang="en-US" altLang="zh-CN" sz="2000" dirty="0">
-                <a:latin typeface="+mj-lt"/>
-              </a:rPr>
-              <a:t>	</a:t>
-            </a:r>
-            <a:r>
-              <a:rPr lang="zh-CN" altLang="zh-CN" sz="2000" dirty="0">
-                <a:latin typeface="+mj-lt"/>
-              </a:rPr>
-              <a:t>表示数字</a:t>
-            </a:r>
-            <a:r>
-              <a:rPr lang="en-US" altLang="zh-CN" sz="2000" dirty="0">
+              <a:rPr lang="zh-CN" altLang="zh-CN" sz="2100" dirty="0">
+                <a:latin typeface="+mj-lt"/>
+              </a:rPr>
+              <a:t>数字</a:t>
+            </a:r>
+            <a:r>
+              <a:rPr lang="en-US" altLang="zh-CN" sz="2100" dirty="0">
                 <a:latin typeface="+mj-lt"/>
               </a:rPr>
               <a:t>IO</a:t>
             </a:r>
             <a:r>
-              <a:rPr lang="zh-CN" altLang="zh-CN" sz="2000" dirty="0">
-                <a:latin typeface="+mj-lt"/>
-              </a:rPr>
-              <a:t>口的电平，</a:t>
-            </a:r>
-            <a:r>
-              <a:rPr lang="en-US" altLang="zh-CN" sz="2000" dirty="0">
-                <a:latin typeface="+mj-lt"/>
-                <a:hlinkClick r:id="rId2">
-                  <a:extLst>
-                    <a:ext uri="{A12FA001-AC4F-418D-AE19-62706E023703}">
-                      <ahyp:hlinkClr xmlns:ahyp="http://schemas.microsoft.com/office/drawing/2018/hyperlinkcolor" val="tx"/>
-                    </a:ext>
-                  </a:extLst>
-                </a:hlinkClick>
-              </a:rPr>
-              <a:t>HIGH</a:t>
-            </a:r>
-            <a:r>
-              <a:rPr lang="en-US" altLang="zh-CN" sz="2000" dirty="0">
-                <a:latin typeface="+mj-lt"/>
-              </a:rPr>
-              <a:t> </a:t>
-            </a:r>
-            <a:r>
-              <a:rPr lang="zh-CN" altLang="zh-CN" sz="2000" dirty="0">
-                <a:latin typeface="+mj-lt"/>
-              </a:rPr>
-              <a:t>表示高电平（</a:t>
-            </a:r>
-            <a:r>
-              <a:rPr lang="en-US" altLang="zh-CN" sz="2000" dirty="0">
-                <a:latin typeface="+mj-lt"/>
-              </a:rPr>
-              <a:t>1</a:t>
-            </a:r>
-            <a:r>
-              <a:rPr lang="zh-CN" altLang="zh-CN" sz="2000" dirty="0">
-                <a:latin typeface="+mj-lt"/>
-              </a:rPr>
-              <a:t>），</a:t>
-            </a:r>
-            <a:r>
-              <a:rPr lang="en-US" altLang="zh-CN" sz="2000" dirty="0">
-                <a:latin typeface="+mj-lt"/>
-                <a:hlinkClick r:id="rId2">
-                  <a:extLst>
-                    <a:ext uri="{A12FA001-AC4F-418D-AE19-62706E023703}">
-                      <ahyp:hlinkClr xmlns:ahyp="http://schemas.microsoft.com/office/drawing/2018/hyperlinkcolor" val="tx"/>
-                    </a:ext>
-                  </a:extLst>
-                </a:hlinkClick>
-              </a:rPr>
-              <a:t>LOW</a:t>
-            </a:r>
-            <a:r>
-              <a:rPr lang="en-US" altLang="zh-CN" sz="2000" dirty="0">
-                <a:latin typeface="+mj-lt"/>
-              </a:rPr>
-              <a:t> </a:t>
-            </a:r>
-            <a:r>
-              <a:rPr lang="zh-CN" altLang="zh-CN" sz="2000" dirty="0">
-                <a:latin typeface="+mj-lt"/>
-              </a:rPr>
-              <a:t>表示低电平（</a:t>
-            </a:r>
-            <a:r>
-              <a:rPr lang="en-US" altLang="zh-CN" sz="2000" dirty="0">
+              <a:rPr lang="zh-CN" altLang="zh-CN" sz="2100" dirty="0">
+                <a:latin typeface="+mj-lt"/>
+              </a:rPr>
+              <a:t>口</a:t>
+            </a:r>
+            <a:r>
+              <a:rPr lang="en-US" altLang="zh-CN" sz="2100" dirty="0">
+                <a:latin typeface="+mj-lt"/>
+              </a:rPr>
+              <a:t>PWM</a:t>
+            </a:r>
+            <a:r>
+              <a:rPr lang="zh-CN" altLang="zh-CN" sz="2100" dirty="0">
+                <a:latin typeface="+mj-lt"/>
+              </a:rPr>
+              <a:t>输出函数，</a:t>
+            </a:r>
+            <a:r>
+              <a:rPr lang="en-US" altLang="zh-CN" sz="2100" dirty="0">
+                <a:latin typeface="+mj-lt"/>
+              </a:rPr>
+              <a:t>Arduino</a:t>
+            </a:r>
+            <a:r>
+              <a:rPr lang="zh-CN" altLang="zh-CN" sz="2100" dirty="0">
+                <a:latin typeface="+mj-lt"/>
+              </a:rPr>
+              <a:t>数字</a:t>
+            </a:r>
+            <a:r>
+              <a:rPr lang="en-US" altLang="zh-CN" sz="2100" dirty="0">
+                <a:latin typeface="+mj-lt"/>
+              </a:rPr>
+              <a:t>IO</a:t>
+            </a:r>
+            <a:r>
+              <a:rPr lang="zh-CN" altLang="zh-CN" sz="2100" dirty="0">
+                <a:latin typeface="+mj-lt"/>
+              </a:rPr>
+              <a:t>口标注了</a:t>
+            </a:r>
+            <a:r>
+              <a:rPr lang="en-US" altLang="zh-CN" sz="2100" dirty="0">
+                <a:latin typeface="+mj-lt"/>
+              </a:rPr>
+              <a:t>PWM</a:t>
+            </a:r>
+            <a:r>
+              <a:rPr lang="zh-CN" altLang="zh-CN" sz="2100" dirty="0">
+                <a:latin typeface="+mj-lt"/>
+              </a:rPr>
+              <a:t>的</a:t>
+            </a:r>
+            <a:r>
+              <a:rPr lang="en-US" altLang="zh-CN" sz="2100" dirty="0">
+                <a:latin typeface="+mj-lt"/>
+              </a:rPr>
+              <a:t>IO</a:t>
+            </a:r>
+            <a:r>
+              <a:rPr lang="zh-CN" altLang="zh-CN" sz="2100" dirty="0">
+                <a:latin typeface="+mj-lt"/>
+              </a:rPr>
+              <a:t>口可使用该函数，</a:t>
+            </a:r>
+            <a:r>
+              <a:rPr lang="en-US" altLang="zh-CN" sz="2100" dirty="0">
+                <a:latin typeface="+mj-lt"/>
+              </a:rPr>
+              <a:t>pin</a:t>
+            </a:r>
+            <a:r>
+              <a:rPr lang="zh-CN" altLang="zh-CN" sz="2100" dirty="0">
+                <a:latin typeface="+mj-lt"/>
+              </a:rPr>
+              <a:t>表示</a:t>
+            </a:r>
+            <a:r>
+              <a:rPr lang="en-US" altLang="zh-CN" sz="2100" dirty="0">
+                <a:latin typeface="+mj-lt"/>
+              </a:rPr>
+              <a:t>3, 5, 6, 9, 10, 11</a:t>
+            </a:r>
+            <a:r>
+              <a:rPr lang="zh-CN" altLang="zh-CN" sz="2100" dirty="0">
+                <a:latin typeface="+mj-lt"/>
+              </a:rPr>
+              <a:t>，</a:t>
+            </a:r>
+            <a:r>
+              <a:rPr lang="en-US" altLang="zh-CN" sz="2100" dirty="0">
+                <a:latin typeface="+mj-lt"/>
+              </a:rPr>
+              <a:t>value</a:t>
+            </a:r>
+            <a:r>
+              <a:rPr lang="zh-CN" altLang="zh-CN" sz="2100" dirty="0">
+                <a:latin typeface="+mj-lt"/>
+              </a:rPr>
+              <a:t>表示为</a:t>
+            </a:r>
+            <a:r>
+              <a:rPr lang="en-US" altLang="zh-CN" sz="2100" dirty="0">
                 <a:latin typeface="+mj-lt"/>
               </a:rPr>
               <a:t>0</a:t>
             </a:r>
             <a:r>
-              <a:rPr lang="zh-CN" altLang="zh-CN" sz="2000" dirty="0">
-                <a:latin typeface="+mj-lt"/>
-              </a:rPr>
-              <a:t>）</a:t>
-            </a:r>
-            <a:r>
-              <a:rPr lang="zh-CN" altLang="zh-CN" dirty="0">
-                <a:latin typeface="+mj-lt"/>
-              </a:rPr>
-              <a:t> </a:t>
-            </a:r>
-          </a:p>
-          <a:p>
-            <a:pPr lvl="0"/>
-            <a:r>
-              <a:rPr lang="en-US" altLang="zh-CN" dirty="0">
-                <a:latin typeface="+mj-lt"/>
-                <a:hlinkClick r:id="rId2">
-                  <a:extLst>
-                    <a:ext uri="{A12FA001-AC4F-418D-AE19-62706E023703}">
-                      <ahyp:hlinkClr xmlns:ahyp="http://schemas.microsoft.com/office/drawing/2018/hyperlinkcolor" val="tx"/>
-                    </a:ext>
-                  </a:extLst>
-                </a:hlinkClick>
-              </a:rPr>
-              <a:t>INPUT</a:t>
-            </a:r>
-            <a:r>
-              <a:rPr lang="en-US" altLang="zh-CN" dirty="0">
-                <a:latin typeface="+mj-lt"/>
-              </a:rPr>
-              <a:t> | </a:t>
-            </a:r>
-            <a:r>
-              <a:rPr lang="en-US" altLang="zh-CN" dirty="0">
-                <a:latin typeface="+mj-lt"/>
-                <a:hlinkClick r:id="rId2">
-                  <a:extLst>
-                    <a:ext uri="{A12FA001-AC4F-418D-AE19-62706E023703}">
-                      <ahyp:hlinkClr xmlns:ahyp="http://schemas.microsoft.com/office/drawing/2018/hyperlinkcolor" val="tx"/>
-                    </a:ext>
-                  </a:extLst>
-                </a:hlinkClick>
-              </a:rPr>
-              <a:t>OUTPUT</a:t>
-            </a:r>
-            <a:r>
-              <a:rPr lang="en-US" altLang="zh-CN" dirty="0">
-                <a:latin typeface="+mj-lt"/>
-              </a:rPr>
-              <a:t> </a:t>
-            </a:r>
-          </a:p>
-          <a:p>
-            <a:pPr marL="457200" lvl="1" indent="0">
-              <a:buNone/>
+              <a:rPr lang="zh-CN" altLang="zh-CN" sz="2100" dirty="0">
+                <a:latin typeface="+mj-lt"/>
+              </a:rPr>
+              <a:t>～</a:t>
+            </a:r>
+            <a:r>
+              <a:rPr lang="en-US" altLang="zh-CN" sz="2100" dirty="0">
+                <a:latin typeface="+mj-lt"/>
+              </a:rPr>
+              <a:t>255</a:t>
+            </a:r>
+            <a:r>
+              <a:rPr lang="zh-CN" altLang="zh-CN" sz="2100" dirty="0">
+                <a:latin typeface="+mj-lt"/>
+              </a:rPr>
+              <a:t>（</a:t>
+            </a:r>
+            <a:r>
+              <a:rPr lang="en-US" altLang="zh-CN" sz="2100" dirty="0">
+                <a:latin typeface="+mj-lt"/>
+              </a:rPr>
+              <a:t>0-5V</a:t>
+            </a:r>
+            <a:r>
+              <a:rPr lang="zh-CN" altLang="zh-CN" sz="2100" dirty="0">
+                <a:latin typeface="+mj-lt"/>
+              </a:rPr>
+              <a:t>）。比如可用于电机</a:t>
+            </a:r>
+            <a:r>
+              <a:rPr lang="en-US" altLang="zh-CN" sz="2100" dirty="0">
+                <a:latin typeface="+mj-lt"/>
+              </a:rPr>
+              <a:t>PWM</a:t>
+            </a:r>
+            <a:r>
+              <a:rPr lang="zh-CN" altLang="zh-CN" sz="2100" dirty="0">
+                <a:latin typeface="+mj-lt"/>
+              </a:rPr>
+              <a:t>调速或音乐播放。 </a:t>
+            </a:r>
+          </a:p>
+          <a:p>
+            <a:pPr marL="914400" lvl="1" indent="-457200">
+              <a:buFont typeface="+mj-lt"/>
+              <a:buAutoNum type="arabicPeriod"/>
             </a:pPr>
             <a:r>
-              <a:rPr lang="zh-CN" altLang="zh-CN" sz="2000" dirty="0">
-                <a:latin typeface="+mj-lt"/>
-              </a:rPr>
-              <a:t>表示数字</a:t>
-            </a:r>
-            <a:r>
-              <a:rPr lang="en-US" altLang="zh-CN" sz="2000" dirty="0">
-                <a:latin typeface="+mj-lt"/>
-              </a:rPr>
-              <a:t>IO</a:t>
-            </a:r>
-            <a:r>
-              <a:rPr lang="zh-CN" altLang="zh-CN" sz="2000" dirty="0">
-                <a:latin typeface="+mj-lt"/>
-              </a:rPr>
-              <a:t>口的方向，</a:t>
-            </a:r>
-            <a:r>
-              <a:rPr lang="en-US" altLang="zh-CN" sz="2000" dirty="0">
-                <a:latin typeface="+mj-lt"/>
-                <a:hlinkClick r:id="rId2">
-                  <a:extLst>
-                    <a:ext uri="{A12FA001-AC4F-418D-AE19-62706E023703}">
-                      <ahyp:hlinkClr xmlns:ahyp="http://schemas.microsoft.com/office/drawing/2018/hyperlinkcolor" val="tx"/>
-                    </a:ext>
-                  </a:extLst>
-                </a:hlinkClick>
-              </a:rPr>
-              <a:t>INPUT</a:t>
-            </a:r>
-            <a:r>
-              <a:rPr lang="en-US" altLang="zh-CN" sz="2000" dirty="0">
-                <a:latin typeface="+mj-lt"/>
-              </a:rPr>
-              <a:t> </a:t>
-            </a:r>
-            <a:r>
-              <a:rPr lang="zh-CN" altLang="zh-CN" sz="2000" dirty="0">
-                <a:latin typeface="+mj-lt"/>
-              </a:rPr>
-              <a:t>表示输入（高阻态），</a:t>
-            </a:r>
-            <a:r>
-              <a:rPr lang="en-US" altLang="zh-CN" sz="2000" dirty="0">
-                <a:latin typeface="+mj-lt"/>
-                <a:hlinkClick r:id="rId2">
-                  <a:extLst>
-                    <a:ext uri="{A12FA001-AC4F-418D-AE19-62706E023703}">
-                      <ahyp:hlinkClr xmlns:ahyp="http://schemas.microsoft.com/office/drawing/2018/hyperlinkcolor" val="tx"/>
-                    </a:ext>
-                  </a:extLst>
-                </a:hlinkClick>
-              </a:rPr>
-              <a:t>OUTPUT</a:t>
-            </a:r>
-            <a:r>
-              <a:rPr lang="en-US" altLang="zh-CN" sz="2000" dirty="0">
-                <a:latin typeface="+mj-lt"/>
-              </a:rPr>
-              <a:t>   </a:t>
-            </a:r>
-            <a:r>
-              <a:rPr lang="zh-CN" altLang="zh-CN" sz="2000" dirty="0">
-                <a:latin typeface="+mj-lt"/>
-              </a:rPr>
-              <a:t>表示输出（</a:t>
-            </a:r>
-            <a:r>
-              <a:rPr lang="en-US" altLang="zh-CN" sz="2000" dirty="0">
-                <a:latin typeface="+mj-lt"/>
-              </a:rPr>
-              <a:t>AVR</a:t>
-            </a:r>
-            <a:r>
-              <a:rPr lang="zh-CN" altLang="zh-CN" sz="2000" dirty="0">
-                <a:latin typeface="+mj-lt"/>
-              </a:rPr>
-              <a:t>能提供</a:t>
-            </a:r>
-            <a:r>
-              <a:rPr lang="en-US" altLang="zh-CN" sz="2000" dirty="0">
-                <a:latin typeface="+mj-lt"/>
-              </a:rPr>
-              <a:t>5V</a:t>
-            </a:r>
-            <a:r>
-              <a:rPr lang="zh-CN" altLang="zh-CN" sz="2000" dirty="0">
-                <a:latin typeface="+mj-lt"/>
-              </a:rPr>
-              <a:t>电压</a:t>
-            </a:r>
-            <a:r>
-              <a:rPr lang="en-US" altLang="zh-CN" sz="2000" dirty="0">
-                <a:latin typeface="+mj-lt"/>
-              </a:rPr>
-              <a:t> 40mA</a:t>
-            </a:r>
-            <a:r>
-              <a:rPr lang="zh-CN" altLang="zh-CN" sz="2000" dirty="0">
-                <a:latin typeface="+mj-lt"/>
-              </a:rPr>
-              <a:t>电流）</a:t>
-            </a:r>
-          </a:p>
-          <a:p>
-            <a:r>
-              <a:rPr lang="en-US" altLang="zh-CN" dirty="0">
-                <a:latin typeface="+mj-lt"/>
-                <a:hlinkClick r:id="rId2">
-                  <a:extLst>
-                    <a:ext uri="{A12FA001-AC4F-418D-AE19-62706E023703}">
-                      <ahyp:hlinkClr xmlns:ahyp="http://schemas.microsoft.com/office/drawing/2018/hyperlinkcolor" val="tx"/>
-                    </a:ext>
-                  </a:extLst>
-                </a:hlinkClick>
-              </a:rPr>
-              <a:t>true</a:t>
-            </a:r>
-            <a:r>
-              <a:rPr lang="en-US" altLang="zh-CN" dirty="0">
-                <a:latin typeface="+mj-lt"/>
-              </a:rPr>
-              <a:t> | </a:t>
-            </a:r>
-            <a:r>
-              <a:rPr lang="en-US" altLang="zh-CN" dirty="0">
-                <a:latin typeface="+mj-lt"/>
-                <a:hlinkClick r:id="rId2">
-                  <a:extLst>
-                    <a:ext uri="{A12FA001-AC4F-418D-AE19-62706E023703}">
-                      <ahyp:hlinkClr xmlns:ahyp="http://schemas.microsoft.com/office/drawing/2018/hyperlinkcolor" val="tx"/>
-                    </a:ext>
-                  </a:extLst>
-                </a:hlinkClick>
-              </a:rPr>
-              <a:t>false</a:t>
-            </a:r>
-            <a:r>
-              <a:rPr lang="en-US" altLang="zh-CN" dirty="0">
-                <a:latin typeface="+mj-lt"/>
-              </a:rPr>
-              <a:t>   </a:t>
-            </a:r>
-          </a:p>
-          <a:p>
-            <a:pPr marL="457200" lvl="1" indent="0">
-              <a:buNone/>
-            </a:pPr>
-            <a:r>
-              <a:rPr lang="en-US" altLang="zh-CN" sz="2000" dirty="0">
-                <a:latin typeface="+mj-lt"/>
-                <a:hlinkClick r:id="rId2">
-                  <a:extLst>
-                    <a:ext uri="{A12FA001-AC4F-418D-AE19-62706E023703}">
-                      <ahyp:hlinkClr xmlns:ahyp="http://schemas.microsoft.com/office/drawing/2018/hyperlinkcolor" val="tx"/>
-                    </a:ext>
-                  </a:extLst>
-                </a:hlinkClick>
-              </a:rPr>
-              <a:t>true</a:t>
-            </a:r>
-            <a:r>
-              <a:rPr lang="en-US" altLang="zh-CN" sz="2000" dirty="0">
-                <a:latin typeface="+mj-lt"/>
-              </a:rPr>
-              <a:t> </a:t>
-            </a:r>
-            <a:r>
-              <a:rPr lang="zh-CN" altLang="zh-CN" sz="2000" dirty="0">
-                <a:latin typeface="+mj-lt"/>
-              </a:rPr>
-              <a:t>表示真（</a:t>
-            </a:r>
-            <a:r>
-              <a:rPr lang="en-US" altLang="zh-CN" sz="2000" dirty="0">
-                <a:latin typeface="+mj-lt"/>
-              </a:rPr>
-              <a:t>1</a:t>
-            </a:r>
-            <a:r>
-              <a:rPr lang="zh-CN" altLang="zh-CN" sz="2000" dirty="0">
-                <a:latin typeface="+mj-lt"/>
-              </a:rPr>
-              <a:t>），</a:t>
-            </a:r>
-            <a:r>
-              <a:rPr lang="en-US" altLang="zh-CN" sz="2000" dirty="0">
-                <a:latin typeface="+mj-lt"/>
-                <a:hlinkClick r:id="rId2">
-                  <a:extLst>
-                    <a:ext uri="{A12FA001-AC4F-418D-AE19-62706E023703}">
-                      <ahyp:hlinkClr xmlns:ahyp="http://schemas.microsoft.com/office/drawing/2018/hyperlinkcolor" val="tx"/>
-                    </a:ext>
-                  </a:extLst>
-                </a:hlinkClick>
-              </a:rPr>
-              <a:t>false</a:t>
-            </a:r>
-            <a:r>
-              <a:rPr lang="zh-CN" altLang="zh-CN" sz="2000" dirty="0">
-                <a:latin typeface="+mj-lt"/>
-              </a:rPr>
-              <a:t>表示假（</a:t>
-            </a:r>
-            <a:r>
-              <a:rPr lang="en-US" altLang="zh-CN" sz="2000" dirty="0">
-                <a:latin typeface="+mj-lt"/>
-              </a:rPr>
-              <a:t>0</a:t>
-            </a:r>
-            <a:r>
-              <a:rPr lang="zh-CN" altLang="en-US" sz="2000" dirty="0">
+              <a:rPr lang="en-US" altLang="zh-CN" sz="2100" dirty="0" err="1">
+                <a:latin typeface="+mj-lt"/>
+              </a:rPr>
+              <a:t>analogWrite</a:t>
+            </a:r>
+            <a:r>
+              <a:rPr lang="en-US" altLang="zh-CN" sz="2100" dirty="0">
+                <a:latin typeface="+mj-lt"/>
+              </a:rPr>
+              <a:t>(9,128); // </a:t>
+            </a:r>
+            <a:r>
+              <a:rPr lang="zh-CN" altLang="zh-CN" sz="2100" dirty="0">
+                <a:latin typeface="+mj-lt"/>
+              </a:rPr>
+              <a:t>输出电压约</a:t>
+            </a:r>
+            <a:r>
+              <a:rPr lang="en-US" altLang="zh-CN" sz="2100" dirty="0">
+                <a:latin typeface="+mj-lt"/>
+              </a:rPr>
+              <a:t>2.5</a:t>
+            </a:r>
+            <a:r>
+              <a:rPr lang="zh-CN" altLang="zh-CN" sz="2100" dirty="0">
+                <a:latin typeface="+mj-lt"/>
+              </a:rPr>
+              <a:t>伏特（</a:t>
+            </a:r>
+            <a:r>
+              <a:rPr lang="en-US" altLang="zh-CN" sz="2100" dirty="0">
+                <a:latin typeface="+mj-lt"/>
+              </a:rPr>
+              <a:t>V</a:t>
+            </a:r>
+            <a:r>
+              <a:rPr lang="zh-CN" altLang="zh-CN" sz="2100" dirty="0">
                 <a:latin typeface="+mj-lt"/>
               </a:rPr>
               <a:t>）</a:t>
@@ -9808,7 +11013,7 @@
     </p:spTree>
     <p:extLst>
       <p:ext uri="{BB962C8B-B14F-4D97-AF65-F5344CB8AC3E}">
-        <p14:creationId xmlns:p14="http://schemas.microsoft.com/office/powerpoint/2010/main" val="930598995"/>
+        <p14:creationId xmlns:p14="http://schemas.microsoft.com/office/powerpoint/2010/main" val="1180880862"/>
       </p:ext>
     </p:extLst>
   </p:cSld>
@@ -9852,7 +11057,7 @@
           <p:cNvPr id="2" name="标题 1">
             <a:extLst>
               <a:ext uri="{FF2B5EF4-FFF2-40B4-BE49-F238E27FC236}">
-                <a16:creationId xmlns:a16="http://schemas.microsoft.com/office/drawing/2014/main" id="{5145D385-0B7E-46EF-BF21-8478D4F3D71B}"/>
+                <a16:creationId xmlns:a16="http://schemas.microsoft.com/office/drawing/2014/main" id="{89FAD768-E3FD-454B-8534-3654BE8B428F}"/>
               </a:ext>
             </a:extLst>
           </p:cNvPr>
@@ -9870,7 +11075,7 @@
           <a:p>
             <a:r>
               <a:rPr lang="zh-CN" altLang="zh-CN" sz="2800" dirty="0"/>
-              <a:t>结构</a:t>
+              <a:t>时间函数</a:t>
             </a:r>
             <a:endParaRPr lang="zh-CN" altLang="en-US" sz="2800" dirty="0"/>
           </a:p>
@@ -9881,7 +11086,7 @@
           <p:cNvPr id="3" name="内容占位符 2">
             <a:extLst>
               <a:ext uri="{FF2B5EF4-FFF2-40B4-BE49-F238E27FC236}">
-                <a16:creationId xmlns:a16="http://schemas.microsoft.com/office/drawing/2014/main" id="{68DDA2BA-A91E-441A-A94D-0463AD47761E}"/>
+                <a16:creationId xmlns:a16="http://schemas.microsoft.com/office/drawing/2014/main" id="{9155C5EC-CA39-4E73-B0BC-218881E41004}"/>
               </a:ext>
             </a:extLst>
           </p:cNvPr>
@@ -9892,20 +11097,27 @@
             <p:ph idx="1"/>
           </p:nvPr>
         </p:nvSpPr>
-        <p:spPr/>
-        <p:txBody>
-          <a:bodyPr/>
+        <p:spPr>
+          <a:xfrm>
+            <a:off x="1309512" y="2071991"/>
+            <a:ext cx="10272889" cy="3927825"/>
+          </a:xfrm>
+        </p:spPr>
+        <p:txBody>
+          <a:bodyPr>
+            <a:normAutofit/>
+          </a:bodyPr>
           <a:lstStyle/>
           <a:p>
             <a:pPr lvl="0"/>
             <a:r>
-              <a:rPr lang="en-US" altLang="zh-CN" dirty="0">
-                <a:latin typeface="+mj-lt"/>
-              </a:rPr>
-              <a:t>void </a:t>
-            </a:r>
-            <a:r>
-              <a:rPr lang="en-US" altLang="zh-CN" dirty="0">
+              <a:rPr lang="en-US" altLang="zh-CN" sz="2100" dirty="0">
+                <a:latin typeface="+mj-lt"/>
+              </a:rPr>
+              <a:t>unsigned long </a:t>
+            </a:r>
+            <a:r>
+              <a:rPr lang="en-US" altLang="zh-CN" sz="2100" dirty="0" err="1">
                 <a:latin typeface="+mj-lt"/>
                 <a:hlinkClick r:id="rId2">
                   <a:extLst>
@@ -9915,40 +11127,57 @@
                   </a:extLst>
                 </a:hlinkClick>
               </a:rPr>
-              <a:t>setup</a:t>
-            </a:r>
-            <a:r>
-              <a:rPr lang="en-US" altLang="zh-CN" dirty="0">
-                <a:latin typeface="+mj-lt"/>
-              </a:rPr>
-              <a:t>()   </a:t>
+              <a:t>millis</a:t>
+            </a:r>
+            <a:r>
+              <a:rPr lang="en-US" altLang="zh-CN" sz="2100" dirty="0">
+                <a:latin typeface="+mj-lt"/>
+              </a:rPr>
+              <a:t>()   </a:t>
             </a:r>
           </a:p>
           <a:p>
             <a:pPr marL="457200" lvl="1" indent="0">
-              <a:buFont typeface="Arial" panose="020B0604020202020204" pitchFamily="34" charset="0"/>
               <a:buNone/>
             </a:pPr>
             <a:r>
-              <a:rPr lang="zh-CN" altLang="zh-CN" sz="2000" dirty="0">
-                <a:latin typeface="+mj-lt"/>
-              </a:rPr>
-              <a:t>初始化变量，管脚模式，调用库函数等 </a:t>
-            </a:r>
-            <a:endParaRPr lang="zh-CN" altLang="zh-CN" sz="2800" dirty="0">
+              <a:rPr lang="zh-CN" altLang="zh-CN" sz="1700" dirty="0">
+                <a:latin typeface="+mj-lt"/>
+              </a:rPr>
+              <a:t>返回时间函数（单位</a:t>
+            </a:r>
+            <a:r>
+              <a:rPr lang="en-US" altLang="zh-CN" sz="1700" dirty="0" err="1">
+                <a:latin typeface="+mj-lt"/>
+              </a:rPr>
+              <a:t>ms</a:t>
+            </a:r>
+            <a:r>
+              <a:rPr lang="zh-CN" altLang="zh-CN" sz="1700" dirty="0">
+                <a:latin typeface="+mj-lt"/>
+              </a:rPr>
+              <a:t>），该函数是指，当程序运行就开始计时并返回记录的参数，该参数溢出大概需要</a:t>
+            </a:r>
+            <a:r>
+              <a:rPr lang="en-US" altLang="zh-CN" sz="1700" dirty="0">
+                <a:latin typeface="+mj-lt"/>
+              </a:rPr>
+              <a:t>50</a:t>
+            </a:r>
+            <a:r>
+              <a:rPr lang="zh-CN" altLang="zh-CN" sz="1700" dirty="0">
+                <a:latin typeface="+mj-lt"/>
+              </a:rPr>
+              <a:t>天时间。</a:t>
+            </a:r>
+            <a:endParaRPr lang="zh-CN" altLang="zh-CN" sz="2100" dirty="0">
               <a:latin typeface="+mj-lt"/>
             </a:endParaRPr>
           </a:p>
           <a:p>
             <a:pPr lvl="0"/>
             <a:r>
-              <a:rPr lang="en-US" altLang="zh-CN" dirty="0">
-                <a:latin typeface="+mj-lt"/>
-              </a:rPr>
-              <a:t>void </a:t>
-            </a:r>
-            <a:r>
-              <a:rPr lang="en-US" altLang="zh-CN" dirty="0">
+              <a:rPr lang="en-US" altLang="zh-CN" sz="2100" dirty="0">
                 <a:latin typeface="+mj-lt"/>
                 <a:hlinkClick r:id="rId3">
                   <a:extLst>
@@ -9958,13 +11187,25 @@
                   </a:extLst>
                 </a:hlinkClick>
               </a:rPr>
-              <a:t>loop</a:t>
-            </a:r>
-            <a:r>
-              <a:rPr lang="en-US" altLang="zh-CN" dirty="0">
-                <a:latin typeface="+mj-lt"/>
-              </a:rPr>
-              <a:t>() </a:t>
+              <a:t>delay</a:t>
+            </a:r>
+            <a:r>
+              <a:rPr lang="en-US" altLang="zh-CN" sz="2100" dirty="0">
+                <a:latin typeface="+mj-lt"/>
+              </a:rPr>
+              <a:t>(</a:t>
+            </a:r>
+            <a:r>
+              <a:rPr lang="en-US" altLang="zh-CN" sz="2100" dirty="0" err="1">
+                <a:latin typeface="+mj-lt"/>
+              </a:rPr>
+              <a:t>ms</a:t>
+            </a:r>
+            <a:r>
+              <a:rPr lang="en-US" altLang="zh-CN" sz="2100" dirty="0">
+                <a:latin typeface="+mj-lt"/>
+              </a:rPr>
+              <a:t>)    </a:t>
             </a:r>
           </a:p>
           <a:p>
@@ -9972,10 +11213,70 @@
               <a:buNone/>
             </a:pPr>
             <a:r>
-              <a:rPr lang="zh-CN" altLang="zh-CN" sz="2000" dirty="0">
-                <a:latin typeface="+mj-lt"/>
-              </a:rPr>
-              <a:t>连续执行函数内的语句 </a:t>
+              <a:rPr lang="zh-CN" altLang="zh-CN" sz="1700" dirty="0">
+                <a:latin typeface="+mj-lt"/>
+              </a:rPr>
+              <a:t>延时函数（单位</a:t>
+            </a:r>
+            <a:r>
+              <a:rPr lang="en-US" altLang="zh-CN" sz="1700" dirty="0" err="1">
+                <a:latin typeface="+mj-lt"/>
+              </a:rPr>
+              <a:t>ms</a:t>
+            </a:r>
+            <a:r>
+              <a:rPr lang="zh-CN" altLang="zh-CN" sz="1700" dirty="0">
+                <a:latin typeface="+mj-lt"/>
+              </a:rPr>
+              <a:t>）</a:t>
+            </a:r>
+            <a:endParaRPr lang="zh-CN" altLang="zh-CN" sz="2100" dirty="0">
+              <a:latin typeface="+mj-lt"/>
+            </a:endParaRPr>
+          </a:p>
+          <a:p>
+            <a:pPr lvl="0"/>
+            <a:r>
+              <a:rPr lang="en-US" altLang="zh-CN" sz="2100" dirty="0" err="1">
+                <a:latin typeface="+mj-lt"/>
+                <a:hlinkClick r:id="rId4">
+                  <a:extLst>
+                    <a:ext uri="{A12FA001-AC4F-418D-AE19-62706E023703}">
+                      <ahyp:hlinkClr xmlns:ahyp="http://schemas.microsoft.com/office/drawing/2018/hyperlinkcolor" val="tx"/>
+                    </a:ext>
+                  </a:extLst>
+                </a:hlinkClick>
+              </a:rPr>
+              <a:t>delayMicroseconds</a:t>
+            </a:r>
+            <a:r>
+              <a:rPr lang="en-US" altLang="zh-CN" sz="2100" dirty="0">
+                <a:latin typeface="+mj-lt"/>
+              </a:rPr>
+              <a:t>(us)    </a:t>
+            </a:r>
+          </a:p>
+          <a:p>
+            <a:pPr marL="457200" lvl="1" indent="0">
+              <a:buNone/>
+            </a:pPr>
+            <a:r>
+              <a:rPr lang="zh-CN" altLang="zh-CN" sz="1700" dirty="0">
+                <a:latin typeface="+mj-lt"/>
+              </a:rPr>
+              <a:t>延时函数（单位</a:t>
+            </a:r>
+            <a:r>
+              <a:rPr lang="en-US" altLang="zh-CN" sz="1700" dirty="0">
+                <a:latin typeface="+mj-lt"/>
+              </a:rPr>
+              <a:t>us</a:t>
+            </a:r>
+            <a:r>
+              <a:rPr lang="zh-CN" altLang="zh-CN" sz="1700" dirty="0">
+                <a:latin typeface="+mj-lt"/>
+              </a:rPr>
+              <a:t>）</a:t>
             </a:r>
           </a:p>
         </p:txBody>
@@ -9983,7 +11284,7 @@
     </p:spTree>
     <p:extLst>
       <p:ext uri="{BB962C8B-B14F-4D97-AF65-F5344CB8AC3E}">
-        <p14:creationId xmlns:p14="http://schemas.microsoft.com/office/powerpoint/2010/main" val="4024225348"/>
+        <p14:creationId xmlns:p14="http://schemas.microsoft.com/office/powerpoint/2010/main" val="1884524562"/>
       </p:ext>
     </p:extLst>
   </p:cSld>
@@ -10027,7 +11328,7 @@
           <p:cNvPr id="2" name="标题 1">
             <a:extLst>
               <a:ext uri="{FF2B5EF4-FFF2-40B4-BE49-F238E27FC236}">
-                <a16:creationId xmlns:a16="http://schemas.microsoft.com/office/drawing/2014/main" id="{6E20D14D-8D55-4A61-B8EC-8BDC34D14ADF}"/>
+                <a16:creationId xmlns:a16="http://schemas.microsoft.com/office/drawing/2014/main" id="{1EE395CF-6535-4E77-A8E9-A6870EB42BD8}"/>
               </a:ext>
             </a:extLst>
           </p:cNvPr>
@@ -10045,11 +11346,7 @@
           <a:p>
             <a:r>
               <a:rPr lang="zh-CN" altLang="zh-CN" sz="2800" dirty="0"/>
-              <a:t>数字</a:t>
-            </a:r>
-            <a:r>
-              <a:rPr lang="en-US" altLang="zh-CN" sz="2800" dirty="0"/>
-              <a:t> I/O</a:t>
+              <a:t>数学函数</a:t>
             </a:r>
             <a:endParaRPr lang="zh-CN" altLang="en-US" sz="2800" dirty="0"/>
           </a:p>
@@ -10060,7 +11357,7 @@
           <p:cNvPr id="3" name="内容占位符 2">
             <a:extLst>
               <a:ext uri="{FF2B5EF4-FFF2-40B4-BE49-F238E27FC236}">
-                <a16:creationId xmlns:a16="http://schemas.microsoft.com/office/drawing/2014/main" id="{6A79D2DB-E510-41BF-A2DB-07A73FF1C9DA}"/>
+                <a16:creationId xmlns:a16="http://schemas.microsoft.com/office/drawing/2014/main" id="{DF082C02-FE37-476C-99FF-4B3B15EDB8FA}"/>
               </a:ext>
             </a:extLst>
           </p:cNvPr>
@@ -10071,20 +11368,21 @@
             <p:ph idx="1"/>
           </p:nvPr>
         </p:nvSpPr>
-        <p:spPr/>
+        <p:spPr>
+          <a:xfrm>
+            <a:off x="1309512" y="2042809"/>
+            <a:ext cx="10272889" cy="3957007"/>
+          </a:xfrm>
+        </p:spPr>
         <p:txBody>
           <a:bodyPr>
-            <a:normAutofit fontScale="55000" lnSpcReduction="20000"/>
+            <a:normAutofit fontScale="77500" lnSpcReduction="20000"/>
           </a:bodyPr>
           <a:lstStyle/>
           <a:p>
-            <a:pPr lvl="0">
-              <a:lnSpc>
-                <a:spcPct val="110000"/>
-              </a:lnSpc>
-            </a:pPr>
-            <a:r>
-              <a:rPr lang="en-US" altLang="zh-CN" sz="3300" dirty="0" err="1">
+            <a:pPr lvl="0"/>
+            <a:r>
+              <a:rPr lang="en-US" altLang="zh-CN" sz="2300" dirty="0">
                 <a:latin typeface="+mj-lt"/>
                 <a:hlinkClick r:id="rId2">
                   <a:extLst>
@@ -10094,161 +11392,25 @@
                   </a:extLst>
                 </a:hlinkClick>
               </a:rPr>
-              <a:t>pinMode</a:t>
-            </a:r>
-            <a:r>
-              <a:rPr lang="en-US" altLang="zh-CN" sz="3300" dirty="0">
-                <a:latin typeface="+mj-lt"/>
-              </a:rPr>
-              <a:t>(pin, mode)    </a:t>
-            </a:r>
-          </a:p>
-          <a:p>
-            <a:pPr marL="971550" lvl="1" indent="-514350">
-              <a:lnSpc>
-                <a:spcPct val="110000"/>
-              </a:lnSpc>
-              <a:buFont typeface="+mj-lt"/>
-              <a:buAutoNum type="arabicPeriod"/>
-            </a:pPr>
-            <a:r>
-              <a:rPr lang="zh-CN" altLang="zh-CN" sz="2900" dirty="0">
-                <a:latin typeface="+mj-lt"/>
-              </a:rPr>
-              <a:t>数字</a:t>
-            </a:r>
-            <a:r>
-              <a:rPr lang="en-US" altLang="zh-CN" sz="2900" dirty="0">
-                <a:latin typeface="+mj-lt"/>
-              </a:rPr>
-              <a:t>IO</a:t>
-            </a:r>
-            <a:r>
-              <a:rPr lang="zh-CN" altLang="zh-CN" sz="2900" dirty="0">
-                <a:latin typeface="+mj-lt"/>
-              </a:rPr>
-              <a:t>口输入输出模式定义函数，</a:t>
-            </a:r>
-            <a:r>
-              <a:rPr lang="en-US" altLang="zh-CN" sz="2900" dirty="0">
-                <a:latin typeface="+mj-lt"/>
-              </a:rPr>
-              <a:t>pin</a:t>
-            </a:r>
-            <a:r>
-              <a:rPr lang="zh-CN" altLang="zh-CN" sz="2900" dirty="0">
-                <a:latin typeface="+mj-lt"/>
-              </a:rPr>
-              <a:t>表示为</a:t>
-            </a:r>
-            <a:r>
-              <a:rPr lang="en-US" altLang="zh-CN" sz="2900" dirty="0">
-                <a:latin typeface="+mj-lt"/>
-              </a:rPr>
-              <a:t>0</a:t>
-            </a:r>
-            <a:r>
-              <a:rPr lang="zh-CN" altLang="zh-CN" sz="2900" dirty="0">
-                <a:latin typeface="+mj-lt"/>
-              </a:rPr>
-              <a:t>～</a:t>
-            </a:r>
-            <a:r>
-              <a:rPr lang="en-US" altLang="zh-CN" sz="2900" dirty="0">
-                <a:latin typeface="+mj-lt"/>
-              </a:rPr>
-              <a:t>13</a:t>
-            </a:r>
-            <a:r>
-              <a:rPr lang="zh-CN" altLang="zh-CN" sz="2900" dirty="0">
-                <a:latin typeface="+mj-lt"/>
-              </a:rPr>
-              <a:t>，</a:t>
-            </a:r>
-            <a:r>
-              <a:rPr lang="en-US" altLang="zh-CN" sz="2900" dirty="0">
-                <a:latin typeface="+mj-lt"/>
-              </a:rPr>
-              <a:t> mode</a:t>
-            </a:r>
-            <a:r>
-              <a:rPr lang="zh-CN" altLang="zh-CN" sz="2900" dirty="0">
-                <a:latin typeface="+mj-lt"/>
-              </a:rPr>
-              <a:t>表示为</a:t>
-            </a:r>
-            <a:r>
-              <a:rPr lang="en-US" altLang="zh-CN" sz="2900" dirty="0">
-                <a:latin typeface="+mj-lt"/>
-              </a:rPr>
-              <a:t>INPUT</a:t>
-            </a:r>
-            <a:r>
-              <a:rPr lang="zh-CN" altLang="zh-CN" sz="2900" dirty="0">
-                <a:latin typeface="+mj-lt"/>
-              </a:rPr>
-              <a:t>或</a:t>
-            </a:r>
-            <a:r>
-              <a:rPr lang="en-US" altLang="zh-CN" sz="2900" dirty="0">
-                <a:latin typeface="+mj-lt"/>
-              </a:rPr>
-              <a:t>OUTPUT</a:t>
-            </a:r>
-            <a:r>
-              <a:rPr lang="zh-CN" altLang="zh-CN" sz="2900" dirty="0">
-                <a:latin typeface="+mj-lt"/>
-              </a:rPr>
-              <a:t>。 </a:t>
-            </a:r>
-          </a:p>
-          <a:p>
-            <a:pPr marL="971550" lvl="1" indent="-514350">
-              <a:lnSpc>
-                <a:spcPct val="110000"/>
-              </a:lnSpc>
-              <a:buFont typeface="+mj-lt"/>
-              <a:buAutoNum type="arabicPeriod"/>
-            </a:pPr>
-            <a:r>
-              <a:rPr lang="en-US" altLang="zh-CN" sz="2900" dirty="0" err="1">
-                <a:latin typeface="+mj-lt"/>
-              </a:rPr>
-              <a:t>pinMode</a:t>
-            </a:r>
-            <a:r>
-              <a:rPr lang="en-US" altLang="zh-CN" sz="2900" dirty="0">
-                <a:latin typeface="+mj-lt"/>
-              </a:rPr>
-              <a:t>(7,INPUT); 	// </a:t>
-            </a:r>
-            <a:r>
-              <a:rPr lang="zh-CN" altLang="zh-CN" sz="2900" dirty="0">
-                <a:latin typeface="+mj-lt"/>
-              </a:rPr>
-              <a:t>将脚位</a:t>
-            </a:r>
-            <a:r>
-              <a:rPr lang="en-US" altLang="zh-CN" sz="2900" dirty="0">
-                <a:latin typeface="+mj-lt"/>
-              </a:rPr>
-              <a:t> 7 </a:t>
-            </a:r>
-            <a:r>
-              <a:rPr lang="zh-CN" altLang="zh-CN" sz="2900" dirty="0">
-                <a:latin typeface="+mj-lt"/>
-              </a:rPr>
-              <a:t>设定为输入模式</a:t>
-            </a:r>
-          </a:p>
-          <a:p>
-            <a:pPr lvl="0">
-              <a:lnSpc>
-                <a:spcPct val="110000"/>
-              </a:lnSpc>
-            </a:pPr>
-            <a:r>
-              <a:rPr lang="en-US" altLang="zh-CN" sz="3300" dirty="0" err="1">
+              <a:t>min</a:t>
+            </a:r>
+            <a:r>
+              <a:rPr lang="en-US" altLang="zh-CN" sz="2300" dirty="0">
+                <a:latin typeface="+mj-lt"/>
+              </a:rPr>
+              <a:t>(x, y) 	</a:t>
+            </a:r>
+            <a:r>
+              <a:rPr lang="zh-CN" altLang="zh-CN" sz="2300" dirty="0">
+                <a:latin typeface="+mj-lt"/>
+              </a:rPr>
+              <a:t>求最小值 </a:t>
+            </a:r>
+          </a:p>
+          <a:p>
+            <a:pPr lvl="0"/>
+            <a:r>
+              <a:rPr lang="en-US" altLang="zh-CN" sz="2300" dirty="0">
                 <a:latin typeface="+mj-lt"/>
                 <a:hlinkClick r:id="rId3">
                   <a:extLst>
@@ -10258,191 +11420,25 @@
                   </a:extLst>
                 </a:hlinkClick>
               </a:rPr>
-              <a:t>digitalWrite</a:t>
-            </a:r>
-            <a:r>
-              <a:rPr lang="en-US" altLang="zh-CN" sz="3300" dirty="0">
-                <a:latin typeface="+mj-lt"/>
-              </a:rPr>
-              <a:t>(pin, value)   </a:t>
-            </a:r>
-          </a:p>
-          <a:p>
-            <a:pPr marL="971550" lvl="1" indent="-514350">
-              <a:lnSpc>
-                <a:spcPct val="110000"/>
-              </a:lnSpc>
-              <a:buFont typeface="+mj-lt"/>
-              <a:buAutoNum type="arabicPeriod"/>
-            </a:pPr>
-            <a:r>
-              <a:rPr lang="zh-CN" altLang="zh-CN" sz="2900" dirty="0">
-                <a:latin typeface="+mj-lt"/>
-              </a:rPr>
-              <a:t>数字</a:t>
-            </a:r>
-            <a:r>
-              <a:rPr lang="en-US" altLang="zh-CN" sz="2900" dirty="0">
-                <a:latin typeface="+mj-lt"/>
-              </a:rPr>
-              <a:t>IO</a:t>
-            </a:r>
-            <a:r>
-              <a:rPr lang="zh-CN" altLang="zh-CN" sz="2900" dirty="0">
-                <a:latin typeface="+mj-lt"/>
-              </a:rPr>
-              <a:t>口输出电平定义函数，</a:t>
-            </a:r>
-            <a:r>
-              <a:rPr lang="en-US" altLang="zh-CN" sz="2900" dirty="0">
-                <a:latin typeface="+mj-lt"/>
-              </a:rPr>
-              <a:t>pin</a:t>
-            </a:r>
-            <a:r>
-              <a:rPr lang="zh-CN" altLang="zh-CN" sz="2900" dirty="0">
-                <a:latin typeface="+mj-lt"/>
-              </a:rPr>
-              <a:t>表示为</a:t>
-            </a:r>
-            <a:r>
-              <a:rPr lang="en-US" altLang="zh-CN" sz="2900" dirty="0">
-                <a:latin typeface="+mj-lt"/>
-              </a:rPr>
-              <a:t>0</a:t>
-            </a:r>
-            <a:r>
-              <a:rPr lang="zh-CN" altLang="zh-CN" sz="2900" dirty="0">
-                <a:latin typeface="+mj-lt"/>
-              </a:rPr>
-              <a:t>～</a:t>
-            </a:r>
-            <a:r>
-              <a:rPr lang="en-US" altLang="zh-CN" sz="2900" dirty="0">
-                <a:latin typeface="+mj-lt"/>
-              </a:rPr>
-              <a:t>13</a:t>
-            </a:r>
-            <a:r>
-              <a:rPr lang="zh-CN" altLang="zh-CN" sz="2900" dirty="0">
-                <a:latin typeface="+mj-lt"/>
-              </a:rPr>
-              <a:t>，</a:t>
-            </a:r>
-            <a:r>
-              <a:rPr lang="en-US" altLang="zh-CN" sz="2900" dirty="0">
-                <a:latin typeface="+mj-lt"/>
-              </a:rPr>
-              <a:t>value</a:t>
-            </a:r>
-            <a:r>
-              <a:rPr lang="zh-CN" altLang="zh-CN" sz="2900" dirty="0">
-                <a:latin typeface="+mj-lt"/>
-              </a:rPr>
-              <a:t>表示为</a:t>
-            </a:r>
-            <a:r>
-              <a:rPr lang="en-US" altLang="zh-CN" sz="2900" dirty="0">
-                <a:latin typeface="+mj-lt"/>
-              </a:rPr>
-              <a:t>HIGH</a:t>
-            </a:r>
-            <a:r>
-              <a:rPr lang="zh-CN" altLang="zh-CN" sz="2900" dirty="0">
-                <a:latin typeface="+mj-lt"/>
-              </a:rPr>
-              <a:t>或</a:t>
-            </a:r>
-            <a:r>
-              <a:rPr lang="en-US" altLang="zh-CN" sz="2900" dirty="0">
-                <a:latin typeface="+mj-lt"/>
-              </a:rPr>
-              <a:t>LOW</a:t>
-            </a:r>
-            <a:r>
-              <a:rPr lang="zh-CN" altLang="zh-CN" sz="2900" dirty="0">
-                <a:latin typeface="+mj-lt"/>
-              </a:rPr>
-              <a:t>。比如定义</a:t>
-            </a:r>
-            <a:r>
-              <a:rPr lang="en-US" altLang="zh-CN" sz="2900" dirty="0">
-                <a:latin typeface="+mj-lt"/>
-              </a:rPr>
-              <a:t>HIGH</a:t>
-            </a:r>
-            <a:r>
-              <a:rPr lang="zh-CN" altLang="zh-CN" sz="2900" dirty="0">
-                <a:latin typeface="+mj-lt"/>
-              </a:rPr>
-              <a:t>可以驱动</a:t>
-            </a:r>
-            <a:r>
-              <a:rPr lang="en-US" altLang="zh-CN" sz="2900" dirty="0">
-                <a:latin typeface="+mj-lt"/>
-              </a:rPr>
-              <a:t>LED</a:t>
-            </a:r>
-            <a:r>
-              <a:rPr lang="zh-CN" altLang="zh-CN" sz="2900" dirty="0">
-                <a:latin typeface="+mj-lt"/>
-              </a:rPr>
-              <a:t>。 </a:t>
-            </a:r>
-          </a:p>
-          <a:p>
-            <a:pPr marL="971550" lvl="1" indent="-514350">
-              <a:lnSpc>
-                <a:spcPct val="110000"/>
-              </a:lnSpc>
-              <a:buFont typeface="+mj-lt"/>
-              <a:buAutoNum type="arabicPeriod"/>
-            </a:pPr>
-            <a:r>
-              <a:rPr lang="en-US" altLang="zh-CN" sz="2900" dirty="0" err="1">
-                <a:latin typeface="+mj-lt"/>
-              </a:rPr>
-              <a:t>digitalWrite</a:t>
-            </a:r>
-            <a:r>
-              <a:rPr lang="en-US" altLang="zh-CN" sz="2900" dirty="0">
-                <a:latin typeface="+mj-lt"/>
-              </a:rPr>
-              <a:t>(8,HIGH); 	//</a:t>
-            </a:r>
-            <a:r>
-              <a:rPr lang="zh-CN" altLang="zh-CN" sz="2900" dirty="0">
-                <a:latin typeface="+mj-lt"/>
-              </a:rPr>
-              <a:t>将脚位</a:t>
-            </a:r>
-            <a:r>
-              <a:rPr lang="en-US" altLang="zh-CN" sz="2900" dirty="0">
-                <a:latin typeface="+mj-lt"/>
-              </a:rPr>
-              <a:t> 8</a:t>
-            </a:r>
-            <a:r>
-              <a:rPr lang="zh-CN" altLang="zh-CN" sz="2900" dirty="0">
-                <a:latin typeface="+mj-lt"/>
-              </a:rPr>
-              <a:t>设定输出高电位</a:t>
-            </a:r>
-          </a:p>
-          <a:p>
-            <a:pPr lvl="0">
-              <a:lnSpc>
-                <a:spcPct val="110000"/>
-              </a:lnSpc>
-            </a:pPr>
-            <a:r>
-              <a:rPr lang="en-US" altLang="zh-CN" sz="3300" dirty="0">
-                <a:latin typeface="+mj-lt"/>
-              </a:rPr>
-              <a:t>int </a:t>
-            </a:r>
-            <a:r>
-              <a:rPr lang="en-US" altLang="zh-CN" sz="3300" dirty="0" err="1">
+              <a:t>max</a:t>
+            </a:r>
+            <a:r>
+              <a:rPr lang="en-US" altLang="zh-CN" sz="2300" dirty="0">
+                <a:latin typeface="+mj-lt"/>
+              </a:rPr>
+              <a:t>(x, y) 	</a:t>
+            </a:r>
+            <a:r>
+              <a:rPr lang="zh-CN" altLang="zh-CN" sz="2300" dirty="0">
+                <a:latin typeface="+mj-lt"/>
+              </a:rPr>
+              <a:t>求最大值 </a:t>
+            </a:r>
+          </a:p>
+          <a:p>
+            <a:pPr lvl="0"/>
+            <a:r>
+              <a:rPr lang="en-US" altLang="zh-CN" sz="2300" dirty="0">
                 <a:latin typeface="+mj-lt"/>
                 <a:hlinkClick r:id="rId4">
                   <a:extLst>
@@ -10452,189 +11448,362 @@
                   </a:extLst>
                 </a:hlinkClick>
               </a:rPr>
-              <a:t>digitalRead</a:t>
-            </a:r>
-            <a:r>
-              <a:rPr lang="en-US" altLang="zh-CN" sz="3300" dirty="0">
-                <a:latin typeface="+mj-lt"/>
-              </a:rPr>
-              <a:t>(pin)    </a:t>
-            </a:r>
-          </a:p>
-          <a:p>
-            <a:pPr marL="971550" lvl="1" indent="-514350">
-              <a:lnSpc>
-                <a:spcPct val="110000"/>
-              </a:lnSpc>
-              <a:buFont typeface="+mj-lt"/>
-              <a:buAutoNum type="arabicPeriod"/>
+              <a:t>abs</a:t>
+            </a:r>
+            <a:r>
+              <a:rPr lang="en-US" altLang="zh-CN" sz="2300" dirty="0">
+                <a:latin typeface="+mj-lt"/>
+              </a:rPr>
+              <a:t>(x)   	</a:t>
+            </a:r>
+            <a:r>
+              <a:rPr lang="zh-CN" altLang="zh-CN" sz="2300" dirty="0">
+                <a:latin typeface="+mj-lt"/>
+              </a:rPr>
+              <a:t>计算绝对值 </a:t>
+            </a:r>
+          </a:p>
+          <a:p>
+            <a:pPr lvl="0"/>
+            <a:r>
+              <a:rPr lang="en-US" altLang="zh-CN" sz="2300" dirty="0">
+                <a:latin typeface="+mj-lt"/>
+                <a:hlinkClick r:id="rId5">
+                  <a:extLst>
+                    <a:ext uri="{A12FA001-AC4F-418D-AE19-62706E023703}">
+                      <ahyp:hlinkClr xmlns:ahyp="http://schemas.microsoft.com/office/drawing/2018/hyperlinkcolor" val="tx"/>
+                    </a:ext>
+                  </a:extLst>
+                </a:hlinkClick>
+              </a:rPr>
+              <a:t>constrain</a:t>
+            </a:r>
+            <a:r>
+              <a:rPr lang="en-US" altLang="zh-CN" sz="2300" dirty="0">
+                <a:latin typeface="+mj-lt"/>
+              </a:rPr>
+              <a:t>(x, a, b) </a:t>
+            </a:r>
+          </a:p>
+          <a:p>
+            <a:pPr marL="457200" lvl="1" indent="0">
+              <a:buNone/>
             </a:pPr>
             <a:r>
-              <a:rPr lang="zh-CN" altLang="zh-CN" sz="2900" dirty="0">
-                <a:latin typeface="+mj-lt"/>
-              </a:rPr>
-              <a:t>数字</a:t>
-            </a:r>
-            <a:r>
-              <a:rPr lang="en-US" altLang="zh-CN" sz="2900" dirty="0">
-                <a:latin typeface="+mj-lt"/>
-              </a:rPr>
-              <a:t>IO</a:t>
-            </a:r>
-            <a:r>
-              <a:rPr lang="zh-CN" altLang="zh-CN" sz="2900" dirty="0">
-                <a:latin typeface="+mj-lt"/>
-              </a:rPr>
-              <a:t>口读输入电平函数，</a:t>
-            </a:r>
-            <a:r>
-              <a:rPr lang="en-US" altLang="zh-CN" sz="2900" dirty="0">
-                <a:latin typeface="+mj-lt"/>
-              </a:rPr>
-              <a:t>pin</a:t>
-            </a:r>
-            <a:r>
-              <a:rPr lang="zh-CN" altLang="zh-CN" sz="2900" dirty="0">
-                <a:latin typeface="+mj-lt"/>
-              </a:rPr>
-              <a:t>表示为</a:t>
-            </a:r>
-            <a:r>
-              <a:rPr lang="en-US" altLang="zh-CN" sz="2900" dirty="0">
-                <a:latin typeface="+mj-lt"/>
-              </a:rPr>
-              <a:t>0</a:t>
-            </a:r>
-            <a:r>
-              <a:rPr lang="zh-CN" altLang="zh-CN" sz="2900" dirty="0">
-                <a:latin typeface="+mj-lt"/>
-              </a:rPr>
-              <a:t>～</a:t>
-            </a:r>
-            <a:r>
-              <a:rPr lang="en-US" altLang="zh-CN" sz="2900" dirty="0">
-                <a:latin typeface="+mj-lt"/>
-              </a:rPr>
-              <a:t>13</a:t>
-            </a:r>
-            <a:r>
-              <a:rPr lang="zh-CN" altLang="zh-CN" sz="2900" dirty="0">
+              <a:rPr lang="zh-CN" altLang="zh-CN" sz="1900" dirty="0">
+                <a:latin typeface="+mj-lt"/>
+              </a:rPr>
+              <a:t>约束函数，下限</a:t>
+            </a:r>
+            <a:r>
+              <a:rPr lang="en-US" altLang="zh-CN" sz="1900" dirty="0">
+                <a:latin typeface="+mj-lt"/>
+              </a:rPr>
+              <a:t>a</a:t>
+            </a:r>
+            <a:r>
+              <a:rPr lang="zh-CN" altLang="zh-CN" sz="1900" dirty="0">
+                <a:latin typeface="+mj-lt"/>
+              </a:rPr>
+              <a:t>，上限</a:t>
+            </a:r>
+            <a:r>
+              <a:rPr lang="en-US" altLang="zh-CN" sz="1900" dirty="0">
+                <a:latin typeface="+mj-lt"/>
+              </a:rPr>
+              <a:t>b</a:t>
+            </a:r>
+            <a:r>
+              <a:rPr lang="zh-CN" altLang="zh-CN" sz="1900" dirty="0">
                 <a:latin typeface="+mj-lt"/>
               </a:rPr>
               <a:t>，</a:t>
             </a:r>
             <a:r>
-              <a:rPr lang="en-US" altLang="zh-CN" sz="2900" dirty="0">
+              <a:rPr lang="en-US" altLang="zh-CN" sz="1900" dirty="0">
+                <a:latin typeface="+mj-lt"/>
+              </a:rPr>
+              <a:t>x</a:t>
+            </a:r>
+            <a:r>
+              <a:rPr lang="zh-CN" altLang="zh-CN" sz="1900" dirty="0">
+                <a:latin typeface="+mj-lt"/>
+              </a:rPr>
+              <a:t>必须在</a:t>
+            </a:r>
+            <a:r>
+              <a:rPr lang="en-US" altLang="zh-CN" sz="1900" dirty="0">
+                <a:latin typeface="+mj-lt"/>
+              </a:rPr>
+              <a:t>ab</a:t>
+            </a:r>
+            <a:r>
+              <a:rPr lang="zh-CN" altLang="zh-CN" sz="1900" dirty="0">
+                <a:latin typeface="+mj-lt"/>
+              </a:rPr>
+              <a:t>之间才能返回。</a:t>
+            </a:r>
+          </a:p>
+          <a:p>
+            <a:pPr lvl="0"/>
+            <a:r>
+              <a:rPr lang="en-US" altLang="zh-CN" sz="2300" dirty="0">
+                <a:latin typeface="+mj-lt"/>
+                <a:hlinkClick r:id="rId6">
+                  <a:extLst>
+                    <a:ext uri="{A12FA001-AC4F-418D-AE19-62706E023703}">
+                      <ahyp:hlinkClr xmlns:ahyp="http://schemas.microsoft.com/office/drawing/2018/hyperlinkcolor" val="tx"/>
+                    </a:ext>
+                  </a:extLst>
+                </a:hlinkClick>
+              </a:rPr>
+              <a:t>map</a:t>
+            </a:r>
+            <a:r>
+              <a:rPr lang="en-US" altLang="zh-CN" sz="2300" dirty="0">
+                <a:latin typeface="+mj-lt"/>
+              </a:rPr>
+              <a:t>(value, </a:t>
+            </a:r>
+            <a:r>
+              <a:rPr lang="en-US" altLang="zh-CN" sz="2300" dirty="0" err="1">
+                <a:latin typeface="+mj-lt"/>
+              </a:rPr>
+              <a:t>fromLow</a:t>
+            </a:r>
+            <a:r>
+              <a:rPr lang="en-US" altLang="zh-CN" sz="2300" dirty="0">
+                <a:latin typeface="+mj-lt"/>
+              </a:rPr>
+              <a:t>, </a:t>
+            </a:r>
+            <a:r>
+              <a:rPr lang="en-US" altLang="zh-CN" sz="2300" dirty="0" err="1">
+                <a:latin typeface="+mj-lt"/>
+              </a:rPr>
+              <a:t>fromHigh</a:t>
+            </a:r>
+            <a:r>
+              <a:rPr lang="en-US" altLang="zh-CN" sz="2300" dirty="0">
+                <a:latin typeface="+mj-lt"/>
+              </a:rPr>
+              <a:t>, </a:t>
+            </a:r>
+            <a:r>
+              <a:rPr lang="en-US" altLang="zh-CN" sz="2300" dirty="0" err="1">
+                <a:latin typeface="+mj-lt"/>
+              </a:rPr>
+              <a:t>toLow</a:t>
+            </a:r>
+            <a:r>
+              <a:rPr lang="en-US" altLang="zh-CN" sz="2300" dirty="0">
+                <a:latin typeface="+mj-lt"/>
+              </a:rPr>
+              <a:t>, </a:t>
+            </a:r>
+            <a:r>
+              <a:rPr lang="en-US" altLang="zh-CN" sz="2300" dirty="0" err="1">
+                <a:latin typeface="+mj-lt"/>
+              </a:rPr>
+              <a:t>toHigh</a:t>
+            </a:r>
+            <a:r>
+              <a:rPr lang="en-US" altLang="zh-CN" sz="2300" dirty="0">
+                <a:latin typeface="+mj-lt"/>
+              </a:rPr>
+              <a:t>)    </a:t>
+            </a:r>
+          </a:p>
+          <a:p>
+            <a:pPr marL="457200" lvl="1" indent="0">
+              <a:buNone/>
+            </a:pPr>
+            <a:r>
+              <a:rPr lang="zh-CN" altLang="zh-CN" sz="1900" dirty="0">
+                <a:latin typeface="+mj-lt"/>
+              </a:rPr>
+              <a:t>约束函数，</a:t>
+            </a:r>
+            <a:r>
+              <a:rPr lang="en-US" altLang="zh-CN" sz="1900" dirty="0">
                 <a:latin typeface="+mj-lt"/>
               </a:rPr>
               <a:t>value</a:t>
             </a:r>
             <a:r>
-              <a:rPr lang="zh-CN" altLang="zh-CN" sz="2900" dirty="0">
-                <a:latin typeface="+mj-lt"/>
-              </a:rPr>
-              <a:t>表示为</a:t>
-            </a:r>
-            <a:r>
-              <a:rPr lang="en-US" altLang="zh-CN" sz="2900" dirty="0">
-                <a:latin typeface="+mj-lt"/>
-              </a:rPr>
-              <a:t>HIGH</a:t>
-            </a:r>
-            <a:r>
-              <a:rPr lang="zh-CN" altLang="zh-CN" sz="2900" dirty="0">
-                <a:latin typeface="+mj-lt"/>
-              </a:rPr>
-              <a:t>或</a:t>
-            </a:r>
-            <a:r>
-              <a:rPr lang="en-US" altLang="zh-CN" sz="2900" dirty="0">
-                <a:latin typeface="+mj-lt"/>
-              </a:rPr>
-              <a:t>LOW</a:t>
-            </a:r>
-            <a:r>
-              <a:rPr lang="zh-CN" altLang="zh-CN" sz="2900" dirty="0">
-                <a:latin typeface="+mj-lt"/>
-              </a:rPr>
-              <a:t>。比如可以读数字传感器。 </a:t>
-            </a:r>
-          </a:p>
-          <a:p>
-            <a:pPr marL="971550" lvl="1" indent="-514350">
-              <a:lnSpc>
-                <a:spcPct val="110000"/>
-              </a:lnSpc>
-              <a:buFont typeface="+mj-lt"/>
-              <a:buAutoNum type="arabicPeriod"/>
+              <a:rPr lang="zh-CN" altLang="zh-CN" sz="1900" dirty="0">
+                <a:latin typeface="+mj-lt"/>
+              </a:rPr>
+              <a:t>必须在</a:t>
+            </a:r>
+            <a:r>
+              <a:rPr lang="en-US" altLang="zh-CN" sz="1900" dirty="0" err="1">
+                <a:latin typeface="+mj-lt"/>
+              </a:rPr>
+              <a:t>fromLow</a:t>
+            </a:r>
+            <a:r>
+              <a:rPr lang="zh-CN" altLang="zh-CN" sz="1900" dirty="0">
+                <a:latin typeface="+mj-lt"/>
+              </a:rPr>
+              <a:t>与</a:t>
+            </a:r>
+            <a:r>
+              <a:rPr lang="en-US" altLang="zh-CN" sz="1900" dirty="0" err="1">
+                <a:latin typeface="+mj-lt"/>
+              </a:rPr>
+              <a:t>toLow</a:t>
+            </a:r>
+            <a:r>
+              <a:rPr lang="zh-CN" altLang="zh-CN" sz="1900" dirty="0">
+                <a:latin typeface="+mj-lt"/>
+              </a:rPr>
+              <a:t>之间和</a:t>
+            </a:r>
+            <a:r>
+              <a:rPr lang="en-US" altLang="zh-CN" sz="1900" dirty="0" err="1">
+                <a:latin typeface="+mj-lt"/>
+              </a:rPr>
+              <a:t>fromHigh</a:t>
+            </a:r>
+            <a:r>
+              <a:rPr lang="zh-CN" altLang="zh-CN" sz="1900" dirty="0">
+                <a:latin typeface="+mj-lt"/>
+              </a:rPr>
+              <a:t>与</a:t>
+            </a:r>
+            <a:r>
+              <a:rPr lang="en-US" altLang="zh-CN" sz="1900" dirty="0" err="1">
+                <a:latin typeface="+mj-lt"/>
+              </a:rPr>
+              <a:t>toHigh</a:t>
+            </a:r>
+            <a:r>
+              <a:rPr lang="zh-CN" altLang="zh-CN" sz="1900" dirty="0">
+                <a:latin typeface="+mj-lt"/>
+              </a:rPr>
+              <a:t>之间。 </a:t>
+            </a:r>
+          </a:p>
+          <a:p>
+            <a:pPr lvl="0"/>
+            <a:r>
+              <a:rPr lang="en-US" altLang="zh-CN" sz="2300" dirty="0">
+                <a:latin typeface="+mj-lt"/>
+                <a:hlinkClick r:id="rId7">
+                  <a:extLst>
+                    <a:ext uri="{A12FA001-AC4F-418D-AE19-62706E023703}">
+                      <ahyp:hlinkClr xmlns:ahyp="http://schemas.microsoft.com/office/drawing/2018/hyperlinkcolor" val="tx"/>
+                    </a:ext>
+                  </a:extLst>
+                </a:hlinkClick>
+              </a:rPr>
+              <a:t>pow</a:t>
+            </a:r>
+            <a:r>
+              <a:rPr lang="en-US" altLang="zh-CN" sz="2300" dirty="0">
+                <a:latin typeface="+mj-lt"/>
+              </a:rPr>
+              <a:t>(base, exponent) </a:t>
+            </a:r>
+          </a:p>
+          <a:p>
+            <a:pPr marL="457200" lvl="1" indent="0">
+              <a:buNone/>
             </a:pPr>
             <a:r>
-              <a:rPr lang="en-US" altLang="zh-CN" sz="2900" dirty="0" err="1">
-                <a:latin typeface="+mj-lt"/>
-              </a:rPr>
-              <a:t>val</a:t>
-            </a:r>
-            <a:r>
-              <a:rPr lang="en-US" altLang="zh-CN" sz="2900" dirty="0">
-                <a:latin typeface="+mj-lt"/>
-              </a:rPr>
-              <a:t> = </a:t>
-            </a:r>
-            <a:r>
-              <a:rPr lang="en-US" altLang="zh-CN" sz="2900" dirty="0" err="1">
-                <a:latin typeface="+mj-lt"/>
-              </a:rPr>
-              <a:t>digitalRead</a:t>
-            </a:r>
-            <a:r>
-              <a:rPr lang="en-US" altLang="zh-CN" sz="2900" dirty="0">
-                <a:latin typeface="+mj-lt"/>
-              </a:rPr>
-              <a:t>(7); // </a:t>
-            </a:r>
-            <a:r>
-              <a:rPr lang="zh-CN" altLang="zh-CN" sz="2900" dirty="0">
-                <a:latin typeface="+mj-lt"/>
-              </a:rPr>
-              <a:t>读出脚位</a:t>
-            </a:r>
-            <a:r>
-              <a:rPr lang="en-US" altLang="zh-CN" sz="2900" dirty="0">
-                <a:latin typeface="+mj-lt"/>
-              </a:rPr>
-              <a:t> 7 </a:t>
-            </a:r>
-            <a:r>
-              <a:rPr lang="zh-CN" altLang="zh-CN" sz="2900" dirty="0">
-                <a:latin typeface="+mj-lt"/>
-              </a:rPr>
-              <a:t>的值并指定给</a:t>
-            </a:r>
-            <a:r>
-              <a:rPr lang="en-US" altLang="zh-CN" sz="2900" dirty="0">
-                <a:latin typeface="+mj-lt"/>
-              </a:rPr>
-              <a:t> </a:t>
-            </a:r>
-            <a:r>
-              <a:rPr lang="en-US" altLang="zh-CN" sz="2900" dirty="0" err="1">
-                <a:latin typeface="+mj-lt"/>
-              </a:rPr>
-              <a:t>val</a:t>
-            </a:r>
-            <a:endParaRPr lang="zh-CN" altLang="zh-CN" sz="2900" dirty="0">
-              <a:latin typeface="+mj-lt"/>
-            </a:endParaRPr>
-          </a:p>
-          <a:p>
-            <a:endParaRPr lang="zh-CN" altLang="en-US" dirty="0"/>
+              <a:rPr lang="zh-CN" altLang="zh-CN" sz="1900" dirty="0">
+                <a:latin typeface="+mj-lt"/>
+              </a:rPr>
+              <a:t>开方函数，</a:t>
+            </a:r>
+            <a:r>
+              <a:rPr lang="en-US" altLang="zh-CN" sz="1900" dirty="0">
+                <a:latin typeface="+mj-lt"/>
+              </a:rPr>
+              <a:t>base</a:t>
+            </a:r>
+            <a:r>
+              <a:rPr lang="zh-CN" altLang="zh-CN" sz="1900" dirty="0">
+                <a:latin typeface="+mj-lt"/>
+              </a:rPr>
+              <a:t>的</a:t>
+            </a:r>
+            <a:r>
+              <a:rPr lang="en-US" altLang="zh-CN" sz="1900" dirty="0">
+                <a:latin typeface="+mj-lt"/>
+              </a:rPr>
+              <a:t>exponent</a:t>
+            </a:r>
+            <a:r>
+              <a:rPr lang="zh-CN" altLang="zh-CN" sz="1900" dirty="0">
+                <a:latin typeface="+mj-lt"/>
+              </a:rPr>
+              <a:t>次方。</a:t>
+            </a:r>
+          </a:p>
+          <a:p>
+            <a:pPr lvl="0"/>
+            <a:r>
+              <a:rPr lang="en-US" altLang="zh-CN" sz="2300" dirty="0" err="1">
+                <a:latin typeface="+mj-lt"/>
+                <a:hlinkClick r:id="rId8">
+                  <a:extLst>
+                    <a:ext uri="{A12FA001-AC4F-418D-AE19-62706E023703}">
+                      <ahyp:hlinkClr xmlns:ahyp="http://schemas.microsoft.com/office/drawing/2018/hyperlinkcolor" val="tx"/>
+                    </a:ext>
+                  </a:extLst>
+                </a:hlinkClick>
+              </a:rPr>
+              <a:t>sq</a:t>
+            </a:r>
+            <a:r>
+              <a:rPr lang="en-US" altLang="zh-CN" sz="2300" dirty="0">
+                <a:latin typeface="+mj-lt"/>
+              </a:rPr>
+              <a:t>(x)     </a:t>
+            </a:r>
+            <a:r>
+              <a:rPr lang="zh-CN" altLang="zh-CN" sz="2300" dirty="0">
+                <a:latin typeface="+mj-lt"/>
+              </a:rPr>
+              <a:t>平方 </a:t>
+            </a:r>
+          </a:p>
+          <a:p>
+            <a:pPr lvl="0"/>
+            <a:r>
+              <a:rPr lang="en-US" altLang="zh-CN" sz="2300" dirty="0">
+                <a:latin typeface="+mj-lt"/>
+                <a:hlinkClick r:id="rId9">
+                  <a:extLst>
+                    <a:ext uri="{A12FA001-AC4F-418D-AE19-62706E023703}">
+                      <ahyp:hlinkClr xmlns:ahyp="http://schemas.microsoft.com/office/drawing/2018/hyperlinkcolor" val="tx"/>
+                    </a:ext>
+                  </a:extLst>
+                </a:hlinkClick>
+              </a:rPr>
+              <a:t>sqrt</a:t>
+            </a:r>
+            <a:r>
+              <a:rPr lang="en-US" altLang="zh-CN" sz="2300" dirty="0">
+                <a:latin typeface="+mj-lt"/>
+              </a:rPr>
+              <a:t>(x)   </a:t>
+            </a:r>
+            <a:r>
+              <a:rPr lang="zh-CN" altLang="zh-CN" sz="2300" dirty="0">
+                <a:latin typeface="+mj-lt"/>
+              </a:rPr>
+              <a:t>开根号 </a:t>
+            </a:r>
           </a:p>
         </p:txBody>
       </p:sp>
     </p:spTree>
     <p:extLst>
       <p:ext uri="{BB962C8B-B14F-4D97-AF65-F5344CB8AC3E}">
-        <p14:creationId xmlns:p14="http://schemas.microsoft.com/office/powerpoint/2010/main" val="1913106520"/>
+        <p14:creationId xmlns:p14="http://schemas.microsoft.com/office/powerpoint/2010/main" val="2067335285"/>
       </p:ext>
     </p:extLst>
   </p:cSld>
@@ -10678,7 +11847,7 @@
           <p:cNvPr id="2" name="标题 1">
             <a:extLst>
               <a:ext uri="{FF2B5EF4-FFF2-40B4-BE49-F238E27FC236}">
-                <a16:creationId xmlns:a16="http://schemas.microsoft.com/office/drawing/2014/main" id="{6616A84F-954B-4471-B2B0-B9BFD8D2869E}"/>
+                <a16:creationId xmlns:a16="http://schemas.microsoft.com/office/drawing/2014/main" id="{F66A965D-E0BF-4CD1-888D-E4CC860358F3}"/>
               </a:ext>
             </a:extLst>
           </p:cNvPr>
@@ -10690,59 +11859,44 @@
           </p:nvPr>
         </p:nvSpPr>
         <p:spPr/>
-        <p:txBody>
-          <a:bodyPr/>
-          <a:lstStyle/>
-          <a:p>
-            <a:r>
-              <a:rPr lang="zh-CN" altLang="zh-CN" sz="2800" dirty="0"/>
-              <a:t>模拟</a:t>
-            </a:r>
-            <a:r>
-              <a:rPr lang="en-US" altLang="zh-CN" sz="2800" dirty="0"/>
-              <a:t> I/O</a:t>
-            </a:r>
-            <a:endParaRPr lang="zh-CN" altLang="en-US" sz="2800" dirty="0"/>
-          </a:p>
-        </p:txBody>
-      </p:sp>
-      <p:sp>
-        <p:nvSpPr>
-          <p:cNvPr id="3" name="内容占位符 2">
-            <a:extLst>
-              <a:ext uri="{FF2B5EF4-FFF2-40B4-BE49-F238E27FC236}">
-                <a16:creationId xmlns:a16="http://schemas.microsoft.com/office/drawing/2014/main" id="{2D52323D-0E4E-4B68-B470-A0E3C24A3AC3}"/>
-              </a:ext>
-            </a:extLst>
-          </p:cNvPr>
-          <p:cNvSpPr>
-            <a:spLocks noGrp="1"/>
-          </p:cNvSpPr>
-          <p:nvPr>
-            <p:ph idx="1"/>
-          </p:nvPr>
-        </p:nvSpPr>
-        <p:spPr>
-          <a:xfrm>
-            <a:off x="1309512" y="2062264"/>
-            <a:ext cx="10272889" cy="3937552"/>
-          </a:xfrm>
-        </p:spPr>
         <p:txBody>
           <a:bodyPr>
             <a:normAutofit/>
           </a:bodyPr>
           <a:lstStyle/>
           <a:p>
+            <a:r>
+              <a:rPr lang="zh-CN" altLang="zh-CN" sz="2800" dirty="0"/>
+              <a:t>三角函数</a:t>
+            </a:r>
+            <a:endParaRPr lang="zh-CN" altLang="en-US" sz="2800" dirty="0"/>
+          </a:p>
+        </p:txBody>
+      </p:sp>
+      <p:sp>
+        <p:nvSpPr>
+          <p:cNvPr id="3" name="内容占位符 2">
+            <a:extLst>
+              <a:ext uri="{FF2B5EF4-FFF2-40B4-BE49-F238E27FC236}">
+                <a16:creationId xmlns:a16="http://schemas.microsoft.com/office/drawing/2014/main" id="{FA483D60-DDA5-439A-B39D-91B63F0625D7}"/>
+              </a:ext>
+            </a:extLst>
+          </p:cNvPr>
+          <p:cNvSpPr>
+            <a:spLocks noGrp="1"/>
+          </p:cNvSpPr>
+          <p:nvPr>
+            <p:ph idx="1"/>
+          </p:nvPr>
+        </p:nvSpPr>
+        <p:spPr/>
+        <p:txBody>
+          <a:bodyPr/>
+          <a:lstStyle/>
+          <a:p>
             <a:pPr lvl="0"/>
             <a:r>
               <a:rPr lang="en-US" altLang="zh-CN" sz="2100" dirty="0">
-                <a:latin typeface="+mj-lt"/>
-              </a:rPr>
-              <a:t>int </a:t>
-            </a:r>
-            <a:r>
-              <a:rPr lang="en-US" altLang="zh-CN" sz="2100" dirty="0" err="1">
                 <a:latin typeface="+mj-lt"/>
                 <a:hlinkClick r:id="rId2">
                   <a:extLst>
@@ -10752,301 +11906,22 @@
                   </a:extLst>
                 </a:hlinkClick>
               </a:rPr>
-              <a:t>analogRead</a:t>
+              <a:t>sin</a:t>
             </a:r>
             <a:r>
               <a:rPr lang="en-US" altLang="zh-CN" sz="2100" dirty="0">
                 <a:latin typeface="+mj-lt"/>
               </a:rPr>
-              <a:t>(pin)    </a:t>
-            </a:r>
-          </a:p>
-          <a:p>
-            <a:pPr marL="914400" lvl="1" indent="-457200">
-              <a:buFont typeface="+mj-lt"/>
-              <a:buAutoNum type="arabicPeriod"/>
-            </a:pPr>
-            <a:r>
-              <a:rPr lang="zh-CN" altLang="zh-CN" sz="2100" dirty="0">
-                <a:latin typeface="+mj-lt"/>
-              </a:rPr>
-              <a:t>模拟</a:t>
-            </a:r>
+              <a:t>(rad) </a:t>
+            </a:r>
+            <a:endParaRPr lang="zh-CN" altLang="zh-CN" sz="2100" dirty="0">
+              <a:latin typeface="+mj-lt"/>
+            </a:endParaRPr>
+          </a:p>
+          <a:p>
+            <a:pPr lvl="0"/>
             <a:r>
               <a:rPr lang="en-US" altLang="zh-CN" sz="2100" dirty="0">
-                <a:latin typeface="+mj-lt"/>
-              </a:rPr>
-              <a:t>IO</a:t>
-            </a:r>
-            <a:r>
-              <a:rPr lang="zh-CN" altLang="zh-CN" sz="2100" dirty="0">
-                <a:latin typeface="+mj-lt"/>
-              </a:rPr>
-              <a:t>口读函数，</a:t>
-            </a:r>
-            <a:r>
-              <a:rPr lang="en-US" altLang="zh-CN" sz="2100" dirty="0">
-                <a:latin typeface="+mj-lt"/>
-              </a:rPr>
-              <a:t>pin</a:t>
-            </a:r>
-            <a:r>
-              <a:rPr lang="zh-CN" altLang="zh-CN" sz="2100" dirty="0">
-                <a:latin typeface="+mj-lt"/>
-              </a:rPr>
-              <a:t>表示为</a:t>
-            </a:r>
-            <a:r>
-              <a:rPr lang="en-US" altLang="zh-CN" sz="2100" dirty="0">
-                <a:latin typeface="+mj-lt"/>
-              </a:rPr>
-              <a:t>0</a:t>
-            </a:r>
-            <a:r>
-              <a:rPr lang="zh-CN" altLang="zh-CN" sz="2100" dirty="0">
-                <a:latin typeface="+mj-lt"/>
-              </a:rPr>
-              <a:t>～</a:t>
-            </a:r>
-            <a:r>
-              <a:rPr lang="en-US" altLang="zh-CN" sz="2100" dirty="0">
-                <a:latin typeface="+mj-lt"/>
-              </a:rPr>
-              <a:t>5</a:t>
-            </a:r>
-            <a:r>
-              <a:rPr lang="zh-CN" altLang="zh-CN" sz="2100" dirty="0">
-                <a:latin typeface="+mj-lt"/>
-              </a:rPr>
-              <a:t>（</a:t>
-            </a:r>
-            <a:r>
-              <a:rPr lang="en-US" altLang="zh-CN" sz="2100" dirty="0">
-                <a:latin typeface="+mj-lt"/>
-              </a:rPr>
-              <a:t>Arduino </a:t>
-            </a:r>
-            <a:r>
-              <a:rPr lang="en-US" altLang="zh-CN" sz="2100" dirty="0" err="1">
-                <a:latin typeface="+mj-lt"/>
-              </a:rPr>
-              <a:t>Diecimila</a:t>
-            </a:r>
-            <a:r>
-              <a:rPr lang="zh-CN" altLang="zh-CN" sz="2100" dirty="0">
-                <a:latin typeface="+mj-lt"/>
-              </a:rPr>
-              <a:t>为</a:t>
-            </a:r>
-            <a:r>
-              <a:rPr lang="en-US" altLang="zh-CN" sz="2100" dirty="0">
-                <a:latin typeface="+mj-lt"/>
-              </a:rPr>
-              <a:t>0</a:t>
-            </a:r>
-            <a:r>
-              <a:rPr lang="zh-CN" altLang="zh-CN" sz="2100" dirty="0">
-                <a:latin typeface="+mj-lt"/>
-              </a:rPr>
-              <a:t>～</a:t>
-            </a:r>
-            <a:r>
-              <a:rPr lang="en-US" altLang="zh-CN" sz="2100" dirty="0">
-                <a:latin typeface="+mj-lt"/>
-              </a:rPr>
-              <a:t>5</a:t>
-            </a:r>
-            <a:r>
-              <a:rPr lang="zh-CN" altLang="zh-CN" sz="2100" dirty="0">
-                <a:latin typeface="+mj-lt"/>
-              </a:rPr>
-              <a:t>，</a:t>
-            </a:r>
-            <a:r>
-              <a:rPr lang="en-US" altLang="zh-CN" sz="2100" dirty="0">
-                <a:latin typeface="+mj-lt"/>
-              </a:rPr>
-              <a:t>Arduino </a:t>
-            </a:r>
-            <a:r>
-              <a:rPr lang="en-US" altLang="zh-CN" sz="2100" dirty="0" err="1">
-                <a:latin typeface="+mj-lt"/>
-              </a:rPr>
-              <a:t>nano</a:t>
-            </a:r>
-            <a:r>
-              <a:rPr lang="zh-CN" altLang="zh-CN" sz="2100" dirty="0">
-                <a:latin typeface="+mj-lt"/>
-              </a:rPr>
-              <a:t>为</a:t>
-            </a:r>
-            <a:r>
-              <a:rPr lang="en-US" altLang="zh-CN" sz="2100" dirty="0">
-                <a:latin typeface="+mj-lt"/>
-              </a:rPr>
-              <a:t>0</a:t>
-            </a:r>
-            <a:r>
-              <a:rPr lang="zh-CN" altLang="zh-CN" sz="2100" dirty="0">
-                <a:latin typeface="+mj-lt"/>
-              </a:rPr>
-              <a:t>～</a:t>
-            </a:r>
-            <a:r>
-              <a:rPr lang="en-US" altLang="zh-CN" sz="2100" dirty="0">
-                <a:latin typeface="+mj-lt"/>
-              </a:rPr>
-              <a:t>7</a:t>
-            </a:r>
-            <a:r>
-              <a:rPr lang="zh-CN" altLang="zh-CN" sz="2100" dirty="0">
-                <a:latin typeface="+mj-lt"/>
-              </a:rPr>
-              <a:t>）。比如可以读模拟传感器（</a:t>
-            </a:r>
-            <a:r>
-              <a:rPr lang="en-US" altLang="zh-CN" sz="2100" dirty="0">
-                <a:latin typeface="+mj-lt"/>
-              </a:rPr>
-              <a:t>10</a:t>
-            </a:r>
-            <a:r>
-              <a:rPr lang="zh-CN" altLang="zh-CN" sz="2100" dirty="0">
-                <a:latin typeface="+mj-lt"/>
-              </a:rPr>
-              <a:t>位</a:t>
-            </a:r>
-            <a:r>
-              <a:rPr lang="en-US" altLang="zh-CN" sz="2100" dirty="0">
-                <a:latin typeface="+mj-lt"/>
-              </a:rPr>
-              <a:t>AD</a:t>
-            </a:r>
-            <a:r>
-              <a:rPr lang="zh-CN" altLang="zh-CN" sz="2100" dirty="0">
-                <a:latin typeface="+mj-lt"/>
-              </a:rPr>
-              <a:t>，</a:t>
-            </a:r>
-            <a:r>
-              <a:rPr lang="en-US" altLang="zh-CN" sz="2100" dirty="0">
-                <a:latin typeface="+mj-lt"/>
-              </a:rPr>
-              <a:t>0</a:t>
-            </a:r>
-            <a:r>
-              <a:rPr lang="zh-CN" altLang="zh-CN" sz="2100" dirty="0">
-                <a:latin typeface="+mj-lt"/>
-              </a:rPr>
-              <a:t>～</a:t>
-            </a:r>
-            <a:r>
-              <a:rPr lang="en-US" altLang="zh-CN" sz="2100" dirty="0">
-                <a:latin typeface="+mj-lt"/>
-              </a:rPr>
-              <a:t>5V</a:t>
-            </a:r>
-            <a:r>
-              <a:rPr lang="zh-CN" altLang="zh-CN" sz="2100" dirty="0">
-                <a:latin typeface="+mj-lt"/>
-              </a:rPr>
-              <a:t>表示为</a:t>
-            </a:r>
-            <a:r>
-              <a:rPr lang="en-US" altLang="zh-CN" sz="2100" dirty="0">
-                <a:latin typeface="+mj-lt"/>
-              </a:rPr>
-              <a:t>0</a:t>
-            </a:r>
-            <a:r>
-              <a:rPr lang="zh-CN" altLang="zh-CN" sz="2100" dirty="0">
-                <a:latin typeface="+mj-lt"/>
-              </a:rPr>
-              <a:t>～</a:t>
-            </a:r>
-            <a:r>
-              <a:rPr lang="en-US" altLang="zh-CN" sz="2100" dirty="0">
-                <a:latin typeface="+mj-lt"/>
-              </a:rPr>
-              <a:t>1023</a:t>
-            </a:r>
-            <a:r>
-              <a:rPr lang="zh-CN" altLang="zh-CN" sz="2100" dirty="0">
-                <a:latin typeface="+mj-lt"/>
-              </a:rPr>
-              <a:t>）。 </a:t>
-            </a:r>
-          </a:p>
-          <a:p>
-            <a:pPr marL="914400" lvl="1" indent="-457200">
-              <a:buFont typeface="+mj-lt"/>
-              <a:buAutoNum type="arabicPeriod"/>
-            </a:pPr>
-            <a:r>
-              <a:rPr lang="en-US" altLang="zh-CN" sz="2100" dirty="0" err="1">
-                <a:latin typeface="+mj-lt"/>
-              </a:rPr>
-              <a:t>val</a:t>
-            </a:r>
-            <a:r>
-              <a:rPr lang="en-US" altLang="zh-CN" sz="2100" dirty="0">
-                <a:latin typeface="+mj-lt"/>
-              </a:rPr>
-              <a:t> = </a:t>
-            </a:r>
-            <a:r>
-              <a:rPr lang="en-US" altLang="zh-CN" sz="2100" dirty="0" err="1">
-                <a:latin typeface="+mj-lt"/>
-              </a:rPr>
-              <a:t>analogRead</a:t>
-            </a:r>
-            <a:r>
-              <a:rPr lang="en-US" altLang="zh-CN" sz="2100" dirty="0">
-                <a:latin typeface="+mj-lt"/>
-              </a:rPr>
-              <a:t>(0); //</a:t>
-            </a:r>
-            <a:r>
-              <a:rPr lang="zh-CN" altLang="zh-CN" sz="2100" dirty="0">
-                <a:latin typeface="+mj-lt"/>
-              </a:rPr>
-              <a:t>读出模拟引脚位</a:t>
-            </a:r>
-            <a:r>
-              <a:rPr lang="en-US" altLang="zh-CN" sz="2100" dirty="0">
-                <a:latin typeface="+mj-lt"/>
-              </a:rPr>
-              <a:t> 0 </a:t>
-            </a:r>
-            <a:r>
-              <a:rPr lang="zh-CN" altLang="zh-CN" sz="2100" dirty="0">
-                <a:latin typeface="+mj-lt"/>
-              </a:rPr>
-              <a:t>的值并指定给</a:t>
-            </a:r>
-            <a:r>
-              <a:rPr lang="en-US" altLang="zh-CN" sz="2100" dirty="0">
-                <a:latin typeface="+mj-lt"/>
-              </a:rPr>
-              <a:t> </a:t>
-            </a:r>
-            <a:r>
-              <a:rPr lang="en-US" altLang="zh-CN" sz="2100" dirty="0" err="1">
-                <a:latin typeface="+mj-lt"/>
-              </a:rPr>
-              <a:t>val</a:t>
-            </a:r>
-            <a:r>
-              <a:rPr lang="zh-CN" altLang="zh-CN" sz="2100" dirty="0">
-                <a:latin typeface="+mj-lt"/>
-              </a:rPr>
-              <a:t>变数</a:t>
-            </a:r>
-          </a:p>
-          <a:p>
-            <a:pPr lvl="0"/>
-            <a:r>
-              <a:rPr lang="en-US" altLang="zh-CN" sz="2100" dirty="0" err="1">
                 <a:latin typeface="+mj-lt"/>
                 <a:hlinkClick r:id="rId3">
                   <a:extLst>
@@ -11056,237 +11931,49 @@
                   </a:extLst>
                 </a:hlinkClick>
               </a:rPr>
-              <a:t>analogWrite</a:t>
+              <a:t>cos</a:t>
             </a:r>
             <a:r>
               <a:rPr lang="en-US" altLang="zh-CN" sz="2100" dirty="0">
                 <a:latin typeface="+mj-lt"/>
               </a:rPr>
-              <a:t>(pin, value) - PWM     </a:t>
-            </a:r>
-          </a:p>
-          <a:p>
-            <a:pPr marL="914400" lvl="1" indent="-457200">
-              <a:buFont typeface="+mj-lt"/>
-              <a:buAutoNum type="arabicPeriod"/>
-            </a:pPr>
-            <a:r>
-              <a:rPr lang="zh-CN" altLang="zh-CN" sz="2100" dirty="0">
-                <a:latin typeface="+mj-lt"/>
-              </a:rPr>
-              <a:t>数字</a:t>
-            </a:r>
+              <a:t>(rad) </a:t>
+            </a:r>
+            <a:endParaRPr lang="zh-CN" altLang="zh-CN" sz="2100" dirty="0">
+              <a:latin typeface="+mj-lt"/>
+            </a:endParaRPr>
+          </a:p>
+          <a:p>
+            <a:pPr lvl="0"/>
             <a:r>
               <a:rPr lang="en-US" altLang="zh-CN" sz="2100" dirty="0">
                 <a:latin typeface="+mj-lt"/>
-              </a:rPr>
-              <a:t>IO</a:t>
-            </a:r>
-            <a:r>
-              <a:rPr lang="zh-CN" altLang="zh-CN" sz="2100" dirty="0">
-                <a:latin typeface="+mj-lt"/>
-              </a:rPr>
-              <a:t>口</a:t>
+                <a:hlinkClick r:id="rId4">
+                  <a:extLst>
+                    <a:ext uri="{A12FA001-AC4F-418D-AE19-62706E023703}">
+                      <ahyp:hlinkClr xmlns:ahyp="http://schemas.microsoft.com/office/drawing/2018/hyperlinkcolor" val="tx"/>
+                    </a:ext>
+                  </a:extLst>
+                </a:hlinkClick>
+              </a:rPr>
+              <a:t>tan</a:t>
             </a:r>
             <a:r>
               <a:rPr lang="en-US" altLang="zh-CN" sz="2100" dirty="0">
                 <a:latin typeface="+mj-lt"/>
               </a:rPr>
-              <a:t>PWM</a:t>
-            </a:r>
-            <a:r>
-              <a:rPr lang="zh-CN" altLang="zh-CN" sz="2100" dirty="0">
-                <a:latin typeface="+mj-lt"/>
-              </a:rPr>
-              <a:t>输出函数，</a:t>
-            </a:r>
-            <a:r>
-              <a:rPr lang="en-US" altLang="zh-CN" sz="2100" dirty="0">
-                <a:latin typeface="+mj-lt"/>
-              </a:rPr>
-              <a:t>Arduino</a:t>
-            </a:r>
-            <a:r>
-              <a:rPr lang="zh-CN" altLang="zh-CN" sz="2100" dirty="0">
-                <a:latin typeface="+mj-lt"/>
-              </a:rPr>
-              <a:t>数字</a:t>
-            </a:r>
-            <a:r>
-              <a:rPr lang="en-US" altLang="zh-CN" sz="2100" dirty="0">
-                <a:latin typeface="+mj-lt"/>
-              </a:rPr>
-              <a:t>IO</a:t>
-            </a:r>
-            <a:r>
-              <a:rPr lang="zh-CN" altLang="zh-CN" sz="2100" dirty="0">
-                <a:latin typeface="+mj-lt"/>
-              </a:rPr>
-              <a:t>口标注了</a:t>
-            </a:r>
-            <a:r>
-              <a:rPr lang="en-US" altLang="zh-CN" sz="2100" dirty="0">
-                <a:latin typeface="+mj-lt"/>
-              </a:rPr>
-              <a:t>PWM</a:t>
-            </a:r>
-            <a:r>
-              <a:rPr lang="zh-CN" altLang="zh-CN" sz="2100" dirty="0">
-                <a:latin typeface="+mj-lt"/>
-              </a:rPr>
-              <a:t>的</a:t>
-            </a:r>
-            <a:r>
-              <a:rPr lang="en-US" altLang="zh-CN" sz="2100" dirty="0">
-                <a:latin typeface="+mj-lt"/>
-              </a:rPr>
-              <a:t>IO</a:t>
-            </a:r>
-            <a:r>
-              <a:rPr lang="zh-CN" altLang="zh-CN" sz="2100" dirty="0">
-                <a:latin typeface="+mj-lt"/>
-              </a:rPr>
-              <a:t>口可使用该函数，</a:t>
-            </a:r>
-            <a:r>
-              <a:rPr lang="en-US" altLang="zh-CN" sz="2100" dirty="0">
-                <a:latin typeface="+mj-lt"/>
-              </a:rPr>
-              <a:t>pin</a:t>
-            </a:r>
-            <a:r>
-              <a:rPr lang="zh-CN" altLang="zh-CN" sz="2100" dirty="0">
-                <a:latin typeface="+mj-lt"/>
-              </a:rPr>
-              <a:t>表示</a:t>
-            </a:r>
-            <a:r>
-              <a:rPr lang="en-US" altLang="zh-CN" sz="2100" dirty="0">
-                <a:latin typeface="+mj-lt"/>
-              </a:rPr>
-              <a:t>3, 5, 6, 9, 10, 11</a:t>
-            </a:r>
-            <a:r>
-              <a:rPr lang="zh-CN" altLang="zh-CN" sz="2100" dirty="0">
-                <a:latin typeface="+mj-lt"/>
-              </a:rPr>
-              <a:t>，</a:t>
-            </a:r>
-            <a:r>
-              <a:rPr lang="en-US" altLang="zh-CN" sz="2100" dirty="0">
-                <a:latin typeface="+mj-lt"/>
-              </a:rPr>
-              <a:t>value</a:t>
-            </a:r>
-            <a:r>
-              <a:rPr lang="zh-CN" altLang="zh-CN" sz="2100" dirty="0">
-                <a:latin typeface="+mj-lt"/>
-              </a:rPr>
-              <a:t>表示为</a:t>
-            </a:r>
-            <a:r>
-              <a:rPr lang="en-US" altLang="zh-CN" sz="2100" dirty="0">
-                <a:latin typeface="+mj-lt"/>
-              </a:rPr>
-              <a:t>0</a:t>
-            </a:r>
-            <a:r>
-              <a:rPr lang="zh-CN" altLang="zh-CN" sz="2100" dirty="0">
-                <a:latin typeface="+mj-lt"/>
-              </a:rPr>
-              <a:t>～</a:t>
-            </a:r>
-            <a:r>
-              <a:rPr lang="en-US" altLang="zh-CN" sz="2100" dirty="0">
-                <a:latin typeface="+mj-lt"/>
-              </a:rPr>
-              <a:t>255</a:t>
-            </a:r>
-            <a:r>
-              <a:rPr lang="zh-CN" altLang="zh-CN" sz="2100" dirty="0">
-                <a:latin typeface="+mj-lt"/>
-              </a:rPr>
-              <a:t>（</a:t>
-            </a:r>
-            <a:r>
-              <a:rPr lang="en-US" altLang="zh-CN" sz="2100" dirty="0">
-                <a:latin typeface="+mj-lt"/>
-              </a:rPr>
-              <a:t>0-5V</a:t>
-            </a:r>
-            <a:r>
-              <a:rPr lang="zh-CN" altLang="zh-CN" sz="2100" dirty="0">
-                <a:latin typeface="+mj-lt"/>
-              </a:rPr>
-              <a:t>）。比如可用于电机</a:t>
-            </a:r>
-            <a:r>
-              <a:rPr lang="en-US" altLang="zh-CN" sz="2100" dirty="0">
-                <a:latin typeface="+mj-lt"/>
-              </a:rPr>
-              <a:t>PWM</a:t>
-            </a:r>
-            <a:r>
-              <a:rPr lang="zh-CN" altLang="zh-CN" sz="2100" dirty="0">
-                <a:latin typeface="+mj-lt"/>
-              </a:rPr>
-              <a:t>调速或音乐播放。 </a:t>
-            </a:r>
-          </a:p>
-          <a:p>
-            <a:pPr marL="914400" lvl="1" indent="-457200">
-              <a:buFont typeface="+mj-lt"/>
-              <a:buAutoNum type="arabicPeriod"/>
-            </a:pPr>
-            <a:r>
-              <a:rPr lang="en-US" altLang="zh-CN" sz="2100" dirty="0" err="1">
-                <a:latin typeface="+mj-lt"/>
-              </a:rPr>
-              <a:t>analogWrite</a:t>
-            </a:r>
-            <a:r>
-              <a:rPr lang="en-US" altLang="zh-CN" sz="2100" dirty="0">
-                <a:latin typeface="+mj-lt"/>
-              </a:rPr>
-              <a:t>(9,128); // </a:t>
-            </a:r>
-            <a:r>
-              <a:rPr lang="zh-CN" altLang="zh-CN" sz="2100" dirty="0">
-                <a:latin typeface="+mj-lt"/>
-              </a:rPr>
-              <a:t>输出电压约</a:t>
-            </a:r>
-            <a:r>
-              <a:rPr lang="en-US" altLang="zh-CN" sz="2100" dirty="0">
-                <a:latin typeface="+mj-lt"/>
-              </a:rPr>
-              <a:t>2.5</a:t>
-            </a:r>
-            <a:r>
-              <a:rPr lang="zh-CN" altLang="zh-CN" sz="2100" dirty="0">
-                <a:latin typeface="+mj-lt"/>
-              </a:rPr>
-              <a:t>伏特（</a:t>
-            </a:r>
-            <a:r>
-              <a:rPr lang="en-US" altLang="zh-CN" sz="2100" dirty="0">
-                <a:latin typeface="+mj-lt"/>
-              </a:rPr>
-              <a:t>V</a:t>
-            </a:r>
-            <a:r>
-              <a:rPr lang="zh-CN" altLang="zh-CN" sz="2100" dirty="0">
-                <a:latin typeface="+mj-lt"/>
-              </a:rPr>
-              <a:t>）</a:t>
-            </a:r>
+              <a:t>(rad) </a:t>
+            </a:r>
+            <a:endParaRPr lang="zh-CN" altLang="zh-CN" sz="2100" dirty="0">
+              <a:latin typeface="+mj-lt"/>
+            </a:endParaRPr>
           </a:p>
         </p:txBody>
       </p:sp>
     </p:spTree>
     <p:extLst>
       <p:ext uri="{BB962C8B-B14F-4D97-AF65-F5344CB8AC3E}">
-        <p14:creationId xmlns:p14="http://schemas.microsoft.com/office/powerpoint/2010/main" val="1180880862"/>
+        <p14:creationId xmlns:p14="http://schemas.microsoft.com/office/powerpoint/2010/main" val="3733986505"/>
       </p:ext>
     </p:extLst>
   </p:cSld>
@@ -11330,7 +12017,7 @@
           <p:cNvPr id="2" name="标题 1">
             <a:extLst>
               <a:ext uri="{FF2B5EF4-FFF2-40B4-BE49-F238E27FC236}">
-                <a16:creationId xmlns:a16="http://schemas.microsoft.com/office/drawing/2014/main" id="{89FAD768-E3FD-454B-8534-3654BE8B428F}"/>
+                <a16:creationId xmlns:a16="http://schemas.microsoft.com/office/drawing/2014/main" id="{EA2D9FDC-4782-4C2B-9560-C8E327A9FAA8}"/>
               </a:ext>
             </a:extLst>
           </p:cNvPr>
@@ -11342,53 +12029,43 @@
           </p:nvPr>
         </p:nvSpPr>
         <p:spPr/>
-        <p:txBody>
-          <a:bodyPr/>
-          <a:lstStyle/>
-          <a:p>
-            <a:r>
-              <a:rPr lang="zh-CN" altLang="zh-CN" sz="2800" dirty="0"/>
-              <a:t>时间函数</a:t>
-            </a:r>
-            <a:endParaRPr lang="zh-CN" altLang="en-US" sz="2800" dirty="0"/>
-          </a:p>
-        </p:txBody>
-      </p:sp>
-      <p:sp>
-        <p:nvSpPr>
-          <p:cNvPr id="3" name="内容占位符 2">
-            <a:extLst>
-              <a:ext uri="{FF2B5EF4-FFF2-40B4-BE49-F238E27FC236}">
-                <a16:creationId xmlns:a16="http://schemas.microsoft.com/office/drawing/2014/main" id="{9155C5EC-CA39-4E73-B0BC-218881E41004}"/>
-              </a:ext>
-            </a:extLst>
-          </p:cNvPr>
-          <p:cNvSpPr>
-            <a:spLocks noGrp="1"/>
-          </p:cNvSpPr>
-          <p:nvPr>
-            <p:ph idx="1"/>
-          </p:nvPr>
-        </p:nvSpPr>
-        <p:spPr>
-          <a:xfrm>
-            <a:off x="1309512" y="2071991"/>
-            <a:ext cx="10272889" cy="3927825"/>
-          </a:xfrm>
-        </p:spPr>
         <p:txBody>
           <a:bodyPr>
             <a:normAutofit/>
           </a:bodyPr>
           <a:lstStyle/>
           <a:p>
-            <a:pPr lvl="0"/>
-            <a:r>
-              <a:rPr lang="en-US" altLang="zh-CN" sz="2100" dirty="0">
-                <a:latin typeface="+mj-lt"/>
-              </a:rPr>
-              <a:t>unsigned long </a:t>
-            </a:r>
+            <a:r>
+              <a:rPr lang="zh-CN" altLang="zh-CN" sz="2800" dirty="0"/>
+              <a:t>随机数函数</a:t>
+            </a:r>
+            <a:endParaRPr lang="zh-CN" altLang="en-US" sz="2800" dirty="0"/>
+          </a:p>
+        </p:txBody>
+      </p:sp>
+      <p:sp>
+        <p:nvSpPr>
+          <p:cNvPr id="3" name="内容占位符 2">
+            <a:extLst>
+              <a:ext uri="{FF2B5EF4-FFF2-40B4-BE49-F238E27FC236}">
+                <a16:creationId xmlns:a16="http://schemas.microsoft.com/office/drawing/2014/main" id="{20F08EE3-38F7-427E-AB1B-B250227303E4}"/>
+              </a:ext>
+            </a:extLst>
+          </p:cNvPr>
+          <p:cNvSpPr>
+            <a:spLocks noGrp="1"/>
+          </p:cNvSpPr>
+          <p:nvPr>
+            <p:ph idx="1"/>
+          </p:nvPr>
+        </p:nvSpPr>
+        <p:spPr/>
+        <p:txBody>
+          <a:bodyPr>
+            <a:normAutofit/>
+          </a:bodyPr>
+          <a:lstStyle/>
+          <a:p>
             <a:r>
               <a:rPr lang="en-US" altLang="zh-CN" sz="2100" dirty="0" err="1">
                 <a:latin typeface="+mj-lt"/>
@@ -11400,55 +12077,60 @@
                   </a:extLst>
                 </a:hlinkClick>
               </a:rPr>
-              <a:t>millis</a:t>
+              <a:t>randomSeed</a:t>
             </a:r>
             <a:r>
               <a:rPr lang="en-US" altLang="zh-CN" sz="2100" dirty="0">
                 <a:latin typeface="+mj-lt"/>
               </a:rPr>
-              <a:t>()   </a:t>
-            </a:r>
-          </a:p>
-          <a:p>
-            <a:pPr marL="457200" lvl="1" indent="0">
-              <a:buNone/>
-            </a:pPr>
-            <a:r>
-              <a:rPr lang="zh-CN" altLang="zh-CN" sz="1700" dirty="0">
-                <a:latin typeface="+mj-lt"/>
-              </a:rPr>
-              <a:t>返回时间函数（单位</a:t>
-            </a:r>
-            <a:r>
-              <a:rPr lang="en-US" altLang="zh-CN" sz="1700" dirty="0" err="1">
-                <a:latin typeface="+mj-lt"/>
-              </a:rPr>
-              <a:t>ms</a:t>
-            </a:r>
-            <a:r>
-              <a:rPr lang="zh-CN" altLang="zh-CN" sz="1700" dirty="0">
-                <a:latin typeface="+mj-lt"/>
-              </a:rPr>
-              <a:t>），该函数是指，当程序运行就开始计时并返回记录的参数，该参数溢出大概需要</a:t>
-            </a:r>
-            <a:r>
-              <a:rPr lang="en-US" altLang="zh-CN" sz="1700" dirty="0">
-                <a:latin typeface="+mj-lt"/>
-              </a:rPr>
-              <a:t>50</a:t>
-            </a:r>
-            <a:r>
-              <a:rPr lang="zh-CN" altLang="zh-CN" sz="1700" dirty="0">
-                <a:latin typeface="+mj-lt"/>
-              </a:rPr>
-              <a:t>天时间。</a:t>
-            </a:r>
-            <a:endParaRPr lang="zh-CN" altLang="zh-CN" sz="2100" dirty="0">
-              <a:latin typeface="+mj-lt"/>
-            </a:endParaRPr>
-          </a:p>
-          <a:p>
-            <a:pPr lvl="0"/>
+              <a:t>(seed)   </a:t>
+            </a:r>
+          </a:p>
+          <a:p>
+            <a:r>
+              <a:rPr lang="zh-CN" altLang="zh-CN" sz="2100" dirty="0">
+                <a:latin typeface="+mj-lt"/>
+              </a:rPr>
+              <a:t>随机数端口定义函数，</a:t>
+            </a:r>
+            <a:r>
+              <a:rPr lang="en-US" altLang="zh-CN" sz="2100" dirty="0">
+                <a:latin typeface="+mj-lt"/>
+              </a:rPr>
+              <a:t>seed</a:t>
+            </a:r>
+            <a:r>
+              <a:rPr lang="zh-CN" altLang="zh-CN" sz="2100" dirty="0">
+                <a:latin typeface="+mj-lt"/>
+              </a:rPr>
+              <a:t>表示读模拟口</a:t>
+            </a:r>
+            <a:r>
+              <a:rPr lang="en-US" altLang="zh-CN" sz="2100" dirty="0" err="1">
+                <a:latin typeface="+mj-lt"/>
+              </a:rPr>
+              <a:t>analogRead</a:t>
+            </a:r>
+            <a:r>
+              <a:rPr lang="en-US" altLang="zh-CN" sz="2100" dirty="0">
+                <a:latin typeface="+mj-lt"/>
+              </a:rPr>
+              <a:t>(pin)</a:t>
+            </a:r>
+            <a:r>
+              <a:rPr lang="zh-CN" altLang="zh-CN" sz="2100" dirty="0">
+                <a:latin typeface="+mj-lt"/>
+              </a:rPr>
+              <a:t>函数 。 </a:t>
+            </a:r>
+          </a:p>
+          <a:p>
+            <a:r>
+              <a:rPr lang="en-US" altLang="zh-CN" sz="2100" dirty="0">
+                <a:latin typeface="+mj-lt"/>
+              </a:rPr>
+              <a:t>long </a:t>
+            </a:r>
             <a:r>
               <a:rPr lang="en-US" altLang="zh-CN" sz="2100" dirty="0">
                 <a:latin typeface="+mj-lt"/>
@@ -11460,59 +12142,58 @@
                   </a:extLst>
                 </a:hlinkClick>
               </a:rPr>
-              <a:t>delay</a:t>
+              <a:t>random</a:t>
             </a:r>
             <a:r>
               <a:rPr lang="en-US" altLang="zh-CN" sz="2100" dirty="0">
                 <a:latin typeface="+mj-lt"/>
               </a:rPr>
-              <a:t>(</a:t>
-            </a:r>
-            <a:r>
-              <a:rPr lang="en-US" altLang="zh-CN" sz="2100" dirty="0" err="1">
-                <a:latin typeface="+mj-lt"/>
-              </a:rPr>
-              <a:t>ms</a:t>
+              <a:t>(max)   </a:t>
+            </a:r>
+          </a:p>
+          <a:p>
+            <a:r>
+              <a:rPr lang="zh-CN" altLang="zh-CN" sz="2100" dirty="0">
+                <a:latin typeface="+mj-lt"/>
+              </a:rPr>
+              <a:t>随机数函数，返回数据大于等于</a:t>
             </a:r>
             <a:r>
               <a:rPr lang="en-US" altLang="zh-CN" sz="2100" dirty="0">
                 <a:latin typeface="+mj-lt"/>
               </a:rPr>
-              <a:t>)    </a:t>
-            </a:r>
-          </a:p>
-          <a:p>
-            <a:pPr marL="457200" lvl="1" indent="0">
-              <a:buNone/>
-            </a:pPr>
-            <a:r>
-              <a:rPr lang="zh-CN" altLang="zh-CN" sz="1700" dirty="0">
-                <a:latin typeface="+mj-lt"/>
-              </a:rPr>
-              <a:t>延时函数（单位</a:t>
-            </a:r>
-            <a:r>
-              <a:rPr lang="en-US" altLang="zh-CN" sz="1700" dirty="0" err="1">
-                <a:latin typeface="+mj-lt"/>
-              </a:rPr>
-              <a:t>ms</a:t>
-            </a:r>
-            <a:r>
-              <a:rPr lang="zh-CN" altLang="zh-CN" sz="1700" dirty="0">
-                <a:latin typeface="+mj-lt"/>
-              </a:rPr>
-              <a:t>）</a:t>
-            </a:r>
-            <a:endParaRPr lang="zh-CN" altLang="zh-CN" sz="2100" dirty="0">
-              <a:latin typeface="+mj-lt"/>
-            </a:endParaRPr>
-          </a:p>
-          <a:p>
-            <a:pPr lvl="0"/>
-            <a:r>
-              <a:rPr lang="en-US" altLang="zh-CN" sz="2100" dirty="0" err="1">
-                <a:latin typeface="+mj-lt"/>
-                <a:hlinkClick r:id="rId4">
+              <a:t>0</a:t>
+            </a:r>
+            <a:r>
+              <a:rPr lang="zh-CN" altLang="zh-CN" sz="2100" dirty="0">
+                <a:latin typeface="+mj-lt"/>
+              </a:rPr>
+              <a:t>，小于</a:t>
+            </a:r>
+            <a:r>
+              <a:rPr lang="en-US" altLang="zh-CN" sz="2100" dirty="0">
+                <a:latin typeface="+mj-lt"/>
+              </a:rPr>
+              <a:t>max</a:t>
+            </a:r>
+            <a:r>
+              <a:rPr lang="zh-CN" altLang="zh-CN" sz="2100" dirty="0">
+                <a:latin typeface="+mj-lt"/>
+              </a:rPr>
+              <a:t>。 </a:t>
+            </a:r>
+          </a:p>
+          <a:p>
+            <a:r>
+              <a:rPr lang="en-US" altLang="zh-CN" sz="2100" dirty="0">
+                <a:latin typeface="+mj-lt"/>
+              </a:rPr>
+              <a:t>long </a:t>
+            </a:r>
+            <a:r>
+              <a:rPr lang="en-US" altLang="zh-CN" sz="2100" dirty="0">
+                <a:latin typeface="+mj-lt"/>
+                <a:hlinkClick r:id="rId3">
                   <a:extLst>
                     <a:ext uri="{A12FA001-AC4F-418D-AE19-62706E023703}">
                       <ahyp:hlinkClr xmlns:ahyp="http://schemas.microsoft.com/office/drawing/2018/hyperlinkcolor" val="tx"/>
@@ -11520,36 +12201,45 @@
                   </a:extLst>
                 </a:hlinkClick>
               </a:rPr>
-              <a:t>delayMicroseconds</a:t>
+              <a:t>random</a:t>
             </a:r>
             <a:r>
               <a:rPr lang="en-US" altLang="zh-CN" sz="2100" dirty="0">
                 <a:latin typeface="+mj-lt"/>
               </a:rPr>
-              <a:t>(us)    </a:t>
-            </a:r>
-          </a:p>
-          <a:p>
-            <a:pPr marL="457200" lvl="1" indent="0">
-              <a:buNone/>
-            </a:pPr>
-            <a:r>
-              <a:rPr lang="zh-CN" altLang="zh-CN" sz="1700" dirty="0">
-                <a:latin typeface="+mj-lt"/>
-              </a:rPr>
-              <a:t>延时函数（单位</a:t>
-            </a:r>
-            <a:r>
-              <a:rPr lang="en-US" altLang="zh-CN" sz="1700" dirty="0">
-                <a:latin typeface="+mj-lt"/>
-              </a:rPr>
-              <a:t>us</a:t>
-            </a:r>
-            <a:r>
-              <a:rPr lang="zh-CN" altLang="zh-CN" sz="1700" dirty="0">
-                <a:latin typeface="+mj-lt"/>
-              </a:rPr>
-              <a:t>）</a:t>
+              <a:t>(min, max)   </a:t>
+            </a:r>
+          </a:p>
+          <a:p>
+            <a:r>
+              <a:rPr lang="zh-CN" altLang="zh-CN" sz="2100" dirty="0">
+                <a:latin typeface="+mj-lt"/>
+              </a:rPr>
+              <a:t>随机数函数，返回数据大于等于</a:t>
+            </a:r>
+            <a:r>
+              <a:rPr lang="en-US" altLang="zh-CN" sz="2100" dirty="0">
+                <a:latin typeface="+mj-lt"/>
+              </a:rPr>
+              <a:t>min</a:t>
+            </a:r>
+            <a:r>
+              <a:rPr lang="zh-CN" altLang="zh-CN" sz="2100" dirty="0">
+                <a:latin typeface="+mj-lt"/>
+              </a:rPr>
+              <a:t>，小于</a:t>
+            </a:r>
+            <a:r>
+              <a:rPr lang="en-US" altLang="zh-CN" sz="2100" dirty="0">
+                <a:latin typeface="+mj-lt"/>
+              </a:rPr>
+              <a:t>max</a:t>
+            </a:r>
+            <a:r>
+              <a:rPr lang="zh-CN" altLang="zh-CN" sz="2100" dirty="0">
+                <a:latin typeface="+mj-lt"/>
+              </a:rPr>
+              <a:t>。 </a:t>
             </a:r>
           </a:p>
         </p:txBody>
@@ -11557,7 +12247,7 @@
     </p:spTree>
     <p:extLst>
       <p:ext uri="{BB962C8B-B14F-4D97-AF65-F5344CB8AC3E}">
-        <p14:creationId xmlns:p14="http://schemas.microsoft.com/office/powerpoint/2010/main" val="1884524562"/>
+        <p14:creationId xmlns:p14="http://schemas.microsoft.com/office/powerpoint/2010/main" val="131920571"/>
       </p:ext>
     </p:extLst>
   </p:cSld>
@@ -11601,7 +12291,7 @@
           <p:cNvPr id="2" name="标题 1">
             <a:extLst>
               <a:ext uri="{FF2B5EF4-FFF2-40B4-BE49-F238E27FC236}">
-                <a16:creationId xmlns:a16="http://schemas.microsoft.com/office/drawing/2014/main" id="{1EE395CF-6535-4E77-A8E9-A6870EB42BD8}"/>
+                <a16:creationId xmlns:a16="http://schemas.microsoft.com/office/drawing/2014/main" id="{B731B60F-9F05-4784-A4C5-8CFDF13A99E6}"/>
               </a:ext>
             </a:extLst>
           </p:cNvPr>
@@ -11614,12 +12304,14 @@
         </p:nvSpPr>
         <p:spPr/>
         <p:txBody>
-          <a:bodyPr/>
+          <a:bodyPr>
+            <a:normAutofit/>
+          </a:bodyPr>
           <a:lstStyle/>
           <a:p>
             <a:r>
               <a:rPr lang="zh-CN" altLang="zh-CN" sz="2800" dirty="0"/>
-              <a:t>数学函数</a:t>
+              <a:t>外部中断函数</a:t>
             </a:r>
             <a:endParaRPr lang="zh-CN" altLang="en-US" sz="2800" dirty="0"/>
           </a:p>
@@ -11630,7 +12322,7 @@
           <p:cNvPr id="3" name="内容占位符 2">
             <a:extLst>
               <a:ext uri="{FF2B5EF4-FFF2-40B4-BE49-F238E27FC236}">
-                <a16:creationId xmlns:a16="http://schemas.microsoft.com/office/drawing/2014/main" id="{DF082C02-FE37-476C-99FF-4B3B15EDB8FA}"/>
+                <a16:creationId xmlns:a16="http://schemas.microsoft.com/office/drawing/2014/main" id="{A3380820-C6F8-44FC-96B4-639F498E1425}"/>
               </a:ext>
             </a:extLst>
           </p:cNvPr>
@@ -11643,19 +12335,16 @@
         </p:nvSpPr>
         <p:spPr>
           <a:xfrm>
-            <a:off x="1309512" y="2042809"/>
-            <a:ext cx="10272889" cy="3957007"/>
+            <a:off x="1309512" y="2198451"/>
+            <a:ext cx="10272889" cy="3801365"/>
           </a:xfrm>
         </p:spPr>
         <p:txBody>
-          <a:bodyPr>
-            <a:normAutofit fontScale="77500" lnSpcReduction="20000"/>
-          </a:bodyPr>
+          <a:bodyPr/>
           <a:lstStyle/>
           <a:p>
-            <a:pPr lvl="0"/>
-            <a:r>
-              <a:rPr lang="en-US" altLang="zh-CN" sz="2300" dirty="0">
+            <a:r>
+              <a:rPr lang="en-US" altLang="zh-CN" sz="2100" dirty="0" err="1">
                 <a:latin typeface="+mj-lt"/>
                 <a:hlinkClick r:id="rId2">
                   <a:extLst>
@@ -11665,25 +12354,164 @@
                   </a:extLst>
                 </a:hlinkClick>
               </a:rPr>
-              <a:t>min</a:t>
-            </a:r>
-            <a:r>
-              <a:rPr lang="en-US" altLang="zh-CN" sz="2300" dirty="0">
-                <a:latin typeface="+mj-lt"/>
-              </a:rPr>
-              <a:t>(x, y) 	</a:t>
-            </a:r>
-            <a:r>
-              <a:rPr lang="zh-CN" altLang="zh-CN" sz="2300" dirty="0">
-                <a:latin typeface="+mj-lt"/>
-              </a:rPr>
-              <a:t>求最小值 </a:t>
-            </a:r>
-          </a:p>
-          <a:p>
-            <a:pPr lvl="0"/>
-            <a:r>
-              <a:rPr lang="en-US" altLang="zh-CN" sz="2300" dirty="0">
+              <a:t>attachInterrupt</a:t>
+            </a:r>
+            <a:r>
+              <a:rPr lang="en-US" altLang="zh-CN" sz="2100" dirty="0">
+                <a:latin typeface="+mj-lt"/>
+              </a:rPr>
+              <a:t>(interrupt,  mode)     </a:t>
+            </a:r>
+          </a:p>
+          <a:p>
+            <a:pPr marL="457200" lvl="1" indent="0">
+              <a:buNone/>
+            </a:pPr>
+            <a:r>
+              <a:rPr lang="zh-CN" altLang="zh-CN" sz="1700" dirty="0">
+                <a:latin typeface="+mj-lt"/>
+              </a:rPr>
+              <a:t>外部中断只能用到数字</a:t>
+            </a:r>
+            <a:r>
+              <a:rPr lang="en-US" altLang="zh-CN" sz="1700" dirty="0">
+                <a:latin typeface="+mj-lt"/>
+              </a:rPr>
+              <a:t>IO</a:t>
+            </a:r>
+            <a:r>
+              <a:rPr lang="zh-CN" altLang="zh-CN" sz="1700" dirty="0">
+                <a:latin typeface="+mj-lt"/>
+              </a:rPr>
+              <a:t>口</a:t>
+            </a:r>
+            <a:r>
+              <a:rPr lang="en-US" altLang="zh-CN" sz="1700" dirty="0">
+                <a:latin typeface="+mj-lt"/>
+              </a:rPr>
+              <a:t>2</a:t>
+            </a:r>
+            <a:r>
+              <a:rPr lang="zh-CN" altLang="zh-CN" sz="1700" dirty="0">
+                <a:latin typeface="+mj-lt"/>
+              </a:rPr>
+              <a:t>和</a:t>
+            </a:r>
+            <a:r>
+              <a:rPr lang="en-US" altLang="zh-CN" sz="1700" dirty="0">
+                <a:latin typeface="+mj-lt"/>
+              </a:rPr>
+              <a:t>3</a:t>
+            </a:r>
+            <a:r>
+              <a:rPr lang="zh-CN" altLang="zh-CN" sz="1700" dirty="0">
+                <a:latin typeface="+mj-lt"/>
+              </a:rPr>
+              <a:t>，</a:t>
+            </a:r>
+            <a:r>
+              <a:rPr lang="en-US" altLang="zh-CN" sz="1700" dirty="0">
+                <a:latin typeface="+mj-lt"/>
+              </a:rPr>
+              <a:t>interrupt</a:t>
+            </a:r>
+            <a:r>
+              <a:rPr lang="zh-CN" altLang="zh-CN" sz="1700" dirty="0">
+                <a:latin typeface="+mj-lt"/>
+              </a:rPr>
+              <a:t>表示中断口初始</a:t>
+            </a:r>
+            <a:r>
+              <a:rPr lang="en-US" altLang="zh-CN" sz="1700" dirty="0">
+                <a:latin typeface="+mj-lt"/>
+              </a:rPr>
+              <a:t>0</a:t>
+            </a:r>
+            <a:r>
+              <a:rPr lang="zh-CN" altLang="zh-CN" sz="1700" dirty="0">
+                <a:latin typeface="+mj-lt"/>
+              </a:rPr>
+              <a:t>或</a:t>
+            </a:r>
+            <a:r>
+              <a:rPr lang="en-US" altLang="zh-CN" sz="1700" dirty="0">
+                <a:latin typeface="+mj-lt"/>
+              </a:rPr>
+              <a:t>1</a:t>
+            </a:r>
+            <a:r>
+              <a:rPr lang="zh-CN" altLang="zh-CN" sz="1700" dirty="0">
+                <a:latin typeface="+mj-lt"/>
+              </a:rPr>
+              <a:t>，表示一个功能函数，</a:t>
+            </a:r>
+            <a:r>
+              <a:rPr lang="en-US" altLang="zh-CN" sz="1700" dirty="0">
+                <a:latin typeface="+mj-lt"/>
+              </a:rPr>
+              <a:t>mode</a:t>
+            </a:r>
+            <a:r>
+              <a:rPr lang="zh-CN" altLang="zh-CN" sz="1700" dirty="0">
+                <a:latin typeface="+mj-lt"/>
+              </a:rPr>
+              <a:t>：</a:t>
+            </a:r>
+            <a:r>
+              <a:rPr lang="en-US" altLang="zh-CN" sz="1700" dirty="0">
+                <a:latin typeface="+mj-lt"/>
+              </a:rPr>
+              <a:t>LOW</a:t>
+            </a:r>
+            <a:r>
+              <a:rPr lang="zh-CN" altLang="zh-CN" sz="1700" dirty="0">
+                <a:latin typeface="+mj-lt"/>
+              </a:rPr>
+              <a:t>低电平中断，</a:t>
+            </a:r>
+            <a:r>
+              <a:rPr lang="en-US" altLang="zh-CN" sz="1700" dirty="0">
+                <a:latin typeface="+mj-lt"/>
+              </a:rPr>
+              <a:t>CHANGE</a:t>
+            </a:r>
+            <a:r>
+              <a:rPr lang="zh-CN" altLang="zh-CN" sz="1700" dirty="0">
+                <a:latin typeface="+mj-lt"/>
+              </a:rPr>
+              <a:t>有变化就中断，</a:t>
+            </a:r>
+            <a:r>
+              <a:rPr lang="en-US" altLang="zh-CN" sz="1700" dirty="0">
+                <a:latin typeface="+mj-lt"/>
+              </a:rPr>
+              <a:t>RISING</a:t>
+            </a:r>
+            <a:r>
+              <a:rPr lang="zh-CN" altLang="zh-CN" sz="1700" dirty="0">
+                <a:latin typeface="+mj-lt"/>
+              </a:rPr>
+              <a:t>上升沿中断，</a:t>
+            </a:r>
+            <a:r>
+              <a:rPr lang="en-US" altLang="zh-CN" sz="1700" dirty="0">
+                <a:latin typeface="+mj-lt"/>
+              </a:rPr>
+              <a:t>FALLING </a:t>
+            </a:r>
+            <a:r>
+              <a:rPr lang="zh-CN" altLang="zh-CN" sz="1700" dirty="0">
+                <a:latin typeface="+mj-lt"/>
+              </a:rPr>
+              <a:t>下降沿中断。</a:t>
+            </a:r>
+            <a:endParaRPr lang="zh-CN" altLang="zh-CN" sz="2100" dirty="0">
+              <a:latin typeface="+mj-lt"/>
+            </a:endParaRPr>
+          </a:p>
+          <a:p>
+            <a:r>
+              <a:rPr lang="en-US" altLang="zh-CN" sz="2100" dirty="0" err="1">
                 <a:latin typeface="+mj-lt"/>
                 <a:hlinkClick r:id="rId3">
                   <a:extLst>
@@ -11693,69 +12521,13 @@
                   </a:extLst>
                 </a:hlinkClick>
               </a:rPr>
-              <a:t>max</a:t>
-            </a:r>
-            <a:r>
-              <a:rPr lang="en-US" altLang="zh-CN" sz="2300" dirty="0">
-                <a:latin typeface="+mj-lt"/>
-              </a:rPr>
-              <a:t>(x, y) 	</a:t>
-            </a:r>
-            <a:r>
-              <a:rPr lang="zh-CN" altLang="zh-CN" sz="2300" dirty="0">
-                <a:latin typeface="+mj-lt"/>
-              </a:rPr>
-              <a:t>求最大值 </a:t>
-            </a:r>
-          </a:p>
-          <a:p>
-            <a:pPr lvl="0"/>
-            <a:r>
-              <a:rPr lang="en-US" altLang="zh-CN" sz="2300" dirty="0">
-                <a:latin typeface="+mj-lt"/>
-                <a:hlinkClick r:id="rId4">
-                  <a:extLst>
-                    <a:ext uri="{A12FA001-AC4F-418D-AE19-62706E023703}">
-                      <ahyp:hlinkClr xmlns:ahyp="http://schemas.microsoft.com/office/drawing/2018/hyperlinkcolor" val="tx"/>
-                    </a:ext>
-                  </a:extLst>
-                </a:hlinkClick>
-              </a:rPr>
-              <a:t>abs</a:t>
-            </a:r>
-            <a:r>
-              <a:rPr lang="en-US" altLang="zh-CN" sz="2300" dirty="0">
-                <a:latin typeface="+mj-lt"/>
-              </a:rPr>
-              <a:t>(x)   	</a:t>
-            </a:r>
-            <a:r>
-              <a:rPr lang="zh-CN" altLang="zh-CN" sz="2300" dirty="0">
-                <a:latin typeface="+mj-lt"/>
-              </a:rPr>
-              <a:t>计算绝对值 </a:t>
-            </a:r>
-          </a:p>
-          <a:p>
-            <a:pPr lvl="0"/>
-            <a:r>
-              <a:rPr lang="en-US" altLang="zh-CN" sz="2300" dirty="0">
-                <a:latin typeface="+mj-lt"/>
-                <a:hlinkClick r:id="rId5">
-                  <a:extLst>
-                    <a:ext uri="{A12FA001-AC4F-418D-AE19-62706E023703}">
-                      <ahyp:hlinkClr xmlns:ahyp="http://schemas.microsoft.com/office/drawing/2018/hyperlinkcolor" val="tx"/>
-                    </a:ext>
-                  </a:extLst>
-                </a:hlinkClick>
-              </a:rPr>
-              <a:t>constrain</a:t>
-            </a:r>
-            <a:r>
-              <a:rPr lang="en-US" altLang="zh-CN" sz="2300" dirty="0">
-                <a:latin typeface="+mj-lt"/>
-              </a:rPr>
-              <a:t>(x, a, b) </a:t>
+              <a:t>detachInterrupt</a:t>
+            </a:r>
+            <a:r>
+              <a:rPr lang="en-US" altLang="zh-CN" sz="2100" dirty="0">
+                <a:latin typeface="+mj-lt"/>
+              </a:rPr>
+              <a:t>(interrupt)    </a:t>
             </a:r>
           </a:p>
           <a:p>
@@ -11763,312 +12535,34 @@
               <a:buNone/>
             </a:pPr>
             <a:r>
-              <a:rPr lang="zh-CN" altLang="zh-CN" sz="1900" dirty="0">
-                <a:latin typeface="+mj-lt"/>
-              </a:rPr>
-              <a:t>约束函数，下限</a:t>
-            </a:r>
-            <a:r>
-              <a:rPr lang="en-US" altLang="zh-CN" sz="1900" dirty="0">
-                <a:latin typeface="+mj-lt"/>
-              </a:rPr>
-              <a:t>a</a:t>
-            </a:r>
-            <a:r>
-              <a:rPr lang="zh-CN" altLang="zh-CN" sz="1900" dirty="0">
-                <a:latin typeface="+mj-lt"/>
-              </a:rPr>
-              <a:t>，上限</a:t>
-            </a:r>
-            <a:r>
-              <a:rPr lang="en-US" altLang="zh-CN" sz="1900" dirty="0">
-                <a:latin typeface="+mj-lt"/>
-              </a:rPr>
-              <a:t>b</a:t>
-            </a:r>
-            <a:r>
-              <a:rPr lang="zh-CN" altLang="zh-CN" sz="1900" dirty="0">
-                <a:latin typeface="+mj-lt"/>
-              </a:rPr>
-              <a:t>，</a:t>
-            </a:r>
-            <a:r>
-              <a:rPr lang="en-US" altLang="zh-CN" sz="1900" dirty="0">
-                <a:latin typeface="+mj-lt"/>
-              </a:rPr>
-              <a:t>x</a:t>
-            </a:r>
-            <a:r>
-              <a:rPr lang="zh-CN" altLang="zh-CN" sz="1900" dirty="0">
-                <a:latin typeface="+mj-lt"/>
-              </a:rPr>
-              <a:t>必须在</a:t>
-            </a:r>
-            <a:r>
-              <a:rPr lang="en-US" altLang="zh-CN" sz="1900" dirty="0">
-                <a:latin typeface="+mj-lt"/>
-              </a:rPr>
-              <a:t>ab</a:t>
-            </a:r>
-            <a:r>
-              <a:rPr lang="zh-CN" altLang="zh-CN" sz="1900" dirty="0">
-                <a:latin typeface="+mj-lt"/>
-              </a:rPr>
-              <a:t>之间才能返回。</a:t>
-            </a:r>
-          </a:p>
-          <a:p>
-            <a:pPr lvl="0"/>
-            <a:r>
-              <a:rPr lang="en-US" altLang="zh-CN" sz="2300" dirty="0">
-                <a:latin typeface="+mj-lt"/>
-                <a:hlinkClick r:id="rId6">
-                  <a:extLst>
-                    <a:ext uri="{A12FA001-AC4F-418D-AE19-62706E023703}">
-                      <ahyp:hlinkClr xmlns:ahyp="http://schemas.microsoft.com/office/drawing/2018/hyperlinkcolor" val="tx"/>
-                    </a:ext>
-                  </a:extLst>
-                </a:hlinkClick>
-              </a:rPr>
-              <a:t>map</a:t>
-            </a:r>
-            <a:r>
-              <a:rPr lang="en-US" altLang="zh-CN" sz="2300" dirty="0">
-                <a:latin typeface="+mj-lt"/>
-              </a:rPr>
-              <a:t>(value, </a:t>
-            </a:r>
-            <a:r>
-              <a:rPr lang="en-US" altLang="zh-CN" sz="2300" dirty="0" err="1">
-                <a:latin typeface="+mj-lt"/>
-              </a:rPr>
-              <a:t>fromLow</a:t>
-            </a:r>
-            <a:r>
-              <a:rPr lang="en-US" altLang="zh-CN" sz="2300" dirty="0">
-                <a:latin typeface="+mj-lt"/>
-              </a:rPr>
-              <a:t>, </a:t>
-            </a:r>
-            <a:r>
-              <a:rPr lang="en-US" altLang="zh-CN" sz="2300" dirty="0" err="1">
-                <a:latin typeface="+mj-lt"/>
-              </a:rPr>
-              <a:t>fromHigh</a:t>
-            </a:r>
-            <a:r>
-              <a:rPr lang="en-US" altLang="zh-CN" sz="2300" dirty="0">
-                <a:latin typeface="+mj-lt"/>
-              </a:rPr>
-              <a:t>, </a:t>
-            </a:r>
-            <a:r>
-              <a:rPr lang="en-US" altLang="zh-CN" sz="2300" dirty="0" err="1">
-                <a:latin typeface="+mj-lt"/>
-              </a:rPr>
-              <a:t>toLow</a:t>
-            </a:r>
-            <a:r>
-              <a:rPr lang="en-US" altLang="zh-CN" sz="2300" dirty="0">
-                <a:latin typeface="+mj-lt"/>
-              </a:rPr>
-              <a:t>, </a:t>
-            </a:r>
-            <a:r>
-              <a:rPr lang="en-US" altLang="zh-CN" sz="2300" dirty="0" err="1">
-                <a:latin typeface="+mj-lt"/>
-              </a:rPr>
-              <a:t>toHigh</a:t>
-            </a:r>
-            <a:r>
-              <a:rPr lang="en-US" altLang="zh-CN" sz="2300" dirty="0">
-                <a:latin typeface="+mj-lt"/>
-              </a:rPr>
-              <a:t>)    </a:t>
-            </a:r>
-          </a:p>
-          <a:p>
-            <a:pPr marL="457200" lvl="1" indent="0">
-              <a:buNone/>
-            </a:pPr>
-            <a:r>
-              <a:rPr lang="zh-CN" altLang="zh-CN" sz="1900" dirty="0">
-                <a:latin typeface="+mj-lt"/>
-              </a:rPr>
-              <a:t>约束函数，</a:t>
-            </a:r>
-            <a:r>
-              <a:rPr lang="en-US" altLang="zh-CN" sz="1900" dirty="0">
-                <a:latin typeface="+mj-lt"/>
-              </a:rPr>
-              <a:t>value</a:t>
-            </a:r>
-            <a:r>
-              <a:rPr lang="zh-CN" altLang="zh-CN" sz="1900" dirty="0">
-                <a:latin typeface="+mj-lt"/>
-              </a:rPr>
-              <a:t>必须在</a:t>
-            </a:r>
-            <a:r>
-              <a:rPr lang="en-US" altLang="zh-CN" sz="1900" dirty="0" err="1">
-                <a:latin typeface="+mj-lt"/>
-              </a:rPr>
-              <a:t>fromLow</a:t>
-            </a:r>
-            <a:r>
-              <a:rPr lang="zh-CN" altLang="zh-CN" sz="1900" dirty="0">
-                <a:latin typeface="+mj-lt"/>
-              </a:rPr>
-              <a:t>与</a:t>
-            </a:r>
-            <a:r>
-              <a:rPr lang="en-US" altLang="zh-CN" sz="1900" dirty="0" err="1">
-                <a:latin typeface="+mj-lt"/>
-              </a:rPr>
-              <a:t>toLow</a:t>
-            </a:r>
-            <a:r>
-              <a:rPr lang="zh-CN" altLang="zh-CN" sz="1900" dirty="0">
-                <a:latin typeface="+mj-lt"/>
-              </a:rPr>
-              <a:t>之间和</a:t>
-            </a:r>
-            <a:r>
-              <a:rPr lang="en-US" altLang="zh-CN" sz="1900" dirty="0" err="1">
-                <a:latin typeface="+mj-lt"/>
-              </a:rPr>
-              <a:t>fromHigh</a:t>
-            </a:r>
-            <a:r>
-              <a:rPr lang="zh-CN" altLang="zh-CN" sz="1900" dirty="0">
-                <a:latin typeface="+mj-lt"/>
-              </a:rPr>
-              <a:t>与</a:t>
-            </a:r>
-            <a:r>
-              <a:rPr lang="en-US" altLang="zh-CN" sz="1900" dirty="0" err="1">
-                <a:latin typeface="+mj-lt"/>
-              </a:rPr>
-              <a:t>toHigh</a:t>
-            </a:r>
-            <a:r>
-              <a:rPr lang="zh-CN" altLang="zh-CN" sz="1900" dirty="0">
-                <a:latin typeface="+mj-lt"/>
-              </a:rPr>
-              <a:t>之间。 </a:t>
-            </a:r>
-          </a:p>
-          <a:p>
-            <a:pPr lvl="0"/>
-            <a:r>
-              <a:rPr lang="en-US" altLang="zh-CN" sz="2300" dirty="0">
-                <a:latin typeface="+mj-lt"/>
-                <a:hlinkClick r:id="rId7">
-                  <a:extLst>
-                    <a:ext uri="{A12FA001-AC4F-418D-AE19-62706E023703}">
-                      <ahyp:hlinkClr xmlns:ahyp="http://schemas.microsoft.com/office/drawing/2018/hyperlinkcolor" val="tx"/>
-                    </a:ext>
-                  </a:extLst>
-                </a:hlinkClick>
-              </a:rPr>
-              <a:t>pow</a:t>
-            </a:r>
-            <a:r>
-              <a:rPr lang="en-US" altLang="zh-CN" sz="2300" dirty="0">
-                <a:latin typeface="+mj-lt"/>
-              </a:rPr>
-              <a:t>(base, exponent) </a:t>
-            </a:r>
-          </a:p>
-          <a:p>
-            <a:pPr marL="457200" lvl="1" indent="0">
-              <a:buNone/>
-            </a:pPr>
-            <a:r>
-              <a:rPr lang="zh-CN" altLang="zh-CN" sz="1900" dirty="0">
-                <a:latin typeface="+mj-lt"/>
-              </a:rPr>
-              <a:t>开方函数，</a:t>
-            </a:r>
-            <a:r>
-              <a:rPr lang="en-US" altLang="zh-CN" sz="1900" dirty="0">
-                <a:latin typeface="+mj-lt"/>
-              </a:rPr>
-              <a:t>base</a:t>
-            </a:r>
-            <a:r>
-              <a:rPr lang="zh-CN" altLang="zh-CN" sz="1900" dirty="0">
-                <a:latin typeface="+mj-lt"/>
-              </a:rPr>
-              <a:t>的</a:t>
-            </a:r>
-            <a:r>
-              <a:rPr lang="en-US" altLang="zh-CN" sz="1900" dirty="0">
-                <a:latin typeface="+mj-lt"/>
-              </a:rPr>
-              <a:t>exponent</a:t>
-            </a:r>
-            <a:r>
-              <a:rPr lang="zh-CN" altLang="zh-CN" sz="1900" dirty="0">
-                <a:latin typeface="+mj-lt"/>
-              </a:rPr>
-              <a:t>次方。</a:t>
-            </a:r>
-          </a:p>
-          <a:p>
-            <a:pPr lvl="0"/>
-            <a:r>
-              <a:rPr lang="en-US" altLang="zh-CN" sz="2300" dirty="0" err="1">
-                <a:latin typeface="+mj-lt"/>
-                <a:hlinkClick r:id="rId8">
-                  <a:extLst>
-                    <a:ext uri="{A12FA001-AC4F-418D-AE19-62706E023703}">
-                      <ahyp:hlinkClr xmlns:ahyp="http://schemas.microsoft.com/office/drawing/2018/hyperlinkcolor" val="tx"/>
-                    </a:ext>
-                  </a:extLst>
-                </a:hlinkClick>
-              </a:rPr>
-              <a:t>sq</a:t>
-            </a:r>
-            <a:r>
-              <a:rPr lang="en-US" altLang="zh-CN" sz="2300" dirty="0">
-                <a:latin typeface="+mj-lt"/>
-              </a:rPr>
-              <a:t>(x)     </a:t>
-            </a:r>
-            <a:r>
-              <a:rPr lang="zh-CN" altLang="zh-CN" sz="2300" dirty="0">
-                <a:latin typeface="+mj-lt"/>
-              </a:rPr>
-              <a:t>平方 </a:t>
-            </a:r>
-          </a:p>
-          <a:p>
-            <a:pPr lvl="0"/>
-            <a:r>
-              <a:rPr lang="en-US" altLang="zh-CN" sz="2300" dirty="0">
-                <a:latin typeface="+mj-lt"/>
-                <a:hlinkClick r:id="rId9">
-                  <a:extLst>
-                    <a:ext uri="{A12FA001-AC4F-418D-AE19-62706E023703}">
-                      <ahyp:hlinkClr xmlns:ahyp="http://schemas.microsoft.com/office/drawing/2018/hyperlinkcolor" val="tx"/>
-                    </a:ext>
-                  </a:extLst>
-                </a:hlinkClick>
-              </a:rPr>
-              <a:t>sqrt</a:t>
-            </a:r>
-            <a:r>
-              <a:rPr lang="en-US" altLang="zh-CN" sz="2300" dirty="0">
-                <a:latin typeface="+mj-lt"/>
-              </a:rPr>
-              <a:t>(x)   </a:t>
-            </a:r>
-            <a:r>
-              <a:rPr lang="zh-CN" altLang="zh-CN" sz="2300" dirty="0">
-                <a:latin typeface="+mj-lt"/>
-              </a:rPr>
-              <a:t>开根号 </a:t>
+              <a:rPr lang="zh-CN" altLang="zh-CN" sz="1700" dirty="0">
+                <a:latin typeface="+mj-lt"/>
+              </a:rPr>
+              <a:t>中断开关，</a:t>
+            </a:r>
+            <a:r>
+              <a:rPr lang="en-US" altLang="zh-CN" sz="1700" dirty="0">
+                <a:latin typeface="+mj-lt"/>
+              </a:rPr>
+              <a:t>interrupt=1 </a:t>
+            </a:r>
+            <a:r>
+              <a:rPr lang="zh-CN" altLang="zh-CN" sz="1700" dirty="0">
+                <a:latin typeface="+mj-lt"/>
+              </a:rPr>
+              <a:t>开，</a:t>
+            </a:r>
+            <a:r>
+              <a:rPr lang="en-US" altLang="zh-CN" sz="1700" dirty="0">
+                <a:latin typeface="+mj-lt"/>
+              </a:rPr>
+              <a:t>interrupt=0 </a:t>
+            </a:r>
+            <a:r>
+              <a:rPr lang="zh-CN" altLang="zh-CN" sz="1700" dirty="0">
+                <a:latin typeface="+mj-lt"/>
+              </a:rPr>
+              <a:t>关。 </a:t>
             </a:r>
           </a:p>
         </p:txBody>
@@ -12076,7 +12570,7 @@
     </p:spTree>
     <p:extLst>
       <p:ext uri="{BB962C8B-B14F-4D97-AF65-F5344CB8AC3E}">
-        <p14:creationId xmlns:p14="http://schemas.microsoft.com/office/powerpoint/2010/main" val="2067335285"/>
+        <p14:creationId xmlns:p14="http://schemas.microsoft.com/office/powerpoint/2010/main" val="2566654506"/>
       </p:ext>
     </p:extLst>
   </p:cSld>
@@ -12259,7 +12753,7 @@
           <p:cNvPr id="2" name="标题 1">
             <a:extLst>
               <a:ext uri="{FF2B5EF4-FFF2-40B4-BE49-F238E27FC236}">
-                <a16:creationId xmlns:a16="http://schemas.microsoft.com/office/drawing/2014/main" id="{F66A965D-E0BF-4CD1-888D-E4CC860358F3}"/>
+                <a16:creationId xmlns:a16="http://schemas.microsoft.com/office/drawing/2014/main" id="{8482C30A-B5CB-4D45-B1A1-BE6918ED1B07}"/>
               </a:ext>
             </a:extLst>
           </p:cNvPr>
@@ -12279,7 +12773,7 @@
           <a:p>
             <a:r>
               <a:rPr lang="zh-CN" altLang="zh-CN" sz="2800" dirty="0"/>
-              <a:t>三角函数</a:t>
+              <a:t>中断使能函数</a:t>
             </a:r>
             <a:endParaRPr lang="zh-CN" altLang="en-US" sz="2800" dirty="0"/>
           </a:p>
@@ -12290,7 +12784,7 @@
           <p:cNvPr id="3" name="内容占位符 2">
             <a:extLst>
               <a:ext uri="{FF2B5EF4-FFF2-40B4-BE49-F238E27FC236}">
-                <a16:creationId xmlns:a16="http://schemas.microsoft.com/office/drawing/2014/main" id="{FA483D60-DDA5-439A-B39D-91B63F0625D7}"/>
+                <a16:creationId xmlns:a16="http://schemas.microsoft.com/office/drawing/2014/main" id="{E7DD39FF-4FA5-4BD9-AF9C-19391ECFE491}"/>
               </a:ext>
             </a:extLst>
           </p:cNvPr>
@@ -12318,22 +12812,25 @@
                   </a:extLst>
                 </a:hlinkClick>
               </a:rPr>
-              <a:t>sin</a:t>
+              <a:t>interrupts</a:t>
             </a:r>
             <a:r>
               <a:rPr lang="en-US" altLang="zh-CN" sz="2100" dirty="0">
                 <a:latin typeface="+mj-lt"/>
               </a:rPr>
-              <a:t>(rad) </a:t>
-            </a:r>
-            <a:endParaRPr lang="zh-CN" altLang="zh-CN" sz="2100" dirty="0">
-              <a:latin typeface="+mj-lt"/>
-            </a:endParaRPr>
+              <a:t>() </a:t>
+            </a:r>
+            <a:r>
+              <a:rPr lang="zh-CN" altLang="zh-CN" sz="2100" dirty="0">
+                <a:latin typeface="+mj-lt"/>
+              </a:rPr>
+              <a:t>使能中断 </a:t>
+            </a:r>
           </a:p>
           <a:p>
             <a:pPr lvl="0"/>
             <a:r>
-              <a:rPr lang="en-US" altLang="zh-CN" sz="2100" dirty="0">
+              <a:rPr lang="en-US" altLang="zh-CN" sz="2100" dirty="0" err="1">
                 <a:latin typeface="+mj-lt"/>
                 <a:hlinkClick r:id="rId3">
                   <a:extLst>
@@ -12343,49 +12840,27 @@
                   </a:extLst>
                 </a:hlinkClick>
               </a:rPr>
-              <a:t>cos</a:t>
+              <a:t>noInterrupts</a:t>
             </a:r>
             <a:r>
               <a:rPr lang="en-US" altLang="zh-CN" sz="2100" dirty="0">
                 <a:latin typeface="+mj-lt"/>
               </a:rPr>
-              <a:t>(rad) </a:t>
-            </a:r>
-            <a:endParaRPr lang="zh-CN" altLang="zh-CN" sz="2100" dirty="0">
-              <a:latin typeface="+mj-lt"/>
-            </a:endParaRPr>
-          </a:p>
-          <a:p>
-            <a:pPr lvl="0"/>
-            <a:r>
-              <a:rPr lang="en-US" altLang="zh-CN" sz="2100" dirty="0">
-                <a:latin typeface="+mj-lt"/>
-                <a:hlinkClick r:id="rId4">
-                  <a:extLst>
-                    <a:ext uri="{A12FA001-AC4F-418D-AE19-62706E023703}">
-                      <ahyp:hlinkClr xmlns:ahyp="http://schemas.microsoft.com/office/drawing/2018/hyperlinkcolor" val="tx"/>
-                    </a:ext>
-                  </a:extLst>
-                </a:hlinkClick>
-              </a:rPr>
-              <a:t>tan</a:t>
-            </a:r>
-            <a:r>
-              <a:rPr lang="en-US" altLang="zh-CN" sz="2100" dirty="0">
-                <a:latin typeface="+mj-lt"/>
-              </a:rPr>
-              <a:t>(rad) </a:t>
-            </a:r>
-            <a:endParaRPr lang="zh-CN" altLang="zh-CN" sz="2100" dirty="0">
-              <a:latin typeface="+mj-lt"/>
-            </a:endParaRPr>
+              <a:t>() </a:t>
+            </a:r>
+            <a:r>
+              <a:rPr lang="zh-CN" altLang="zh-CN" sz="2100" dirty="0">
+                <a:latin typeface="+mj-lt"/>
+              </a:rPr>
+              <a:t>禁止中断 </a:t>
+            </a:r>
           </a:p>
         </p:txBody>
       </p:sp>
     </p:spTree>
     <p:extLst>
       <p:ext uri="{BB962C8B-B14F-4D97-AF65-F5344CB8AC3E}">
-        <p14:creationId xmlns:p14="http://schemas.microsoft.com/office/powerpoint/2010/main" val="3733986505"/>
+        <p14:creationId xmlns:p14="http://schemas.microsoft.com/office/powerpoint/2010/main" val="2327836435"/>
       </p:ext>
     </p:extLst>
   </p:cSld>
@@ -12429,7 +12904,7 @@
           <p:cNvPr id="2" name="标题 1">
             <a:extLst>
               <a:ext uri="{FF2B5EF4-FFF2-40B4-BE49-F238E27FC236}">
-                <a16:creationId xmlns:a16="http://schemas.microsoft.com/office/drawing/2014/main" id="{EA2D9FDC-4782-4C2B-9560-C8E327A9FAA8}"/>
+                <a16:creationId xmlns:a16="http://schemas.microsoft.com/office/drawing/2014/main" id="{0219192A-8D4C-42C1-A679-AB8133EBA007}"/>
               </a:ext>
             </a:extLst>
           </p:cNvPr>
@@ -12449,7 +12924,7 @@
           <a:p>
             <a:r>
               <a:rPr lang="zh-CN" altLang="zh-CN" sz="2800" dirty="0"/>
-              <a:t>随机数函数</a:t>
+              <a:t>串口收发函数</a:t>
             </a:r>
             <a:endParaRPr lang="zh-CN" altLang="en-US" sz="2800" dirty="0"/>
           </a:p>
@@ -12460,7 +12935,7 @@
           <p:cNvPr id="3" name="内容占位符 2">
             <a:extLst>
               <a:ext uri="{FF2B5EF4-FFF2-40B4-BE49-F238E27FC236}">
-                <a16:creationId xmlns:a16="http://schemas.microsoft.com/office/drawing/2014/main" id="{20F08EE3-38F7-427E-AB1B-B250227303E4}"/>
+                <a16:creationId xmlns:a16="http://schemas.microsoft.com/office/drawing/2014/main" id="{40F77EA2-86F9-4552-A501-C918FC48BE37}"/>
               </a:ext>
             </a:extLst>
           </p:cNvPr>
@@ -12489,62 +12964,59 @@
                   </a:extLst>
                 </a:hlinkClick>
               </a:rPr>
-              <a:t>randomSeed</a:t>
+              <a:t>Serial.begin</a:t>
             </a:r>
             <a:r>
               <a:rPr lang="en-US" altLang="zh-CN" sz="2100" dirty="0">
                 <a:latin typeface="+mj-lt"/>
               </a:rPr>
-              <a:t>(seed)   </a:t>
-            </a:r>
-          </a:p>
-          <a:p>
-            <a:r>
-              <a:rPr lang="zh-CN" altLang="zh-CN" sz="2100" dirty="0">
-                <a:latin typeface="+mj-lt"/>
-              </a:rPr>
-              <a:t>随机数端口定义函数，</a:t>
-            </a:r>
+              <a:t>(speed) </a:t>
+            </a:r>
+          </a:p>
+          <a:p>
+            <a:pPr marL="457200" lvl="1" indent="0">
+              <a:buNone/>
+            </a:pPr>
+            <a:r>
+              <a:rPr lang="zh-CN" altLang="zh-CN" sz="1700" dirty="0">
+                <a:latin typeface="+mj-lt"/>
+              </a:rPr>
+              <a:t>串口定义波特率函数，</a:t>
+            </a:r>
+            <a:r>
+              <a:rPr lang="en-US" altLang="zh-CN" sz="1700" dirty="0">
+                <a:latin typeface="+mj-lt"/>
+              </a:rPr>
+              <a:t>speed</a:t>
+            </a:r>
+            <a:r>
+              <a:rPr lang="zh-CN" altLang="zh-CN" sz="1700" dirty="0">
+                <a:latin typeface="+mj-lt"/>
+              </a:rPr>
+              <a:t>表示波特率，如</a:t>
+            </a:r>
+            <a:r>
+              <a:rPr lang="en-US" altLang="zh-CN" sz="1700" dirty="0">
+                <a:latin typeface="+mj-lt"/>
+              </a:rPr>
+              <a:t>115200</a:t>
+            </a:r>
+            <a:r>
+              <a:rPr lang="zh-CN" altLang="zh-CN" sz="1700" dirty="0">
+                <a:latin typeface="+mj-lt"/>
+              </a:rPr>
+              <a:t>等。</a:t>
+            </a:r>
+          </a:p>
+          <a:p>
             <a:r>
               <a:rPr lang="en-US" altLang="zh-CN" sz="2100" dirty="0">
                 <a:latin typeface="+mj-lt"/>
               </a:rPr>
-              <a:t>seed</a:t>
-            </a:r>
-            <a:r>
-              <a:rPr lang="zh-CN" altLang="zh-CN" sz="2100" dirty="0">
-                <a:latin typeface="+mj-lt"/>
-              </a:rPr>
-              <a:t>表示读模拟口</a:t>
+              <a:t>int </a:t>
             </a:r>
             <a:r>
               <a:rPr lang="en-US" altLang="zh-CN" sz="2100" dirty="0" err="1">
-                <a:latin typeface="+mj-lt"/>
-              </a:rPr>
-              <a:t>analogRead</a:t>
-            </a:r>
-            <a:r>
-              <a:rPr lang="en-US" altLang="zh-CN" sz="2100" dirty="0">
-                <a:latin typeface="+mj-lt"/>
-              </a:rPr>
-              <a:t>(pin)</a:t>
-            </a:r>
-            <a:r>
-              <a:rPr lang="zh-CN" altLang="zh-CN" sz="2100" dirty="0">
-                <a:latin typeface="+mj-lt"/>
-              </a:rPr>
-              <a:t>函数 。 </a:t>
-            </a:r>
-          </a:p>
-          <a:p>
-            <a:r>
-              <a:rPr lang="en-US" altLang="zh-CN" sz="2100" dirty="0">
-                <a:latin typeface="+mj-lt"/>
-              </a:rPr>
-              <a:t>long </a:t>
-            </a:r>
-            <a:r>
-              <a:rPr lang="en-US" altLang="zh-CN" sz="2100" dirty="0">
                 <a:latin typeface="+mj-lt"/>
                 <a:hlinkClick r:id="rId3">
                   <a:extLst>
@@ -12554,58 +13026,32 @@
                   </a:extLst>
                 </a:hlinkClick>
               </a:rPr>
-              <a:t>random</a:t>
+              <a:t>Serial.available</a:t>
             </a:r>
             <a:r>
               <a:rPr lang="en-US" altLang="zh-CN" sz="2100" dirty="0">
                 <a:latin typeface="+mj-lt"/>
               </a:rPr>
-              <a:t>(max)   </a:t>
-            </a:r>
-          </a:p>
-          <a:p>
+              <a:t>() </a:t>
+            </a:r>
             <a:r>
               <a:rPr lang="zh-CN" altLang="zh-CN" sz="2100" dirty="0">
                 <a:latin typeface="+mj-lt"/>
               </a:rPr>
-              <a:t>随机数函数，返回数据大于等于</a:t>
-            </a:r>
+              <a:t>判断缓冲器状态。 </a:t>
+            </a:r>
+          </a:p>
+          <a:p>
             <a:r>
               <a:rPr lang="en-US" altLang="zh-CN" sz="2100" dirty="0">
                 <a:latin typeface="+mj-lt"/>
               </a:rPr>
-              <a:t>0</a:t>
-            </a:r>
-            <a:r>
-              <a:rPr lang="zh-CN" altLang="zh-CN" sz="2100" dirty="0">
-                <a:latin typeface="+mj-lt"/>
-              </a:rPr>
-              <a:t>，小于</a:t>
-            </a:r>
-            <a:r>
-              <a:rPr lang="en-US" altLang="zh-CN" sz="2100" dirty="0">
-                <a:latin typeface="+mj-lt"/>
-              </a:rPr>
-              <a:t>max</a:t>
-            </a:r>
-            <a:r>
-              <a:rPr lang="zh-CN" altLang="zh-CN" sz="2100" dirty="0">
-                <a:latin typeface="+mj-lt"/>
-              </a:rPr>
-              <a:t>。 </a:t>
-            </a:r>
-          </a:p>
-          <a:p>
-            <a:r>
-              <a:rPr lang="en-US" altLang="zh-CN" sz="2100" dirty="0">
-                <a:latin typeface="+mj-lt"/>
-              </a:rPr>
-              <a:t>long </a:t>
-            </a:r>
-            <a:r>
-              <a:rPr lang="en-US" altLang="zh-CN" sz="2100" dirty="0">
-                <a:latin typeface="+mj-lt"/>
-                <a:hlinkClick r:id="rId3">
+              <a:t>int </a:t>
+            </a:r>
+            <a:r>
+              <a:rPr lang="en-US" altLang="zh-CN" sz="2100" dirty="0" err="1">
+                <a:latin typeface="+mj-lt"/>
+                <a:hlinkClick r:id="rId4">
                   <a:extLst>
                     <a:ext uri="{A12FA001-AC4F-418D-AE19-62706E023703}">
                       <ahyp:hlinkClr xmlns:ahyp="http://schemas.microsoft.com/office/drawing/2018/hyperlinkcolor" val="tx"/>
@@ -12613,45 +13059,100 @@
                   </a:extLst>
                 </a:hlinkClick>
               </a:rPr>
-              <a:t>random</a:t>
+              <a:t>Serial.read</a:t>
             </a:r>
             <a:r>
               <a:rPr lang="en-US" altLang="zh-CN" sz="2100" dirty="0">
                 <a:latin typeface="+mj-lt"/>
               </a:rPr>
-              <a:t>(min, max)   </a:t>
-            </a:r>
-          </a:p>
-          <a:p>
+              <a:t>()   </a:t>
+            </a:r>
             <a:r>
               <a:rPr lang="zh-CN" altLang="zh-CN" sz="2100" dirty="0">
                 <a:latin typeface="+mj-lt"/>
               </a:rPr>
-              <a:t>随机数函数，返回数据大于等于</a:t>
+              <a:t>读串口并返回收到参数。</a:t>
+            </a:r>
+          </a:p>
+          <a:p>
+            <a:r>
+              <a:rPr lang="en-US" altLang="zh-CN" sz="2100" dirty="0" err="1">
+                <a:latin typeface="+mj-lt"/>
+                <a:hlinkClick r:id="rId5">
+                  <a:extLst>
+                    <a:ext uri="{A12FA001-AC4F-418D-AE19-62706E023703}">
+                      <ahyp:hlinkClr xmlns:ahyp="http://schemas.microsoft.com/office/drawing/2018/hyperlinkcolor" val="tx"/>
+                    </a:ext>
+                  </a:extLst>
+                </a:hlinkClick>
+              </a:rPr>
+              <a:t>Serial.flush</a:t>
             </a:r>
             <a:r>
               <a:rPr lang="en-US" altLang="zh-CN" sz="2100" dirty="0">
                 <a:latin typeface="+mj-lt"/>
               </a:rPr>
-              <a:t>min</a:t>
+              <a:t>()    </a:t>
             </a:r>
             <a:r>
               <a:rPr lang="zh-CN" altLang="zh-CN" sz="2100" dirty="0">
                 <a:latin typeface="+mj-lt"/>
               </a:rPr>
-              <a:t>，小于</a:t>
+              <a:t>清空缓冲器。 </a:t>
+            </a:r>
+          </a:p>
+          <a:p>
+            <a:r>
+              <a:rPr lang="en-US" altLang="zh-CN" sz="2100" dirty="0" err="1">
+                <a:latin typeface="+mj-lt"/>
+                <a:hlinkClick r:id="rId6">
+                  <a:extLst>
+                    <a:ext uri="{A12FA001-AC4F-418D-AE19-62706E023703}">
+                      <ahyp:hlinkClr xmlns:ahyp="http://schemas.microsoft.com/office/drawing/2018/hyperlinkcolor" val="tx"/>
+                    </a:ext>
+                  </a:extLst>
+                </a:hlinkClick>
+              </a:rPr>
+              <a:t>Serial.print</a:t>
             </a:r>
             <a:r>
               <a:rPr lang="en-US" altLang="zh-CN" sz="2100" dirty="0">
                 <a:latin typeface="+mj-lt"/>
               </a:rPr>
-              <a:t>max</a:t>
+              <a:t>(data) </a:t>
             </a:r>
             <a:r>
               <a:rPr lang="zh-CN" altLang="zh-CN" sz="2100" dirty="0">
                 <a:latin typeface="+mj-lt"/>
               </a:rPr>
-              <a:t>。 </a:t>
+              <a:t>串口输出数据。</a:t>
+            </a:r>
+          </a:p>
+          <a:p>
+            <a:r>
+              <a:rPr lang="en-US" altLang="zh-CN" sz="2100" dirty="0" err="1">
+                <a:latin typeface="+mj-lt"/>
+                <a:hlinkClick r:id="rId7">
+                  <a:extLst>
+                    <a:ext uri="{A12FA001-AC4F-418D-AE19-62706E023703}">
+                      <ahyp:hlinkClr xmlns:ahyp="http://schemas.microsoft.com/office/drawing/2018/hyperlinkcolor" val="tx"/>
+                    </a:ext>
+                  </a:extLst>
+                </a:hlinkClick>
+              </a:rPr>
+              <a:t>Serial.println</a:t>
+            </a:r>
+            <a:r>
+              <a:rPr lang="en-US" altLang="zh-CN" sz="2100" dirty="0">
+                <a:latin typeface="+mj-lt"/>
+              </a:rPr>
+              <a:t>(data)   </a:t>
+            </a:r>
+            <a:r>
+              <a:rPr lang="zh-CN" altLang="zh-CN" sz="2100" dirty="0">
+                <a:latin typeface="+mj-lt"/>
+              </a:rPr>
+              <a:t>串口输出数据并带回车符。 </a:t>
             </a:r>
           </a:p>
         </p:txBody>
@@ -12659,7 +13160,7 @@
     </p:spTree>
     <p:extLst>
       <p:ext uri="{BB962C8B-B14F-4D97-AF65-F5344CB8AC3E}">
-        <p14:creationId xmlns:p14="http://schemas.microsoft.com/office/powerpoint/2010/main" val="131920571"/>
+        <p14:creationId xmlns:p14="http://schemas.microsoft.com/office/powerpoint/2010/main" val="50088657"/>
       </p:ext>
     </p:extLst>
   </p:cSld>
@@ -12703,7 +13204,7 @@
           <p:cNvPr id="2" name="标题 1">
             <a:extLst>
               <a:ext uri="{FF2B5EF4-FFF2-40B4-BE49-F238E27FC236}">
-                <a16:creationId xmlns:a16="http://schemas.microsoft.com/office/drawing/2014/main" id="{B731B60F-9F05-4784-A4C5-8CFDF13A99E6}"/>
+                <a16:creationId xmlns:a16="http://schemas.microsoft.com/office/drawing/2014/main" id="{EA359F65-F132-42C2-A288-1F1EFC145077}"/>
               </a:ext>
             </a:extLst>
           </p:cNvPr>
@@ -12723,7 +13224,7 @@
           <a:p>
             <a:r>
               <a:rPr lang="zh-CN" altLang="zh-CN" sz="2800" dirty="0"/>
-              <a:t>外部中断函数</a:t>
+              <a:t>官方库文件</a:t>
             </a:r>
             <a:endParaRPr lang="zh-CN" altLang="en-US" sz="2800" dirty="0"/>
           </a:p>
@@ -12734,7 +13235,7 @@
           <p:cNvPr id="3" name="内容占位符 2">
             <a:extLst>
               <a:ext uri="{FF2B5EF4-FFF2-40B4-BE49-F238E27FC236}">
-                <a16:creationId xmlns:a16="http://schemas.microsoft.com/office/drawing/2014/main" id="{A3380820-C6F8-44FC-96B4-639F498E1425}"/>
+                <a16:creationId xmlns:a16="http://schemas.microsoft.com/office/drawing/2014/main" id="{24BC9327-6C4F-4EBC-8002-7E04675C7500}"/>
               </a:ext>
             </a:extLst>
           </p:cNvPr>
@@ -12745,18 +13246,20 @@
             <p:ph idx="1"/>
           </p:nvPr>
         </p:nvSpPr>
-        <p:spPr>
-          <a:xfrm>
-            <a:off x="1309512" y="2198451"/>
-            <a:ext cx="10272889" cy="3801365"/>
-          </a:xfrm>
-        </p:spPr>
-        <p:txBody>
-          <a:bodyPr/>
+        <p:spPr/>
+        <p:txBody>
+          <a:bodyPr>
+            <a:normAutofit fontScale="92500" lnSpcReduction="20000"/>
+          </a:bodyPr>
           <a:lstStyle/>
           <a:p>
-            <a:r>
-              <a:rPr lang="en-US" altLang="zh-CN" sz="2100" dirty="0" err="1">
+            <a:pPr lvl="0">
+              <a:lnSpc>
+                <a:spcPct val="100000"/>
+              </a:lnSpc>
+            </a:pPr>
+            <a:r>
+              <a:rPr lang="en-US" altLang="zh-CN" sz="2100" dirty="0">
                 <a:latin typeface="+mj-lt"/>
                 <a:hlinkClick r:id="rId2">
                   <a:extLst>
@@ -12766,164 +13269,29 @@
                   </a:extLst>
                 </a:hlinkClick>
               </a:rPr>
-              <a:t>attachInterrupt</a:t>
+              <a:t>EEPROM</a:t>
             </a:r>
             <a:r>
               <a:rPr lang="en-US" altLang="zh-CN" sz="2100" dirty="0">
                 <a:latin typeface="+mj-lt"/>
               </a:rPr>
-              <a:t>(interrupt,  mode)     </a:t>
-            </a:r>
-          </a:p>
-          <a:p>
-            <a:pPr marL="457200" lvl="1" indent="0">
-              <a:buNone/>
+              <a:t> - EEPROM</a:t>
+            </a:r>
+            <a:r>
+              <a:rPr lang="zh-CN" altLang="zh-CN" sz="2100" dirty="0">
+                <a:latin typeface="+mj-lt"/>
+              </a:rPr>
+              <a:t>读写程序库 </a:t>
+            </a:r>
+          </a:p>
+          <a:p>
+            <a:pPr lvl="0">
+              <a:lnSpc>
+                <a:spcPct val="100000"/>
+              </a:lnSpc>
             </a:pPr>
             <a:r>
-              <a:rPr lang="zh-CN" altLang="zh-CN" sz="1700" dirty="0">
-                <a:latin typeface="+mj-lt"/>
-              </a:rPr>
-              <a:t>外部中断只能用到数字</a:t>
-            </a:r>
-            <a:r>
-              <a:rPr lang="en-US" altLang="zh-CN" sz="1700" dirty="0">
-                <a:latin typeface="+mj-lt"/>
-              </a:rPr>
-              <a:t>IO</a:t>
-            </a:r>
-            <a:r>
-              <a:rPr lang="zh-CN" altLang="zh-CN" sz="1700" dirty="0">
-                <a:latin typeface="+mj-lt"/>
-              </a:rPr>
-              <a:t>口</a:t>
-            </a:r>
-            <a:r>
-              <a:rPr lang="en-US" altLang="zh-CN" sz="1700" dirty="0">
-                <a:latin typeface="+mj-lt"/>
-              </a:rPr>
-              <a:t>2</a:t>
-            </a:r>
-            <a:r>
-              <a:rPr lang="zh-CN" altLang="zh-CN" sz="1700" dirty="0">
-                <a:latin typeface="+mj-lt"/>
-              </a:rPr>
-              <a:t>和</a:t>
-            </a:r>
-            <a:r>
-              <a:rPr lang="en-US" altLang="zh-CN" sz="1700" dirty="0">
-                <a:latin typeface="+mj-lt"/>
-              </a:rPr>
-              <a:t>3</a:t>
-            </a:r>
-            <a:r>
-              <a:rPr lang="zh-CN" altLang="zh-CN" sz="1700" dirty="0">
-                <a:latin typeface="+mj-lt"/>
-              </a:rPr>
-              <a:t>，</a:t>
-            </a:r>
-            <a:r>
-              <a:rPr lang="en-US" altLang="zh-CN" sz="1700" dirty="0">
-                <a:latin typeface="+mj-lt"/>
-              </a:rPr>
-              <a:t>interrupt</a:t>
-            </a:r>
-            <a:r>
-              <a:rPr lang="zh-CN" altLang="zh-CN" sz="1700" dirty="0">
-                <a:latin typeface="+mj-lt"/>
-              </a:rPr>
-              <a:t>表示中断口初始</a:t>
-            </a:r>
-            <a:r>
-              <a:rPr lang="en-US" altLang="zh-CN" sz="1700" dirty="0">
-                <a:latin typeface="+mj-lt"/>
-              </a:rPr>
-              <a:t>0</a:t>
-            </a:r>
-            <a:r>
-              <a:rPr lang="zh-CN" altLang="zh-CN" sz="1700" dirty="0">
-                <a:latin typeface="+mj-lt"/>
-              </a:rPr>
-              <a:t>或</a:t>
-            </a:r>
-            <a:r>
-              <a:rPr lang="en-US" altLang="zh-CN" sz="1700" dirty="0">
-                <a:latin typeface="+mj-lt"/>
-              </a:rPr>
-              <a:t>1</a:t>
-            </a:r>
-            <a:r>
-              <a:rPr lang="zh-CN" altLang="zh-CN" sz="1700" dirty="0">
-                <a:latin typeface="+mj-lt"/>
-              </a:rPr>
-              <a:t>，表示一个功能函数，</a:t>
-            </a:r>
-            <a:r>
-              <a:rPr lang="en-US" altLang="zh-CN" sz="1700" dirty="0">
-                <a:latin typeface="+mj-lt"/>
-              </a:rPr>
-              <a:t>mode</a:t>
-            </a:r>
-            <a:r>
-              <a:rPr lang="zh-CN" altLang="zh-CN" sz="1700" dirty="0">
-                <a:latin typeface="+mj-lt"/>
-              </a:rPr>
-              <a:t>：</a:t>
-            </a:r>
-            <a:r>
-              <a:rPr lang="en-US" altLang="zh-CN" sz="1700" dirty="0">
-                <a:latin typeface="+mj-lt"/>
-              </a:rPr>
-              <a:t>LOW</a:t>
-            </a:r>
-            <a:r>
-              <a:rPr lang="zh-CN" altLang="zh-CN" sz="1700" dirty="0">
-                <a:latin typeface="+mj-lt"/>
-              </a:rPr>
-              <a:t>低电平中断，</a:t>
-            </a:r>
-            <a:r>
-              <a:rPr lang="en-US" altLang="zh-CN" sz="1700" dirty="0">
-                <a:latin typeface="+mj-lt"/>
-              </a:rPr>
-              <a:t>CHANGE</a:t>
-            </a:r>
-            <a:r>
-              <a:rPr lang="zh-CN" altLang="zh-CN" sz="1700" dirty="0">
-                <a:latin typeface="+mj-lt"/>
-              </a:rPr>
-              <a:t>有变化就中断，</a:t>
-            </a:r>
-            <a:r>
-              <a:rPr lang="en-US" altLang="zh-CN" sz="1700" dirty="0">
-                <a:latin typeface="+mj-lt"/>
-              </a:rPr>
-              <a:t>RISING</a:t>
-            </a:r>
-            <a:r>
-              <a:rPr lang="zh-CN" altLang="zh-CN" sz="1700" dirty="0">
-                <a:latin typeface="+mj-lt"/>
-              </a:rPr>
-              <a:t>上升沿中断，</a:t>
-            </a:r>
-            <a:r>
-              <a:rPr lang="en-US" altLang="zh-CN" sz="1700" dirty="0">
-                <a:latin typeface="+mj-lt"/>
-              </a:rPr>
-              <a:t>FALLING </a:t>
-            </a:r>
-            <a:r>
-              <a:rPr lang="zh-CN" altLang="zh-CN" sz="1700" dirty="0">
-                <a:latin typeface="+mj-lt"/>
-              </a:rPr>
-              <a:t>下降沿中断。</a:t>
-            </a:r>
-            <a:endParaRPr lang="zh-CN" altLang="zh-CN" sz="2100" dirty="0">
-              <a:latin typeface="+mj-lt"/>
-            </a:endParaRPr>
-          </a:p>
-          <a:p>
-            <a:r>
-              <a:rPr lang="en-US" altLang="zh-CN" sz="2100" dirty="0" err="1">
+              <a:rPr lang="en-US" altLang="zh-CN" sz="2100" dirty="0">
                 <a:latin typeface="+mj-lt"/>
                 <a:hlinkClick r:id="rId3">
                   <a:extLst>
@@ -12933,48 +13301,255 @@
                   </a:extLst>
                 </a:hlinkClick>
               </a:rPr>
-              <a:t>detachInterrupt</a:t>
+              <a:t>Ethernet</a:t>
             </a:r>
             <a:r>
               <a:rPr lang="en-US" altLang="zh-CN" sz="2100" dirty="0">
                 <a:latin typeface="+mj-lt"/>
               </a:rPr>
-              <a:t>(interrupt)    </a:t>
-            </a:r>
-          </a:p>
-          <a:p>
-            <a:pPr marL="457200" lvl="1" indent="0">
-              <a:buNone/>
+              <a:t> - </a:t>
+            </a:r>
+            <a:r>
+              <a:rPr lang="zh-CN" altLang="zh-CN" sz="2100" dirty="0">
+                <a:latin typeface="+mj-lt"/>
+              </a:rPr>
+              <a:t>以太网控制器程序库 </a:t>
+            </a:r>
+          </a:p>
+          <a:p>
+            <a:pPr lvl="0">
+              <a:lnSpc>
+                <a:spcPct val="100000"/>
+              </a:lnSpc>
             </a:pPr>
             <a:r>
-              <a:rPr lang="zh-CN" altLang="zh-CN" sz="1700" dirty="0">
-                <a:latin typeface="+mj-lt"/>
-              </a:rPr>
-              <a:t>中断开关，</a:t>
-            </a:r>
-            <a:r>
-              <a:rPr lang="en-US" altLang="zh-CN" sz="1700" dirty="0">
-                <a:latin typeface="+mj-lt"/>
-              </a:rPr>
-              <a:t>interrupt=1 </a:t>
-            </a:r>
-            <a:r>
-              <a:rPr lang="zh-CN" altLang="zh-CN" sz="1700" dirty="0">
-                <a:latin typeface="+mj-lt"/>
-              </a:rPr>
-              <a:t>开，</a:t>
-            </a:r>
-            <a:r>
-              <a:rPr lang="en-US" altLang="zh-CN" sz="1700" dirty="0">
-                <a:latin typeface="+mj-lt"/>
-              </a:rPr>
-              <a:t>interrupt=0 </a:t>
-            </a:r>
-            <a:r>
-              <a:rPr lang="zh-CN" altLang="zh-CN" sz="1700" dirty="0">
-                <a:latin typeface="+mj-lt"/>
-              </a:rPr>
-              <a:t>关。 </a:t>
+              <a:rPr lang="en-US" altLang="zh-CN" sz="2100" dirty="0" err="1">
+                <a:latin typeface="+mj-lt"/>
+                <a:hlinkClick r:id="rId4">
+                  <a:extLst>
+                    <a:ext uri="{A12FA001-AC4F-418D-AE19-62706E023703}">
+                      <ahyp:hlinkClr xmlns:ahyp="http://schemas.microsoft.com/office/drawing/2018/hyperlinkcolor" val="tx"/>
+                    </a:ext>
+                  </a:extLst>
+                </a:hlinkClick>
+              </a:rPr>
+              <a:t>LiquidCrystal</a:t>
+            </a:r>
+            <a:r>
+              <a:rPr lang="en-US" altLang="zh-CN" sz="2100" dirty="0">
+                <a:latin typeface="+mj-lt"/>
+              </a:rPr>
+              <a:t> - LCD</a:t>
+            </a:r>
+            <a:r>
+              <a:rPr lang="zh-CN" altLang="zh-CN" sz="2100" dirty="0">
+                <a:latin typeface="+mj-lt"/>
+              </a:rPr>
+              <a:t>控制程序库 </a:t>
+            </a:r>
+          </a:p>
+          <a:p>
+            <a:pPr lvl="0">
+              <a:lnSpc>
+                <a:spcPct val="100000"/>
+              </a:lnSpc>
+            </a:pPr>
+            <a:r>
+              <a:rPr lang="en-US" altLang="zh-CN" sz="2100" dirty="0">
+                <a:latin typeface="+mj-lt"/>
+                <a:hlinkClick r:id="rId5">
+                  <a:extLst>
+                    <a:ext uri="{A12FA001-AC4F-418D-AE19-62706E023703}">
+                      <ahyp:hlinkClr xmlns:ahyp="http://schemas.microsoft.com/office/drawing/2018/hyperlinkcolor" val="tx"/>
+                    </a:ext>
+                  </a:extLst>
+                </a:hlinkClick>
+              </a:rPr>
+              <a:t>Servo</a:t>
+            </a:r>
+            <a:r>
+              <a:rPr lang="en-US" altLang="zh-CN" sz="2100" dirty="0">
+                <a:latin typeface="+mj-lt"/>
+              </a:rPr>
+              <a:t> - </a:t>
+            </a:r>
+            <a:r>
+              <a:rPr lang="zh-CN" altLang="zh-CN" sz="2100" dirty="0">
+                <a:latin typeface="+mj-lt"/>
+              </a:rPr>
+              <a:t>舵机控制程序库 </a:t>
+            </a:r>
+          </a:p>
+          <a:p>
+            <a:pPr lvl="0">
+              <a:lnSpc>
+                <a:spcPct val="100000"/>
+              </a:lnSpc>
+            </a:pPr>
+            <a:r>
+              <a:rPr lang="en-US" altLang="zh-CN" sz="2100" dirty="0" err="1">
+                <a:latin typeface="+mj-lt"/>
+                <a:hlinkClick r:id="rId6">
+                  <a:extLst>
+                    <a:ext uri="{A12FA001-AC4F-418D-AE19-62706E023703}">
+                      <ahyp:hlinkClr xmlns:ahyp="http://schemas.microsoft.com/office/drawing/2018/hyperlinkcolor" val="tx"/>
+                    </a:ext>
+                  </a:extLst>
+                </a:hlinkClick>
+              </a:rPr>
+              <a:t>SoftwareSerial</a:t>
+            </a:r>
+            <a:r>
+              <a:rPr lang="en-US" altLang="zh-CN" sz="2100" dirty="0">
+                <a:latin typeface="+mj-lt"/>
+              </a:rPr>
+              <a:t> - </a:t>
+            </a:r>
+            <a:r>
+              <a:rPr lang="zh-CN" altLang="zh-CN" sz="2100" dirty="0">
+                <a:latin typeface="+mj-lt"/>
+              </a:rPr>
+              <a:t>任何数字</a:t>
+            </a:r>
+            <a:r>
+              <a:rPr lang="en-US" altLang="zh-CN" sz="2100" dirty="0">
+                <a:latin typeface="+mj-lt"/>
+              </a:rPr>
+              <a:t>IO</a:t>
+            </a:r>
+            <a:r>
+              <a:rPr lang="zh-CN" altLang="zh-CN" sz="2100" dirty="0">
+                <a:latin typeface="+mj-lt"/>
+              </a:rPr>
+              <a:t>口模拟串口程序库 </a:t>
+            </a:r>
+          </a:p>
+          <a:p>
+            <a:pPr lvl="0">
+              <a:lnSpc>
+                <a:spcPct val="100000"/>
+              </a:lnSpc>
+            </a:pPr>
+            <a:r>
+              <a:rPr lang="en-US" altLang="zh-CN" sz="2100" dirty="0">
+                <a:latin typeface="+mj-lt"/>
+                <a:hlinkClick r:id="rId7">
+                  <a:extLst>
+                    <a:ext uri="{A12FA001-AC4F-418D-AE19-62706E023703}">
+                      <ahyp:hlinkClr xmlns:ahyp="http://schemas.microsoft.com/office/drawing/2018/hyperlinkcolor" val="tx"/>
+                    </a:ext>
+                  </a:extLst>
+                </a:hlinkClick>
+              </a:rPr>
+              <a:t>Stepper</a:t>
+            </a:r>
+            <a:r>
+              <a:rPr lang="en-US" altLang="zh-CN" sz="2100" dirty="0">
+                <a:latin typeface="+mj-lt"/>
+              </a:rPr>
+              <a:t> - </a:t>
+            </a:r>
+            <a:r>
+              <a:rPr lang="zh-CN" altLang="zh-CN" sz="2100" dirty="0">
+                <a:latin typeface="+mj-lt"/>
+              </a:rPr>
+              <a:t>步进电机控制程序库 </a:t>
+            </a:r>
+          </a:p>
+          <a:p>
+            <a:pPr lvl="0">
+              <a:lnSpc>
+                <a:spcPct val="100000"/>
+              </a:lnSpc>
+            </a:pPr>
+            <a:r>
+              <a:rPr lang="en-US" altLang="zh-CN" sz="2100" dirty="0">
+                <a:latin typeface="+mj-lt"/>
+                <a:hlinkClick r:id="rId8">
+                  <a:extLst>
+                    <a:ext uri="{A12FA001-AC4F-418D-AE19-62706E023703}">
+                      <ahyp:hlinkClr xmlns:ahyp="http://schemas.microsoft.com/office/drawing/2018/hyperlinkcolor" val="tx"/>
+                    </a:ext>
+                  </a:extLst>
+                </a:hlinkClick>
+              </a:rPr>
+              <a:t>Wire</a:t>
+            </a:r>
+            <a:r>
+              <a:rPr lang="en-US" altLang="zh-CN" sz="2100" dirty="0">
+                <a:latin typeface="+mj-lt"/>
+              </a:rPr>
+              <a:t> - TWI/I2C</a:t>
+            </a:r>
+            <a:r>
+              <a:rPr lang="zh-CN" altLang="zh-CN" sz="2100" dirty="0">
+                <a:latin typeface="+mj-lt"/>
+              </a:rPr>
+              <a:t>总线程序库 </a:t>
+            </a:r>
+          </a:p>
+          <a:p>
+            <a:pPr lvl="0">
+              <a:lnSpc>
+                <a:spcPct val="100000"/>
+              </a:lnSpc>
+            </a:pPr>
+            <a:r>
+              <a:rPr lang="en-US" altLang="zh-CN" sz="2100" dirty="0">
+                <a:latin typeface="+mj-lt"/>
+                <a:hlinkClick r:id="rId9">
+                  <a:extLst>
+                    <a:ext uri="{A12FA001-AC4F-418D-AE19-62706E023703}">
+                      <ahyp:hlinkClr xmlns:ahyp="http://schemas.microsoft.com/office/drawing/2018/hyperlinkcolor" val="tx"/>
+                    </a:ext>
+                  </a:extLst>
+                </a:hlinkClick>
+              </a:rPr>
+              <a:t>Matrix</a:t>
+            </a:r>
+            <a:r>
+              <a:rPr lang="en-US" altLang="zh-CN" sz="2100" dirty="0">
+                <a:latin typeface="+mj-lt"/>
+              </a:rPr>
+              <a:t> - LED</a:t>
+            </a:r>
+            <a:r>
+              <a:rPr lang="zh-CN" altLang="zh-CN" sz="2100" dirty="0">
+                <a:latin typeface="+mj-lt"/>
+              </a:rPr>
+              <a:t>矩阵控制程序库 </a:t>
+            </a:r>
+          </a:p>
+          <a:p>
+            <a:pPr lvl="0">
+              <a:lnSpc>
+                <a:spcPct val="100000"/>
+              </a:lnSpc>
+            </a:pPr>
+            <a:r>
+              <a:rPr lang="en-US" altLang="zh-CN" sz="2100" dirty="0">
+                <a:latin typeface="+mj-lt"/>
+                <a:hlinkClick r:id="rId10">
+                  <a:extLst>
+                    <a:ext uri="{A12FA001-AC4F-418D-AE19-62706E023703}">
+                      <ahyp:hlinkClr xmlns:ahyp="http://schemas.microsoft.com/office/drawing/2018/hyperlinkcolor" val="tx"/>
+                    </a:ext>
+                  </a:extLst>
+                </a:hlinkClick>
+              </a:rPr>
+              <a:t>Sprite</a:t>
+            </a:r>
+            <a:r>
+              <a:rPr lang="en-US" altLang="zh-CN" sz="2100" dirty="0">
+                <a:latin typeface="+mj-lt"/>
+              </a:rPr>
+              <a:t> - LED</a:t>
+            </a:r>
+            <a:r>
+              <a:rPr lang="zh-CN" altLang="zh-CN" sz="2100" dirty="0">
+                <a:latin typeface="+mj-lt"/>
+              </a:rPr>
+              <a:t>矩阵图象处理控制程序库 </a:t>
             </a:r>
           </a:p>
         </p:txBody>
@@ -12982,7 +13557,7 @@
     </p:spTree>
     <p:extLst>
       <p:ext uri="{BB962C8B-B14F-4D97-AF65-F5344CB8AC3E}">
-        <p14:creationId xmlns:p14="http://schemas.microsoft.com/office/powerpoint/2010/main" val="2566654506"/>
+        <p14:creationId xmlns:p14="http://schemas.microsoft.com/office/powerpoint/2010/main" val="3540129963"/>
       </p:ext>
     </p:extLst>
   </p:cSld>
@@ -13026,854 +13601,6 @@
           <p:cNvPr id="2" name="标题 1">
             <a:extLst>
               <a:ext uri="{FF2B5EF4-FFF2-40B4-BE49-F238E27FC236}">
-                <a16:creationId xmlns:a16="http://schemas.microsoft.com/office/drawing/2014/main" id="{8482C30A-B5CB-4D45-B1A1-BE6918ED1B07}"/>
-              </a:ext>
-            </a:extLst>
-          </p:cNvPr>
-          <p:cNvSpPr>
-            <a:spLocks noGrp="1"/>
-          </p:cNvSpPr>
-          <p:nvPr>
-            <p:ph type="title"/>
-          </p:nvPr>
-        </p:nvSpPr>
-        <p:spPr/>
-        <p:txBody>
-          <a:bodyPr>
-            <a:normAutofit/>
-          </a:bodyPr>
-          <a:lstStyle/>
-          <a:p>
-            <a:r>
-              <a:rPr lang="zh-CN" altLang="zh-CN" sz="2800" dirty="0"/>
-              <a:t>中断使能函数</a:t>
-            </a:r>
-            <a:endParaRPr lang="zh-CN" altLang="en-US" sz="2800" dirty="0"/>
-          </a:p>
-        </p:txBody>
-      </p:sp>
-      <p:sp>
-        <p:nvSpPr>
-          <p:cNvPr id="3" name="内容占位符 2">
-            <a:extLst>
-              <a:ext uri="{FF2B5EF4-FFF2-40B4-BE49-F238E27FC236}">
-                <a16:creationId xmlns:a16="http://schemas.microsoft.com/office/drawing/2014/main" id="{E7DD39FF-4FA5-4BD9-AF9C-19391ECFE491}"/>
-              </a:ext>
-            </a:extLst>
-          </p:cNvPr>
-          <p:cNvSpPr>
-            <a:spLocks noGrp="1"/>
-          </p:cNvSpPr>
-          <p:nvPr>
-            <p:ph idx="1"/>
-          </p:nvPr>
-        </p:nvSpPr>
-        <p:spPr/>
-        <p:txBody>
-          <a:bodyPr/>
-          <a:lstStyle/>
-          <a:p>
-            <a:pPr lvl="0"/>
-            <a:r>
-              <a:rPr lang="en-US" altLang="zh-CN" sz="2100" dirty="0">
-                <a:latin typeface="+mj-lt"/>
-                <a:hlinkClick r:id="rId2">
-                  <a:extLst>
-                    <a:ext uri="{A12FA001-AC4F-418D-AE19-62706E023703}">
-                      <ahyp:hlinkClr xmlns:ahyp="http://schemas.microsoft.com/office/drawing/2018/hyperlinkcolor" val="tx"/>
-                    </a:ext>
-                  </a:extLst>
-                </a:hlinkClick>
-              </a:rPr>
-              <a:t>interrupts</a:t>
-            </a:r>
-            <a:r>
-              <a:rPr lang="en-US" altLang="zh-CN" sz="2100" dirty="0">
-                <a:latin typeface="+mj-lt"/>
-              </a:rPr>
-              <a:t>() </a:t>
-            </a:r>
-            <a:r>
-              <a:rPr lang="zh-CN" altLang="zh-CN" sz="2100" dirty="0">
-                <a:latin typeface="+mj-lt"/>
-              </a:rPr>
-              <a:t>使能中断 </a:t>
-            </a:r>
-          </a:p>
-          <a:p>
-            <a:pPr lvl="0"/>
-            <a:r>
-              <a:rPr lang="en-US" altLang="zh-CN" sz="2100" dirty="0" err="1">
-                <a:latin typeface="+mj-lt"/>
-                <a:hlinkClick r:id="rId3">
-                  <a:extLst>
-                    <a:ext uri="{A12FA001-AC4F-418D-AE19-62706E023703}">
-                      <ahyp:hlinkClr xmlns:ahyp="http://schemas.microsoft.com/office/drawing/2018/hyperlinkcolor" val="tx"/>
-                    </a:ext>
-                  </a:extLst>
-                </a:hlinkClick>
-              </a:rPr>
-              <a:t>noInterrupts</a:t>
-            </a:r>
-            <a:r>
-              <a:rPr lang="en-US" altLang="zh-CN" sz="2100" dirty="0">
-                <a:latin typeface="+mj-lt"/>
-              </a:rPr>
-              <a:t>() </a:t>
-            </a:r>
-            <a:r>
-              <a:rPr lang="zh-CN" altLang="zh-CN" sz="2100" dirty="0">
-                <a:latin typeface="+mj-lt"/>
-              </a:rPr>
-              <a:t>禁止中断 </a:t>
-            </a:r>
-          </a:p>
-        </p:txBody>
-      </p:sp>
-    </p:spTree>
-    <p:extLst>
-      <p:ext uri="{BB962C8B-B14F-4D97-AF65-F5344CB8AC3E}">
-        <p14:creationId xmlns:p14="http://schemas.microsoft.com/office/powerpoint/2010/main" val="2327836435"/>
-      </p:ext>
-    </p:extLst>
-  </p:cSld>
-  <p:clrMapOvr>
-    <a:masterClrMapping/>
-  </p:clrMapOvr>
-  <mc:AlternateContent xmlns:mc="http://schemas.openxmlformats.org/markup-compatibility/2006" xmlns:p14="http://schemas.microsoft.com/office/powerpoint/2010/main">
-    <mc:Choice Requires="p14">
-      <p:transition spd="slow" p14:dur="1250">
-        <p:push dir="u"/>
-      </p:transition>
-    </mc:Choice>
-    <mc:Fallback xmlns="">
-      <p:transition spd="slow">
-        <p:push dir="u"/>
-      </p:transition>
-    </mc:Fallback>
-  </mc:AlternateContent>
-</p:sld>
-</file>
-
-<file path=ppt/slides/slide34.xml><?xml version="1.0" encoding="utf-8"?>
-<p:sld xmlns:a="http://schemas.openxmlformats.org/drawingml/2006/main" xmlns:r="http://schemas.openxmlformats.org/officeDocument/2006/relationships" xmlns:p="http://schemas.openxmlformats.org/presentationml/2006/main">
-  <p:cSld>
-    <p:spTree>
-      <p:nvGrpSpPr>
-        <p:cNvPr id="1" name=""/>
-        <p:cNvGrpSpPr/>
-        <p:nvPr/>
-      </p:nvGrpSpPr>
-      <p:grpSpPr>
-        <a:xfrm>
-          <a:off x="0" y="0"/>
-          <a:ext cx="0" cy="0"/>
-          <a:chOff x="0" y="0"/>
-          <a:chExt cx="0" cy="0"/>
-        </a:xfrm>
-      </p:grpSpPr>
-      <p:sp>
-        <p:nvSpPr>
-          <p:cNvPr id="2" name="标题 1">
-            <a:extLst>
-              <a:ext uri="{FF2B5EF4-FFF2-40B4-BE49-F238E27FC236}">
-                <a16:creationId xmlns:a16="http://schemas.microsoft.com/office/drawing/2014/main" id="{0219192A-8D4C-42C1-A679-AB8133EBA007}"/>
-              </a:ext>
-            </a:extLst>
-          </p:cNvPr>
-          <p:cNvSpPr>
-            <a:spLocks noGrp="1"/>
-          </p:cNvSpPr>
-          <p:nvPr>
-            <p:ph type="title"/>
-          </p:nvPr>
-        </p:nvSpPr>
-        <p:spPr/>
-        <p:txBody>
-          <a:bodyPr>
-            <a:normAutofit/>
-          </a:bodyPr>
-          <a:lstStyle/>
-          <a:p>
-            <a:r>
-              <a:rPr lang="zh-CN" altLang="zh-CN" sz="2800" dirty="0"/>
-              <a:t>串口收发函数</a:t>
-            </a:r>
-            <a:endParaRPr lang="zh-CN" altLang="en-US" sz="2800" dirty="0"/>
-          </a:p>
-        </p:txBody>
-      </p:sp>
-      <p:sp>
-        <p:nvSpPr>
-          <p:cNvPr id="3" name="内容占位符 2">
-            <a:extLst>
-              <a:ext uri="{FF2B5EF4-FFF2-40B4-BE49-F238E27FC236}">
-                <a16:creationId xmlns:a16="http://schemas.microsoft.com/office/drawing/2014/main" id="{40F77EA2-86F9-4552-A501-C918FC48BE37}"/>
-              </a:ext>
-            </a:extLst>
-          </p:cNvPr>
-          <p:cNvSpPr>
-            <a:spLocks noGrp="1"/>
-          </p:cNvSpPr>
-          <p:nvPr>
-            <p:ph idx="1"/>
-          </p:nvPr>
-        </p:nvSpPr>
-        <p:spPr/>
-        <p:txBody>
-          <a:bodyPr>
-            <a:normAutofit/>
-          </a:bodyPr>
-          <a:lstStyle/>
-          <a:p>
-            <a:r>
-              <a:rPr lang="en-US" altLang="zh-CN" sz="2100" dirty="0" err="1">
-                <a:latin typeface="+mj-lt"/>
-                <a:hlinkClick r:id="rId2">
-                  <a:extLst>
-                    <a:ext uri="{A12FA001-AC4F-418D-AE19-62706E023703}">
-                      <ahyp:hlinkClr xmlns:ahyp="http://schemas.microsoft.com/office/drawing/2018/hyperlinkcolor" val="tx"/>
-                    </a:ext>
-                  </a:extLst>
-                </a:hlinkClick>
-              </a:rPr>
-              <a:t>Serial.begin</a:t>
-            </a:r>
-            <a:r>
-              <a:rPr lang="en-US" altLang="zh-CN" sz="2100" dirty="0">
-                <a:latin typeface="+mj-lt"/>
-              </a:rPr>
-              <a:t>(speed) </a:t>
-            </a:r>
-          </a:p>
-          <a:p>
-            <a:pPr marL="457200" lvl="1" indent="0">
-              <a:buNone/>
-            </a:pPr>
-            <a:r>
-              <a:rPr lang="zh-CN" altLang="zh-CN" sz="1700" dirty="0">
-                <a:latin typeface="+mj-lt"/>
-              </a:rPr>
-              <a:t>串口定义波特率函数，</a:t>
-            </a:r>
-            <a:r>
-              <a:rPr lang="en-US" altLang="zh-CN" sz="1700" dirty="0">
-                <a:latin typeface="+mj-lt"/>
-              </a:rPr>
-              <a:t>speed</a:t>
-            </a:r>
-            <a:r>
-              <a:rPr lang="zh-CN" altLang="zh-CN" sz="1700" dirty="0">
-                <a:latin typeface="+mj-lt"/>
-              </a:rPr>
-              <a:t>表示波特率，如</a:t>
-            </a:r>
-            <a:r>
-              <a:rPr lang="en-US" altLang="zh-CN" sz="1700" dirty="0">
-                <a:latin typeface="+mj-lt"/>
-              </a:rPr>
-              <a:t>115200</a:t>
-            </a:r>
-            <a:r>
-              <a:rPr lang="zh-CN" altLang="zh-CN" sz="1700" dirty="0">
-                <a:latin typeface="+mj-lt"/>
-              </a:rPr>
-              <a:t>等。</a:t>
-            </a:r>
-          </a:p>
-          <a:p>
-            <a:r>
-              <a:rPr lang="en-US" altLang="zh-CN" sz="2100" dirty="0">
-                <a:latin typeface="+mj-lt"/>
-              </a:rPr>
-              <a:t>int </a:t>
-            </a:r>
-            <a:r>
-              <a:rPr lang="en-US" altLang="zh-CN" sz="2100" dirty="0" err="1">
-                <a:latin typeface="+mj-lt"/>
-                <a:hlinkClick r:id="rId3">
-                  <a:extLst>
-                    <a:ext uri="{A12FA001-AC4F-418D-AE19-62706E023703}">
-                      <ahyp:hlinkClr xmlns:ahyp="http://schemas.microsoft.com/office/drawing/2018/hyperlinkcolor" val="tx"/>
-                    </a:ext>
-                  </a:extLst>
-                </a:hlinkClick>
-              </a:rPr>
-              <a:t>Serial.available</a:t>
-            </a:r>
-            <a:r>
-              <a:rPr lang="en-US" altLang="zh-CN" sz="2100" dirty="0">
-                <a:latin typeface="+mj-lt"/>
-              </a:rPr>
-              <a:t>() </a:t>
-            </a:r>
-            <a:r>
-              <a:rPr lang="zh-CN" altLang="zh-CN" sz="2100" dirty="0">
-                <a:latin typeface="+mj-lt"/>
-              </a:rPr>
-              <a:t>判断缓冲器状态。 </a:t>
-            </a:r>
-          </a:p>
-          <a:p>
-            <a:r>
-              <a:rPr lang="en-US" altLang="zh-CN" sz="2100" dirty="0">
-                <a:latin typeface="+mj-lt"/>
-              </a:rPr>
-              <a:t>int </a:t>
-            </a:r>
-            <a:r>
-              <a:rPr lang="en-US" altLang="zh-CN" sz="2100" dirty="0" err="1">
-                <a:latin typeface="+mj-lt"/>
-                <a:hlinkClick r:id="rId4">
-                  <a:extLst>
-                    <a:ext uri="{A12FA001-AC4F-418D-AE19-62706E023703}">
-                      <ahyp:hlinkClr xmlns:ahyp="http://schemas.microsoft.com/office/drawing/2018/hyperlinkcolor" val="tx"/>
-                    </a:ext>
-                  </a:extLst>
-                </a:hlinkClick>
-              </a:rPr>
-              <a:t>Serial.read</a:t>
-            </a:r>
-            <a:r>
-              <a:rPr lang="en-US" altLang="zh-CN" sz="2100" dirty="0">
-                <a:latin typeface="+mj-lt"/>
-              </a:rPr>
-              <a:t>()   </a:t>
-            </a:r>
-            <a:r>
-              <a:rPr lang="zh-CN" altLang="zh-CN" sz="2100" dirty="0">
-                <a:latin typeface="+mj-lt"/>
-              </a:rPr>
-              <a:t>读串口并返回收到参数。</a:t>
-            </a:r>
-          </a:p>
-          <a:p>
-            <a:r>
-              <a:rPr lang="en-US" altLang="zh-CN" sz="2100" dirty="0" err="1">
-                <a:latin typeface="+mj-lt"/>
-                <a:hlinkClick r:id="rId5">
-                  <a:extLst>
-                    <a:ext uri="{A12FA001-AC4F-418D-AE19-62706E023703}">
-                      <ahyp:hlinkClr xmlns:ahyp="http://schemas.microsoft.com/office/drawing/2018/hyperlinkcolor" val="tx"/>
-                    </a:ext>
-                  </a:extLst>
-                </a:hlinkClick>
-              </a:rPr>
-              <a:t>Serial.flush</a:t>
-            </a:r>
-            <a:r>
-              <a:rPr lang="en-US" altLang="zh-CN" sz="2100" dirty="0">
-                <a:latin typeface="+mj-lt"/>
-              </a:rPr>
-              <a:t>()    </a:t>
-            </a:r>
-            <a:r>
-              <a:rPr lang="zh-CN" altLang="zh-CN" sz="2100" dirty="0">
-                <a:latin typeface="+mj-lt"/>
-              </a:rPr>
-              <a:t>清空缓冲器。 </a:t>
-            </a:r>
-          </a:p>
-          <a:p>
-            <a:r>
-              <a:rPr lang="en-US" altLang="zh-CN" sz="2100" dirty="0" err="1">
-                <a:latin typeface="+mj-lt"/>
-                <a:hlinkClick r:id="rId6">
-                  <a:extLst>
-                    <a:ext uri="{A12FA001-AC4F-418D-AE19-62706E023703}">
-                      <ahyp:hlinkClr xmlns:ahyp="http://schemas.microsoft.com/office/drawing/2018/hyperlinkcolor" val="tx"/>
-                    </a:ext>
-                  </a:extLst>
-                </a:hlinkClick>
-              </a:rPr>
-              <a:t>Serial.print</a:t>
-            </a:r>
-            <a:r>
-              <a:rPr lang="en-US" altLang="zh-CN" sz="2100" dirty="0">
-                <a:latin typeface="+mj-lt"/>
-              </a:rPr>
-              <a:t>(data) </a:t>
-            </a:r>
-            <a:r>
-              <a:rPr lang="zh-CN" altLang="zh-CN" sz="2100" dirty="0">
-                <a:latin typeface="+mj-lt"/>
-              </a:rPr>
-              <a:t>串口输出数据。</a:t>
-            </a:r>
-          </a:p>
-          <a:p>
-            <a:r>
-              <a:rPr lang="en-US" altLang="zh-CN" sz="2100" dirty="0" err="1">
-                <a:latin typeface="+mj-lt"/>
-                <a:hlinkClick r:id="rId7">
-                  <a:extLst>
-                    <a:ext uri="{A12FA001-AC4F-418D-AE19-62706E023703}">
-                      <ahyp:hlinkClr xmlns:ahyp="http://schemas.microsoft.com/office/drawing/2018/hyperlinkcolor" val="tx"/>
-                    </a:ext>
-                  </a:extLst>
-                </a:hlinkClick>
-              </a:rPr>
-              <a:t>Serial.println</a:t>
-            </a:r>
-            <a:r>
-              <a:rPr lang="en-US" altLang="zh-CN" sz="2100" dirty="0">
-                <a:latin typeface="+mj-lt"/>
-              </a:rPr>
-              <a:t>(data)   </a:t>
-            </a:r>
-            <a:r>
-              <a:rPr lang="zh-CN" altLang="zh-CN" sz="2100" dirty="0">
-                <a:latin typeface="+mj-lt"/>
-              </a:rPr>
-              <a:t>串口输出数据并带回车符。 </a:t>
-            </a:r>
-          </a:p>
-        </p:txBody>
-      </p:sp>
-    </p:spTree>
-    <p:extLst>
-      <p:ext uri="{BB962C8B-B14F-4D97-AF65-F5344CB8AC3E}">
-        <p14:creationId xmlns:p14="http://schemas.microsoft.com/office/powerpoint/2010/main" val="50088657"/>
-      </p:ext>
-    </p:extLst>
-  </p:cSld>
-  <p:clrMapOvr>
-    <a:masterClrMapping/>
-  </p:clrMapOvr>
-  <mc:AlternateContent xmlns:mc="http://schemas.openxmlformats.org/markup-compatibility/2006" xmlns:p14="http://schemas.microsoft.com/office/powerpoint/2010/main">
-    <mc:Choice Requires="p14">
-      <p:transition spd="slow" p14:dur="1250">
-        <p:push dir="u"/>
-      </p:transition>
-    </mc:Choice>
-    <mc:Fallback xmlns="">
-      <p:transition spd="slow">
-        <p:push dir="u"/>
-      </p:transition>
-    </mc:Fallback>
-  </mc:AlternateContent>
-</p:sld>
-</file>
-
-<file path=ppt/slides/slide35.xml><?xml version="1.0" encoding="utf-8"?>
-<p:sld xmlns:a="http://schemas.openxmlformats.org/drawingml/2006/main" xmlns:r="http://schemas.openxmlformats.org/officeDocument/2006/relationships" xmlns:p="http://schemas.openxmlformats.org/presentationml/2006/main">
-  <p:cSld>
-    <p:spTree>
-      <p:nvGrpSpPr>
-        <p:cNvPr id="1" name=""/>
-        <p:cNvGrpSpPr/>
-        <p:nvPr/>
-      </p:nvGrpSpPr>
-      <p:grpSpPr>
-        <a:xfrm>
-          <a:off x="0" y="0"/>
-          <a:ext cx="0" cy="0"/>
-          <a:chOff x="0" y="0"/>
-          <a:chExt cx="0" cy="0"/>
-        </a:xfrm>
-      </p:grpSpPr>
-      <p:sp>
-        <p:nvSpPr>
-          <p:cNvPr id="2" name="标题 1">
-            <a:extLst>
-              <a:ext uri="{FF2B5EF4-FFF2-40B4-BE49-F238E27FC236}">
-                <a16:creationId xmlns:a16="http://schemas.microsoft.com/office/drawing/2014/main" id="{EA359F65-F132-42C2-A288-1F1EFC145077}"/>
-              </a:ext>
-            </a:extLst>
-          </p:cNvPr>
-          <p:cNvSpPr>
-            <a:spLocks noGrp="1"/>
-          </p:cNvSpPr>
-          <p:nvPr>
-            <p:ph type="title"/>
-          </p:nvPr>
-        </p:nvSpPr>
-        <p:spPr/>
-        <p:txBody>
-          <a:bodyPr>
-            <a:normAutofit/>
-          </a:bodyPr>
-          <a:lstStyle/>
-          <a:p>
-            <a:r>
-              <a:rPr lang="zh-CN" altLang="zh-CN" sz="2800" dirty="0"/>
-              <a:t>官方库文件</a:t>
-            </a:r>
-            <a:endParaRPr lang="zh-CN" altLang="en-US" sz="2800" dirty="0"/>
-          </a:p>
-        </p:txBody>
-      </p:sp>
-      <p:sp>
-        <p:nvSpPr>
-          <p:cNvPr id="3" name="内容占位符 2">
-            <a:extLst>
-              <a:ext uri="{FF2B5EF4-FFF2-40B4-BE49-F238E27FC236}">
-                <a16:creationId xmlns:a16="http://schemas.microsoft.com/office/drawing/2014/main" id="{24BC9327-6C4F-4EBC-8002-7E04675C7500}"/>
-              </a:ext>
-            </a:extLst>
-          </p:cNvPr>
-          <p:cNvSpPr>
-            <a:spLocks noGrp="1"/>
-          </p:cNvSpPr>
-          <p:nvPr>
-            <p:ph idx="1"/>
-          </p:nvPr>
-        </p:nvSpPr>
-        <p:spPr/>
-        <p:txBody>
-          <a:bodyPr>
-            <a:normAutofit fontScale="92500" lnSpcReduction="20000"/>
-          </a:bodyPr>
-          <a:lstStyle/>
-          <a:p>
-            <a:pPr lvl="0">
-              <a:lnSpc>
-                <a:spcPct val="100000"/>
-              </a:lnSpc>
-            </a:pPr>
-            <a:r>
-              <a:rPr lang="en-US" altLang="zh-CN" sz="2100" dirty="0">
-                <a:latin typeface="+mj-lt"/>
-                <a:hlinkClick r:id="rId2">
-                  <a:extLst>
-                    <a:ext uri="{A12FA001-AC4F-418D-AE19-62706E023703}">
-                      <ahyp:hlinkClr xmlns:ahyp="http://schemas.microsoft.com/office/drawing/2018/hyperlinkcolor" val="tx"/>
-                    </a:ext>
-                  </a:extLst>
-                </a:hlinkClick>
-              </a:rPr>
-              <a:t>EEPROM</a:t>
-            </a:r>
-            <a:r>
-              <a:rPr lang="en-US" altLang="zh-CN" sz="2100" dirty="0">
-                <a:latin typeface="+mj-lt"/>
-              </a:rPr>
-              <a:t> - EEPROM</a:t>
-            </a:r>
-            <a:r>
-              <a:rPr lang="zh-CN" altLang="zh-CN" sz="2100" dirty="0">
-                <a:latin typeface="+mj-lt"/>
-              </a:rPr>
-              <a:t>读写程序库 </a:t>
-            </a:r>
-          </a:p>
-          <a:p>
-            <a:pPr lvl="0">
-              <a:lnSpc>
-                <a:spcPct val="100000"/>
-              </a:lnSpc>
-            </a:pPr>
-            <a:r>
-              <a:rPr lang="en-US" altLang="zh-CN" sz="2100" dirty="0">
-                <a:latin typeface="+mj-lt"/>
-                <a:hlinkClick r:id="rId3">
-                  <a:extLst>
-                    <a:ext uri="{A12FA001-AC4F-418D-AE19-62706E023703}">
-                      <ahyp:hlinkClr xmlns:ahyp="http://schemas.microsoft.com/office/drawing/2018/hyperlinkcolor" val="tx"/>
-                    </a:ext>
-                  </a:extLst>
-                </a:hlinkClick>
-              </a:rPr>
-              <a:t>Ethernet</a:t>
-            </a:r>
-            <a:r>
-              <a:rPr lang="en-US" altLang="zh-CN" sz="2100" dirty="0">
-                <a:latin typeface="+mj-lt"/>
-              </a:rPr>
-              <a:t> - </a:t>
-            </a:r>
-            <a:r>
-              <a:rPr lang="zh-CN" altLang="zh-CN" sz="2100" dirty="0">
-                <a:latin typeface="+mj-lt"/>
-              </a:rPr>
-              <a:t>以太网控制器程序库 </a:t>
-            </a:r>
-          </a:p>
-          <a:p>
-            <a:pPr lvl="0">
-              <a:lnSpc>
-                <a:spcPct val="100000"/>
-              </a:lnSpc>
-            </a:pPr>
-            <a:r>
-              <a:rPr lang="en-US" altLang="zh-CN" sz="2100" dirty="0" err="1">
-                <a:latin typeface="+mj-lt"/>
-                <a:hlinkClick r:id="rId4">
-                  <a:extLst>
-                    <a:ext uri="{A12FA001-AC4F-418D-AE19-62706E023703}">
-                      <ahyp:hlinkClr xmlns:ahyp="http://schemas.microsoft.com/office/drawing/2018/hyperlinkcolor" val="tx"/>
-                    </a:ext>
-                  </a:extLst>
-                </a:hlinkClick>
-              </a:rPr>
-              <a:t>LiquidCrystal</a:t>
-            </a:r>
-            <a:r>
-              <a:rPr lang="en-US" altLang="zh-CN" sz="2100" dirty="0">
-                <a:latin typeface="+mj-lt"/>
-              </a:rPr>
-              <a:t> - LCD</a:t>
-            </a:r>
-            <a:r>
-              <a:rPr lang="zh-CN" altLang="zh-CN" sz="2100" dirty="0">
-                <a:latin typeface="+mj-lt"/>
-              </a:rPr>
-              <a:t>控制程序库 </a:t>
-            </a:r>
-          </a:p>
-          <a:p>
-            <a:pPr lvl="0">
-              <a:lnSpc>
-                <a:spcPct val="100000"/>
-              </a:lnSpc>
-            </a:pPr>
-            <a:r>
-              <a:rPr lang="en-US" altLang="zh-CN" sz="2100" dirty="0">
-                <a:latin typeface="+mj-lt"/>
-                <a:hlinkClick r:id="rId5">
-                  <a:extLst>
-                    <a:ext uri="{A12FA001-AC4F-418D-AE19-62706E023703}">
-                      <ahyp:hlinkClr xmlns:ahyp="http://schemas.microsoft.com/office/drawing/2018/hyperlinkcolor" val="tx"/>
-                    </a:ext>
-                  </a:extLst>
-                </a:hlinkClick>
-              </a:rPr>
-              <a:t>Servo</a:t>
-            </a:r>
-            <a:r>
-              <a:rPr lang="en-US" altLang="zh-CN" sz="2100" dirty="0">
-                <a:latin typeface="+mj-lt"/>
-              </a:rPr>
-              <a:t> - </a:t>
-            </a:r>
-            <a:r>
-              <a:rPr lang="zh-CN" altLang="zh-CN" sz="2100" dirty="0">
-                <a:latin typeface="+mj-lt"/>
-              </a:rPr>
-              <a:t>舵机控制程序库 </a:t>
-            </a:r>
-          </a:p>
-          <a:p>
-            <a:pPr lvl="0">
-              <a:lnSpc>
-                <a:spcPct val="100000"/>
-              </a:lnSpc>
-            </a:pPr>
-            <a:r>
-              <a:rPr lang="en-US" altLang="zh-CN" sz="2100" dirty="0" err="1">
-                <a:latin typeface="+mj-lt"/>
-                <a:hlinkClick r:id="rId6">
-                  <a:extLst>
-                    <a:ext uri="{A12FA001-AC4F-418D-AE19-62706E023703}">
-                      <ahyp:hlinkClr xmlns:ahyp="http://schemas.microsoft.com/office/drawing/2018/hyperlinkcolor" val="tx"/>
-                    </a:ext>
-                  </a:extLst>
-                </a:hlinkClick>
-              </a:rPr>
-              <a:t>SoftwareSerial</a:t>
-            </a:r>
-            <a:r>
-              <a:rPr lang="en-US" altLang="zh-CN" sz="2100" dirty="0">
-                <a:latin typeface="+mj-lt"/>
-              </a:rPr>
-              <a:t> - </a:t>
-            </a:r>
-            <a:r>
-              <a:rPr lang="zh-CN" altLang="zh-CN" sz="2100" dirty="0">
-                <a:latin typeface="+mj-lt"/>
-              </a:rPr>
-              <a:t>任何数字</a:t>
-            </a:r>
-            <a:r>
-              <a:rPr lang="en-US" altLang="zh-CN" sz="2100" dirty="0">
-                <a:latin typeface="+mj-lt"/>
-              </a:rPr>
-              <a:t>IO</a:t>
-            </a:r>
-            <a:r>
-              <a:rPr lang="zh-CN" altLang="zh-CN" sz="2100" dirty="0">
-                <a:latin typeface="+mj-lt"/>
-              </a:rPr>
-              <a:t>口模拟串口程序库 </a:t>
-            </a:r>
-          </a:p>
-          <a:p>
-            <a:pPr lvl="0">
-              <a:lnSpc>
-                <a:spcPct val="100000"/>
-              </a:lnSpc>
-            </a:pPr>
-            <a:r>
-              <a:rPr lang="en-US" altLang="zh-CN" sz="2100" dirty="0">
-                <a:latin typeface="+mj-lt"/>
-                <a:hlinkClick r:id="rId7">
-                  <a:extLst>
-                    <a:ext uri="{A12FA001-AC4F-418D-AE19-62706E023703}">
-                      <ahyp:hlinkClr xmlns:ahyp="http://schemas.microsoft.com/office/drawing/2018/hyperlinkcolor" val="tx"/>
-                    </a:ext>
-                  </a:extLst>
-                </a:hlinkClick>
-              </a:rPr>
-              <a:t>Stepper</a:t>
-            </a:r>
-            <a:r>
-              <a:rPr lang="en-US" altLang="zh-CN" sz="2100" dirty="0">
-                <a:latin typeface="+mj-lt"/>
-              </a:rPr>
-              <a:t> - </a:t>
-            </a:r>
-            <a:r>
-              <a:rPr lang="zh-CN" altLang="zh-CN" sz="2100" dirty="0">
-                <a:latin typeface="+mj-lt"/>
-              </a:rPr>
-              <a:t>步进电机控制程序库 </a:t>
-            </a:r>
-          </a:p>
-          <a:p>
-            <a:pPr lvl="0">
-              <a:lnSpc>
-                <a:spcPct val="100000"/>
-              </a:lnSpc>
-            </a:pPr>
-            <a:r>
-              <a:rPr lang="en-US" altLang="zh-CN" sz="2100" dirty="0">
-                <a:latin typeface="+mj-lt"/>
-                <a:hlinkClick r:id="rId8">
-                  <a:extLst>
-                    <a:ext uri="{A12FA001-AC4F-418D-AE19-62706E023703}">
-                      <ahyp:hlinkClr xmlns:ahyp="http://schemas.microsoft.com/office/drawing/2018/hyperlinkcolor" val="tx"/>
-                    </a:ext>
-                  </a:extLst>
-                </a:hlinkClick>
-              </a:rPr>
-              <a:t>Wire</a:t>
-            </a:r>
-            <a:r>
-              <a:rPr lang="en-US" altLang="zh-CN" sz="2100" dirty="0">
-                <a:latin typeface="+mj-lt"/>
-              </a:rPr>
-              <a:t> - TWI/I2C</a:t>
-            </a:r>
-            <a:r>
-              <a:rPr lang="zh-CN" altLang="zh-CN" sz="2100" dirty="0">
-                <a:latin typeface="+mj-lt"/>
-              </a:rPr>
-              <a:t>总线程序库 </a:t>
-            </a:r>
-          </a:p>
-          <a:p>
-            <a:pPr lvl="0">
-              <a:lnSpc>
-                <a:spcPct val="100000"/>
-              </a:lnSpc>
-            </a:pPr>
-            <a:r>
-              <a:rPr lang="en-US" altLang="zh-CN" sz="2100" dirty="0">
-                <a:latin typeface="+mj-lt"/>
-                <a:hlinkClick r:id="rId9">
-                  <a:extLst>
-                    <a:ext uri="{A12FA001-AC4F-418D-AE19-62706E023703}">
-                      <ahyp:hlinkClr xmlns:ahyp="http://schemas.microsoft.com/office/drawing/2018/hyperlinkcolor" val="tx"/>
-                    </a:ext>
-                  </a:extLst>
-                </a:hlinkClick>
-              </a:rPr>
-              <a:t>Matrix</a:t>
-            </a:r>
-            <a:r>
-              <a:rPr lang="en-US" altLang="zh-CN" sz="2100" dirty="0">
-                <a:latin typeface="+mj-lt"/>
-              </a:rPr>
-              <a:t> - LED</a:t>
-            </a:r>
-            <a:r>
-              <a:rPr lang="zh-CN" altLang="zh-CN" sz="2100" dirty="0">
-                <a:latin typeface="+mj-lt"/>
-              </a:rPr>
-              <a:t>矩阵控制程序库 </a:t>
-            </a:r>
-          </a:p>
-          <a:p>
-            <a:pPr lvl="0">
-              <a:lnSpc>
-                <a:spcPct val="100000"/>
-              </a:lnSpc>
-            </a:pPr>
-            <a:r>
-              <a:rPr lang="en-US" altLang="zh-CN" sz="2100" dirty="0">
-                <a:latin typeface="+mj-lt"/>
-                <a:hlinkClick r:id="rId10">
-                  <a:extLst>
-                    <a:ext uri="{A12FA001-AC4F-418D-AE19-62706E023703}">
-                      <ahyp:hlinkClr xmlns:ahyp="http://schemas.microsoft.com/office/drawing/2018/hyperlinkcolor" val="tx"/>
-                    </a:ext>
-                  </a:extLst>
-                </a:hlinkClick>
-              </a:rPr>
-              <a:t>Sprite</a:t>
-            </a:r>
-            <a:r>
-              <a:rPr lang="en-US" altLang="zh-CN" sz="2100" dirty="0">
-                <a:latin typeface="+mj-lt"/>
-              </a:rPr>
-              <a:t> - LED</a:t>
-            </a:r>
-            <a:r>
-              <a:rPr lang="zh-CN" altLang="zh-CN" sz="2100" dirty="0">
-                <a:latin typeface="+mj-lt"/>
-              </a:rPr>
-              <a:t>矩阵图象处理控制程序库 </a:t>
-            </a:r>
-          </a:p>
-        </p:txBody>
-      </p:sp>
-    </p:spTree>
-    <p:extLst>
-      <p:ext uri="{BB962C8B-B14F-4D97-AF65-F5344CB8AC3E}">
-        <p14:creationId xmlns:p14="http://schemas.microsoft.com/office/powerpoint/2010/main" val="3540129963"/>
-      </p:ext>
-    </p:extLst>
-  </p:cSld>
-  <p:clrMapOvr>
-    <a:masterClrMapping/>
-  </p:clrMapOvr>
-  <mc:AlternateContent xmlns:mc="http://schemas.openxmlformats.org/markup-compatibility/2006" xmlns:p14="http://schemas.microsoft.com/office/powerpoint/2010/main">
-    <mc:Choice Requires="p14">
-      <p:transition spd="slow" p14:dur="1250">
-        <p:push dir="u"/>
-      </p:transition>
-    </mc:Choice>
-    <mc:Fallback xmlns="">
-      <p:transition spd="slow">
-        <p:push dir="u"/>
-      </p:transition>
-    </mc:Fallback>
-  </mc:AlternateContent>
-</p:sld>
-</file>
-
-<file path=ppt/slides/slide36.xml><?xml version="1.0" encoding="utf-8"?>
-<p:sld xmlns:a="http://schemas.openxmlformats.org/drawingml/2006/main" xmlns:r="http://schemas.openxmlformats.org/officeDocument/2006/relationships" xmlns:p="http://schemas.openxmlformats.org/presentationml/2006/main">
-  <p:cSld>
-    <p:spTree>
-      <p:nvGrpSpPr>
-        <p:cNvPr id="1" name=""/>
-        <p:cNvGrpSpPr/>
-        <p:nvPr/>
-      </p:nvGrpSpPr>
-      <p:grpSpPr>
-        <a:xfrm>
-          <a:off x="0" y="0"/>
-          <a:ext cx="0" cy="0"/>
-          <a:chOff x="0" y="0"/>
-          <a:chExt cx="0" cy="0"/>
-        </a:xfrm>
-      </p:grpSpPr>
-      <p:sp>
-        <p:nvSpPr>
-          <p:cNvPr id="2" name="标题 1">
-            <a:extLst>
-              <a:ext uri="{FF2B5EF4-FFF2-40B4-BE49-F238E27FC236}">
                 <a16:creationId xmlns:a16="http://schemas.microsoft.com/office/drawing/2014/main" id="{6144BABE-9AE6-4565-B247-4CBEA2AB0025}"/>
               </a:ext>
             </a:extLst>
@@ -14042,7 +13769,7 @@
 </p:sld>
 </file>
 
-<file path=ppt/slides/slide37.xml><?xml version="1.0" encoding="utf-8"?>
+<file path=ppt/slides/slide34.xml><?xml version="1.0" encoding="utf-8"?>
 <p:sld xmlns:a="http://schemas.openxmlformats.org/drawingml/2006/main" xmlns:r="http://schemas.openxmlformats.org/officeDocument/2006/relationships" xmlns:p="http://schemas.openxmlformats.org/presentationml/2006/main">
   <p:cSld>
     <p:spTree>
@@ -14273,7 +14000,7 @@
 </p:sld>
 </file>
 
-<file path=ppt/slides/slide38.xml><?xml version="1.0" encoding="utf-8"?>
+<file path=ppt/slides/slide35.xml><?xml version="1.0" encoding="utf-8"?>
 <p:sld xmlns:a="http://schemas.openxmlformats.org/drawingml/2006/main" xmlns:r="http://schemas.openxmlformats.org/officeDocument/2006/relationships" xmlns:p="http://schemas.openxmlformats.org/presentationml/2006/main">
   <p:cSld>
     <p:spTree>
@@ -14345,7 +14072,7 @@
 </p:sld>
 </file>
 
-<file path=ppt/slides/slide39.xml><?xml version="1.0" encoding="utf-8"?>
+<file path=ppt/slides/slide36.xml><?xml version="1.0" encoding="utf-8"?>
 <p:sld xmlns:a="http://schemas.openxmlformats.org/drawingml/2006/main" xmlns:r="http://schemas.openxmlformats.org/officeDocument/2006/relationships" xmlns:p="http://schemas.openxmlformats.org/presentationml/2006/main">
   <p:cSld>
     <p:spTree>
@@ -14623,158 +14350,7 @@
 </p:sld>
 </file>
 
-<file path=ppt/slides/slide4.xml><?xml version="1.0" encoding="utf-8"?>
-<p:sld xmlns:a="http://schemas.openxmlformats.org/drawingml/2006/main" xmlns:r="http://schemas.openxmlformats.org/officeDocument/2006/relationships" xmlns:p="http://schemas.openxmlformats.org/presentationml/2006/main">
-  <p:cSld>
-    <p:spTree>
-      <p:nvGrpSpPr>
-        <p:cNvPr id="1" name=""/>
-        <p:cNvGrpSpPr/>
-        <p:nvPr/>
-      </p:nvGrpSpPr>
-      <p:grpSpPr>
-        <a:xfrm>
-          <a:off x="0" y="0"/>
-          <a:ext cx="0" cy="0"/>
-          <a:chOff x="0" y="0"/>
-          <a:chExt cx="0" cy="0"/>
-        </a:xfrm>
-      </p:grpSpPr>
-      <p:sp>
-        <p:nvSpPr>
-          <p:cNvPr id="2" name="标题 1"/>
-          <p:cNvSpPr>
-            <a:spLocks noGrp="1"/>
-          </p:cNvSpPr>
-          <p:nvPr>
-            <p:ph type="title"/>
-          </p:nvPr>
-        </p:nvSpPr>
-        <p:spPr>
-          <a:xfrm>
-            <a:off x="2506133" y="908720"/>
-            <a:ext cx="7704667" cy="1981200"/>
-          </a:xfrm>
-        </p:spPr>
-        <p:txBody>
-          <a:bodyPr>
-            <a:normAutofit/>
-          </a:bodyPr>
-          <a:lstStyle/>
-          <a:p>
-            <a:r>
-              <a:rPr lang="en-US" altLang="zh-CN" sz="4800" b="1" dirty="0"/>
-              <a:t>1</a:t>
-            </a:r>
-            <a:r>
-              <a:rPr lang="zh-CN" altLang="en-US" sz="4800" b="1" dirty="0"/>
-              <a:t>、小学期实</a:t>
-            </a:r>
-            <a:r>
-              <a:rPr lang="zh-CN" altLang="en-US" sz="4800" b="1"/>
-              <a:t>训目标</a:t>
-            </a:r>
-            <a:endParaRPr lang="zh-CN" altLang="en-US" sz="4800" b="1" dirty="0"/>
-          </a:p>
-        </p:txBody>
-      </p:sp>
-      <p:sp>
-        <p:nvSpPr>
-          <p:cNvPr id="3" name="内容占位符 2"/>
-          <p:cNvSpPr>
-            <a:spLocks noGrp="1"/>
-          </p:cNvSpPr>
-          <p:nvPr>
-            <p:ph idx="1"/>
-          </p:nvPr>
-        </p:nvSpPr>
-        <p:spPr>
-          <a:xfrm>
-            <a:off x="2583312" y="2780928"/>
-            <a:ext cx="7550307" cy="2930856"/>
-          </a:xfrm>
-        </p:spPr>
-        <p:txBody>
-          <a:bodyPr>
-            <a:normAutofit/>
-          </a:bodyPr>
-          <a:lstStyle/>
-          <a:p>
-            <a:r>
-              <a:rPr lang="zh-CN" altLang="en-US" sz="2800" dirty="0"/>
-              <a:t>通过</a:t>
-            </a:r>
-            <a:r>
-              <a:rPr lang="en-US" altLang="zh-CN" sz="2800" dirty="0"/>
-              <a:t>10</a:t>
-            </a:r>
-            <a:r>
-              <a:rPr lang="zh-CN" altLang="en-US" sz="2800" dirty="0"/>
-              <a:t>天的计算机软硬件技术的项目实训，对计算机软硬件技术有更深的认识，为未来更好的掌握计算机软硬件技术，服务于同学们的专业发展服务。</a:t>
-            </a:r>
-            <a:endParaRPr lang="en-US" altLang="zh-CN" sz="2800" dirty="0"/>
-          </a:p>
-          <a:p>
-            <a:r>
-              <a:rPr lang="zh-CN" altLang="en-US" sz="2800" dirty="0"/>
-              <a:t>其中，</a:t>
-            </a:r>
-            <a:r>
-              <a:rPr lang="en-US" altLang="zh-CN" sz="2800" dirty="0">
-                <a:solidFill>
-                  <a:srgbClr val="FF0000"/>
-                </a:solidFill>
-              </a:rPr>
-              <a:t>Arduino</a:t>
-            </a:r>
-            <a:r>
-              <a:rPr lang="zh-CN" altLang="en-US" sz="2800" dirty="0">
-                <a:solidFill>
-                  <a:srgbClr val="FF0000"/>
-                </a:solidFill>
-              </a:rPr>
-              <a:t>项目为期</a:t>
-            </a:r>
-            <a:r>
-              <a:rPr lang="en-US" altLang="zh-CN" sz="2800" dirty="0">
-                <a:solidFill>
-                  <a:srgbClr val="FF0000"/>
-                </a:solidFill>
-              </a:rPr>
-              <a:t>10</a:t>
-            </a:r>
-            <a:r>
-              <a:rPr lang="zh-CN" altLang="en-US" sz="2800" dirty="0">
-                <a:solidFill>
-                  <a:srgbClr val="FF0000"/>
-                </a:solidFill>
-              </a:rPr>
-              <a:t>天。</a:t>
-            </a:r>
-          </a:p>
-        </p:txBody>
-      </p:sp>
-    </p:spTree>
-  </p:cSld>
-  <p:clrMapOvr>
-    <a:masterClrMapping/>
-  </p:clrMapOvr>
-  <mc:AlternateContent xmlns:mc="http://schemas.openxmlformats.org/markup-compatibility/2006" xmlns:p14="http://schemas.microsoft.com/office/powerpoint/2010/main">
-    <mc:Choice Requires="p14">
-      <p:transition spd="slow" p14:dur="1250">
-        <p:push dir="u"/>
-      </p:transition>
-    </mc:Choice>
-    <mc:Fallback xmlns="">
-      <p:transition spd="slow">
-        <p:push dir="u"/>
-      </p:transition>
-    </mc:Fallback>
-  </mc:AlternateContent>
-</p:sld>
-</file>
-
-<file path=ppt/slides/slide40.xml><?xml version="1.0" encoding="utf-8"?>
+<file path=ppt/slides/slide37.xml><?xml version="1.0" encoding="utf-8"?>
 <p:sld xmlns:a="http://schemas.openxmlformats.org/drawingml/2006/main" xmlns:r="http://schemas.openxmlformats.org/officeDocument/2006/relationships" xmlns:p="http://schemas.openxmlformats.org/presentationml/2006/main">
   <p:cSld>
     <p:spTree>
@@ -14944,7 +14520,7 @@
 </p:sld>
 </file>
 
-<file path=ppt/slides/slide41.xml><?xml version="1.0" encoding="utf-8"?>
+<file path=ppt/slides/slide38.xml><?xml version="1.0" encoding="utf-8"?>
 <p:sld xmlns:a="http://schemas.openxmlformats.org/drawingml/2006/main" xmlns:r="http://schemas.openxmlformats.org/officeDocument/2006/relationships" xmlns:p="http://schemas.openxmlformats.org/presentationml/2006/main">
   <p:cSld>
     <p:spTree>
@@ -15048,7 +14624,7 @@
 </p:sld>
 </file>
 
-<file path=ppt/slides/slide42.xml><?xml version="1.0" encoding="utf-8"?>
+<file path=ppt/slides/slide39.xml><?xml version="1.0" encoding="utf-8"?>
 <p:sld xmlns:a="http://schemas.openxmlformats.org/drawingml/2006/main" xmlns:r="http://schemas.openxmlformats.org/officeDocument/2006/relationships" xmlns:p="http://schemas.openxmlformats.org/presentationml/2006/main">
   <p:cSld>
     <p:spTree>
@@ -15220,7 +14796,158 @@
 </p:sld>
 </file>
 
-<file path=ppt/slides/slide43.xml><?xml version="1.0" encoding="utf-8"?>
+<file path=ppt/slides/slide4.xml><?xml version="1.0" encoding="utf-8"?>
+<p:sld xmlns:a="http://schemas.openxmlformats.org/drawingml/2006/main" xmlns:r="http://schemas.openxmlformats.org/officeDocument/2006/relationships" xmlns:p="http://schemas.openxmlformats.org/presentationml/2006/main">
+  <p:cSld>
+    <p:spTree>
+      <p:nvGrpSpPr>
+        <p:cNvPr id="1" name=""/>
+        <p:cNvGrpSpPr/>
+        <p:nvPr/>
+      </p:nvGrpSpPr>
+      <p:grpSpPr>
+        <a:xfrm>
+          <a:off x="0" y="0"/>
+          <a:ext cx="0" cy="0"/>
+          <a:chOff x="0" y="0"/>
+          <a:chExt cx="0" cy="0"/>
+        </a:xfrm>
+      </p:grpSpPr>
+      <p:sp>
+        <p:nvSpPr>
+          <p:cNvPr id="2" name="标题 1"/>
+          <p:cNvSpPr>
+            <a:spLocks noGrp="1"/>
+          </p:cNvSpPr>
+          <p:nvPr>
+            <p:ph type="title"/>
+          </p:nvPr>
+        </p:nvSpPr>
+        <p:spPr>
+          <a:xfrm>
+            <a:off x="2506133" y="908720"/>
+            <a:ext cx="7704667" cy="1981200"/>
+          </a:xfrm>
+        </p:spPr>
+        <p:txBody>
+          <a:bodyPr>
+            <a:normAutofit/>
+          </a:bodyPr>
+          <a:lstStyle/>
+          <a:p>
+            <a:r>
+              <a:rPr lang="en-US" altLang="zh-CN" sz="4800" b="1" dirty="0"/>
+              <a:t>1</a:t>
+            </a:r>
+            <a:r>
+              <a:rPr lang="zh-CN" altLang="en-US" sz="4800" b="1" dirty="0"/>
+              <a:t>、小学期实</a:t>
+            </a:r>
+            <a:r>
+              <a:rPr lang="zh-CN" altLang="en-US" sz="4800" b="1"/>
+              <a:t>训目标</a:t>
+            </a:r>
+            <a:endParaRPr lang="zh-CN" altLang="en-US" sz="4800" b="1" dirty="0"/>
+          </a:p>
+        </p:txBody>
+      </p:sp>
+      <p:sp>
+        <p:nvSpPr>
+          <p:cNvPr id="3" name="内容占位符 2"/>
+          <p:cNvSpPr>
+            <a:spLocks noGrp="1"/>
+          </p:cNvSpPr>
+          <p:nvPr>
+            <p:ph idx="1"/>
+          </p:nvPr>
+        </p:nvSpPr>
+        <p:spPr>
+          <a:xfrm>
+            <a:off x="2583312" y="2780928"/>
+            <a:ext cx="7550307" cy="2930856"/>
+          </a:xfrm>
+        </p:spPr>
+        <p:txBody>
+          <a:bodyPr>
+            <a:normAutofit/>
+          </a:bodyPr>
+          <a:lstStyle/>
+          <a:p>
+            <a:r>
+              <a:rPr lang="zh-CN" altLang="en-US" sz="2800" dirty="0"/>
+              <a:t>通过</a:t>
+            </a:r>
+            <a:r>
+              <a:rPr lang="en-US" altLang="zh-CN" sz="2800" dirty="0"/>
+              <a:t>10</a:t>
+            </a:r>
+            <a:r>
+              <a:rPr lang="zh-CN" altLang="en-US" sz="2800" dirty="0"/>
+              <a:t>天的计算机软硬件技术的项目实训，对计算机软硬件技术有更深的认识，为未来更好的掌握计算机软硬件技术，服务于同学们的专业发展服务。</a:t>
+            </a:r>
+            <a:endParaRPr lang="en-US" altLang="zh-CN" sz="2800" dirty="0"/>
+          </a:p>
+          <a:p>
+            <a:r>
+              <a:rPr lang="zh-CN" altLang="en-US" sz="2800" dirty="0"/>
+              <a:t>其中，</a:t>
+            </a:r>
+            <a:r>
+              <a:rPr lang="en-US" altLang="zh-CN" sz="2800" dirty="0">
+                <a:solidFill>
+                  <a:srgbClr val="FF0000"/>
+                </a:solidFill>
+              </a:rPr>
+              <a:t>Arduino</a:t>
+            </a:r>
+            <a:r>
+              <a:rPr lang="zh-CN" altLang="en-US" sz="2800" dirty="0">
+                <a:solidFill>
+                  <a:srgbClr val="FF0000"/>
+                </a:solidFill>
+              </a:rPr>
+              <a:t>项目为期</a:t>
+            </a:r>
+            <a:r>
+              <a:rPr lang="en-US" altLang="zh-CN" sz="2800" dirty="0">
+                <a:solidFill>
+                  <a:srgbClr val="FF0000"/>
+                </a:solidFill>
+              </a:rPr>
+              <a:t>10</a:t>
+            </a:r>
+            <a:r>
+              <a:rPr lang="zh-CN" altLang="en-US" sz="2800" dirty="0">
+                <a:solidFill>
+                  <a:srgbClr val="FF0000"/>
+                </a:solidFill>
+              </a:rPr>
+              <a:t>天。</a:t>
+            </a:r>
+          </a:p>
+        </p:txBody>
+      </p:sp>
+    </p:spTree>
+  </p:cSld>
+  <p:clrMapOvr>
+    <a:masterClrMapping/>
+  </p:clrMapOvr>
+  <mc:AlternateContent xmlns:mc="http://schemas.openxmlformats.org/markup-compatibility/2006" xmlns:p14="http://schemas.microsoft.com/office/powerpoint/2010/main">
+    <mc:Choice Requires="p14">
+      <p:transition spd="slow" p14:dur="1250">
+        <p:push dir="u"/>
+      </p:transition>
+    </mc:Choice>
+    <mc:Fallback xmlns="">
+      <p:transition spd="slow">
+        <p:push dir="u"/>
+      </p:transition>
+    </mc:Fallback>
+  </mc:AlternateContent>
+</p:sld>
+</file>
+
+<file path=ppt/slides/slide40.xml><?xml version="1.0" encoding="utf-8"?>
 <p:sld xmlns:a="http://schemas.openxmlformats.org/drawingml/2006/main" xmlns:r="http://schemas.openxmlformats.org/officeDocument/2006/relationships" xmlns:p="http://schemas.openxmlformats.org/presentationml/2006/main">
   <p:cSld>
     <p:spTree>
@@ -15295,7 +15022,7 @@
 </p:sld>
 </file>
 
-<file path=ppt/slides/slide44.xml><?xml version="1.0" encoding="utf-8"?>
+<file path=ppt/slides/slide41.xml><?xml version="1.0" encoding="utf-8"?>
 <p:sld xmlns:a="http://schemas.openxmlformats.org/drawingml/2006/main" xmlns:r="http://schemas.openxmlformats.org/officeDocument/2006/relationships" xmlns:p="http://schemas.openxmlformats.org/presentationml/2006/main">
   <p:cSld>
     <p:spTree>
@@ -15591,7 +15318,7 @@
 </p:sld>
 </file>
 
-<file path=ppt/slides/slide45.xml><?xml version="1.0" encoding="utf-8"?>
+<file path=ppt/slides/slide42.xml><?xml version="1.0" encoding="utf-8"?>
 <p:sld xmlns:a="http://schemas.openxmlformats.org/drawingml/2006/main" xmlns:r="http://schemas.openxmlformats.org/officeDocument/2006/relationships" xmlns:p="http://schemas.openxmlformats.org/presentationml/2006/main">
   <p:cSld>
     <p:spTree>
@@ -15759,7 +15486,7 @@
 </p:sld>
 </file>
 
-<file path=ppt/slides/slide46.xml><?xml version="1.0" encoding="utf-8"?>
+<file path=ppt/slides/slide43.xml><?xml version="1.0" encoding="utf-8"?>
 <p:sld xmlns:a="http://schemas.openxmlformats.org/drawingml/2006/main" xmlns:r="http://schemas.openxmlformats.org/officeDocument/2006/relationships" xmlns:p="http://schemas.openxmlformats.org/presentationml/2006/main">
   <p:cSld>
     <p:spTree>
@@ -15831,7 +15558,7 @@
 </p:sld>
 </file>
 
-<file path=ppt/slides/slide47.xml><?xml version="1.0" encoding="utf-8"?>
+<file path=ppt/slides/slide44.xml><?xml version="1.0" encoding="utf-8"?>
 <p:sld xmlns:a="http://schemas.openxmlformats.org/drawingml/2006/main" xmlns:r="http://schemas.openxmlformats.org/officeDocument/2006/relationships" xmlns:p="http://schemas.openxmlformats.org/presentationml/2006/main">
   <p:cSld>
     <p:spTree>
@@ -16038,7 +15765,7 @@
 </p:sld>
 </file>
 
-<file path=ppt/slides/slide48.xml><?xml version="1.0" encoding="utf-8"?>
+<file path=ppt/slides/slide45.xml><?xml version="1.0" encoding="utf-8"?>
 <p:sld xmlns:a="http://schemas.openxmlformats.org/drawingml/2006/main" xmlns:r="http://schemas.openxmlformats.org/officeDocument/2006/relationships" xmlns:p="http://schemas.openxmlformats.org/presentationml/2006/main">
   <p:cSld>
     <p:spTree>
@@ -16116,7 +15843,7 @@
 </p:sld>
 </file>
 
-<file path=ppt/slides/slide49.xml><?xml version="1.0" encoding="utf-8"?>
+<file path=ppt/slides/slide46.xml><?xml version="1.0" encoding="utf-8"?>
 <p:sld xmlns:a="http://schemas.openxmlformats.org/drawingml/2006/main" xmlns:r="http://schemas.openxmlformats.org/officeDocument/2006/relationships" xmlns:p="http://schemas.openxmlformats.org/presentationml/2006/main">
   <p:cSld>
     <p:spTree>
@@ -16324,327 +16051,7 @@
 </p:sld>
 </file>
 
-<file path=ppt/slides/slide5.xml><?xml version="1.0" encoding="utf-8"?>
-<p:sld xmlns:a="http://schemas.openxmlformats.org/drawingml/2006/main" xmlns:r="http://schemas.openxmlformats.org/officeDocument/2006/relationships" xmlns:p="http://schemas.openxmlformats.org/presentationml/2006/main">
-  <p:cSld>
-    <p:spTree>
-      <p:nvGrpSpPr>
-        <p:cNvPr id="1" name=""/>
-        <p:cNvGrpSpPr/>
-        <p:nvPr/>
-      </p:nvGrpSpPr>
-      <p:grpSpPr>
-        <a:xfrm>
-          <a:off x="0" y="0"/>
-          <a:ext cx="0" cy="0"/>
-          <a:chOff x="0" y="0"/>
-          <a:chExt cx="0" cy="0"/>
-        </a:xfrm>
-      </p:grpSpPr>
-      <p:sp>
-        <p:nvSpPr>
-          <p:cNvPr id="2" name="标题 1"/>
-          <p:cNvSpPr>
-            <a:spLocks noGrp="1"/>
-          </p:cNvSpPr>
-          <p:nvPr>
-            <p:ph type="title"/>
-          </p:nvPr>
-        </p:nvSpPr>
-        <p:spPr>
-          <a:xfrm>
-            <a:off x="2639617" y="260649"/>
-            <a:ext cx="7704667" cy="1315615"/>
-          </a:xfrm>
-        </p:spPr>
-        <p:txBody>
-          <a:bodyPr>
-            <a:normAutofit/>
-          </a:bodyPr>
-          <a:lstStyle/>
-          <a:p>
-            <a:r>
-              <a:rPr lang="en-US" altLang="zh-CN" sz="4800" b="1" dirty="0"/>
-              <a:t>2</a:t>
-            </a:r>
-            <a:r>
-              <a:rPr lang="zh-CN" altLang="en-US" sz="4800" b="1" dirty="0"/>
-              <a:t>、项目名称实训内容介绍</a:t>
-            </a:r>
-          </a:p>
-        </p:txBody>
-      </p:sp>
-      <p:sp>
-        <p:nvSpPr>
-          <p:cNvPr id="3" name="内容占位符 2"/>
-          <p:cNvSpPr>
-            <a:spLocks noGrp="1"/>
-          </p:cNvSpPr>
-          <p:nvPr>
-            <p:ph idx="1"/>
-          </p:nvPr>
-        </p:nvSpPr>
-        <p:spPr>
-          <a:xfrm>
-            <a:off x="2645725" y="1412776"/>
-            <a:ext cx="7344816" cy="4536504"/>
-          </a:xfrm>
-        </p:spPr>
-        <p:txBody>
-          <a:bodyPr>
-            <a:normAutofit/>
-          </a:bodyPr>
-          <a:lstStyle/>
-          <a:p>
-            <a:r>
-              <a:rPr lang="zh-CN" altLang="en-US" sz="2800" dirty="0"/>
-              <a:t>项目名称：</a:t>
-            </a:r>
-            <a:r>
-              <a:rPr lang="en-US" altLang="zh-CN" sz="2800" dirty="0">
-                <a:solidFill>
-                  <a:srgbClr val="FF0000"/>
-                </a:solidFill>
-                <a:sym typeface="+mn-ea"/>
-              </a:rPr>
-              <a:t>Arduino</a:t>
-            </a:r>
-            <a:endParaRPr lang="en-US" altLang="zh-CN" sz="2800" dirty="0">
-              <a:solidFill>
-                <a:srgbClr val="FF0000"/>
-              </a:solidFill>
-            </a:endParaRPr>
-          </a:p>
-          <a:p>
-            <a:r>
-              <a:rPr lang="zh-CN" altLang="en-US" sz="2800" dirty="0"/>
-              <a:t>项目内容：</a:t>
-            </a:r>
-            <a:r>
-              <a:rPr lang="zh-CN" altLang="zh-CN" sz="2800" dirty="0"/>
-              <a:t> </a:t>
-            </a:r>
-            <a:endParaRPr lang="en-US" altLang="zh-CN" sz="2800" dirty="0"/>
-          </a:p>
-          <a:p>
-            <a:pPr marL="0" indent="0">
-              <a:buNone/>
-            </a:pPr>
-            <a:r>
-              <a:rPr lang="en-US" altLang="zh-CN" sz="2800" dirty="0"/>
-              <a:t>        </a:t>
-            </a:r>
-            <a:r>
-              <a:rPr lang="zh-CN" altLang="zh-CN" sz="2800" dirty="0">
-                <a:sym typeface="+mn-ea"/>
-              </a:rPr>
-              <a:t>实训项目实现真实</a:t>
-            </a:r>
-            <a:r>
-              <a:rPr lang="zh-CN" altLang="zh-CN" sz="2800" b="1" dirty="0">
-                <a:solidFill>
-                  <a:srgbClr val="FF0000"/>
-                </a:solidFill>
-                <a:sym typeface="+mn-ea"/>
-              </a:rPr>
-              <a:t>气象检测</a:t>
-            </a:r>
-            <a:r>
-              <a:rPr lang="zh-CN" altLang="zh-CN" sz="2800" dirty="0">
-                <a:sym typeface="+mn-ea"/>
-              </a:rPr>
-              <a:t>系统的部分功能，项目基于开源电子平台</a:t>
-            </a:r>
-            <a:r>
-              <a:rPr lang="en-US" altLang="zh-CN" sz="2800" dirty="0" err="1">
-                <a:sym typeface="+mn-ea"/>
-              </a:rPr>
-              <a:t>Arduino</a:t>
-            </a:r>
-            <a:r>
-              <a:rPr lang="zh-CN" altLang="zh-CN" sz="2800" dirty="0">
-                <a:sym typeface="+mn-ea"/>
-              </a:rPr>
-              <a:t>包含</a:t>
-            </a:r>
-            <a:r>
-              <a:rPr lang="zh-CN" altLang="zh-CN" sz="2800" b="1" dirty="0">
-                <a:solidFill>
-                  <a:srgbClr val="FF0000"/>
-                </a:solidFill>
-                <a:sym typeface="+mn-ea"/>
-              </a:rPr>
-              <a:t>硬件</a:t>
-            </a:r>
-            <a:r>
-              <a:rPr lang="en-US" altLang="zh-CN" sz="2800" dirty="0">
-                <a:sym typeface="+mn-ea"/>
-              </a:rPr>
-              <a:t>(</a:t>
-            </a:r>
-            <a:r>
-              <a:rPr lang="en-US" altLang="zh-CN" sz="2800" dirty="0" err="1">
-                <a:sym typeface="+mn-ea"/>
-              </a:rPr>
-              <a:t>Arduino</a:t>
-            </a:r>
-            <a:r>
-              <a:rPr lang="en-US" altLang="zh-CN" sz="2800" dirty="0">
-                <a:sym typeface="+mn-ea"/>
-              </a:rPr>
-              <a:t> UNO</a:t>
-            </a:r>
-            <a:r>
-              <a:rPr lang="zh-CN" altLang="zh-CN" sz="2800" dirty="0">
-                <a:sym typeface="+mn-ea"/>
-              </a:rPr>
-              <a:t>板</a:t>
-            </a:r>
-            <a:r>
-              <a:rPr lang="en-US" altLang="zh-CN" sz="2800" dirty="0">
-                <a:sym typeface="+mn-ea"/>
-              </a:rPr>
-              <a:t>)</a:t>
-            </a:r>
-            <a:r>
-              <a:rPr lang="zh-CN" altLang="zh-CN" sz="2800" dirty="0">
-                <a:sym typeface="+mn-ea"/>
-              </a:rPr>
-              <a:t>和</a:t>
-            </a:r>
-            <a:r>
-              <a:rPr lang="zh-CN" altLang="zh-CN" sz="2800" b="1" dirty="0">
-                <a:solidFill>
-                  <a:srgbClr val="FF0000"/>
-                </a:solidFill>
-                <a:sym typeface="+mn-ea"/>
-              </a:rPr>
-              <a:t>软件</a:t>
-            </a:r>
-            <a:r>
-              <a:rPr lang="en-US" altLang="zh-CN" sz="2800" dirty="0">
-                <a:sym typeface="+mn-ea"/>
-              </a:rPr>
-              <a:t>(</a:t>
-            </a:r>
-            <a:r>
-              <a:rPr lang="en-US" altLang="zh-CN" sz="2800" dirty="0" err="1">
-                <a:sym typeface="+mn-ea"/>
-              </a:rPr>
-              <a:t>Arduino</a:t>
-            </a:r>
-            <a:r>
-              <a:rPr lang="en-US" altLang="zh-CN" sz="2800" dirty="0">
-                <a:sym typeface="+mn-ea"/>
-              </a:rPr>
-              <a:t> IDE)</a:t>
-            </a:r>
-            <a:r>
-              <a:rPr lang="zh-CN" altLang="zh-CN" sz="2800" dirty="0">
-                <a:sym typeface="+mn-ea"/>
-              </a:rPr>
-              <a:t>，</a:t>
-            </a:r>
-            <a:r>
-              <a:rPr lang="en-US" altLang="zh-CN" sz="2800" dirty="0">
-                <a:sym typeface="+mn-ea"/>
-              </a:rPr>
-              <a:t>ESP8266-12E</a:t>
-            </a:r>
-            <a:r>
-              <a:rPr lang="zh-CN" altLang="zh-CN" sz="2800" dirty="0">
-                <a:sym typeface="+mn-ea"/>
-              </a:rPr>
-              <a:t>开发板</a:t>
-            </a:r>
-            <a:r>
-              <a:rPr lang="en-US" altLang="zh-CN" sz="2800" dirty="0">
-                <a:sym typeface="+mn-ea"/>
-              </a:rPr>
-              <a:t>,</a:t>
-            </a:r>
-            <a:r>
-              <a:rPr lang="en-US" altLang="zh-CN" sz="2800" dirty="0" err="1">
-                <a:sym typeface="+mn-ea"/>
-              </a:rPr>
-              <a:t>NodeMCU</a:t>
-            </a:r>
-            <a:r>
-              <a:rPr lang="zh-CN" altLang="zh-CN" sz="2800" dirty="0">
-                <a:sym typeface="+mn-ea"/>
-              </a:rPr>
-              <a:t>开发环境，通过使用环境检测的</a:t>
-            </a:r>
-            <a:r>
-              <a:rPr lang="zh-CN" altLang="zh-CN" sz="2800" b="1" dirty="0">
-                <a:solidFill>
-                  <a:srgbClr val="FF0000"/>
-                </a:solidFill>
-                <a:sym typeface="+mn-ea"/>
-              </a:rPr>
-              <a:t>传感器</a:t>
-            </a:r>
-            <a:r>
-              <a:rPr lang="zh-CN" altLang="zh-CN" sz="2800" dirty="0">
-                <a:sym typeface="+mn-ea"/>
-              </a:rPr>
-              <a:t>实现数据的采集检测，然后通过</a:t>
-            </a:r>
-            <a:r>
-              <a:rPr lang="en-US" altLang="zh-CN" sz="2800" b="1" dirty="0">
-                <a:solidFill>
-                  <a:srgbClr val="FF0000"/>
-                </a:solidFill>
-                <a:sym typeface="+mn-ea"/>
-              </a:rPr>
-              <a:t>WIFI</a:t>
-            </a:r>
-            <a:r>
-              <a:rPr lang="zh-CN" altLang="zh-CN" sz="2800" b="1" dirty="0">
-                <a:solidFill>
-                  <a:srgbClr val="FF0000"/>
-                </a:solidFill>
-                <a:sym typeface="+mn-ea"/>
-              </a:rPr>
-              <a:t>网络</a:t>
-            </a:r>
-            <a:r>
-              <a:rPr lang="en-US" altLang="zh-CN" sz="2800" dirty="0">
-                <a:sym typeface="+mn-ea"/>
-              </a:rPr>
-              <a:t>,</a:t>
-            </a:r>
-            <a:r>
-              <a:rPr lang="zh-CN" altLang="zh-CN" sz="2800" dirty="0">
-                <a:sym typeface="+mn-ea"/>
-              </a:rPr>
-              <a:t>发布实时的气象检测数据。</a:t>
-            </a:r>
-            <a:endParaRPr lang="zh-CN" altLang="en-US" sz="2800" dirty="0"/>
-          </a:p>
-        </p:txBody>
-      </p:sp>
-    </p:spTree>
-  </p:cSld>
-  <p:clrMapOvr>
-    <a:masterClrMapping/>
-  </p:clrMapOvr>
-  <mc:AlternateContent xmlns:mc="http://schemas.openxmlformats.org/markup-compatibility/2006" xmlns:p14="http://schemas.microsoft.com/office/powerpoint/2010/main">
-    <mc:Choice Requires="p14">
-      <p:transition spd="slow" p14:dur="1250">
-        <p:push dir="u"/>
-      </p:transition>
-    </mc:Choice>
-    <mc:Fallback xmlns="">
-      <p:transition spd="slow">
-        <p:push dir="u"/>
-      </p:transition>
-    </mc:Fallback>
-  </mc:AlternateContent>
-</p:sld>
-</file>
-
-<file path=ppt/slides/slide50.xml><?xml version="1.0" encoding="utf-8"?>
+<file path=ppt/slides/slide47.xml><?xml version="1.0" encoding="utf-8"?>
 <p:sld xmlns:a="http://schemas.openxmlformats.org/drawingml/2006/main" xmlns:r="http://schemas.openxmlformats.org/officeDocument/2006/relationships" xmlns:p="http://schemas.openxmlformats.org/presentationml/2006/main">
   <p:cSld>
     <p:spTree>
@@ -16812,7 +16219,7 @@
 </p:sld>
 </file>
 
-<file path=ppt/slides/slide51.xml><?xml version="1.0" encoding="utf-8"?>
+<file path=ppt/slides/slide48.xml><?xml version="1.0" encoding="utf-8"?>
 <p:sld xmlns:a="http://schemas.openxmlformats.org/drawingml/2006/main" xmlns:r="http://schemas.openxmlformats.org/officeDocument/2006/relationships" xmlns:p="http://schemas.openxmlformats.org/presentationml/2006/main">
   <p:cSld>
     <p:spTree>
@@ -16899,6 +16306,326 @@
         <p14:creationId xmlns:p14="http://schemas.microsoft.com/office/powerpoint/2010/main" val="1208865810"/>
       </p:ext>
     </p:extLst>
+  </p:cSld>
+  <p:clrMapOvr>
+    <a:masterClrMapping/>
+  </p:clrMapOvr>
+  <mc:AlternateContent xmlns:mc="http://schemas.openxmlformats.org/markup-compatibility/2006" xmlns:p14="http://schemas.microsoft.com/office/powerpoint/2010/main">
+    <mc:Choice Requires="p14">
+      <p:transition spd="slow" p14:dur="1250">
+        <p:push dir="u"/>
+      </p:transition>
+    </mc:Choice>
+    <mc:Fallback xmlns="">
+      <p:transition spd="slow">
+        <p:push dir="u"/>
+      </p:transition>
+    </mc:Fallback>
+  </mc:AlternateContent>
+</p:sld>
+</file>
+
+<file path=ppt/slides/slide5.xml><?xml version="1.0" encoding="utf-8"?>
+<p:sld xmlns:a="http://schemas.openxmlformats.org/drawingml/2006/main" xmlns:r="http://schemas.openxmlformats.org/officeDocument/2006/relationships" xmlns:p="http://schemas.openxmlformats.org/presentationml/2006/main">
+  <p:cSld>
+    <p:spTree>
+      <p:nvGrpSpPr>
+        <p:cNvPr id="1" name=""/>
+        <p:cNvGrpSpPr/>
+        <p:nvPr/>
+      </p:nvGrpSpPr>
+      <p:grpSpPr>
+        <a:xfrm>
+          <a:off x="0" y="0"/>
+          <a:ext cx="0" cy="0"/>
+          <a:chOff x="0" y="0"/>
+          <a:chExt cx="0" cy="0"/>
+        </a:xfrm>
+      </p:grpSpPr>
+      <p:sp>
+        <p:nvSpPr>
+          <p:cNvPr id="2" name="标题 1"/>
+          <p:cNvSpPr>
+            <a:spLocks noGrp="1"/>
+          </p:cNvSpPr>
+          <p:nvPr>
+            <p:ph type="title"/>
+          </p:nvPr>
+        </p:nvSpPr>
+        <p:spPr>
+          <a:xfrm>
+            <a:off x="2639617" y="260649"/>
+            <a:ext cx="7704667" cy="1315615"/>
+          </a:xfrm>
+        </p:spPr>
+        <p:txBody>
+          <a:bodyPr>
+            <a:normAutofit/>
+          </a:bodyPr>
+          <a:lstStyle/>
+          <a:p>
+            <a:r>
+              <a:rPr lang="en-US" altLang="zh-CN" sz="4800" b="1" dirty="0"/>
+              <a:t>2</a:t>
+            </a:r>
+            <a:r>
+              <a:rPr lang="zh-CN" altLang="en-US" sz="4800" b="1" dirty="0"/>
+              <a:t>、项目名称实训内容介绍</a:t>
+            </a:r>
+          </a:p>
+        </p:txBody>
+      </p:sp>
+      <p:sp>
+        <p:nvSpPr>
+          <p:cNvPr id="3" name="内容占位符 2"/>
+          <p:cNvSpPr>
+            <a:spLocks noGrp="1"/>
+          </p:cNvSpPr>
+          <p:nvPr>
+            <p:ph idx="1"/>
+          </p:nvPr>
+        </p:nvSpPr>
+        <p:spPr>
+          <a:xfrm>
+            <a:off x="2645725" y="1412776"/>
+            <a:ext cx="7344816" cy="4536504"/>
+          </a:xfrm>
+        </p:spPr>
+        <p:txBody>
+          <a:bodyPr>
+            <a:normAutofit/>
+          </a:bodyPr>
+          <a:lstStyle/>
+          <a:p>
+            <a:r>
+              <a:rPr lang="zh-CN" altLang="en-US" sz="2800" dirty="0"/>
+              <a:t>项目名称：</a:t>
+            </a:r>
+            <a:r>
+              <a:rPr lang="en-US" altLang="zh-CN" sz="2800" dirty="0">
+                <a:solidFill>
+                  <a:srgbClr val="FF0000"/>
+                </a:solidFill>
+                <a:sym typeface="+mn-ea"/>
+              </a:rPr>
+              <a:t>Arduino</a:t>
+            </a:r>
+            <a:endParaRPr lang="en-US" altLang="zh-CN" sz="2800" dirty="0">
+              <a:solidFill>
+                <a:srgbClr val="FF0000"/>
+              </a:solidFill>
+            </a:endParaRPr>
+          </a:p>
+          <a:p>
+            <a:r>
+              <a:rPr lang="zh-CN" altLang="en-US" sz="2800" dirty="0"/>
+              <a:t>项目内容：</a:t>
+            </a:r>
+            <a:r>
+              <a:rPr lang="zh-CN" altLang="zh-CN" sz="2800" dirty="0"/>
+              <a:t> </a:t>
+            </a:r>
+            <a:endParaRPr lang="en-US" altLang="zh-CN" sz="2800" dirty="0"/>
+          </a:p>
+          <a:p>
+            <a:pPr marL="0" indent="0">
+              <a:buNone/>
+            </a:pPr>
+            <a:r>
+              <a:rPr lang="en-US" altLang="zh-CN" sz="2800" dirty="0"/>
+              <a:t>        </a:t>
+            </a:r>
+            <a:r>
+              <a:rPr lang="zh-CN" altLang="zh-CN" sz="2800" dirty="0">
+                <a:sym typeface="+mn-ea"/>
+              </a:rPr>
+              <a:t>实训项目实现真实</a:t>
+            </a:r>
+            <a:r>
+              <a:rPr lang="zh-CN" altLang="zh-CN" sz="2800" b="1" dirty="0">
+                <a:solidFill>
+                  <a:srgbClr val="FF0000"/>
+                </a:solidFill>
+                <a:sym typeface="+mn-ea"/>
+              </a:rPr>
+              <a:t>气象检测</a:t>
+            </a:r>
+            <a:r>
+              <a:rPr lang="zh-CN" altLang="zh-CN" sz="2800" dirty="0">
+                <a:sym typeface="+mn-ea"/>
+              </a:rPr>
+              <a:t>系统的部分功能，项目基于开源电子平台</a:t>
+            </a:r>
+            <a:r>
+              <a:rPr lang="en-US" altLang="zh-CN" sz="2800" dirty="0" err="1">
+                <a:sym typeface="+mn-ea"/>
+              </a:rPr>
+              <a:t>Arduino</a:t>
+            </a:r>
+            <a:r>
+              <a:rPr lang="zh-CN" altLang="zh-CN" sz="2800" dirty="0">
+                <a:sym typeface="+mn-ea"/>
+              </a:rPr>
+              <a:t>包含</a:t>
+            </a:r>
+            <a:r>
+              <a:rPr lang="zh-CN" altLang="zh-CN" sz="2800" b="1" dirty="0">
+                <a:solidFill>
+                  <a:srgbClr val="FF0000"/>
+                </a:solidFill>
+                <a:sym typeface="+mn-ea"/>
+              </a:rPr>
+              <a:t>硬件</a:t>
+            </a:r>
+            <a:r>
+              <a:rPr lang="en-US" altLang="zh-CN" sz="2800" dirty="0">
+                <a:sym typeface="+mn-ea"/>
+              </a:rPr>
+              <a:t>(</a:t>
+            </a:r>
+            <a:r>
+              <a:rPr lang="en-US" altLang="zh-CN" sz="2800" dirty="0" err="1">
+                <a:sym typeface="+mn-ea"/>
+              </a:rPr>
+              <a:t>Arduino</a:t>
+            </a:r>
+            <a:r>
+              <a:rPr lang="en-US" altLang="zh-CN" sz="2800" dirty="0">
+                <a:sym typeface="+mn-ea"/>
+              </a:rPr>
+              <a:t> UNO</a:t>
+            </a:r>
+            <a:r>
+              <a:rPr lang="zh-CN" altLang="zh-CN" sz="2800" dirty="0">
+                <a:sym typeface="+mn-ea"/>
+              </a:rPr>
+              <a:t>板</a:t>
+            </a:r>
+            <a:r>
+              <a:rPr lang="en-US" altLang="zh-CN" sz="2800" dirty="0">
+                <a:sym typeface="+mn-ea"/>
+              </a:rPr>
+              <a:t>)</a:t>
+            </a:r>
+            <a:r>
+              <a:rPr lang="zh-CN" altLang="zh-CN" sz="2800" dirty="0">
+                <a:sym typeface="+mn-ea"/>
+              </a:rPr>
+              <a:t>和</a:t>
+            </a:r>
+            <a:r>
+              <a:rPr lang="zh-CN" altLang="zh-CN" sz="2800" b="1" dirty="0">
+                <a:solidFill>
+                  <a:srgbClr val="FF0000"/>
+                </a:solidFill>
+                <a:sym typeface="+mn-ea"/>
+              </a:rPr>
+              <a:t>软件</a:t>
+            </a:r>
+            <a:r>
+              <a:rPr lang="en-US" altLang="zh-CN" sz="2800" dirty="0">
+                <a:sym typeface="+mn-ea"/>
+              </a:rPr>
+              <a:t>(</a:t>
+            </a:r>
+            <a:r>
+              <a:rPr lang="en-US" altLang="zh-CN" sz="2800" dirty="0" err="1">
+                <a:sym typeface="+mn-ea"/>
+              </a:rPr>
+              <a:t>Arduino</a:t>
+            </a:r>
+            <a:r>
+              <a:rPr lang="en-US" altLang="zh-CN" sz="2800" dirty="0">
+                <a:sym typeface="+mn-ea"/>
+              </a:rPr>
+              <a:t> IDE)</a:t>
+            </a:r>
+            <a:r>
+              <a:rPr lang="zh-CN" altLang="zh-CN" sz="2800" dirty="0">
+                <a:sym typeface="+mn-ea"/>
+              </a:rPr>
+              <a:t>，</a:t>
+            </a:r>
+            <a:r>
+              <a:rPr lang="en-US" altLang="zh-CN" sz="2800" dirty="0">
+                <a:sym typeface="+mn-ea"/>
+              </a:rPr>
+              <a:t>ESP8266-12E</a:t>
+            </a:r>
+            <a:r>
+              <a:rPr lang="zh-CN" altLang="zh-CN" sz="2800" dirty="0">
+                <a:sym typeface="+mn-ea"/>
+              </a:rPr>
+              <a:t>开发板</a:t>
+            </a:r>
+            <a:r>
+              <a:rPr lang="en-US" altLang="zh-CN" sz="2800" dirty="0">
+                <a:sym typeface="+mn-ea"/>
+              </a:rPr>
+              <a:t>,</a:t>
+            </a:r>
+            <a:r>
+              <a:rPr lang="en-US" altLang="zh-CN" sz="2800" dirty="0" err="1">
+                <a:sym typeface="+mn-ea"/>
+              </a:rPr>
+              <a:t>NodeMCU</a:t>
+            </a:r>
+            <a:r>
+              <a:rPr lang="zh-CN" altLang="zh-CN" sz="2800" dirty="0">
+                <a:sym typeface="+mn-ea"/>
+              </a:rPr>
+              <a:t>开发环境，通过使用环境检测的</a:t>
+            </a:r>
+            <a:r>
+              <a:rPr lang="zh-CN" altLang="zh-CN" sz="2800" b="1" dirty="0">
+                <a:solidFill>
+                  <a:srgbClr val="FF0000"/>
+                </a:solidFill>
+                <a:sym typeface="+mn-ea"/>
+              </a:rPr>
+              <a:t>传感器</a:t>
+            </a:r>
+            <a:r>
+              <a:rPr lang="zh-CN" altLang="zh-CN" sz="2800" dirty="0">
+                <a:sym typeface="+mn-ea"/>
+              </a:rPr>
+              <a:t>实现数据的采集检测，然后通过</a:t>
+            </a:r>
+            <a:r>
+              <a:rPr lang="en-US" altLang="zh-CN" sz="2800" b="1" dirty="0">
+                <a:solidFill>
+                  <a:srgbClr val="FF0000"/>
+                </a:solidFill>
+                <a:sym typeface="+mn-ea"/>
+              </a:rPr>
+              <a:t>WIFI</a:t>
+            </a:r>
+            <a:r>
+              <a:rPr lang="zh-CN" altLang="zh-CN" sz="2800" b="1" dirty="0">
+                <a:solidFill>
+                  <a:srgbClr val="FF0000"/>
+                </a:solidFill>
+                <a:sym typeface="+mn-ea"/>
+              </a:rPr>
+              <a:t>网络</a:t>
+            </a:r>
+            <a:r>
+              <a:rPr lang="en-US" altLang="zh-CN" sz="2800" dirty="0">
+                <a:sym typeface="+mn-ea"/>
+              </a:rPr>
+              <a:t>,</a:t>
+            </a:r>
+            <a:r>
+              <a:rPr lang="zh-CN" altLang="zh-CN" sz="2800" dirty="0">
+                <a:sym typeface="+mn-ea"/>
+              </a:rPr>
+              <a:t>发布实时的气象检测数据。</a:t>
+            </a:r>
+            <a:endParaRPr lang="zh-CN" altLang="en-US" sz="2800" dirty="0"/>
+          </a:p>
+        </p:txBody>
+      </p:sp>
+    </p:spTree>
   </p:cSld>
   <p:clrMapOvr>
     <a:masterClrMapping/>

--- a/1/1.pptx
+++ b/1/1.pptx
@@ -675,7 +675,7 @@
           <a:p>
             <a:fld id="{530820CF-B880-4189-942D-D702A7CBA730}" type="datetimeFigureOut">
               <a:rPr lang="zh-CN" altLang="en-US" smtClean="0"/>
-              <a:t>2021/7/8</a:t>
+              <a:t>2021/7/19</a:t>
             </a:fld>
             <a:endParaRPr lang="zh-CN" altLang="en-US"/>
           </a:p>
@@ -1074,7 +1074,7 @@
           <a:p>
             <a:fld id="{530820CF-B880-4189-942D-D702A7CBA730}" type="datetimeFigureOut">
               <a:rPr lang="zh-CN" altLang="en-US" smtClean="0"/>
-              <a:t>2021/7/8</a:t>
+              <a:t>2021/7/19</a:t>
             </a:fld>
             <a:endParaRPr lang="zh-CN" altLang="en-US"/>
           </a:p>
@@ -1334,7 +1334,7 @@
           <a:p>
             <a:fld id="{530820CF-B880-4189-942D-D702A7CBA730}" type="datetimeFigureOut">
               <a:rPr lang="zh-CN" altLang="en-US" smtClean="0"/>
-              <a:t>2021/7/8</a:t>
+              <a:t>2021/7/19</a:t>
             </a:fld>
             <a:endParaRPr lang="zh-CN" altLang="en-US"/>
           </a:p>
@@ -1886,7 +1886,7 @@
           <a:p>
             <a:fld id="{530820CF-B880-4189-942D-D702A7CBA730}" type="datetimeFigureOut">
               <a:rPr lang="zh-CN" altLang="en-US" smtClean="0"/>
-              <a:t>2021/7/8</a:t>
+              <a:t>2021/7/19</a:t>
             </a:fld>
             <a:endParaRPr lang="zh-CN" altLang="en-US"/>
           </a:p>
@@ -2146,7 +2146,7 @@
           <a:p>
             <a:fld id="{530820CF-B880-4189-942D-D702A7CBA730}" type="datetimeFigureOut">
               <a:rPr lang="zh-CN" altLang="en-US" smtClean="0"/>
-              <a:t>2021/7/8</a:t>
+              <a:t>2021/7/19</a:t>
             </a:fld>
             <a:endParaRPr lang="zh-CN" altLang="en-US"/>
           </a:p>
@@ -2690,7 +2690,7 @@
           <a:p>
             <a:fld id="{530820CF-B880-4189-942D-D702A7CBA730}" type="datetimeFigureOut">
               <a:rPr lang="zh-CN" altLang="en-US" smtClean="0"/>
-              <a:t>2021/7/8</a:t>
+              <a:t>2021/7/19</a:t>
             </a:fld>
             <a:endParaRPr lang="zh-CN" altLang="en-US"/>
           </a:p>
@@ -2999,7 +2999,7 @@
           <a:p>
             <a:fld id="{530820CF-B880-4189-942D-D702A7CBA730}" type="datetimeFigureOut">
               <a:rPr lang="zh-CN" altLang="en-US" smtClean="0"/>
-              <a:t>2021/7/8</a:t>
+              <a:t>2021/7/19</a:t>
             </a:fld>
             <a:endParaRPr lang="zh-CN" altLang="en-US"/>
           </a:p>
@@ -3185,7 +3185,7 @@
           <a:p>
             <a:fld id="{530820CF-B880-4189-942D-D702A7CBA730}" type="datetimeFigureOut">
               <a:rPr lang="zh-CN" altLang="en-US" smtClean="0"/>
-              <a:t>2021/7/8</a:t>
+              <a:t>2021/7/19</a:t>
             </a:fld>
             <a:endParaRPr lang="zh-CN" altLang="en-US"/>
           </a:p>
@@ -3377,7 +3377,7 @@
           <a:p>
             <a:fld id="{530820CF-B880-4189-942D-D702A7CBA730}" type="datetimeFigureOut">
               <a:rPr lang="zh-CN" altLang="en-US" smtClean="0"/>
-              <a:t>2021/7/8</a:t>
+              <a:t>2021/7/19</a:t>
             </a:fld>
             <a:endParaRPr lang="zh-CN" altLang="en-US"/>
           </a:p>
@@ -3574,7 +3574,7 @@
           <a:p>
             <a:fld id="{530820CF-B880-4189-942D-D702A7CBA730}" type="datetimeFigureOut">
               <a:rPr lang="zh-CN" altLang="en-US" smtClean="0"/>
-              <a:t>2021/7/8</a:t>
+              <a:t>2021/7/19</a:t>
             </a:fld>
             <a:endParaRPr lang="zh-CN" altLang="en-US"/>
           </a:p>
@@ -3842,7 +3842,7 @@
           <a:p>
             <a:fld id="{530820CF-B880-4189-942D-D702A7CBA730}" type="datetimeFigureOut">
               <a:rPr lang="zh-CN" altLang="en-US" smtClean="0"/>
-              <a:t>2021/7/8</a:t>
+              <a:t>2021/7/19</a:t>
             </a:fld>
             <a:endParaRPr lang="zh-CN" altLang="en-US"/>
           </a:p>
@@ -4156,7 +4156,7 @@
           <a:p>
             <a:fld id="{530820CF-B880-4189-942D-D702A7CBA730}" type="datetimeFigureOut">
               <a:rPr lang="zh-CN" altLang="en-US" smtClean="0"/>
-              <a:t>2021/7/8</a:t>
+              <a:t>2021/7/19</a:t>
             </a:fld>
             <a:endParaRPr lang="zh-CN" altLang="en-US"/>
           </a:p>
@@ -4610,7 +4610,7 @@
           <a:p>
             <a:fld id="{530820CF-B880-4189-942D-D702A7CBA730}" type="datetimeFigureOut">
               <a:rPr lang="zh-CN" altLang="en-US" smtClean="0"/>
-              <a:t>2021/7/8</a:t>
+              <a:t>2021/7/19</a:t>
             </a:fld>
             <a:endParaRPr lang="zh-CN" altLang="en-US"/>
           </a:p>
@@ -4740,7 +4740,7 @@
           <a:p>
             <a:fld id="{530820CF-B880-4189-942D-D702A7CBA730}" type="datetimeFigureOut">
               <a:rPr lang="zh-CN" altLang="en-US" smtClean="0"/>
-              <a:t>2021/7/8</a:t>
+              <a:t>2021/7/19</a:t>
             </a:fld>
             <a:endParaRPr lang="zh-CN" altLang="en-US"/>
           </a:p>
@@ -4847,7 +4847,7 @@
           <a:p>
             <a:fld id="{530820CF-B880-4189-942D-D702A7CBA730}" type="datetimeFigureOut">
               <a:rPr lang="zh-CN" altLang="en-US" smtClean="0"/>
-              <a:t>2021/7/8</a:t>
+              <a:t>2021/7/19</a:t>
             </a:fld>
             <a:endParaRPr lang="zh-CN" altLang="en-US"/>
           </a:p>
@@ -5142,7 +5142,7 @@
           <a:p>
             <a:fld id="{530820CF-B880-4189-942D-D702A7CBA730}" type="datetimeFigureOut">
               <a:rPr lang="zh-CN" altLang="en-US" smtClean="0"/>
-              <a:t>2021/7/8</a:t>
+              <a:t>2021/7/19</a:t>
             </a:fld>
             <a:endParaRPr lang="zh-CN" altLang="en-US"/>
           </a:p>
@@ -5445,7 +5445,7 @@
           <a:p>
             <a:fld id="{530820CF-B880-4189-942D-D702A7CBA730}" type="datetimeFigureOut">
               <a:rPr lang="zh-CN" altLang="en-US" smtClean="0"/>
-              <a:t>2021/7/8</a:t>
+              <a:t>2021/7/19</a:t>
             </a:fld>
             <a:endParaRPr lang="zh-CN" altLang="en-US"/>
           </a:p>
@@ -5981,7 +5981,7 @@
           <a:p>
             <a:fld id="{530820CF-B880-4189-942D-D702A7CBA730}" type="datetimeFigureOut">
               <a:rPr lang="zh-CN" altLang="en-US" smtClean="0"/>
-              <a:t>2021/7/8</a:t>
+              <a:t>2021/7/19</a:t>
             </a:fld>
             <a:endParaRPr lang="zh-CN" altLang="en-US"/>
           </a:p>
@@ -15598,24 +15598,8 @@
           <a:p>
             <a:pPr algn="ctr"/>
             <a:r>
-              <a:rPr lang="zh-CN" altLang="en-US" dirty="0"/>
-              <a:t>实验</a:t>
-            </a:r>
-            <a:r>
-              <a:rPr lang="en-US" altLang="zh-CN" dirty="0"/>
-              <a:t>4</a:t>
-            </a:r>
-            <a:r>
-              <a:rPr lang="zh-CN" altLang="en-US" dirty="0"/>
-              <a:t>：</a:t>
-            </a:r>
-            <a:r>
-              <a:rPr lang="en-US" altLang="zh-CN" dirty="0"/>
-              <a:t>PWM </a:t>
-            </a:r>
-            <a:r>
-              <a:rPr lang="zh-CN" altLang="zh-CN" dirty="0"/>
-              <a:t>调控灯光亮度</a:t>
+              <a:rPr lang="en-US" altLang="zh-CN"/>
+              <a:t>PWM</a:t>
             </a:r>
             <a:endParaRPr lang="zh-CN" altLang="en-US" dirty="0"/>
           </a:p>
@@ -15862,6 +15846,51 @@
       </p:grpSpPr>
       <p:sp>
         <p:nvSpPr>
+          <p:cNvPr id="2" name="标题 1">
+            <a:extLst>
+              <a:ext uri="{FF2B5EF4-FFF2-40B4-BE49-F238E27FC236}">
+                <a16:creationId xmlns:a16="http://schemas.microsoft.com/office/drawing/2014/main" id="{0F5A1E97-5857-43A2-B7AB-A669A51B7589}"/>
+              </a:ext>
+            </a:extLst>
+          </p:cNvPr>
+          <p:cNvSpPr>
+            <a:spLocks noGrp="1"/>
+          </p:cNvSpPr>
+          <p:nvPr>
+            <p:ph type="title"/>
+          </p:nvPr>
+        </p:nvSpPr>
+        <p:spPr/>
+        <p:txBody>
+          <a:bodyPr/>
+          <a:lstStyle/>
+          <a:p>
+            <a:r>
+              <a:rPr lang="zh-CN" altLang="en-US" dirty="0"/>
+              <a:t>实验</a:t>
+            </a:r>
+            <a:r>
+              <a:rPr lang="en-US" altLang="zh-CN" dirty="0"/>
+              <a:t>4</a:t>
+            </a:r>
+            <a:r>
+              <a:rPr lang="zh-CN" altLang="en-US" dirty="0"/>
+              <a:t>：</a:t>
+            </a:r>
+            <a:r>
+              <a:rPr lang="en-US" altLang="zh-CN" dirty="0"/>
+              <a:t>PWM </a:t>
+            </a:r>
+            <a:r>
+              <a:rPr lang="zh-CN" altLang="zh-CN" dirty="0"/>
+              <a:t>调控灯光亮度</a:t>
+            </a:r>
+            <a:endParaRPr lang="zh-CN" altLang="en-US" dirty="0"/>
+          </a:p>
+        </p:txBody>
+      </p:sp>
+      <p:sp>
+        <p:nvSpPr>
           <p:cNvPr id="3" name="内容占位符 2">
             <a:extLst>
               <a:ext uri="{FF2B5EF4-FFF2-40B4-BE49-F238E27FC236}">
@@ -15878,8 +15907,8 @@
         </p:nvSpPr>
         <p:spPr>
           <a:xfrm>
-            <a:off x="1070042" y="1621344"/>
-            <a:ext cx="10515600" cy="4351338"/>
+            <a:off x="1676400" y="2438401"/>
+            <a:ext cx="10515600" cy="3533774"/>
           </a:xfrm>
         </p:spPr>
         <p:txBody>
